--- a/2023_12_08_论文讲解_张一鸣.pptx
+++ b/2023_12_08_论文讲解_张一鸣.pptx
@@ -5,41 +5,33 @@
     <p:sldMasterId id="2147483648" r:id="rId1"/>
   </p:sldMasterIdLst>
   <p:notesMasterIdLst>
-    <p:notesMasterId r:id="rId4"/>
+    <p:notesMasterId r:id="rId20"/>
   </p:notesMasterIdLst>
   <p:handoutMasterIdLst>
-    <p:handoutMasterId r:id="rId30"/>
+    <p:handoutMasterId r:id="rId21"/>
   </p:handoutMasterIdLst>
   <p:sldIdLst>
-    <p:sldId id="257" r:id="rId3"/>
-    <p:sldId id="258" r:id="rId5"/>
-    <p:sldId id="260" r:id="rId6"/>
+    <p:sldId id="257" r:id="rId2"/>
+    <p:sldId id="275" r:id="rId3"/>
+    <p:sldId id="258" r:id="rId4"/>
+    <p:sldId id="260" r:id="rId5"/>
+    <p:sldId id="283" r:id="rId6"/>
     <p:sldId id="261" r:id="rId7"/>
-    <p:sldId id="269" r:id="rId8"/>
-    <p:sldId id="270" r:id="rId9"/>
-    <p:sldId id="275" r:id="rId10"/>
-    <p:sldId id="276" r:id="rId11"/>
-    <p:sldId id="277" r:id="rId12"/>
-    <p:sldId id="278" r:id="rId13"/>
-    <p:sldId id="279" r:id="rId14"/>
-    <p:sldId id="280" r:id="rId15"/>
-    <p:sldId id="281" r:id="rId16"/>
-    <p:sldId id="282" r:id="rId17"/>
-    <p:sldId id="283" r:id="rId18"/>
-    <p:sldId id="271" r:id="rId19"/>
-    <p:sldId id="272" r:id="rId20"/>
-    <p:sldId id="273" r:id="rId21"/>
-    <p:sldId id="274" r:id="rId22"/>
-    <p:sldId id="262" r:id="rId23"/>
-    <p:sldId id="263" r:id="rId24"/>
-    <p:sldId id="264" r:id="rId25"/>
-    <p:sldId id="265" r:id="rId26"/>
-    <p:sldId id="266" r:id="rId27"/>
-    <p:sldId id="267" r:id="rId28"/>
-    <p:sldId id="268" r:id="rId29"/>
+    <p:sldId id="274" r:id="rId8"/>
+    <p:sldId id="269" r:id="rId9"/>
+    <p:sldId id="270" r:id="rId10"/>
+    <p:sldId id="271" r:id="rId11"/>
+    <p:sldId id="272" r:id="rId12"/>
+    <p:sldId id="262" r:id="rId13"/>
+    <p:sldId id="263" r:id="rId14"/>
+    <p:sldId id="264" r:id="rId15"/>
+    <p:sldId id="265" r:id="rId16"/>
+    <p:sldId id="284" r:id="rId17"/>
+    <p:sldId id="285" r:id="rId18"/>
+    <p:sldId id="286" r:id="rId19"/>
   </p:sldIdLst>
   <p:sldSz cx="12192000" cy="6858000"/>
-  <p:notesSz cx="7103745" cy="10234295"/>
+  <p:notesSz cx="7104063" cy="10234613"/>
   <p:defaultTextStyle>
     <a:defPPr>
       <a:defRPr lang="zh-CN"/>
@@ -135,6 +127,22 @@
       </a:defRPr>
     </a:lvl9pPr>
   </p:defaultTextStyle>
+  <p:extLst>
+    <p:ext uri="{EFAFB233-063F-42B5-8137-9DF3F51BA10A}">
+      <p15:sldGuideLst xmlns:p15="http://schemas.microsoft.com/office/powerpoint/2012/main">
+        <p15:guide id="1" orient="horz" pos="2160">
+          <p15:clr>
+            <a:srgbClr val="A4A3A4"/>
+          </p15:clr>
+        </p15:guide>
+        <p15:guide id="2" pos="3850">
+          <p15:clr>
+            <a:srgbClr val="A4A3A4"/>
+          </p15:clr>
+        </p15:guide>
+      </p15:sldGuideLst>
+    </p:ext>
+  </p:extLst>
 </p:presentation>
 </file>
 
@@ -220,6 +228,7 @@
           <a:p>
             <a:fld id="{0F9B84EA-7D68-4D60-9CB1-D50884785D1C}" type="datetimeFigureOut">
               <a:rPr lang="zh-CN" altLang="en-US" smtClean="0"/>
+              <a:t>2023/12/6</a:t>
             </a:fld>
             <a:endParaRPr lang="zh-CN" altLang="en-US"/>
           </a:p>
@@ -285,12 +294,18 @@
           <a:p>
             <a:fld id="{8D4E0FC9-F1F8-4FAE-9988-3BA365CFD46F}" type="slidenum">
               <a:rPr lang="zh-CN" altLang="en-US" smtClean="0"/>
+              <a:t>‹#›</a:t>
             </a:fld>
             <a:endParaRPr lang="zh-CN" altLang="en-US"/>
           </a:p>
         </p:txBody>
       </p:sp>
     </p:spTree>
+    <p:extLst>
+      <p:ext uri="{BB962C8B-B14F-4D97-AF65-F5344CB8AC3E}">
+        <p14:creationId xmlns:p14="http://schemas.microsoft.com/office/powerpoint/2010/main" val="1"/>
+      </p:ext>
+    </p:extLst>
   </p:cSld>
   <p:clrMap bg1="lt1" tx1="dk1" bg2="lt2" tx2="dk2" accent1="accent1" accent2="accent2" accent3="accent3" accent4="accent4" accent5="accent5" accent6="accent6" hlink="hlink" folHlink="folHlink"/>
 </p:handoutMaster>
@@ -378,6 +393,7 @@
           <a:p>
             <a:fld id="{D6C8D182-E4C8-4120-9249-FC9774456FFA}" type="datetimeFigureOut">
               <a:rPr lang="zh-CN" altLang="en-US" smtClean="0"/>
+              <a:t>2023/12/6</a:t>
             </a:fld>
             <a:endParaRPr lang="zh-CN" altLang="en-US"/>
           </a:p>
@@ -444,7 +460,6 @@
               <a:rPr lang="zh-CN" altLang="en-US"/>
               <a:t>编辑母版文本样式</a:t>
             </a:r>
-            <a:endParaRPr lang="zh-CN" altLang="en-US"/>
           </a:p>
           <a:p>
             <a:pPr lvl="1"/>
@@ -452,7 +467,6 @@
               <a:rPr lang="zh-CN" altLang="en-US"/>
               <a:t>第二级</a:t>
             </a:r>
-            <a:endParaRPr lang="zh-CN" altLang="en-US"/>
           </a:p>
           <a:p>
             <a:pPr lvl="2"/>
@@ -460,7 +474,6 @@
               <a:rPr lang="zh-CN" altLang="en-US"/>
               <a:t>第三级</a:t>
             </a:r>
-            <a:endParaRPr lang="zh-CN" altLang="en-US"/>
           </a:p>
           <a:p>
             <a:pPr lvl="3"/>
@@ -468,7 +481,6 @@
               <a:rPr lang="zh-CN" altLang="en-US"/>
               <a:t>第四级</a:t>
             </a:r>
-            <a:endParaRPr lang="zh-CN" altLang="en-US"/>
           </a:p>
           <a:p>
             <a:pPr lvl="4"/>
@@ -476,7 +488,6 @@
               <a:rPr lang="zh-CN" altLang="en-US"/>
               <a:t>第五级</a:t>
             </a:r>
-            <a:endParaRPr lang="zh-CN" altLang="en-US"/>
           </a:p>
         </p:txBody>
       </p:sp>
@@ -540,6 +551,7 @@
           <a:p>
             <a:fld id="{85D0DACE-38E0-42D2-9336-2B707D34BC6D}" type="slidenum">
               <a:rPr lang="zh-CN" altLang="en-US" smtClean="0"/>
+              <a:t>‹#›</a:t>
             </a:fld>
             <a:endParaRPr lang="zh-CN" altLang="en-US"/>
           </a:p>
@@ -652,11 +664,20 @@
         <p:cNvGrpSpPr/>
         <p:nvPr/>
       </p:nvGrpSpPr>
-      <p:grpSpPr/>
+      <p:grpSpPr>
+        <a:xfrm>
+          <a:off x="0" y="0"/>
+          <a:ext cx="0" cy="0"/>
+          <a:chOff x="0" y="0"/>
+          <a:chExt cx="0" cy="0"/>
+        </a:xfrm>
+      </p:grpSpPr>
       <p:sp>
         <p:nvSpPr>
           <p:cNvPr id="2" name="幻灯片图像占位符 1"/>
-          <p:cNvSpPr/>
+          <p:cNvSpPr>
+            <a:spLocks noGrp="1" noRot="1" noChangeAspect="1"/>
+          </p:cNvSpPr>
           <p:nvPr>
             <p:ph type="sldImg" idx="2"/>
           </p:nvPr>
@@ -666,7 +687,9 @@
       <p:sp>
         <p:nvSpPr>
           <p:cNvPr id="3" name="文本占位符 2"/>
-          <p:cNvSpPr/>
+          <p:cNvSpPr>
+            <a:spLocks noGrp="1"/>
+          </p:cNvSpPr>
           <p:nvPr>
             <p:ph type="body" idx="3"/>
           </p:nvPr>
@@ -674,6 +697,7 @@
         <p:spPr/>
         <p:txBody>
           <a:bodyPr/>
+          <a:lstStyle/>
           <a:p>
             <a:endParaRPr lang="zh-CN" altLang="en-US"/>
           </a:p>
@@ -696,11 +720,20 @@
         <p:cNvGrpSpPr/>
         <p:nvPr/>
       </p:nvGrpSpPr>
-      <p:grpSpPr/>
+      <p:grpSpPr>
+        <a:xfrm>
+          <a:off x="0" y="0"/>
+          <a:ext cx="0" cy="0"/>
+          <a:chOff x="0" y="0"/>
+          <a:chExt cx="0" cy="0"/>
+        </a:xfrm>
+      </p:grpSpPr>
       <p:sp>
         <p:nvSpPr>
           <p:cNvPr id="2" name="幻灯片图像占位符 1"/>
-          <p:cNvSpPr/>
+          <p:cNvSpPr>
+            <a:spLocks noGrp="1" noRot="1" noChangeAspect="1"/>
+          </p:cNvSpPr>
           <p:nvPr>
             <p:ph type="sldImg" idx="2"/>
           </p:nvPr>
@@ -710,7 +743,9 @@
       <p:sp>
         <p:nvSpPr>
           <p:cNvPr id="3" name="文本占位符 2"/>
-          <p:cNvSpPr/>
+          <p:cNvSpPr>
+            <a:spLocks noGrp="1"/>
+          </p:cNvSpPr>
           <p:nvPr>
             <p:ph type="body" idx="3"/>
           </p:nvPr>
@@ -718,6 +753,7 @@
         <p:spPr/>
         <p:txBody>
           <a:bodyPr/>
+          <a:lstStyle/>
           <a:p>
             <a:endParaRPr lang="zh-CN" altLang="en-US"/>
           </a:p>
@@ -740,11 +776,20 @@
         <p:cNvGrpSpPr/>
         <p:nvPr/>
       </p:nvGrpSpPr>
-      <p:grpSpPr/>
+      <p:grpSpPr>
+        <a:xfrm>
+          <a:off x="0" y="0"/>
+          <a:ext cx="0" cy="0"/>
+          <a:chOff x="0" y="0"/>
+          <a:chExt cx="0" cy="0"/>
+        </a:xfrm>
+      </p:grpSpPr>
       <p:sp>
         <p:nvSpPr>
           <p:cNvPr id="2" name="幻灯片图像占位符 1"/>
-          <p:cNvSpPr/>
+          <p:cNvSpPr>
+            <a:spLocks noGrp="1" noRot="1" noChangeAspect="1"/>
+          </p:cNvSpPr>
           <p:nvPr>
             <p:ph type="sldImg" idx="2"/>
           </p:nvPr>
@@ -754,7 +799,9 @@
       <p:sp>
         <p:nvSpPr>
           <p:cNvPr id="3" name="文本占位符 2"/>
-          <p:cNvSpPr/>
+          <p:cNvSpPr>
+            <a:spLocks noGrp="1"/>
+          </p:cNvSpPr>
           <p:nvPr>
             <p:ph type="body" idx="3"/>
           </p:nvPr>
@@ -762,6 +809,7 @@
         <p:spPr/>
         <p:txBody>
           <a:bodyPr/>
+          <a:lstStyle/>
           <a:p>
             <a:endParaRPr lang="zh-CN" altLang="en-US"/>
           </a:p>
@@ -784,11 +832,20 @@
         <p:cNvGrpSpPr/>
         <p:nvPr/>
       </p:nvGrpSpPr>
-      <p:grpSpPr/>
+      <p:grpSpPr>
+        <a:xfrm>
+          <a:off x="0" y="0"/>
+          <a:ext cx="0" cy="0"/>
+          <a:chOff x="0" y="0"/>
+          <a:chExt cx="0" cy="0"/>
+        </a:xfrm>
+      </p:grpSpPr>
       <p:sp>
         <p:nvSpPr>
           <p:cNvPr id="2" name="幻灯片图像占位符 1"/>
-          <p:cNvSpPr/>
+          <p:cNvSpPr>
+            <a:spLocks noGrp="1" noRot="1" noChangeAspect="1"/>
+          </p:cNvSpPr>
           <p:nvPr>
             <p:ph type="sldImg" idx="2"/>
           </p:nvPr>
@@ -798,7 +855,9 @@
       <p:sp>
         <p:nvSpPr>
           <p:cNvPr id="3" name="文本占位符 2"/>
-          <p:cNvSpPr/>
+          <p:cNvSpPr>
+            <a:spLocks noGrp="1"/>
+          </p:cNvSpPr>
           <p:nvPr>
             <p:ph type="body" idx="3"/>
           </p:nvPr>
@@ -806,6 +865,7 @@
         <p:spPr/>
         <p:txBody>
           <a:bodyPr/>
+          <a:lstStyle/>
           <a:p>
             <a:endParaRPr lang="zh-CN" altLang="en-US"/>
           </a:p>
@@ -828,11 +888,20 @@
         <p:cNvGrpSpPr/>
         <p:nvPr/>
       </p:nvGrpSpPr>
-      <p:grpSpPr/>
+      <p:grpSpPr>
+        <a:xfrm>
+          <a:off x="0" y="0"/>
+          <a:ext cx="0" cy="0"/>
+          <a:chOff x="0" y="0"/>
+          <a:chExt cx="0" cy="0"/>
+        </a:xfrm>
+      </p:grpSpPr>
       <p:sp>
         <p:nvSpPr>
           <p:cNvPr id="2" name="幻灯片图像占位符 1"/>
-          <p:cNvSpPr/>
+          <p:cNvSpPr>
+            <a:spLocks noGrp="1" noRot="1" noChangeAspect="1"/>
+          </p:cNvSpPr>
           <p:nvPr>
             <p:ph type="sldImg" idx="2"/>
           </p:nvPr>
@@ -842,7 +911,9 @@
       <p:sp>
         <p:nvSpPr>
           <p:cNvPr id="3" name="文本占位符 2"/>
-          <p:cNvSpPr/>
+          <p:cNvSpPr>
+            <a:spLocks noGrp="1"/>
+          </p:cNvSpPr>
           <p:nvPr>
             <p:ph type="body" idx="3"/>
           </p:nvPr>
@@ -850,6 +921,7 @@
         <p:spPr/>
         <p:txBody>
           <a:bodyPr/>
+          <a:lstStyle/>
           <a:p>
             <a:endParaRPr lang="zh-CN" altLang="en-US"/>
           </a:p>
@@ -872,11 +944,20 @@
         <p:cNvGrpSpPr/>
         <p:nvPr/>
       </p:nvGrpSpPr>
-      <p:grpSpPr/>
+      <p:grpSpPr>
+        <a:xfrm>
+          <a:off x="0" y="0"/>
+          <a:ext cx="0" cy="0"/>
+          <a:chOff x="0" y="0"/>
+          <a:chExt cx="0" cy="0"/>
+        </a:xfrm>
+      </p:grpSpPr>
       <p:sp>
         <p:nvSpPr>
           <p:cNvPr id="2" name="幻灯片图像占位符 1"/>
-          <p:cNvSpPr/>
+          <p:cNvSpPr>
+            <a:spLocks noGrp="1" noRot="1" noChangeAspect="1"/>
+          </p:cNvSpPr>
           <p:nvPr>
             <p:ph type="sldImg" idx="2"/>
           </p:nvPr>
@@ -886,7 +967,9 @@
       <p:sp>
         <p:nvSpPr>
           <p:cNvPr id="3" name="文本占位符 2"/>
-          <p:cNvSpPr/>
+          <p:cNvSpPr>
+            <a:spLocks noGrp="1"/>
+          </p:cNvSpPr>
           <p:nvPr>
             <p:ph type="body" idx="3"/>
           </p:nvPr>
@@ -894,6 +977,7 @@
         <p:spPr/>
         <p:txBody>
           <a:bodyPr/>
+          <a:lstStyle/>
           <a:p>
             <a:endParaRPr lang="zh-CN" altLang="en-US"/>
           </a:p>
@@ -916,11 +1000,20 @@
         <p:cNvGrpSpPr/>
         <p:nvPr/>
       </p:nvGrpSpPr>
-      <p:grpSpPr/>
+      <p:grpSpPr>
+        <a:xfrm>
+          <a:off x="0" y="0"/>
+          <a:ext cx="0" cy="0"/>
+          <a:chOff x="0" y="0"/>
+          <a:chExt cx="0" cy="0"/>
+        </a:xfrm>
+      </p:grpSpPr>
       <p:sp>
         <p:nvSpPr>
           <p:cNvPr id="2" name="幻灯片图像占位符 1"/>
-          <p:cNvSpPr/>
+          <p:cNvSpPr>
+            <a:spLocks noGrp="1" noRot="1" noChangeAspect="1"/>
+          </p:cNvSpPr>
           <p:nvPr>
             <p:ph type="sldImg" idx="2"/>
           </p:nvPr>
@@ -930,7 +1023,9 @@
       <p:sp>
         <p:nvSpPr>
           <p:cNvPr id="3" name="文本占位符 2"/>
-          <p:cNvSpPr/>
+          <p:cNvSpPr>
+            <a:spLocks noGrp="1"/>
+          </p:cNvSpPr>
           <p:nvPr>
             <p:ph type="body" idx="3"/>
           </p:nvPr>
@@ -938,6 +1033,7 @@
         <p:spPr/>
         <p:txBody>
           <a:bodyPr/>
+          <a:lstStyle/>
           <a:p>
             <a:endParaRPr lang="zh-CN" altLang="en-US"/>
           </a:p>
@@ -960,11 +1056,20 @@
         <p:cNvGrpSpPr/>
         <p:nvPr/>
       </p:nvGrpSpPr>
-      <p:grpSpPr/>
+      <p:grpSpPr>
+        <a:xfrm>
+          <a:off x="0" y="0"/>
+          <a:ext cx="0" cy="0"/>
+          <a:chOff x="0" y="0"/>
+          <a:chExt cx="0" cy="0"/>
+        </a:xfrm>
+      </p:grpSpPr>
       <p:sp>
         <p:nvSpPr>
           <p:cNvPr id="2" name="幻灯片图像占位符 1"/>
-          <p:cNvSpPr/>
+          <p:cNvSpPr>
+            <a:spLocks noGrp="1" noRot="1" noChangeAspect="1"/>
+          </p:cNvSpPr>
           <p:nvPr>
             <p:ph type="sldImg" idx="2"/>
           </p:nvPr>
@@ -974,7 +1079,9 @@
       <p:sp>
         <p:nvSpPr>
           <p:cNvPr id="3" name="文本占位符 2"/>
-          <p:cNvSpPr/>
+          <p:cNvSpPr>
+            <a:spLocks noGrp="1"/>
+          </p:cNvSpPr>
           <p:nvPr>
             <p:ph type="body" idx="3"/>
           </p:nvPr>
@@ -982,12 +1089,18 @@
         <p:spPr/>
         <p:txBody>
           <a:bodyPr/>
+          <a:lstStyle/>
           <a:p>
             <a:endParaRPr lang="zh-CN" altLang="en-US"/>
           </a:p>
         </p:txBody>
       </p:sp>
     </p:spTree>
+    <p:extLst>
+      <p:ext uri="{BB962C8B-B14F-4D97-AF65-F5344CB8AC3E}">
+        <p14:creationId xmlns:p14="http://schemas.microsoft.com/office/powerpoint/2010/main" val="3828503326"/>
+      </p:ext>
+    </p:extLst>
   </p:cSld>
   <p:clrMapOvr>
     <a:masterClrMapping/>
@@ -1004,11 +1117,20 @@
         <p:cNvGrpSpPr/>
         <p:nvPr/>
       </p:nvGrpSpPr>
-      <p:grpSpPr/>
+      <p:grpSpPr>
+        <a:xfrm>
+          <a:off x="0" y="0"/>
+          <a:ext cx="0" cy="0"/>
+          <a:chOff x="0" y="0"/>
+          <a:chExt cx="0" cy="0"/>
+        </a:xfrm>
+      </p:grpSpPr>
       <p:sp>
         <p:nvSpPr>
           <p:cNvPr id="2" name="幻灯片图像占位符 1"/>
-          <p:cNvSpPr/>
+          <p:cNvSpPr>
+            <a:spLocks noGrp="1" noRot="1" noChangeAspect="1"/>
+          </p:cNvSpPr>
           <p:nvPr>
             <p:ph type="sldImg" idx="2"/>
           </p:nvPr>
@@ -1018,7 +1140,9 @@
       <p:sp>
         <p:nvSpPr>
           <p:cNvPr id="3" name="文本占位符 2"/>
-          <p:cNvSpPr/>
+          <p:cNvSpPr>
+            <a:spLocks noGrp="1"/>
+          </p:cNvSpPr>
           <p:nvPr>
             <p:ph type="body" idx="3"/>
           </p:nvPr>
@@ -1026,12 +1150,18 @@
         <p:spPr/>
         <p:txBody>
           <a:bodyPr/>
+          <a:lstStyle/>
           <a:p>
             <a:endParaRPr lang="zh-CN" altLang="en-US"/>
           </a:p>
         </p:txBody>
       </p:sp>
     </p:spTree>
+    <p:extLst>
+      <p:ext uri="{BB962C8B-B14F-4D97-AF65-F5344CB8AC3E}">
+        <p14:creationId xmlns:p14="http://schemas.microsoft.com/office/powerpoint/2010/main" val="550220704"/>
+      </p:ext>
+    </p:extLst>
   </p:cSld>
   <p:clrMapOvr>
     <a:masterClrMapping/>
@@ -1048,11 +1178,20 @@
         <p:cNvGrpSpPr/>
         <p:nvPr/>
       </p:nvGrpSpPr>
-      <p:grpSpPr/>
+      <p:grpSpPr>
+        <a:xfrm>
+          <a:off x="0" y="0"/>
+          <a:ext cx="0" cy="0"/>
+          <a:chOff x="0" y="0"/>
+          <a:chExt cx="0" cy="0"/>
+        </a:xfrm>
+      </p:grpSpPr>
       <p:sp>
         <p:nvSpPr>
           <p:cNvPr id="2" name="幻灯片图像占位符 1"/>
-          <p:cNvSpPr/>
+          <p:cNvSpPr>
+            <a:spLocks noGrp="1" noRot="1" noChangeAspect="1"/>
+          </p:cNvSpPr>
           <p:nvPr>
             <p:ph type="sldImg" idx="2"/>
           </p:nvPr>
@@ -1062,7 +1201,9 @@
       <p:sp>
         <p:nvSpPr>
           <p:cNvPr id="3" name="文本占位符 2"/>
-          <p:cNvSpPr/>
+          <p:cNvSpPr>
+            <a:spLocks noGrp="1"/>
+          </p:cNvSpPr>
           <p:nvPr>
             <p:ph type="body" idx="3"/>
           </p:nvPr>
@@ -1070,56 +1211,18 @@
         <p:spPr/>
         <p:txBody>
           <a:bodyPr/>
+          <a:lstStyle/>
           <a:p>
             <a:endParaRPr lang="zh-CN" altLang="en-US"/>
           </a:p>
         </p:txBody>
       </p:sp>
     </p:spTree>
-  </p:cSld>
-  <p:clrMapOvr>
-    <a:masterClrMapping/>
-  </p:clrMapOvr>
-</p:notes>
-</file>
-
-<file path=ppt/notesSlides/notesSlide19.xml><?xml version="1.0" encoding="utf-8"?>
-<p:notes xmlns:a="http://schemas.openxmlformats.org/drawingml/2006/main" xmlns:r="http://schemas.openxmlformats.org/officeDocument/2006/relationships" xmlns:p="http://schemas.openxmlformats.org/presentationml/2006/main">
-  <p:cSld>
-    <p:spTree>
-      <p:nvGrpSpPr>
-        <p:cNvPr id="1" name=""/>
-        <p:cNvGrpSpPr/>
-        <p:nvPr/>
-      </p:nvGrpSpPr>
-      <p:grpSpPr/>
-      <p:sp>
-        <p:nvSpPr>
-          <p:cNvPr id="2" name="幻灯片图像占位符 1"/>
-          <p:cNvSpPr/>
-          <p:nvPr>
-            <p:ph type="sldImg" idx="2"/>
-          </p:nvPr>
-        </p:nvSpPr>
-        <p:spPr/>
-      </p:sp>
-      <p:sp>
-        <p:nvSpPr>
-          <p:cNvPr id="3" name="文本占位符 2"/>
-          <p:cNvSpPr/>
-          <p:nvPr>
-            <p:ph type="body" idx="3"/>
-          </p:nvPr>
-        </p:nvSpPr>
-        <p:spPr/>
-        <p:txBody>
-          <a:bodyPr/>
-          <a:p>
-            <a:endParaRPr lang="zh-CN" altLang="en-US"/>
-          </a:p>
-        </p:txBody>
-      </p:sp>
-    </p:spTree>
+    <p:extLst>
+      <p:ext uri="{BB962C8B-B14F-4D97-AF65-F5344CB8AC3E}">
+        <p14:creationId xmlns:p14="http://schemas.microsoft.com/office/powerpoint/2010/main" val="1811474059"/>
+      </p:ext>
+    </p:extLst>
   </p:cSld>
   <p:clrMapOvr>
     <a:masterClrMapping/>
@@ -1136,11 +1239,20 @@
         <p:cNvGrpSpPr/>
         <p:nvPr/>
       </p:nvGrpSpPr>
-      <p:grpSpPr/>
+      <p:grpSpPr>
+        <a:xfrm>
+          <a:off x="0" y="0"/>
+          <a:ext cx="0" cy="0"/>
+          <a:chOff x="0" y="0"/>
+          <a:chExt cx="0" cy="0"/>
+        </a:xfrm>
+      </p:grpSpPr>
       <p:sp>
         <p:nvSpPr>
           <p:cNvPr id="2" name="幻灯片图像占位符 1"/>
-          <p:cNvSpPr/>
+          <p:cNvSpPr>
+            <a:spLocks noGrp="1" noRot="1" noChangeAspect="1"/>
+          </p:cNvSpPr>
           <p:nvPr>
             <p:ph type="sldImg" idx="2"/>
           </p:nvPr>
@@ -1150,7 +1262,9 @@
       <p:sp>
         <p:nvSpPr>
           <p:cNvPr id="3" name="文本占位符 2"/>
-          <p:cNvSpPr/>
+          <p:cNvSpPr>
+            <a:spLocks noGrp="1"/>
+          </p:cNvSpPr>
           <p:nvPr>
             <p:ph type="body" idx="3"/>
           </p:nvPr>
@@ -1158,334 +1272,20 @@
         <p:spPr/>
         <p:txBody>
           <a:bodyPr/>
-          <a:p>
-            <a:r>
-              <a:rPr lang="zh-CN" altLang="en-US">
-                <a:sym typeface="+mn-ea"/>
+          <a:lstStyle/>
+          <a:p>
+            <a:r>
+              <a:rPr lang="zh-CN" altLang="en-US" sz="1200" b="0" i="0" dirty="0">
+                <a:solidFill>
+                  <a:srgbClr val="000000"/>
+                </a:solidFill>
+                <a:effectLst/>
+                <a:latin typeface="微软雅黑" panose="020B0503020204020204" pitchFamily="34" charset="-122"/>
+                <a:ea typeface="微软雅黑" panose="020B0503020204020204" pitchFamily="34" charset="-122"/>
               </a:rPr>
-              <a:t>作者认为，在训练过程中优化一些难正样本对可能会</a:t>
-            </a:r>
-            <a:r>
-              <a:rPr lang="zh-CN" altLang="en-US">
-                <a:sym typeface="+mn-ea"/>
-              </a:rPr>
-              <a:t>降低模型的</a:t>
-            </a:r>
-            <a:r>
-              <a:rPr lang="zh-CN" altLang="en-US">
-                <a:sym typeface="+mn-ea"/>
-              </a:rPr>
-              <a:t>泛化性。我们将其称为正对齐问题</a:t>
-            </a:r>
-            <a:endParaRPr lang="zh-CN" altLang="en-US"/>
-          </a:p>
-        </p:txBody>
-      </p:sp>
-    </p:spTree>
-  </p:cSld>
-  <p:clrMapOvr>
-    <a:masterClrMapping/>
-  </p:clrMapOvr>
-</p:notes>
-</file>
-
-<file path=ppt/notesSlides/notesSlide20.xml><?xml version="1.0" encoding="utf-8"?>
-<p:notes xmlns:a="http://schemas.openxmlformats.org/drawingml/2006/main" xmlns:r="http://schemas.openxmlformats.org/officeDocument/2006/relationships" xmlns:p="http://schemas.openxmlformats.org/presentationml/2006/main">
-  <p:cSld>
-    <p:spTree>
-      <p:nvGrpSpPr>
-        <p:cNvPr id="1" name=""/>
-        <p:cNvGrpSpPr/>
-        <p:nvPr/>
-      </p:nvGrpSpPr>
-      <p:grpSpPr/>
-      <p:sp>
-        <p:nvSpPr>
-          <p:cNvPr id="2" name="幻灯片图像占位符 1"/>
-          <p:cNvSpPr/>
-          <p:nvPr>
-            <p:ph type="sldImg" idx="2"/>
-          </p:nvPr>
-        </p:nvSpPr>
-        <p:spPr/>
-      </p:sp>
-      <p:sp>
-        <p:nvSpPr>
-          <p:cNvPr id="3" name="文本占位符 2"/>
-          <p:cNvSpPr/>
-          <p:nvPr>
-            <p:ph type="body" idx="3"/>
-          </p:nvPr>
-        </p:nvSpPr>
-        <p:spPr/>
-        <p:txBody>
-          <a:bodyPr/>
-          <a:p>
-            <a:endParaRPr lang="zh-CN" altLang="en-US"/>
-          </a:p>
-        </p:txBody>
-      </p:sp>
-    </p:spTree>
-  </p:cSld>
-  <p:clrMapOvr>
-    <a:masterClrMapping/>
-  </p:clrMapOvr>
-</p:notes>
-</file>
-
-<file path=ppt/notesSlides/notesSlide21.xml><?xml version="1.0" encoding="utf-8"?>
-<p:notes xmlns:a="http://schemas.openxmlformats.org/drawingml/2006/main" xmlns:r="http://schemas.openxmlformats.org/officeDocument/2006/relationships" xmlns:p="http://schemas.openxmlformats.org/presentationml/2006/main">
-  <p:cSld>
-    <p:spTree>
-      <p:nvGrpSpPr>
-        <p:cNvPr id="1" name=""/>
-        <p:cNvGrpSpPr/>
-        <p:nvPr/>
-      </p:nvGrpSpPr>
-      <p:grpSpPr/>
-      <p:sp>
-        <p:nvSpPr>
-          <p:cNvPr id="2" name="幻灯片图像占位符 1"/>
-          <p:cNvSpPr/>
-          <p:nvPr>
-            <p:ph type="sldImg" idx="2"/>
-          </p:nvPr>
-        </p:nvSpPr>
-        <p:spPr/>
-      </p:sp>
-      <p:sp>
-        <p:nvSpPr>
-          <p:cNvPr id="3" name="文本占位符 2"/>
-          <p:cNvSpPr/>
-          <p:nvPr>
-            <p:ph type="body" idx="3"/>
-          </p:nvPr>
-        </p:nvSpPr>
-        <p:spPr/>
-        <p:txBody>
-          <a:bodyPr/>
-          <a:p>
-            <a:endParaRPr lang="zh-CN" altLang="en-US"/>
-          </a:p>
-        </p:txBody>
-      </p:sp>
-    </p:spTree>
-  </p:cSld>
-  <p:clrMapOvr>
-    <a:masterClrMapping/>
-  </p:clrMapOvr>
-</p:notes>
-</file>
-
-<file path=ppt/notesSlides/notesSlide22.xml><?xml version="1.0" encoding="utf-8"?>
-<p:notes xmlns:a="http://schemas.openxmlformats.org/drawingml/2006/main" xmlns:r="http://schemas.openxmlformats.org/officeDocument/2006/relationships" xmlns:p="http://schemas.openxmlformats.org/presentationml/2006/main">
-  <p:cSld>
-    <p:spTree>
-      <p:nvGrpSpPr>
-        <p:cNvPr id="1" name=""/>
-        <p:cNvGrpSpPr/>
-        <p:nvPr/>
-      </p:nvGrpSpPr>
-      <p:grpSpPr/>
-      <p:sp>
-        <p:nvSpPr>
-          <p:cNvPr id="2" name="幻灯片图像占位符 1"/>
-          <p:cNvSpPr/>
-          <p:nvPr>
-            <p:ph type="sldImg" idx="2"/>
-          </p:nvPr>
-        </p:nvSpPr>
-        <p:spPr/>
-      </p:sp>
-      <p:sp>
-        <p:nvSpPr>
-          <p:cNvPr id="3" name="文本占位符 2"/>
-          <p:cNvSpPr/>
-          <p:nvPr>
-            <p:ph type="body" idx="3"/>
-          </p:nvPr>
-        </p:nvSpPr>
-        <p:spPr/>
-        <p:txBody>
-          <a:bodyPr/>
-          <a:p>
-            <a:endParaRPr lang="zh-CN" altLang="en-US"/>
-          </a:p>
-        </p:txBody>
-      </p:sp>
-    </p:spTree>
-  </p:cSld>
-  <p:clrMapOvr>
-    <a:masterClrMapping/>
-  </p:clrMapOvr>
-</p:notes>
-</file>
-
-<file path=ppt/notesSlides/notesSlide23.xml><?xml version="1.0" encoding="utf-8"?>
-<p:notes xmlns:a="http://schemas.openxmlformats.org/drawingml/2006/main" xmlns:r="http://schemas.openxmlformats.org/officeDocument/2006/relationships" xmlns:p="http://schemas.openxmlformats.org/presentationml/2006/main">
-  <p:cSld>
-    <p:spTree>
-      <p:nvGrpSpPr>
-        <p:cNvPr id="1" name=""/>
-        <p:cNvGrpSpPr/>
-        <p:nvPr/>
-      </p:nvGrpSpPr>
-      <p:grpSpPr/>
-      <p:sp>
-        <p:nvSpPr>
-          <p:cNvPr id="2" name="幻灯片图像占位符 1"/>
-          <p:cNvSpPr/>
-          <p:nvPr>
-            <p:ph type="sldImg" idx="2"/>
-          </p:nvPr>
-        </p:nvSpPr>
-        <p:spPr/>
-      </p:sp>
-      <p:sp>
-        <p:nvSpPr>
-          <p:cNvPr id="3" name="文本占位符 2"/>
-          <p:cNvSpPr/>
-          <p:nvPr>
-            <p:ph type="body" idx="3"/>
-          </p:nvPr>
-        </p:nvSpPr>
-        <p:spPr/>
-        <p:txBody>
-          <a:bodyPr/>
-          <a:p>
-            <a:endParaRPr lang="zh-CN" altLang="en-US"/>
-          </a:p>
-        </p:txBody>
-      </p:sp>
-    </p:spTree>
-  </p:cSld>
-  <p:clrMapOvr>
-    <a:masterClrMapping/>
-  </p:clrMapOvr>
-</p:notes>
-</file>
-
-<file path=ppt/notesSlides/notesSlide24.xml><?xml version="1.0" encoding="utf-8"?>
-<p:notes xmlns:a="http://schemas.openxmlformats.org/drawingml/2006/main" xmlns:r="http://schemas.openxmlformats.org/officeDocument/2006/relationships" xmlns:p="http://schemas.openxmlformats.org/presentationml/2006/main">
-  <p:cSld>
-    <p:spTree>
-      <p:nvGrpSpPr>
-        <p:cNvPr id="1" name=""/>
-        <p:cNvGrpSpPr/>
-        <p:nvPr/>
-      </p:nvGrpSpPr>
-      <p:grpSpPr/>
-      <p:sp>
-        <p:nvSpPr>
-          <p:cNvPr id="2" name="幻灯片图像占位符 1"/>
-          <p:cNvSpPr/>
-          <p:nvPr>
-            <p:ph type="sldImg" idx="2"/>
-          </p:nvPr>
-        </p:nvSpPr>
-        <p:spPr/>
-      </p:sp>
-      <p:sp>
-        <p:nvSpPr>
-          <p:cNvPr id="3" name="文本占位符 2"/>
-          <p:cNvSpPr/>
-          <p:nvPr>
-            <p:ph type="body" idx="3"/>
-          </p:nvPr>
-        </p:nvSpPr>
-        <p:spPr/>
-        <p:txBody>
-          <a:bodyPr/>
-          <a:p>
-            <a:endParaRPr lang="zh-CN" altLang="en-US"/>
-          </a:p>
-        </p:txBody>
-      </p:sp>
-    </p:spTree>
-  </p:cSld>
-  <p:clrMapOvr>
-    <a:masterClrMapping/>
-  </p:clrMapOvr>
-</p:notes>
-</file>
-
-<file path=ppt/notesSlides/notesSlide25.xml><?xml version="1.0" encoding="utf-8"?>
-<p:notes xmlns:a="http://schemas.openxmlformats.org/drawingml/2006/main" xmlns:r="http://schemas.openxmlformats.org/officeDocument/2006/relationships" xmlns:p="http://schemas.openxmlformats.org/presentationml/2006/main">
-  <p:cSld>
-    <p:spTree>
-      <p:nvGrpSpPr>
-        <p:cNvPr id="1" name=""/>
-        <p:cNvGrpSpPr/>
-        <p:nvPr/>
-      </p:nvGrpSpPr>
-      <p:grpSpPr/>
-      <p:sp>
-        <p:nvSpPr>
-          <p:cNvPr id="2" name="幻灯片图像占位符 1"/>
-          <p:cNvSpPr/>
-          <p:nvPr>
-            <p:ph type="sldImg" idx="2"/>
-          </p:nvPr>
-        </p:nvSpPr>
-        <p:spPr/>
-      </p:sp>
-      <p:sp>
-        <p:nvSpPr>
-          <p:cNvPr id="3" name="文本占位符 2"/>
-          <p:cNvSpPr/>
-          <p:nvPr>
-            <p:ph type="body" idx="3"/>
-          </p:nvPr>
-        </p:nvSpPr>
-        <p:spPr/>
-        <p:txBody>
-          <a:bodyPr/>
-          <a:p>
-            <a:endParaRPr lang="zh-CN" altLang="en-US"/>
-          </a:p>
-        </p:txBody>
-      </p:sp>
-    </p:spTree>
-  </p:cSld>
-  <p:clrMapOvr>
-    <a:masterClrMapping/>
-  </p:clrMapOvr>
-</p:notes>
-</file>
-
-<file path=ppt/notesSlides/notesSlide26.xml><?xml version="1.0" encoding="utf-8"?>
-<p:notes xmlns:a="http://schemas.openxmlformats.org/drawingml/2006/main" xmlns:r="http://schemas.openxmlformats.org/officeDocument/2006/relationships" xmlns:p="http://schemas.openxmlformats.org/presentationml/2006/main">
-  <p:cSld>
-    <p:spTree>
-      <p:nvGrpSpPr>
-        <p:cNvPr id="1" name=""/>
-        <p:cNvGrpSpPr/>
-        <p:nvPr/>
-      </p:nvGrpSpPr>
-      <p:grpSpPr/>
-      <p:sp>
-        <p:nvSpPr>
-          <p:cNvPr id="2" name="幻灯片图像占位符 1"/>
-          <p:cNvSpPr/>
-          <p:nvPr>
-            <p:ph type="sldImg" idx="2"/>
-          </p:nvPr>
-        </p:nvSpPr>
-        <p:spPr/>
-      </p:sp>
-      <p:sp>
-        <p:nvSpPr>
-          <p:cNvPr id="3" name="文本占位符 2"/>
-          <p:cNvSpPr/>
-          <p:nvPr>
-            <p:ph type="body" idx="3"/>
-          </p:nvPr>
-        </p:nvSpPr>
-        <p:spPr/>
-        <p:txBody>
-          <a:bodyPr/>
-          <a:p>
-            <a:endParaRPr lang="zh-CN" altLang="en-US"/>
+              <a:t>对比学习是一种简单有效的解决方法，通过利用来自不同域的样本对之间丰富的语义关系来学习域不变表征。常见的思路是将来自不同区域的阳性样本对拉得更近，同时将其他阴性样本对推得更远。</a:t>
+            </a:r>
+            <a:endParaRPr lang="zh-CN" altLang="en-US" dirty="0"/>
           </a:p>
         </p:txBody>
       </p:sp>
@@ -1506,11 +1306,20 @@
         <p:cNvGrpSpPr/>
         <p:nvPr/>
       </p:nvGrpSpPr>
-      <p:grpSpPr/>
+      <p:grpSpPr>
+        <a:xfrm>
+          <a:off x="0" y="0"/>
+          <a:ext cx="0" cy="0"/>
+          <a:chOff x="0" y="0"/>
+          <a:chExt cx="0" cy="0"/>
+        </a:xfrm>
+      </p:grpSpPr>
       <p:sp>
         <p:nvSpPr>
           <p:cNvPr id="2" name="幻灯片图像占位符 1"/>
-          <p:cNvSpPr/>
+          <p:cNvSpPr>
+            <a:spLocks noGrp="1" noRot="1" noChangeAspect="1"/>
+          </p:cNvSpPr>
           <p:nvPr>
             <p:ph type="sldImg" idx="2"/>
           </p:nvPr>
@@ -1520,7 +1329,9 @@
       <p:sp>
         <p:nvSpPr>
           <p:cNvPr id="3" name="文本占位符 2"/>
-          <p:cNvSpPr/>
+          <p:cNvSpPr>
+            <a:spLocks noGrp="1"/>
+          </p:cNvSpPr>
           <p:nvPr>
             <p:ph type="body" idx="3"/>
           </p:nvPr>
@@ -1528,16 +1339,31 @@
         <p:spPr/>
         <p:txBody>
           <a:bodyPr/>
-          <a:p>
-            <a:r>
-              <a:rPr lang="zh-CN" altLang="en-US"/>
-              <a:t>因此作者想提出一种基于代理的</a:t>
-            </a:r>
-            <a:r>
-              <a:rPr lang="zh-CN" altLang="en-US"/>
-              <a:t>对比学习</a:t>
-            </a:r>
-            <a:endParaRPr lang="zh-CN" altLang="en-US"/>
+          <a:lstStyle/>
+          <a:p>
+            <a:r>
+              <a:rPr lang="zh-CN" altLang="en-US" dirty="0">
+                <a:sym typeface="+mn-ea"/>
+              </a:rPr>
+              <a:t>作者认为，在训练过程中优化一些难正样本对可能会降低模型的泛化性。将其称为正对齐问题</a:t>
+            </a:r>
+            <a:endParaRPr lang="en-US" altLang="zh-CN" dirty="0">
+              <a:sym typeface="+mn-ea"/>
+            </a:endParaRPr>
+          </a:p>
+          <a:p>
+            <a:r>
+              <a:rPr lang="zh-CN" altLang="en-US" b="0" i="0" dirty="0">
+                <a:solidFill>
+                  <a:srgbClr val="000000"/>
+                </a:solidFill>
+                <a:effectLst/>
+                <a:latin typeface="微软雅黑" panose="020B0503020204020204" pitchFamily="34" charset="-122"/>
+                <a:ea typeface="微软雅黑" panose="020B0503020204020204" pitchFamily="34" charset="-122"/>
+              </a:rPr>
+              <a:t>于是作者提出了一种基于代理的对比损失。将样本到样本的关系替换为代理到样本的关系，在很大程度上缓解了正对齐问题</a:t>
+            </a:r>
+            <a:endParaRPr lang="zh-CN" altLang="en-US" dirty="0"/>
           </a:p>
         </p:txBody>
       </p:sp>
@@ -1558,11 +1384,20 @@
         <p:cNvGrpSpPr/>
         <p:nvPr/>
       </p:nvGrpSpPr>
-      <p:grpSpPr/>
+      <p:grpSpPr>
+        <a:xfrm>
+          <a:off x="0" y="0"/>
+          <a:ext cx="0" cy="0"/>
+          <a:chOff x="0" y="0"/>
+          <a:chExt cx="0" cy="0"/>
+        </a:xfrm>
+      </p:grpSpPr>
       <p:sp>
         <p:nvSpPr>
           <p:cNvPr id="2" name="幻灯片图像占位符 1"/>
-          <p:cNvSpPr/>
+          <p:cNvSpPr>
+            <a:spLocks noGrp="1" noRot="1" noChangeAspect="1"/>
+          </p:cNvSpPr>
           <p:nvPr>
             <p:ph type="sldImg" idx="2"/>
           </p:nvPr>
@@ -1572,7 +1407,9 @@
       <p:sp>
         <p:nvSpPr>
           <p:cNvPr id="3" name="文本占位符 2"/>
-          <p:cNvSpPr/>
+          <p:cNvSpPr>
+            <a:spLocks noGrp="1"/>
+          </p:cNvSpPr>
           <p:nvPr>
             <p:ph type="body" idx="3"/>
           </p:nvPr>
@@ -1580,8 +1417,12 @@
         <p:spPr/>
         <p:txBody>
           <a:bodyPr/>
-          <a:p>
-            <a:endParaRPr lang="zh-CN" altLang="en-US"/>
+          <a:lstStyle/>
+          <a:p>
+            <a:r>
+              <a:rPr lang="zh-CN" altLang="en-US" dirty="0"/>
+              <a:t>基于对比的方法和基于代理的方法的主要区别在于关系构建。如下图所示，基于对比的损失主要集中在探索丰富的样本间关系，而基于代理的损失使用代理来表示子训练集，实现了快速的收敛，但缺少了一些语义关系。</a:t>
+            </a:r>
           </a:p>
         </p:txBody>
       </p:sp>
@@ -1602,11 +1443,20 @@
         <p:cNvGrpSpPr/>
         <p:nvPr/>
       </p:nvGrpSpPr>
-      <p:grpSpPr/>
+      <p:grpSpPr>
+        <a:xfrm>
+          <a:off x="0" y="0"/>
+          <a:ext cx="0" cy="0"/>
+          <a:chOff x="0" y="0"/>
+          <a:chExt cx="0" cy="0"/>
+        </a:xfrm>
+      </p:grpSpPr>
       <p:sp>
         <p:nvSpPr>
           <p:cNvPr id="2" name="幻灯片图像占位符 1"/>
-          <p:cNvSpPr/>
+          <p:cNvSpPr>
+            <a:spLocks noGrp="1" noRot="1" noChangeAspect="1"/>
+          </p:cNvSpPr>
           <p:nvPr>
             <p:ph type="sldImg" idx="2"/>
           </p:nvPr>
@@ -1616,7 +1466,9 @@
       <p:sp>
         <p:nvSpPr>
           <p:cNvPr id="3" name="文本占位符 2"/>
-          <p:cNvSpPr/>
+          <p:cNvSpPr>
+            <a:spLocks noGrp="1"/>
+          </p:cNvSpPr>
           <p:nvPr>
             <p:ph type="body" idx="3"/>
           </p:nvPr>
@@ -1624,16 +1476,31 @@
         <p:spPr/>
         <p:txBody>
           <a:bodyPr/>
-          <a:p>
-            <a:r>
-              <a:rPr lang="zh-CN" altLang="en-US"/>
-              <a:t>在这里为了简化问题，作者在这里不考虑多正样本对的</a:t>
-            </a:r>
-            <a:r>
-              <a:rPr lang="zh-CN" altLang="en-US"/>
-              <a:t>情况</a:t>
-            </a:r>
-            <a:endParaRPr lang="zh-CN" altLang="en-US"/>
+          <a:lstStyle/>
+          <a:p>
+            <a:pPr algn="l"/>
+            <a:r>
+              <a:rPr lang="zh-CN" altLang="en-US" dirty="0"/>
+              <a:t>加</a:t>
+            </a:r>
+            <a:r>
+              <a:rPr lang="en-US" altLang="zh-CN" dirty="0"/>
+              <a:t>projection head</a:t>
+            </a:r>
+            <a:r>
+              <a:rPr lang="zh-CN" altLang="en-US" dirty="0"/>
+              <a:t>的原因：</a:t>
+            </a:r>
+          </a:p>
+          <a:p>
+            <a:pPr algn="l"/>
+            <a:r>
+              <a:rPr lang="zh-CN" altLang="en-US" dirty="0"/>
+              <a:t>由于基于代理的方法比较容易收敛，因此得分函数的输出往往是稀疏矩阵，导致代理与样本嵌入难以学习到更多的语义特征。投影头可以将代理和样本嵌入映射到另一个空间。然后应用更不容易收敛的基于代理的对比损失，代理权重和样本嵌入都可以通过反向传播来学习更有价值的特征</a:t>
+            </a:r>
+          </a:p>
+          <a:p>
+            <a:endParaRPr lang="zh-CN" altLang="en-US" dirty="0"/>
           </a:p>
         </p:txBody>
       </p:sp>
@@ -1654,11 +1521,20 @@
         <p:cNvGrpSpPr/>
         <p:nvPr/>
       </p:nvGrpSpPr>
-      <p:grpSpPr/>
+      <p:grpSpPr>
+        <a:xfrm>
+          <a:off x="0" y="0"/>
+          <a:ext cx="0" cy="0"/>
+          <a:chOff x="0" y="0"/>
+          <a:chExt cx="0" cy="0"/>
+        </a:xfrm>
+      </p:grpSpPr>
       <p:sp>
         <p:nvSpPr>
           <p:cNvPr id="2" name="幻灯片图像占位符 1"/>
-          <p:cNvSpPr/>
+          <p:cNvSpPr>
+            <a:spLocks noGrp="1" noRot="1" noChangeAspect="1"/>
+          </p:cNvSpPr>
           <p:nvPr>
             <p:ph type="sldImg" idx="2"/>
           </p:nvPr>
@@ -1668,7 +1544,9 @@
       <p:sp>
         <p:nvSpPr>
           <p:cNvPr id="3" name="文本占位符 2"/>
-          <p:cNvSpPr/>
+          <p:cNvSpPr>
+            <a:spLocks noGrp="1"/>
+          </p:cNvSpPr>
           <p:nvPr>
             <p:ph type="body" idx="3"/>
           </p:nvPr>
@@ -1676,6 +1554,7 @@
         <p:spPr/>
         <p:txBody>
           <a:bodyPr/>
+          <a:lstStyle/>
           <a:p>
             <a:endParaRPr lang="zh-CN" altLang="en-US"/>
           </a:p>
@@ -1698,11 +1577,20 @@
         <p:cNvGrpSpPr/>
         <p:nvPr/>
       </p:nvGrpSpPr>
-      <p:grpSpPr/>
+      <p:grpSpPr>
+        <a:xfrm>
+          <a:off x="0" y="0"/>
+          <a:ext cx="0" cy="0"/>
+          <a:chOff x="0" y="0"/>
+          <a:chExt cx="0" cy="0"/>
+        </a:xfrm>
+      </p:grpSpPr>
       <p:sp>
         <p:nvSpPr>
           <p:cNvPr id="2" name="幻灯片图像占位符 1"/>
-          <p:cNvSpPr/>
+          <p:cNvSpPr>
+            <a:spLocks noGrp="1" noRot="1" noChangeAspect="1"/>
+          </p:cNvSpPr>
           <p:nvPr>
             <p:ph type="sldImg" idx="2"/>
           </p:nvPr>
@@ -1712,7 +1600,9 @@
       <p:sp>
         <p:nvSpPr>
           <p:cNvPr id="3" name="文本占位符 2"/>
-          <p:cNvSpPr/>
+          <p:cNvSpPr>
+            <a:spLocks noGrp="1"/>
+          </p:cNvSpPr>
           <p:nvPr>
             <p:ph type="body" idx="3"/>
           </p:nvPr>
@@ -1720,8 +1610,24 @@
         <p:spPr/>
         <p:txBody>
           <a:bodyPr/>
-          <a:p>
-            <a:endParaRPr lang="zh-CN" altLang="en-US"/>
+          <a:lstStyle/>
+          <a:p>
+            <a:r>
+              <a:rPr lang="zh-CN" altLang="en-US" dirty="0"/>
+              <a:t>这里的</a:t>
+            </a:r>
+            <a:r>
+              <a:rPr lang="en-US" altLang="zh-CN" dirty="0"/>
+              <a:t>zi </a:t>
+            </a:r>
+            <a:r>
+              <a:rPr lang="en-US" altLang="zh-CN" dirty="0" err="1"/>
+              <a:t>zj</a:t>
+            </a:r>
+            <a:r>
+              <a:rPr lang="zh-CN" altLang="en-US" dirty="0"/>
+              <a:t>来自不同域的同一类</a:t>
+            </a:r>
           </a:p>
         </p:txBody>
       </p:sp>
@@ -1742,11 +1648,20 @@
         <p:cNvGrpSpPr/>
         <p:nvPr/>
       </p:nvGrpSpPr>
-      <p:grpSpPr/>
+      <p:grpSpPr>
+        <a:xfrm>
+          <a:off x="0" y="0"/>
+          <a:ext cx="0" cy="0"/>
+          <a:chOff x="0" y="0"/>
+          <a:chExt cx="0" cy="0"/>
+        </a:xfrm>
+      </p:grpSpPr>
       <p:sp>
         <p:nvSpPr>
           <p:cNvPr id="2" name="幻灯片图像占位符 1"/>
-          <p:cNvSpPr/>
+          <p:cNvSpPr>
+            <a:spLocks noGrp="1" noRot="1" noChangeAspect="1"/>
+          </p:cNvSpPr>
           <p:nvPr>
             <p:ph type="sldImg" idx="2"/>
           </p:nvPr>
@@ -1756,7 +1671,9 @@
       <p:sp>
         <p:nvSpPr>
           <p:cNvPr id="3" name="文本占位符 2"/>
-          <p:cNvSpPr/>
+          <p:cNvSpPr>
+            <a:spLocks noGrp="1"/>
+          </p:cNvSpPr>
           <p:nvPr>
             <p:ph type="body" idx="3"/>
           </p:nvPr>
@@ -1764,8 +1681,12 @@
         <p:spPr/>
         <p:txBody>
           <a:bodyPr/>
-          <a:p>
-            <a:endParaRPr lang="zh-CN" altLang="en-US"/>
+          <a:lstStyle/>
+          <a:p>
+            <a:r>
+              <a:rPr lang="zh-CN" altLang="en-US"/>
+              <a:t>在这里为了简化问题，作者在这里不考虑多正样本对的情况</a:t>
+            </a:r>
           </a:p>
         </p:txBody>
       </p:sp>
@@ -1786,11 +1707,20 @@
         <p:cNvGrpSpPr/>
         <p:nvPr/>
       </p:nvGrpSpPr>
-      <p:grpSpPr/>
+      <p:grpSpPr>
+        <a:xfrm>
+          <a:off x="0" y="0"/>
+          <a:ext cx="0" cy="0"/>
+          <a:chOff x="0" y="0"/>
+          <a:chExt cx="0" cy="0"/>
+        </a:xfrm>
+      </p:grpSpPr>
       <p:sp>
         <p:nvSpPr>
           <p:cNvPr id="2" name="幻灯片图像占位符 1"/>
-          <p:cNvSpPr/>
+          <p:cNvSpPr>
+            <a:spLocks noGrp="1" noRot="1" noChangeAspect="1"/>
+          </p:cNvSpPr>
           <p:nvPr>
             <p:ph type="sldImg" idx="2"/>
           </p:nvPr>
@@ -1800,7 +1730,9 @@
       <p:sp>
         <p:nvSpPr>
           <p:cNvPr id="3" name="文本占位符 2"/>
-          <p:cNvSpPr/>
+          <p:cNvSpPr>
+            <a:spLocks noGrp="1"/>
+          </p:cNvSpPr>
           <p:nvPr>
             <p:ph type="body" idx="3"/>
           </p:nvPr>
@@ -1808,6 +1740,7 @@
         <p:spPr/>
         <p:txBody>
           <a:bodyPr/>
+          <a:lstStyle/>
           <a:p>
             <a:endParaRPr lang="zh-CN" altLang="en-US"/>
           </a:p>
@@ -1891,7 +1824,6 @@
               <a:rPr lang="zh-CN" altLang="en-US" dirty="0"/>
               <a:t>单击此处添加标题</a:t>
             </a:r>
-            <a:endParaRPr lang="zh-CN" altLang="en-US" dirty="0"/>
           </a:p>
         </p:txBody>
       </p:sp>
@@ -1912,6 +1844,7 @@
           <a:p>
             <a:fld id="{760FBDFE-C587-4B4C-A407-44438C67B59E}" type="datetimeFigureOut">
               <a:rPr lang="zh-CN" altLang="en-US" smtClean="0"/>
+              <a:t>2023/12/6</a:t>
             </a:fld>
             <a:endParaRPr lang="zh-CN" altLang="en-US"/>
           </a:p>
@@ -1953,6 +1886,7 @@
           <a:p>
             <a:fld id="{49AE70B2-8BF9-45C0-BB95-33D1B9D3A854}" type="slidenum">
               <a:rPr lang="zh-CN" altLang="en-US" smtClean="0"/>
+              <a:t>‹#›</a:t>
             </a:fld>
             <a:endParaRPr lang="zh-CN" altLang="en-US"/>
           </a:p>
@@ -2031,7 +1965,6 @@
               <a:rPr lang="zh-CN" altLang="en-US" dirty="0"/>
               <a:t>单击此处添加副标题</a:t>
             </a:r>
-            <a:endParaRPr lang="zh-CN" altLang="en-US" dirty="0"/>
           </a:p>
         </p:txBody>
       </p:sp>
@@ -2077,6 +2010,7 @@
           <a:p>
             <a:fld id="{760FBDFE-C587-4B4C-A407-44438C67B59E}" type="datetimeFigureOut">
               <a:rPr lang="zh-CN" altLang="en-US" smtClean="0"/>
+              <a:t>2023/12/6</a:t>
             </a:fld>
             <a:endParaRPr lang="zh-CN" altLang="en-US"/>
           </a:p>
@@ -2118,6 +2052,7 @@
           <a:p>
             <a:fld id="{49AE70B2-8BF9-45C0-BB95-33D1B9D3A854}" type="slidenum">
               <a:rPr lang="zh-CN" altLang="en-US" smtClean="0"/>
+              <a:t>‹#›</a:t>
             </a:fld>
             <a:endParaRPr lang="zh-CN" altLang="en-US"/>
           </a:p>
@@ -2148,7 +2083,6 @@
               <a:rPr lang="zh-CN" altLang="en-US" dirty="0"/>
               <a:t>单击此处编辑母版文本样式</a:t>
             </a:r>
-            <a:endParaRPr lang="zh-CN" altLang="en-US" dirty="0"/>
           </a:p>
           <a:p>
             <a:pPr lvl="1"/>
@@ -2156,7 +2090,6 @@
               <a:rPr lang="zh-CN" altLang="en-US" dirty="0"/>
               <a:t>第二级</a:t>
             </a:r>
-            <a:endParaRPr lang="zh-CN" altLang="en-US" dirty="0"/>
           </a:p>
           <a:p>
             <a:pPr lvl="2"/>
@@ -2164,7 +2097,6 @@
               <a:rPr lang="zh-CN" altLang="en-US" dirty="0"/>
               <a:t>第三级</a:t>
             </a:r>
-            <a:endParaRPr lang="zh-CN" altLang="en-US" dirty="0"/>
           </a:p>
           <a:p>
             <a:pPr lvl="3"/>
@@ -2172,7 +2104,6 @@
               <a:rPr lang="zh-CN" altLang="en-US" dirty="0"/>
               <a:t>第四级</a:t>
             </a:r>
-            <a:endParaRPr lang="zh-CN" altLang="en-US" dirty="0"/>
           </a:p>
           <a:p>
             <a:pPr lvl="4"/>
@@ -2180,7 +2111,6 @@
               <a:rPr lang="zh-CN" altLang="en-US" dirty="0"/>
               <a:t>第五级</a:t>
             </a:r>
-            <a:endParaRPr lang="zh-CN" altLang="en-US" dirty="0"/>
           </a:p>
         </p:txBody>
       </p:sp>
@@ -2241,7 +2171,6 @@
               <a:rPr lang="zh-CN" altLang="en-US" dirty="0"/>
               <a:t>单击此处编辑母版标题样式</a:t>
             </a:r>
-            <a:endParaRPr lang="zh-CN" altLang="en-US" dirty="0"/>
           </a:p>
         </p:txBody>
       </p:sp>
@@ -2323,7 +2252,6 @@
               <a:rPr lang="zh-CN" altLang="en-US" dirty="0"/>
               <a:t>单击此处编辑母版文本样式</a:t>
             </a:r>
-            <a:endParaRPr lang="zh-CN" altLang="en-US" dirty="0"/>
           </a:p>
           <a:p>
             <a:pPr lvl="1"/>
@@ -2331,7 +2259,6 @@
               <a:rPr lang="zh-CN" altLang="en-US" dirty="0"/>
               <a:t>第二级</a:t>
             </a:r>
-            <a:endParaRPr lang="zh-CN" altLang="en-US" dirty="0"/>
           </a:p>
           <a:p>
             <a:pPr lvl="2"/>
@@ -2339,7 +2266,6 @@
               <a:rPr lang="zh-CN" altLang="en-US" dirty="0"/>
               <a:t>第三级</a:t>
             </a:r>
-            <a:endParaRPr lang="zh-CN" altLang="en-US" dirty="0"/>
           </a:p>
           <a:p>
             <a:pPr lvl="3"/>
@@ -2347,7 +2273,6 @@
               <a:rPr lang="zh-CN" altLang="en-US" dirty="0"/>
               <a:t>第四级</a:t>
             </a:r>
-            <a:endParaRPr lang="zh-CN" altLang="en-US" dirty="0"/>
           </a:p>
           <a:p>
             <a:pPr lvl="4"/>
@@ -2355,7 +2280,6 @@
               <a:rPr lang="zh-CN" altLang="en-US" dirty="0"/>
               <a:t>第五级</a:t>
             </a:r>
-            <a:endParaRPr lang="zh-CN" altLang="en-US" dirty="0"/>
           </a:p>
         </p:txBody>
       </p:sp>
@@ -2376,6 +2300,7 @@
           <a:p>
             <a:fld id="{760FBDFE-C587-4B4C-A407-44438C67B59E}" type="datetimeFigureOut">
               <a:rPr lang="zh-CN" altLang="en-US" smtClean="0"/>
+              <a:t>2023/12/6</a:t>
             </a:fld>
             <a:endParaRPr lang="zh-CN" altLang="en-US"/>
           </a:p>
@@ -2417,6 +2342,7 @@
           <a:p>
             <a:fld id="{49AE70B2-8BF9-45C0-BB95-33D1B9D3A854}" type="slidenum">
               <a:rPr lang="zh-CN" altLang="en-US" smtClean="0"/>
+              <a:t>‹#›</a:t>
             </a:fld>
             <a:endParaRPr lang="zh-CN" altLang="en-US"/>
           </a:p>
@@ -2479,7 +2405,6 @@
               <a:rPr lang="zh-CN" altLang="en-US" dirty="0"/>
               <a:t>单击此处编辑母版标题样式</a:t>
             </a:r>
-            <a:endParaRPr lang="zh-CN" altLang="en-US" dirty="0"/>
           </a:p>
         </p:txBody>
       </p:sp>
@@ -2602,7 +2527,6 @@
               <a:rPr lang="zh-CN" altLang="en-US" dirty="0"/>
               <a:t>单击此处编辑母版文本样式</a:t>
             </a:r>
-            <a:endParaRPr lang="zh-CN" altLang="en-US" dirty="0"/>
           </a:p>
         </p:txBody>
       </p:sp>
@@ -2623,6 +2547,7 @@
           <a:p>
             <a:fld id="{760FBDFE-C587-4B4C-A407-44438C67B59E}" type="datetimeFigureOut">
               <a:rPr lang="zh-CN" altLang="en-US" smtClean="0"/>
+              <a:t>2023/12/6</a:t>
             </a:fld>
             <a:endParaRPr lang="zh-CN" altLang="en-US"/>
           </a:p>
@@ -2664,6 +2589,7 @@
           <a:p>
             <a:fld id="{49AE70B2-8BF9-45C0-BB95-33D1B9D3A854}" type="slidenum">
               <a:rPr lang="zh-CN" altLang="en-US" smtClean="0"/>
+              <a:t>‹#›</a:t>
             </a:fld>
             <a:endParaRPr lang="zh-CN" altLang="en-US"/>
           </a:p>
@@ -2732,7 +2658,6 @@
               <a:rPr lang="zh-CN" altLang="en-US" dirty="0"/>
               <a:t>单击此处编辑母版标题样式</a:t>
             </a:r>
-            <a:endParaRPr lang="zh-CN" altLang="en-US" dirty="0"/>
           </a:p>
         </p:txBody>
       </p:sp>
@@ -2829,7 +2754,6 @@
               <a:rPr lang="zh-CN" altLang="en-US" dirty="0"/>
               <a:t>单击此处编辑母版文本样式</a:t>
             </a:r>
-            <a:endParaRPr lang="zh-CN" altLang="en-US" dirty="0"/>
           </a:p>
           <a:p>
             <a:pPr lvl="1"/>
@@ -2837,7 +2761,6 @@
               <a:rPr lang="zh-CN" altLang="en-US" dirty="0"/>
               <a:t>第二级</a:t>
             </a:r>
-            <a:endParaRPr lang="zh-CN" altLang="en-US" dirty="0"/>
           </a:p>
           <a:p>
             <a:pPr lvl="2"/>
@@ -2845,7 +2768,6 @@
               <a:rPr lang="zh-CN" altLang="en-US" dirty="0"/>
               <a:t>第三级</a:t>
             </a:r>
-            <a:endParaRPr lang="zh-CN" altLang="en-US" dirty="0"/>
           </a:p>
           <a:p>
             <a:pPr lvl="3"/>
@@ -2853,7 +2775,6 @@
               <a:rPr lang="zh-CN" altLang="en-US" dirty="0"/>
               <a:t>第四级</a:t>
             </a:r>
-            <a:endParaRPr lang="zh-CN" altLang="en-US" dirty="0"/>
           </a:p>
           <a:p>
             <a:pPr lvl="4"/>
@@ -2861,7 +2782,6 @@
               <a:rPr lang="zh-CN" altLang="en-US" dirty="0"/>
               <a:t>第五级</a:t>
             </a:r>
-            <a:endParaRPr lang="zh-CN" altLang="en-US" dirty="0"/>
           </a:p>
         </p:txBody>
       </p:sp>
@@ -2958,7 +2878,6 @@
               <a:rPr lang="zh-CN" altLang="en-US" dirty="0"/>
               <a:t>单击此处编辑母版文本样式</a:t>
             </a:r>
-            <a:endParaRPr lang="zh-CN" altLang="en-US" dirty="0"/>
           </a:p>
           <a:p>
             <a:pPr lvl="1"/>
@@ -2966,7 +2885,6 @@
               <a:rPr lang="zh-CN" altLang="en-US" dirty="0"/>
               <a:t>第二级</a:t>
             </a:r>
-            <a:endParaRPr lang="zh-CN" altLang="en-US" dirty="0"/>
           </a:p>
           <a:p>
             <a:pPr lvl="2"/>
@@ -2974,7 +2892,6 @@
               <a:rPr lang="zh-CN" altLang="en-US" dirty="0"/>
               <a:t>第三级</a:t>
             </a:r>
-            <a:endParaRPr lang="zh-CN" altLang="en-US" dirty="0"/>
           </a:p>
           <a:p>
             <a:pPr lvl="3"/>
@@ -2982,7 +2899,6 @@
               <a:rPr lang="zh-CN" altLang="en-US" dirty="0"/>
               <a:t>第四级</a:t>
             </a:r>
-            <a:endParaRPr lang="zh-CN" altLang="en-US" dirty="0"/>
           </a:p>
           <a:p>
             <a:pPr lvl="4"/>
@@ -2990,7 +2906,6 @@
               <a:rPr lang="zh-CN" altLang="en-US" dirty="0"/>
               <a:t>第五级</a:t>
             </a:r>
-            <a:endParaRPr lang="zh-CN" altLang="en-US" dirty="0"/>
           </a:p>
         </p:txBody>
       </p:sp>
@@ -3011,6 +2926,7 @@
           <a:p>
             <a:fld id="{760FBDFE-C587-4B4C-A407-44438C67B59E}" type="datetimeFigureOut">
               <a:rPr lang="zh-CN" altLang="en-US" smtClean="0"/>
+              <a:t>2023/12/6</a:t>
             </a:fld>
             <a:endParaRPr lang="zh-CN" altLang="en-US"/>
           </a:p>
@@ -3052,6 +2968,7 @@
           <a:p>
             <a:fld id="{49AE70B2-8BF9-45C0-BB95-33D1B9D3A854}" type="slidenum">
               <a:rPr lang="zh-CN" altLang="en-US" smtClean="0"/>
+              <a:t>‹#›</a:t>
             </a:fld>
             <a:endParaRPr lang="zh-CN" altLang="en-US"/>
           </a:p>
@@ -3106,7 +3023,6 @@
               <a:rPr lang="zh-CN" altLang="en-US" dirty="0"/>
               <a:t>单击此处编辑母版标题样式</a:t>
             </a:r>
-            <a:endParaRPr lang="zh-CN" altLang="en-US" dirty="0"/>
           </a:p>
         </p:txBody>
       </p:sp>
@@ -3174,7 +3090,6 @@
               <a:rPr lang="zh-CN" altLang="en-US" dirty="0"/>
               <a:t>单击此处编辑母版文本样式</a:t>
             </a:r>
-            <a:endParaRPr lang="zh-CN" altLang="en-US" dirty="0"/>
           </a:p>
         </p:txBody>
       </p:sp>
@@ -3203,7 +3118,6 @@
               <a:rPr lang="zh-CN" altLang="en-US" dirty="0"/>
               <a:t>单击此处编辑母版文本样式</a:t>
             </a:r>
-            <a:endParaRPr lang="zh-CN" altLang="en-US" dirty="0"/>
           </a:p>
           <a:p>
             <a:pPr lvl="1"/>
@@ -3211,7 +3125,6 @@
               <a:rPr lang="zh-CN" altLang="en-US" dirty="0"/>
               <a:t>第二级</a:t>
             </a:r>
-            <a:endParaRPr lang="zh-CN" altLang="en-US" dirty="0"/>
           </a:p>
           <a:p>
             <a:pPr lvl="2"/>
@@ -3219,7 +3132,6 @@
               <a:rPr lang="zh-CN" altLang="en-US" dirty="0"/>
               <a:t>第三级</a:t>
             </a:r>
-            <a:endParaRPr lang="zh-CN" altLang="en-US" dirty="0"/>
           </a:p>
           <a:p>
             <a:pPr lvl="3"/>
@@ -3227,7 +3139,6 @@
               <a:rPr lang="zh-CN" altLang="en-US" dirty="0"/>
               <a:t>第四级</a:t>
             </a:r>
-            <a:endParaRPr lang="zh-CN" altLang="en-US" dirty="0"/>
           </a:p>
           <a:p>
             <a:pPr lvl="4"/>
@@ -3235,7 +3146,6 @@
               <a:rPr lang="zh-CN" altLang="en-US" dirty="0"/>
               <a:t>第五级</a:t>
             </a:r>
-            <a:endParaRPr lang="zh-CN" altLang="en-US" dirty="0"/>
           </a:p>
         </p:txBody>
       </p:sp>
@@ -3303,7 +3213,6 @@
               <a:rPr lang="zh-CN" altLang="en-US" dirty="0"/>
               <a:t>单击此处编辑母版文本样式</a:t>
             </a:r>
-            <a:endParaRPr lang="zh-CN" altLang="en-US" dirty="0"/>
           </a:p>
         </p:txBody>
       </p:sp>
@@ -3332,7 +3241,6 @@
               <a:rPr lang="zh-CN" altLang="en-US" dirty="0"/>
               <a:t>单击此处编辑母版文本样式</a:t>
             </a:r>
-            <a:endParaRPr lang="zh-CN" altLang="en-US" dirty="0"/>
           </a:p>
           <a:p>
             <a:pPr lvl="1"/>
@@ -3340,7 +3248,6 @@
               <a:rPr lang="zh-CN" altLang="en-US" dirty="0"/>
               <a:t>第二级</a:t>
             </a:r>
-            <a:endParaRPr lang="zh-CN" altLang="en-US" dirty="0"/>
           </a:p>
           <a:p>
             <a:pPr lvl="2"/>
@@ -3348,7 +3255,6 @@
               <a:rPr lang="zh-CN" altLang="en-US" dirty="0"/>
               <a:t>第三级</a:t>
             </a:r>
-            <a:endParaRPr lang="zh-CN" altLang="en-US" dirty="0"/>
           </a:p>
           <a:p>
             <a:pPr lvl="3"/>
@@ -3356,7 +3262,6 @@
               <a:rPr lang="zh-CN" altLang="en-US" dirty="0"/>
               <a:t>第四级</a:t>
             </a:r>
-            <a:endParaRPr lang="zh-CN" altLang="en-US" dirty="0"/>
           </a:p>
           <a:p>
             <a:pPr lvl="4"/>
@@ -3364,7 +3269,6 @@
               <a:rPr lang="zh-CN" altLang="en-US" dirty="0"/>
               <a:t>第五级</a:t>
             </a:r>
-            <a:endParaRPr lang="zh-CN" altLang="en-US" dirty="0"/>
           </a:p>
         </p:txBody>
       </p:sp>
@@ -3385,6 +3289,7 @@
           <a:p>
             <a:fld id="{760FBDFE-C587-4B4C-A407-44438C67B59E}" type="datetimeFigureOut">
               <a:rPr lang="zh-CN" altLang="en-US" smtClean="0"/>
+              <a:t>2023/12/6</a:t>
             </a:fld>
             <a:endParaRPr lang="zh-CN" altLang="en-US"/>
           </a:p>
@@ -3426,6 +3331,7 @@
           <a:p>
             <a:fld id="{49AE70B2-8BF9-45C0-BB95-33D1B9D3A854}" type="slidenum">
               <a:rPr lang="zh-CN" altLang="en-US" smtClean="0"/>
+              <a:t>‹#›</a:t>
             </a:fld>
             <a:endParaRPr lang="zh-CN" altLang="en-US"/>
           </a:p>
@@ -3488,7 +3394,6 @@
               <a:rPr lang="zh-CN" altLang="en-US" dirty="0"/>
               <a:t>单击此处编辑母版标题样式</a:t>
             </a:r>
-            <a:endParaRPr lang="zh-CN" altLang="en-US" dirty="0"/>
           </a:p>
         </p:txBody>
       </p:sp>
@@ -3509,6 +3414,7 @@
           <a:p>
             <a:fld id="{760FBDFE-C587-4B4C-A407-44438C67B59E}" type="datetimeFigureOut">
               <a:rPr lang="zh-CN" altLang="en-US" smtClean="0"/>
+              <a:t>2023/12/6</a:t>
             </a:fld>
             <a:endParaRPr lang="zh-CN" altLang="en-US"/>
           </a:p>
@@ -3550,6 +3456,7 @@
           <a:p>
             <a:fld id="{49AE70B2-8BF9-45C0-BB95-33D1B9D3A854}" type="slidenum">
               <a:rPr lang="zh-CN" altLang="en-US" smtClean="0"/>
+              <a:t>‹#›</a:t>
             </a:fld>
             <a:endParaRPr lang="zh-CN" altLang="en-US"/>
           </a:p>
@@ -3597,6 +3504,7 @@
           <a:p>
             <a:fld id="{760FBDFE-C587-4B4C-A407-44438C67B59E}" type="datetimeFigureOut">
               <a:rPr lang="zh-CN" altLang="en-US" smtClean="0"/>
+              <a:t>2023/12/6</a:t>
             </a:fld>
             <a:endParaRPr lang="zh-CN" altLang="en-US"/>
           </a:p>
@@ -3638,6 +3546,7 @@
           <a:p>
             <a:fld id="{49AE70B2-8BF9-45C0-BB95-33D1B9D3A854}" type="slidenum">
               <a:rPr lang="zh-CN" altLang="en-US" smtClean="0"/>
+              <a:t>‹#›</a:t>
             </a:fld>
             <a:endParaRPr lang="zh-CN" altLang="en-US"/>
           </a:p>
@@ -3700,7 +3609,6 @@
               <a:rPr lang="zh-CN" altLang="en-US" dirty="0"/>
               <a:t>单击此处编辑标题</a:t>
             </a:r>
-            <a:endParaRPr lang="zh-CN" altLang="en-US" dirty="0"/>
           </a:p>
         </p:txBody>
       </p:sp>
@@ -3832,7 +3740,6 @@
               <a:rPr lang="zh-CN" altLang="en-US" dirty="0"/>
               <a:t>单击此处编辑母版文本样式</a:t>
             </a:r>
-            <a:endParaRPr lang="zh-CN" altLang="en-US" dirty="0"/>
           </a:p>
         </p:txBody>
       </p:sp>
@@ -3853,6 +3760,7 @@
           <a:p>
             <a:fld id="{9EFD9D74-47D9-4702-A33C-335B63B48DBF}" type="datetimeFigureOut">
               <a:rPr lang="zh-CN" altLang="en-US" smtClean="0"/>
+              <a:t>2023/12/6</a:t>
             </a:fld>
             <a:endParaRPr lang="zh-CN" altLang="en-US" dirty="0"/>
           </a:p>
@@ -3894,6 +3802,7 @@
           <a:p>
             <a:fld id="{FABC47A4-756D-490B-A52F-7D9E2C9FC05F}" type="slidenum">
               <a:rPr lang="zh-CN" altLang="en-US" smtClean="0"/>
+              <a:t>‹#›</a:t>
             </a:fld>
             <a:endParaRPr lang="zh-CN" altLang="en-US"/>
           </a:p>
@@ -3954,7 +3863,6 @@
               <a:rPr lang="zh-CN" altLang="en-US" dirty="0"/>
               <a:t>单击此处编辑母版标题样式</a:t>
             </a:r>
-            <a:endParaRPr lang="zh-CN" altLang="en-US" dirty="0"/>
           </a:p>
         </p:txBody>
       </p:sp>
@@ -3983,7 +3891,6 @@
               <a:rPr lang="zh-CN" altLang="en-US" dirty="0"/>
               <a:t>单击此处编辑母版文本样式</a:t>
             </a:r>
-            <a:endParaRPr lang="zh-CN" altLang="en-US" dirty="0"/>
           </a:p>
           <a:p>
             <a:pPr lvl="1"/>
@@ -3991,7 +3898,6 @@
               <a:rPr lang="zh-CN" altLang="en-US" dirty="0"/>
               <a:t>第二级</a:t>
             </a:r>
-            <a:endParaRPr lang="zh-CN" altLang="en-US" dirty="0"/>
           </a:p>
           <a:p>
             <a:pPr lvl="2"/>
@@ -3999,7 +3905,6 @@
               <a:rPr lang="zh-CN" altLang="en-US" dirty="0"/>
               <a:t>第三级</a:t>
             </a:r>
-            <a:endParaRPr lang="zh-CN" altLang="en-US" dirty="0"/>
           </a:p>
           <a:p>
             <a:pPr lvl="3"/>
@@ -4007,7 +3912,6 @@
               <a:rPr lang="zh-CN" altLang="en-US" dirty="0"/>
               <a:t>第四级</a:t>
             </a:r>
-            <a:endParaRPr lang="zh-CN" altLang="en-US" dirty="0"/>
           </a:p>
           <a:p>
             <a:pPr lvl="4"/>
@@ -4015,7 +3919,6 @@
               <a:rPr lang="zh-CN" altLang="en-US" dirty="0"/>
               <a:t>第五级</a:t>
             </a:r>
-            <a:endParaRPr lang="zh-CN" altLang="en-US" dirty="0"/>
           </a:p>
         </p:txBody>
       </p:sp>
@@ -4036,6 +3939,7 @@
           <a:p>
             <a:fld id="{760FBDFE-C587-4B4C-A407-44438C67B59E}" type="datetimeFigureOut">
               <a:rPr lang="zh-CN" altLang="en-US" smtClean="0"/>
+              <a:t>2023/12/6</a:t>
             </a:fld>
             <a:endParaRPr lang="zh-CN" altLang="en-US"/>
           </a:p>
@@ -4077,6 +3981,7 @@
           <a:p>
             <a:fld id="{49AE70B2-8BF9-45C0-BB95-33D1B9D3A854}" type="slidenum">
               <a:rPr lang="zh-CN" altLang="en-US" smtClean="0"/>
+              <a:t>‹#›</a:t>
             </a:fld>
             <a:endParaRPr lang="zh-CN" altLang="en-US"/>
           </a:p>
@@ -4096,7 +4001,7 @@
     <p:bg>
       <p:bgPr>
         <a:blipFill rotWithShape="1">
-          <a:blip r:embed="rId11"/>
+          <a:blip r:embed="rId12"/>
           <a:stretch>
             <a:fillRect/>
           </a:stretch>
@@ -4147,7 +4052,6 @@
               <a:rPr lang="zh-CN" altLang="en-US" dirty="0"/>
               <a:t>单击此处编辑母版标题样式</a:t>
             </a:r>
-            <a:endParaRPr lang="zh-CN" altLang="en-US" dirty="0"/>
           </a:p>
         </p:txBody>
       </p:sp>
@@ -4181,7 +4085,6 @@
               <a:rPr lang="zh-CN" altLang="en-US" dirty="0"/>
               <a:t>单击此处编辑母版文本样式</a:t>
             </a:r>
-            <a:endParaRPr lang="zh-CN" altLang="en-US" dirty="0"/>
           </a:p>
           <a:p>
             <a:pPr lvl="1"/>
@@ -4189,7 +4092,6 @@
               <a:rPr lang="zh-CN" altLang="en-US" dirty="0"/>
               <a:t>第二级</a:t>
             </a:r>
-            <a:endParaRPr lang="zh-CN" altLang="en-US" dirty="0"/>
           </a:p>
           <a:p>
             <a:pPr lvl="2"/>
@@ -4197,7 +4099,6 @@
               <a:rPr lang="zh-CN" altLang="en-US" dirty="0"/>
               <a:t>第三级</a:t>
             </a:r>
-            <a:endParaRPr lang="zh-CN" altLang="en-US" dirty="0"/>
           </a:p>
           <a:p>
             <a:pPr lvl="3"/>
@@ -4205,7 +4106,6 @@
               <a:rPr lang="zh-CN" altLang="en-US" dirty="0"/>
               <a:t>第四级</a:t>
             </a:r>
-            <a:endParaRPr lang="zh-CN" altLang="en-US" dirty="0"/>
           </a:p>
           <a:p>
             <a:pPr lvl="4"/>
@@ -4213,7 +4113,6 @@
               <a:rPr lang="zh-CN" altLang="en-US" dirty="0"/>
               <a:t>第五级</a:t>
             </a:r>
-            <a:endParaRPr lang="zh-CN" altLang="en-US" dirty="0"/>
           </a:p>
         </p:txBody>
       </p:sp>
@@ -4254,6 +4153,7 @@
           <a:p>
             <a:fld id="{760FBDFE-C587-4B4C-A407-44438C67B59E}" type="datetimeFigureOut">
               <a:rPr lang="zh-CN" altLang="en-US" smtClean="0"/>
+              <a:t>2023/12/6</a:t>
             </a:fld>
             <a:endParaRPr lang="zh-CN" altLang="en-US" dirty="0"/>
           </a:p>
@@ -4335,6 +4235,7 @@
           <a:p>
             <a:fld id="{49AE70B2-8BF9-45C0-BB95-33D1B9D3A854}" type="slidenum">
               <a:rPr lang="zh-CN" altLang="en-US" smtClean="0"/>
+              <a:t>‹#›</a:t>
             </a:fld>
             <a:endParaRPr lang="zh-CN" altLang="en-US"/>
           </a:p>
@@ -4731,7 +4632,7 @@
             <p:nvPr/>
           </p:nvPicPr>
           <p:blipFill>
-            <a:blip r:embed="rId1" cstate="print">
+            <a:blip r:embed="rId3" cstate="print">
               <a:extLst>
                 <a:ext uri="{28A0092B-C50C-407E-A947-70E740481C1C}">
                   <a14:useLocalDpi xmlns:a14="http://schemas.microsoft.com/office/drawing/2010/main" val="0"/>
@@ -4762,7 +4663,7 @@
             <p:nvPr/>
           </p:nvPicPr>
           <p:blipFill>
-            <a:blip r:embed="rId2" cstate="print">
+            <a:blip r:embed="rId4" cstate="print">
               <a:extLst>
                 <a:ext uri="{28A0092B-C50C-407E-A947-70E740481C1C}">
                   <a14:useLocalDpi xmlns:a14="http://schemas.microsoft.com/office/drawing/2010/main" val="0"/>
@@ -4838,20 +4739,6 @@
                 </a:rPr>
                 <a:t>BEIJING UNIVERSITY OF TECHNOLOGY</a:t>
               </a:r>
-              <a:endParaRPr kumimoji="0" lang="en-US" altLang="zh-CN" sz="800" b="1" i="0" u="none" strike="noStrike" kern="1200" cap="none" spc="0" normalizeH="0" baseline="0" noProof="0" dirty="0">
-                <a:ln>
-                  <a:noFill/>
-                </a:ln>
-                <a:solidFill>
-                  <a:srgbClr val="024282"/>
-                </a:solidFill>
-                <a:effectLst/>
-                <a:uLnTx/>
-                <a:uFillTx/>
-                <a:latin typeface="Calibri" panose="020F0502020204030204"/>
-                <a:ea typeface="宋体" pitchFamily="2" charset="-122"/>
-                <a:cs typeface="+mn-cs"/>
-              </a:endParaRPr>
             </a:p>
           </p:txBody>
         </p:sp>
@@ -4902,6 +4789,7 @@
           <a:bodyPr wrap="square" rtlCol="0" anchor="t">
             <a:spAutoFit/>
           </a:bodyPr>
+          <a:lstStyle/>
           <a:p>
             <a:r>
               <a:rPr lang="zh-CN" altLang="en-US" sz="3600">
@@ -4910,10 +4798,6 @@
               </a:rPr>
               <a:t>PCL: Proxy-based Contrastive Learning for Domain Generalization</a:t>
             </a:r>
-            <a:endParaRPr lang="zh-CN" altLang="en-US" sz="3600">
-              <a:latin typeface="Times New Roman Regular" panose="02020603050405020304" charset="0"/>
-              <a:cs typeface="Times New Roman Regular" panose="02020603050405020304" charset="0"/>
-            </a:endParaRPr>
           </a:p>
         </p:txBody>
       </p:sp>
@@ -4937,6 +4821,7 @@
           <a:bodyPr wrap="none" rtlCol="0">
             <a:spAutoFit/>
           </a:bodyPr>
+          <a:lstStyle/>
           <a:p>
             <a:pPr algn="ctr"/>
             <a:r>
@@ -4963,7 +4848,6 @@
               <a:rPr lang="zh-CN" altLang="en-US"/>
               <a:t>日</a:t>
             </a:r>
-            <a:endParaRPr lang="zh-CN" altLang="en-US"/>
           </a:p>
           <a:p>
             <a:pPr algn="ctr"/>
@@ -4971,7 +4855,6 @@
               <a:rPr lang="zh-CN" altLang="en-US"/>
               <a:t>张一鸣</a:t>
             </a:r>
-            <a:endParaRPr lang="zh-CN" altLang="en-US"/>
           </a:p>
         </p:txBody>
       </p:sp>
@@ -4995,12 +4878,12 @@
           <a:bodyPr wrap="square" rtlCol="0" anchor="t">
             <a:spAutoFit/>
           </a:bodyPr>
+          <a:lstStyle/>
           <a:p>
             <a:r>
               <a:rPr lang="zh-CN" altLang="en-US" sz="1600"/>
               <a:t>X. Yao et al., "PCL: Proxy-based Contrastive Learning for Domain Generalization," 2022 IEEE/CVF Conference on Computer Vision and Pattern Recognition (CVPR), New Orleans, LA, USA, 2022, pp. 7087-7097, doi: 10.1109/CVPR52688.2022.00696.</a:t>
             </a:r>
-            <a:endParaRPr lang="zh-CN" altLang="en-US" sz="1600"/>
           </a:p>
         </p:txBody>
       </p:sp>
@@ -5087,7 +4970,7 @@
             <p:nvPr/>
           </p:nvPicPr>
           <p:blipFill>
-            <a:blip r:embed="rId1" cstate="print">
+            <a:blip r:embed="rId3" cstate="print">
               <a:extLst>
                 <a:ext uri="{28A0092B-C50C-407E-A947-70E740481C1C}">
                   <a14:useLocalDpi xmlns:a14="http://schemas.microsoft.com/office/drawing/2010/main" val="0"/>
@@ -5118,7 +5001,7 @@
             <p:nvPr/>
           </p:nvPicPr>
           <p:blipFill>
-            <a:blip r:embed="rId2" cstate="print">
+            <a:blip r:embed="rId4" cstate="print">
               <a:extLst>
                 <a:ext uri="{28A0092B-C50C-407E-A947-70E740481C1C}">
                   <a14:useLocalDpi xmlns:a14="http://schemas.microsoft.com/office/drawing/2010/main" val="0"/>
@@ -5194,20 +5077,6 @@
                 </a:rPr>
                 <a:t>BEIJING UNIVERSITY OF TECHNOLOGY</a:t>
               </a:r>
-              <a:endParaRPr kumimoji="0" lang="en-US" altLang="zh-CN" sz="800" b="1" i="0" u="none" strike="noStrike" kern="1200" cap="none" spc="0" normalizeH="0" baseline="0" noProof="0" dirty="0">
-                <a:ln>
-                  <a:noFill/>
-                </a:ln>
-                <a:solidFill>
-                  <a:srgbClr val="024282"/>
-                </a:solidFill>
-                <a:effectLst/>
-                <a:uLnTx/>
-                <a:uFillTx/>
-                <a:latin typeface="Calibri" panose="020F0502020204030204"/>
-                <a:ea typeface="宋体" pitchFamily="2" charset="-122"/>
-                <a:cs typeface="+mn-cs"/>
-              </a:endParaRPr>
             </a:p>
           </p:txBody>
         </p:sp>
@@ -5235,6 +5104,162 @@
           <a:lstStyle/>
           <a:p>
             <a:endParaRPr lang="zh-CN" altLang="en-US"/>
+          </a:p>
+        </p:txBody>
+      </p:sp>
+      <p:pic>
+        <p:nvPicPr>
+          <p:cNvPr id="3" name="图片 2"/>
+          <p:cNvPicPr>
+            <a:picLocks noChangeAspect="1"/>
+          </p:cNvPicPr>
+          <p:nvPr/>
+        </p:nvPicPr>
+        <p:blipFill>
+          <a:blip r:embed="rId5"/>
+          <a:stretch>
+            <a:fillRect/>
+          </a:stretch>
+        </p:blipFill>
+        <p:spPr>
+          <a:xfrm>
+            <a:off x="4467860" y="3436620"/>
+            <a:ext cx="3255645" cy="1530350"/>
+          </a:xfrm>
+          <a:prstGeom prst="rect">
+            <a:avLst/>
+          </a:prstGeom>
+        </p:spPr>
+      </p:pic>
+      <p:pic>
+        <p:nvPicPr>
+          <p:cNvPr id="4" name="图片 3"/>
+          <p:cNvPicPr>
+            <a:picLocks noChangeAspect="1"/>
+          </p:cNvPicPr>
+          <p:nvPr/>
+        </p:nvPicPr>
+        <p:blipFill>
+          <a:blip r:embed="rId6"/>
+          <a:stretch>
+            <a:fillRect/>
+          </a:stretch>
+        </p:blipFill>
+        <p:spPr>
+          <a:xfrm>
+            <a:off x="860425" y="1155700"/>
+            <a:ext cx="4787265" cy="368300"/>
+          </a:xfrm>
+          <a:prstGeom prst="rect">
+            <a:avLst/>
+          </a:prstGeom>
+        </p:spPr>
+      </p:pic>
+      <p:sp>
+        <p:nvSpPr>
+          <p:cNvPr id="5" name="文本框 4"/>
+          <p:cNvSpPr txBox="1"/>
+          <p:nvPr/>
+        </p:nvSpPr>
+        <p:spPr>
+          <a:xfrm>
+            <a:off x="860425" y="1524000"/>
+            <a:ext cx="4959985" cy="1198880"/>
+          </a:xfrm>
+          <a:prstGeom prst="rect">
+            <a:avLst/>
+          </a:prstGeom>
+          <a:noFill/>
+        </p:spPr>
+        <p:txBody>
+          <a:bodyPr wrap="square" rtlCol="0">
+            <a:spAutoFit/>
+          </a:bodyPr>
+          <a:lstStyle/>
+          <a:p>
+            <a:r>
+              <a:rPr lang="en-US" altLang="zh-CN"/>
+              <a:t>pcl_loss</a:t>
+            </a:r>
+            <a:r>
+              <a:rPr lang="zh-CN" altLang="en-US"/>
+              <a:t>的三个输入分别是</a:t>
+            </a:r>
+          </a:p>
+          <a:p>
+            <a:r>
+              <a:rPr lang="en-US" altLang="zh-CN"/>
+              <a:t>feature</a:t>
+            </a:r>
+          </a:p>
+          <a:p>
+            <a:r>
+              <a:rPr lang="en-US" altLang="zh-CN"/>
+              <a:t>label</a:t>
+            </a:r>
+          </a:p>
+          <a:p>
+            <a:r>
+              <a:rPr lang="en-US" altLang="zh-CN"/>
+              <a:t>proxy</a:t>
+            </a:r>
+          </a:p>
+        </p:txBody>
+      </p:sp>
+      <p:pic>
+        <p:nvPicPr>
+          <p:cNvPr id="6" name="图片 5"/>
+          <p:cNvPicPr>
+            <a:picLocks noChangeAspect="1"/>
+          </p:cNvPicPr>
+          <p:nvPr/>
+        </p:nvPicPr>
+        <p:blipFill>
+          <a:blip r:embed="rId7"/>
+          <a:stretch>
+            <a:fillRect/>
+          </a:stretch>
+        </p:blipFill>
+        <p:spPr>
+          <a:xfrm>
+            <a:off x="767080" y="3482340"/>
+            <a:ext cx="3162300" cy="1038225"/>
+          </a:xfrm>
+          <a:prstGeom prst="rect">
+            <a:avLst/>
+          </a:prstGeom>
+        </p:spPr>
+      </p:pic>
+      <p:sp>
+        <p:nvSpPr>
+          <p:cNvPr id="9" name="文本框 8"/>
+          <p:cNvSpPr txBox="1"/>
+          <p:nvPr/>
+        </p:nvSpPr>
+        <p:spPr>
+          <a:xfrm>
+            <a:off x="767080" y="3114040"/>
+            <a:ext cx="1202690" cy="368300"/>
+          </a:xfrm>
+          <a:prstGeom prst="rect">
+            <a:avLst/>
+          </a:prstGeom>
+          <a:noFill/>
+        </p:spPr>
+        <p:txBody>
+          <a:bodyPr wrap="none" rtlCol="0">
+            <a:spAutoFit/>
+          </a:bodyPr>
+          <a:lstStyle/>
+          <a:p>
+            <a:r>
+              <a:rPr lang="en-US" altLang="zh-CN"/>
+              <a:t>rep</a:t>
+            </a:r>
+            <a:r>
+              <a:rPr lang="zh-CN" altLang="en-US"/>
+              <a:t>来源：</a:t>
+            </a:r>
           </a:p>
         </p:txBody>
       </p:sp>
@@ -5321,7 +5346,7 @@
             <p:nvPr/>
           </p:nvPicPr>
           <p:blipFill>
-            <a:blip r:embed="rId1" cstate="print">
+            <a:blip r:embed="rId3" cstate="print">
               <a:extLst>
                 <a:ext uri="{28A0092B-C50C-407E-A947-70E740481C1C}">
                   <a14:useLocalDpi xmlns:a14="http://schemas.microsoft.com/office/drawing/2010/main" val="0"/>
@@ -5352,7 +5377,7 @@
             <p:nvPr/>
           </p:nvPicPr>
           <p:blipFill>
-            <a:blip r:embed="rId2" cstate="print">
+            <a:blip r:embed="rId4" cstate="print">
               <a:extLst>
                 <a:ext uri="{28A0092B-C50C-407E-A947-70E740481C1C}">
                   <a14:useLocalDpi xmlns:a14="http://schemas.microsoft.com/office/drawing/2010/main" val="0"/>
@@ -5428,20 +5453,6 @@
                 </a:rPr>
                 <a:t>BEIJING UNIVERSITY OF TECHNOLOGY</a:t>
               </a:r>
-              <a:endParaRPr kumimoji="0" lang="en-US" altLang="zh-CN" sz="800" b="1" i="0" u="none" strike="noStrike" kern="1200" cap="none" spc="0" normalizeH="0" baseline="0" noProof="0" dirty="0">
-                <a:ln>
-                  <a:noFill/>
-                </a:ln>
-                <a:solidFill>
-                  <a:srgbClr val="024282"/>
-                </a:solidFill>
-                <a:effectLst/>
-                <a:uLnTx/>
-                <a:uFillTx/>
-                <a:latin typeface="Calibri" panose="020F0502020204030204"/>
-                <a:ea typeface="宋体" pitchFamily="2" charset="-122"/>
-                <a:cs typeface="+mn-cs"/>
-              </a:endParaRPr>
             </a:p>
           </p:txBody>
         </p:sp>
@@ -5469,6 +5480,188 @@
           <a:lstStyle/>
           <a:p>
             <a:endParaRPr lang="zh-CN" altLang="en-US"/>
+          </a:p>
+        </p:txBody>
+      </p:sp>
+      <p:sp>
+        <p:nvSpPr>
+          <p:cNvPr id="3" name="文本框 2"/>
+          <p:cNvSpPr txBox="1"/>
+          <p:nvPr/>
+        </p:nvSpPr>
+        <p:spPr>
+          <a:xfrm>
+            <a:off x="1249045" y="1309370"/>
+            <a:ext cx="1685290" cy="368300"/>
+          </a:xfrm>
+          <a:prstGeom prst="rect">
+            <a:avLst/>
+          </a:prstGeom>
+          <a:noFill/>
+        </p:spPr>
+        <p:txBody>
+          <a:bodyPr wrap="none" rtlCol="0">
+            <a:spAutoFit/>
+          </a:bodyPr>
+          <a:lstStyle/>
+          <a:p>
+            <a:r>
+              <a:rPr lang="en-US" altLang="zh-CN"/>
+              <a:t>Proxy</a:t>
+            </a:r>
+            <a:r>
+              <a:rPr lang="zh-CN" altLang="en-US"/>
+              <a:t>的生成：</a:t>
+            </a:r>
+          </a:p>
+        </p:txBody>
+      </p:sp>
+      <p:pic>
+        <p:nvPicPr>
+          <p:cNvPr id="4" name="图片 3"/>
+          <p:cNvPicPr>
+            <a:picLocks noChangeAspect="1"/>
+          </p:cNvPicPr>
+          <p:nvPr/>
+        </p:nvPicPr>
+        <p:blipFill>
+          <a:blip r:embed="rId5"/>
+          <a:stretch>
+            <a:fillRect/>
+          </a:stretch>
+        </p:blipFill>
+        <p:spPr>
+          <a:xfrm>
+            <a:off x="1187450" y="1931670"/>
+            <a:ext cx="6551930" cy="425450"/>
+          </a:xfrm>
+          <a:prstGeom prst="rect">
+            <a:avLst/>
+          </a:prstGeom>
+        </p:spPr>
+      </p:pic>
+      <p:pic>
+        <p:nvPicPr>
+          <p:cNvPr id="5" name="图片 4"/>
+          <p:cNvPicPr>
+            <a:picLocks noChangeAspect="1"/>
+          </p:cNvPicPr>
+          <p:nvPr/>
+        </p:nvPicPr>
+        <p:blipFill>
+          <a:blip r:embed="rId6"/>
+          <a:stretch>
+            <a:fillRect/>
+          </a:stretch>
+        </p:blipFill>
+        <p:spPr>
+          <a:xfrm>
+            <a:off x="1249045" y="2727960"/>
+            <a:ext cx="10050780" cy="728345"/>
+          </a:xfrm>
+          <a:prstGeom prst="rect">
+            <a:avLst/>
+          </a:prstGeom>
+        </p:spPr>
+      </p:pic>
+      <p:pic>
+        <p:nvPicPr>
+          <p:cNvPr id="6" name="图片 5"/>
+          <p:cNvPicPr>
+            <a:picLocks noChangeAspect="1"/>
+          </p:cNvPicPr>
+          <p:nvPr/>
+        </p:nvPicPr>
+        <p:blipFill>
+          <a:blip r:embed="rId7"/>
+          <a:stretch>
+            <a:fillRect/>
+          </a:stretch>
+        </p:blipFill>
+        <p:spPr>
+          <a:xfrm>
+            <a:off x="1249045" y="3716020"/>
+            <a:ext cx="5307330" cy="1314450"/>
+          </a:xfrm>
+          <a:prstGeom prst="rect">
+            <a:avLst/>
+          </a:prstGeom>
+        </p:spPr>
+      </p:pic>
+      <p:pic>
+        <p:nvPicPr>
+          <p:cNvPr id="8" name="图片 7"/>
+          <p:cNvPicPr>
+            <a:picLocks noChangeAspect="1"/>
+          </p:cNvPicPr>
+          <p:nvPr/>
+        </p:nvPicPr>
+        <p:blipFill>
+          <a:blip r:embed="rId8"/>
+          <a:stretch>
+            <a:fillRect/>
+          </a:stretch>
+        </p:blipFill>
+        <p:spPr>
+          <a:xfrm>
+            <a:off x="1187450" y="5918835"/>
+            <a:ext cx="5514975" cy="367665"/>
+          </a:xfrm>
+          <a:prstGeom prst="rect">
+            <a:avLst/>
+          </a:prstGeom>
+        </p:spPr>
+      </p:pic>
+      <p:sp>
+        <p:nvSpPr>
+          <p:cNvPr id="9" name="文本框 8"/>
+          <p:cNvSpPr txBox="1"/>
+          <p:nvPr/>
+        </p:nvSpPr>
+        <p:spPr>
+          <a:xfrm>
+            <a:off x="1187450" y="5437505"/>
+            <a:ext cx="7771765" cy="368300"/>
+          </a:xfrm>
+          <a:prstGeom prst="rect">
+            <a:avLst/>
+          </a:prstGeom>
+          <a:noFill/>
+        </p:spPr>
+        <p:txBody>
+          <a:bodyPr wrap="none" rtlCol="0">
+            <a:spAutoFit/>
+          </a:bodyPr>
+          <a:lstStyle/>
+          <a:p>
+            <a:r>
+              <a:rPr lang="zh-CN" altLang="en-US"/>
+              <a:t>此时</a:t>
+            </a:r>
+            <a:r>
+              <a:rPr lang="en-US" altLang="zh-CN"/>
+              <a:t>fc_proj</a:t>
+            </a:r>
+            <a:r>
+              <a:rPr lang="zh-CN" altLang="en-US"/>
+              <a:t>的尺寸为</a:t>
+            </a:r>
+            <a:r>
+              <a:rPr lang="en-US" altLang="zh-CN"/>
+              <a:t>num_classes*feature_size</a:t>
+            </a:r>
+            <a:r>
+              <a:rPr lang="zh-CN" altLang="en-US"/>
+              <a:t>，直接送入</a:t>
+            </a:r>
+            <a:r>
+              <a:rPr lang="en-US" altLang="zh-CN"/>
+              <a:t>pcl_loss</a:t>
+            </a:r>
+            <a:r>
+              <a:rPr lang="zh-CN" altLang="en-US"/>
+              <a:t>进行计算</a:t>
+            </a:r>
           </a:p>
         </p:txBody>
       </p:sp>
@@ -5555,7 +5748,7 @@
             <p:nvPr/>
           </p:nvPicPr>
           <p:blipFill>
-            <a:blip r:embed="rId1" cstate="print">
+            <a:blip r:embed="rId3" cstate="print">
               <a:extLst>
                 <a:ext uri="{28A0092B-C50C-407E-A947-70E740481C1C}">
                   <a14:useLocalDpi xmlns:a14="http://schemas.microsoft.com/office/drawing/2010/main" val="0"/>
@@ -5586,7 +5779,7 @@
             <p:nvPr/>
           </p:nvPicPr>
           <p:blipFill>
-            <a:blip r:embed="rId2" cstate="print">
+            <a:blip r:embed="rId4" cstate="print">
               <a:extLst>
                 <a:ext uri="{28A0092B-C50C-407E-A947-70E740481C1C}">
                   <a14:useLocalDpi xmlns:a14="http://schemas.microsoft.com/office/drawing/2010/main" val="0"/>
@@ -5662,20 +5855,6 @@
                 </a:rPr>
                 <a:t>BEIJING UNIVERSITY OF TECHNOLOGY</a:t>
               </a:r>
-              <a:endParaRPr kumimoji="0" lang="en-US" altLang="zh-CN" sz="800" b="1" i="0" u="none" strike="noStrike" kern="1200" cap="none" spc="0" normalizeH="0" baseline="0" noProof="0" dirty="0">
-                <a:ln>
-                  <a:noFill/>
-                </a:ln>
-                <a:solidFill>
-                  <a:srgbClr val="024282"/>
-                </a:solidFill>
-                <a:effectLst/>
-                <a:uLnTx/>
-                <a:uFillTx/>
-                <a:latin typeface="Calibri" panose="020F0502020204030204"/>
-                <a:ea typeface="宋体" pitchFamily="2" charset="-122"/>
-                <a:cs typeface="+mn-cs"/>
-              </a:endParaRPr>
             </a:p>
           </p:txBody>
         </p:sp>
@@ -5706,6 +5885,54 @@
           </a:p>
         </p:txBody>
       </p:sp>
+      <p:pic>
+        <p:nvPicPr>
+          <p:cNvPr id="3" name="图片 2"/>
+          <p:cNvPicPr>
+            <a:picLocks noChangeAspect="1"/>
+          </p:cNvPicPr>
+          <p:nvPr/>
+        </p:nvPicPr>
+        <p:blipFill>
+          <a:blip r:embed="rId5"/>
+          <a:stretch>
+            <a:fillRect/>
+          </a:stretch>
+        </p:blipFill>
+        <p:spPr>
+          <a:xfrm>
+            <a:off x="287020" y="1619250"/>
+            <a:ext cx="4104005" cy="1443355"/>
+          </a:xfrm>
+          <a:prstGeom prst="rect">
+            <a:avLst/>
+          </a:prstGeom>
+        </p:spPr>
+      </p:pic>
+      <p:pic>
+        <p:nvPicPr>
+          <p:cNvPr id="4" name="图片 3"/>
+          <p:cNvPicPr>
+            <a:picLocks noChangeAspect="1"/>
+          </p:cNvPicPr>
+          <p:nvPr/>
+        </p:nvPicPr>
+        <p:blipFill>
+          <a:blip r:embed="rId6"/>
+          <a:stretch>
+            <a:fillRect/>
+          </a:stretch>
+        </p:blipFill>
+        <p:spPr>
+          <a:xfrm>
+            <a:off x="4744085" y="1207770"/>
+            <a:ext cx="7112635" cy="5354955"/>
+          </a:xfrm>
+          <a:prstGeom prst="rect">
+            <a:avLst/>
+          </a:prstGeom>
+        </p:spPr>
+      </p:pic>
     </p:spTree>
   </p:cSld>
   <p:clrMapOvr>
@@ -5789,7 +6016,7 @@
             <p:nvPr/>
           </p:nvPicPr>
           <p:blipFill>
-            <a:blip r:embed="rId1" cstate="print">
+            <a:blip r:embed="rId3" cstate="print">
               <a:extLst>
                 <a:ext uri="{28A0092B-C50C-407E-A947-70E740481C1C}">
                   <a14:useLocalDpi xmlns:a14="http://schemas.microsoft.com/office/drawing/2010/main" val="0"/>
@@ -5820,7 +6047,7 @@
             <p:nvPr/>
           </p:nvPicPr>
           <p:blipFill>
-            <a:blip r:embed="rId2" cstate="print">
+            <a:blip r:embed="rId4" cstate="print">
               <a:extLst>
                 <a:ext uri="{28A0092B-C50C-407E-A947-70E740481C1C}">
                   <a14:useLocalDpi xmlns:a14="http://schemas.microsoft.com/office/drawing/2010/main" val="0"/>
@@ -5896,20 +6123,6 @@
                 </a:rPr>
                 <a:t>BEIJING UNIVERSITY OF TECHNOLOGY</a:t>
               </a:r>
-              <a:endParaRPr kumimoji="0" lang="en-US" altLang="zh-CN" sz="800" b="1" i="0" u="none" strike="noStrike" kern="1200" cap="none" spc="0" normalizeH="0" baseline="0" noProof="0" dirty="0">
-                <a:ln>
-                  <a:noFill/>
-                </a:ln>
-                <a:solidFill>
-                  <a:srgbClr val="024282"/>
-                </a:solidFill>
-                <a:effectLst/>
-                <a:uLnTx/>
-                <a:uFillTx/>
-                <a:latin typeface="Calibri" panose="020F0502020204030204"/>
-                <a:ea typeface="宋体" pitchFamily="2" charset="-122"/>
-                <a:cs typeface="+mn-cs"/>
-              </a:endParaRPr>
             </a:p>
           </p:txBody>
         </p:sp>
@@ -5940,6 +6153,95 @@
           </a:p>
         </p:txBody>
       </p:sp>
+      <p:pic>
+        <p:nvPicPr>
+          <p:cNvPr id="4" name="图片 3"/>
+          <p:cNvPicPr>
+            <a:picLocks noChangeAspect="1"/>
+          </p:cNvPicPr>
+          <p:nvPr/>
+        </p:nvPicPr>
+        <p:blipFill>
+          <a:blip r:embed="rId5"/>
+          <a:stretch>
+            <a:fillRect/>
+          </a:stretch>
+        </p:blipFill>
+        <p:spPr>
+          <a:xfrm>
+            <a:off x="711200" y="1402715"/>
+            <a:ext cx="9519285" cy="714375"/>
+          </a:xfrm>
+          <a:prstGeom prst="rect">
+            <a:avLst/>
+          </a:prstGeom>
+        </p:spPr>
+      </p:pic>
+      <p:sp>
+        <p:nvSpPr>
+          <p:cNvPr id="6" name="文本框 5"/>
+          <p:cNvSpPr txBox="1"/>
+          <p:nvPr/>
+        </p:nvSpPr>
+        <p:spPr>
+          <a:xfrm>
+            <a:off x="997585" y="2292985"/>
+            <a:ext cx="1926590" cy="922020"/>
+          </a:xfrm>
+          <a:prstGeom prst="rect">
+            <a:avLst/>
+          </a:prstGeom>
+          <a:noFill/>
+        </p:spPr>
+        <p:txBody>
+          <a:bodyPr wrap="none" rtlCol="0">
+            <a:spAutoFit/>
+          </a:bodyPr>
+          <a:lstStyle/>
+          <a:p>
+            <a:r>
+              <a:rPr lang="en-US" altLang="zh-CN"/>
+              <a:t>feature:  256*128</a:t>
+            </a:r>
+          </a:p>
+          <a:p>
+            <a:r>
+              <a:rPr lang="en-US" altLang="zh-CN"/>
+              <a:t>proxy:    10*128</a:t>
+            </a:r>
+          </a:p>
+          <a:p>
+            <a:r>
+              <a:rPr lang="en-US" altLang="zh-CN"/>
+              <a:t>pred:      256*10</a:t>
+            </a:r>
+          </a:p>
+        </p:txBody>
+      </p:sp>
+      <p:pic>
+        <p:nvPicPr>
+          <p:cNvPr id="8" name="图片 7"/>
+          <p:cNvPicPr>
+            <a:picLocks noChangeAspect="1"/>
+          </p:cNvPicPr>
+          <p:nvPr/>
+        </p:nvPicPr>
+        <p:blipFill>
+          <a:blip r:embed="rId6"/>
+          <a:stretch>
+            <a:fillRect/>
+          </a:stretch>
+        </p:blipFill>
+        <p:spPr>
+          <a:xfrm>
+            <a:off x="711200" y="3286760"/>
+            <a:ext cx="10527665" cy="1268730"/>
+          </a:xfrm>
+          <a:prstGeom prst="rect">
+            <a:avLst/>
+          </a:prstGeom>
+        </p:spPr>
+      </p:pic>
     </p:spTree>
   </p:cSld>
   <p:clrMapOvr>
@@ -6023,7 +6325,7 @@
             <p:nvPr/>
           </p:nvPicPr>
           <p:blipFill>
-            <a:blip r:embed="rId1" cstate="print">
+            <a:blip r:embed="rId3" cstate="print">
               <a:extLst>
                 <a:ext uri="{28A0092B-C50C-407E-A947-70E740481C1C}">
                   <a14:useLocalDpi xmlns:a14="http://schemas.microsoft.com/office/drawing/2010/main" val="0"/>
@@ -6054,7 +6356,7 @@
             <p:nvPr/>
           </p:nvPicPr>
           <p:blipFill>
-            <a:blip r:embed="rId2" cstate="print">
+            <a:blip r:embed="rId4" cstate="print">
               <a:extLst>
                 <a:ext uri="{28A0092B-C50C-407E-A947-70E740481C1C}">
                   <a14:useLocalDpi xmlns:a14="http://schemas.microsoft.com/office/drawing/2010/main" val="0"/>
@@ -6130,20 +6432,6 @@
                 </a:rPr>
                 <a:t>BEIJING UNIVERSITY OF TECHNOLOGY</a:t>
               </a:r>
-              <a:endParaRPr kumimoji="0" lang="en-US" altLang="zh-CN" sz="800" b="1" i="0" u="none" strike="noStrike" kern="1200" cap="none" spc="0" normalizeH="0" baseline="0" noProof="0" dirty="0">
-                <a:ln>
-                  <a:noFill/>
-                </a:ln>
-                <a:solidFill>
-                  <a:srgbClr val="024282"/>
-                </a:solidFill>
-                <a:effectLst/>
-                <a:uLnTx/>
-                <a:uFillTx/>
-                <a:latin typeface="Calibri" panose="020F0502020204030204"/>
-                <a:ea typeface="宋体" pitchFamily="2" charset="-122"/>
-                <a:cs typeface="+mn-cs"/>
-              </a:endParaRPr>
             </a:p>
           </p:txBody>
         </p:sp>
@@ -6174,6 +6462,171 @@
           </a:p>
         </p:txBody>
       </p:sp>
+      <p:sp>
+        <p:nvSpPr>
+          <p:cNvPr id="5" name="文本框 4"/>
+          <p:cNvSpPr txBox="1"/>
+          <p:nvPr/>
+        </p:nvSpPr>
+        <p:spPr>
+          <a:xfrm>
+            <a:off x="798195" y="2500630"/>
+            <a:ext cx="7569200" cy="3415030"/>
+          </a:xfrm>
+          <a:prstGeom prst="rect">
+            <a:avLst/>
+          </a:prstGeom>
+          <a:noFill/>
+        </p:spPr>
+        <p:txBody>
+          <a:bodyPr wrap="none" rtlCol="0">
+            <a:spAutoFit/>
+          </a:bodyPr>
+          <a:lstStyle/>
+          <a:p>
+            <a:pPr algn="l">
+              <a:lnSpc>
+                <a:spcPct val="150000"/>
+              </a:lnSpc>
+            </a:pPr>
+            <a:r>
+              <a:rPr lang="en-US" altLang="zh-CN"/>
+              <a:t>feature: N*128</a:t>
+            </a:r>
+            <a:r>
+              <a:rPr lang="zh-CN" altLang="en-US"/>
+              <a:t>的</a:t>
+            </a:r>
+            <a:r>
+              <a:rPr lang="en-US" altLang="zh-CN"/>
+              <a:t>feature</a:t>
+            </a:r>
+            <a:r>
+              <a:rPr lang="zh-CN" altLang="en-US"/>
+              <a:t>与自身转置矩阵相乘，得到</a:t>
+            </a:r>
+            <a:r>
+              <a:rPr lang="en-US" altLang="zh-CN"/>
+              <a:t>N*N</a:t>
+            </a:r>
+            <a:r>
+              <a:rPr lang="zh-CN" altLang="en-US"/>
+              <a:t>的自相似性矩阵，</a:t>
+            </a:r>
+          </a:p>
+          <a:p>
+            <a:pPr algn="l">
+              <a:lnSpc>
+                <a:spcPct val="150000"/>
+              </a:lnSpc>
+            </a:pPr>
+            <a:r>
+              <a:rPr lang="zh-CN" altLang="en-US"/>
+              <a:t>其中 (i, j) 位置的元素表示第 i 个样本与第 j 个样本的相似性。</a:t>
+            </a:r>
+          </a:p>
+          <a:p>
+            <a:pPr algn="l">
+              <a:lnSpc>
+                <a:spcPct val="150000"/>
+              </a:lnSpc>
+            </a:pPr>
+            <a:endParaRPr lang="zh-CN" altLang="en-US"/>
+          </a:p>
+          <a:p>
+            <a:pPr algn="l">
+              <a:lnSpc>
+                <a:spcPct val="150000"/>
+              </a:lnSpc>
+            </a:pPr>
+            <a:r>
+              <a:rPr lang="en-US" altLang="zh-CN"/>
+              <a:t>label_matrix: label_matrix 是一个 (N, N) 的布尔类型矩阵，</a:t>
+            </a:r>
+          </a:p>
+          <a:p>
+            <a:pPr algn="l">
+              <a:lnSpc>
+                <a:spcPct val="150000"/>
+              </a:lnSpc>
+            </a:pPr>
+            <a:r>
+              <a:rPr lang="en-US" altLang="zh-CN"/>
+              <a:t>用于表示目标张量中不同位置的元素是否相等,</a:t>
+            </a:r>
+          </a:p>
+          <a:p>
+            <a:pPr algn="l">
+              <a:lnSpc>
+                <a:spcPct val="150000"/>
+              </a:lnSpc>
+            </a:pPr>
+            <a:r>
+              <a:rPr lang="en-US" altLang="zh-CN"/>
+              <a:t>其中 label_matrix[i, j] 表示目标张量中第 i 个元素与第 j 个元素是否相等。</a:t>
+            </a:r>
+          </a:p>
+          <a:p>
+            <a:pPr algn="l">
+              <a:lnSpc>
+                <a:spcPct val="150000"/>
+              </a:lnSpc>
+            </a:pPr>
+            <a:endParaRPr lang="en-US" altLang="zh-CN"/>
+          </a:p>
+          <a:p>
+            <a:pPr algn="l">
+              <a:lnSpc>
+                <a:spcPct val="150000"/>
+              </a:lnSpc>
+            </a:pPr>
+            <a:r>
+              <a:rPr lang="en-US" altLang="zh-CN"/>
+              <a:t>index_matrix: </a:t>
+            </a:r>
+            <a:r>
+              <a:rPr lang="zh-CN" altLang="en-US"/>
+              <a:t>形状为</a:t>
+            </a:r>
+            <a:r>
+              <a:rPr lang="en-US" altLang="zh-CN"/>
+              <a:t>N*N</a:t>
+            </a:r>
+            <a:r>
+              <a:rPr lang="zh-CN" altLang="en-US"/>
+              <a:t>，对角线为</a:t>
+            </a:r>
+            <a:r>
+              <a:rPr lang="en-US" altLang="zh-CN"/>
+              <a:t>1</a:t>
+            </a:r>
+          </a:p>
+        </p:txBody>
+      </p:sp>
+      <p:pic>
+        <p:nvPicPr>
+          <p:cNvPr id="6" name="图片 5"/>
+          <p:cNvPicPr>
+            <a:picLocks noChangeAspect="1"/>
+          </p:cNvPicPr>
+          <p:nvPr/>
+        </p:nvPicPr>
+        <p:blipFill>
+          <a:blip r:embed="rId5"/>
+          <a:stretch>
+            <a:fillRect/>
+          </a:stretch>
+        </p:blipFill>
+        <p:spPr>
+          <a:xfrm>
+            <a:off x="798195" y="894715"/>
+            <a:ext cx="9044940" cy="1332865"/>
+          </a:xfrm>
+          <a:prstGeom prst="rect">
+            <a:avLst/>
+          </a:prstGeom>
+        </p:spPr>
+      </p:pic>
     </p:spTree>
   </p:cSld>
   <p:clrMapOvr>
@@ -6257,7 +6710,7 @@
             <p:nvPr/>
           </p:nvPicPr>
           <p:blipFill>
-            <a:blip r:embed="rId1" cstate="print">
+            <a:blip r:embed="rId3" cstate="print">
               <a:extLst>
                 <a:ext uri="{28A0092B-C50C-407E-A947-70E740481C1C}">
                   <a14:useLocalDpi xmlns:a14="http://schemas.microsoft.com/office/drawing/2010/main" val="0"/>
@@ -6288,7 +6741,7 @@
             <p:nvPr/>
           </p:nvPicPr>
           <p:blipFill>
-            <a:blip r:embed="rId2" cstate="print">
+            <a:blip r:embed="rId4" cstate="print">
               <a:extLst>
                 <a:ext uri="{28A0092B-C50C-407E-A947-70E740481C1C}">
                   <a14:useLocalDpi xmlns:a14="http://schemas.microsoft.com/office/drawing/2010/main" val="0"/>
@@ -6364,20 +6817,6 @@
                 </a:rPr>
                 <a:t>BEIJING UNIVERSITY OF TECHNOLOGY</a:t>
               </a:r>
-              <a:endParaRPr kumimoji="0" lang="en-US" altLang="zh-CN" sz="800" b="1" i="0" u="none" strike="noStrike" kern="1200" cap="none" spc="0" normalizeH="0" baseline="0" noProof="0" dirty="0">
-                <a:ln>
-                  <a:noFill/>
-                </a:ln>
-                <a:solidFill>
-                  <a:srgbClr val="024282"/>
-                </a:solidFill>
-                <a:effectLst/>
-                <a:uLnTx/>
-                <a:uFillTx/>
-                <a:latin typeface="Calibri" panose="020F0502020204030204"/>
-                <a:ea typeface="宋体" pitchFamily="2" charset="-122"/>
-                <a:cs typeface="+mn-cs"/>
-              </a:endParaRPr>
             </a:p>
           </p:txBody>
         </p:sp>
@@ -6417,15 +6856,15 @@
           <p:nvPr/>
         </p:nvPicPr>
         <p:blipFill>
-          <a:blip r:embed="rId3"/>
+          <a:blip r:embed="rId5"/>
           <a:stretch>
             <a:fillRect/>
           </a:stretch>
         </p:blipFill>
         <p:spPr>
           <a:xfrm>
-            <a:off x="627380" y="1058545"/>
-            <a:ext cx="5892800" cy="3670300"/>
+            <a:off x="436880" y="1058545"/>
+            <a:ext cx="8449310" cy="951865"/>
           </a:xfrm>
           <a:prstGeom prst="rect">
             <a:avLst/>
@@ -6440,8 +6879,8 @@
         </p:nvSpPr>
         <p:spPr>
           <a:xfrm>
-            <a:off x="6864350" y="1329690"/>
-            <a:ext cx="4504055" cy="2861310"/>
+            <a:off x="671195" y="2010410"/>
+            <a:ext cx="6753860" cy="368300"/>
           </a:xfrm>
           <a:prstGeom prst="rect">
             <a:avLst/>
@@ -6449,40 +6888,120 @@
           <a:noFill/>
         </p:spPr>
         <p:txBody>
-          <a:bodyPr wrap="square" rtlCol="0">
+          <a:bodyPr wrap="none" rtlCol="0">
             <a:spAutoFit/>
           </a:bodyPr>
-          <a:p>
-            <a:pPr algn="l"/>
+          <a:lstStyle/>
+          <a:p>
             <a:r>
               <a:rPr lang="zh-CN" altLang="en-US"/>
-              <a:t>加</a:t>
+              <a:t>用自相似矩阵</a:t>
             </a:r>
             <a:r>
               <a:rPr lang="en-US" altLang="zh-CN"/>
-              <a:t>projection head</a:t>
+              <a:t>feature</a:t>
             </a:r>
             <a:r>
               <a:rPr lang="zh-CN" altLang="en-US"/>
-              <a:t>的</a:t>
+              <a:t>点乘负样本对矩阵，并对</a:t>
+            </a:r>
+            <a:r>
+              <a:rPr lang="en-US" altLang="zh-CN"/>
+              <a:t>&lt;1e-6</a:t>
             </a:r>
             <a:r>
               <a:rPr lang="zh-CN" altLang="en-US"/>
-              <a:t>原因：</a:t>
-            </a:r>
-            <a:endParaRPr lang="zh-CN" altLang="en-US"/>
-          </a:p>
-          <a:p>
-            <a:pPr algn="l"/>
+              <a:t>的值取负无穷</a:t>
+            </a:r>
+          </a:p>
+        </p:txBody>
+      </p:sp>
+      <p:pic>
+        <p:nvPicPr>
+          <p:cNvPr id="5" name="图片 4"/>
+          <p:cNvPicPr>
+            <a:picLocks noChangeAspect="1"/>
+          </p:cNvPicPr>
+          <p:nvPr/>
+        </p:nvPicPr>
+        <p:blipFill>
+          <a:blip r:embed="rId6"/>
+          <a:stretch>
+            <a:fillRect/>
+          </a:stretch>
+        </p:blipFill>
+        <p:spPr>
+          <a:xfrm>
+            <a:off x="671195" y="2733040"/>
+            <a:ext cx="7036435" cy="962660"/>
+          </a:xfrm>
+          <a:prstGeom prst="rect">
+            <a:avLst/>
+          </a:prstGeom>
+        </p:spPr>
+      </p:pic>
+      <p:sp>
+        <p:nvSpPr>
+          <p:cNvPr id="6" name="文本框 5"/>
+          <p:cNvSpPr txBox="1"/>
+          <p:nvPr/>
+        </p:nvSpPr>
+        <p:spPr>
+          <a:xfrm>
+            <a:off x="537845" y="3983355"/>
+            <a:ext cx="8998585" cy="368300"/>
+          </a:xfrm>
+          <a:prstGeom prst="rect">
+            <a:avLst/>
+          </a:prstGeom>
+          <a:noFill/>
+        </p:spPr>
+        <p:txBody>
+          <a:bodyPr wrap="none" rtlCol="0">
+            <a:spAutoFit/>
+          </a:bodyPr>
+          <a:lstStyle/>
+          <a:p>
             <a:r>
               <a:rPr lang="zh-CN" altLang="en-US"/>
-              <a:t>由于基于代理的方法比较容易收敛，因此得分函数的输出往往是稀疏矩阵，导致没有足够的强度来促使代理与样本嵌入学习到更多的语义特征。投影头可以将代理嵌入和样本嵌入映射到另一个空间。投影头可以将代理权重和样本嵌入映射到另一个空间。然后应用更不容易收敛的基于代理的对比损失，代理权重和样本嵌入都可以通过反向传播来学习更有</a:t>
+              <a:t>将</a:t>
+            </a:r>
+            <a:r>
+              <a:rPr lang="en-US" altLang="zh-CN"/>
+              <a:t>pred cat</a:t>
             </a:r>
             <a:r>
               <a:rPr lang="zh-CN" altLang="en-US"/>
-              <a:t>价值的特征</a:t>
-            </a:r>
-            <a:endParaRPr lang="zh-CN" altLang="en-US"/>
+              <a:t>到</a:t>
+            </a:r>
+            <a:r>
+              <a:rPr lang="en-US" altLang="zh-CN"/>
+              <a:t>feature</a:t>
+            </a:r>
+            <a:r>
+              <a:rPr lang="zh-CN" altLang="en-US"/>
+              <a:t>矩阵的第一列，乘上</a:t>
+            </a:r>
+            <a:r>
+              <a:rPr lang="en-US" altLang="zh-CN"/>
+              <a:t>scale factor</a:t>
+            </a:r>
+            <a:r>
+              <a:rPr lang="zh-CN" altLang="en-US"/>
+              <a:t>后经过</a:t>
+            </a:r>
+            <a:r>
+              <a:rPr lang="en-US" altLang="zh-CN"/>
+              <a:t>log_softmax</a:t>
+            </a:r>
+            <a:r>
+              <a:rPr lang="zh-CN" altLang="en-US"/>
+              <a:t>，最后算</a:t>
+            </a:r>
+            <a:r>
+              <a:rPr lang="en-US" altLang="zh-CN"/>
+              <a:t>nll loss</a:t>
+            </a:r>
           </a:p>
         </p:txBody>
       </p:sp>
@@ -6569,7 +7088,7 @@
             <p:nvPr/>
           </p:nvPicPr>
           <p:blipFill>
-            <a:blip r:embed="rId1" cstate="print">
+            <a:blip r:embed="rId3" cstate="print">
               <a:extLst>
                 <a:ext uri="{28A0092B-C50C-407E-A947-70E740481C1C}">
                   <a14:useLocalDpi xmlns:a14="http://schemas.microsoft.com/office/drawing/2010/main" val="0"/>
@@ -6600,7 +7119,7 @@
             <p:nvPr/>
           </p:nvPicPr>
           <p:blipFill>
-            <a:blip r:embed="rId2" cstate="print">
+            <a:blip r:embed="rId4" cstate="print">
               <a:extLst>
                 <a:ext uri="{28A0092B-C50C-407E-A947-70E740481C1C}">
                   <a14:useLocalDpi xmlns:a14="http://schemas.microsoft.com/office/drawing/2010/main" val="0"/>
@@ -6676,20 +7195,6 @@
                 </a:rPr>
                 <a:t>BEIJING UNIVERSITY OF TECHNOLOGY</a:t>
               </a:r>
-              <a:endParaRPr kumimoji="0" lang="en-US" altLang="zh-CN" sz="800" b="1" i="0" u="none" strike="noStrike" kern="1200" cap="none" spc="0" normalizeH="0" baseline="0" noProof="0" dirty="0">
-                <a:ln>
-                  <a:noFill/>
-                </a:ln>
-                <a:solidFill>
-                  <a:srgbClr val="024282"/>
-                </a:solidFill>
-                <a:effectLst/>
-                <a:uLnTx/>
-                <a:uFillTx/>
-                <a:latin typeface="Calibri" panose="020F0502020204030204"/>
-                <a:ea typeface="宋体" pitchFamily="2" charset="-122"/>
-                <a:cs typeface="+mn-cs"/>
-              </a:endParaRPr>
             </a:p>
           </p:txBody>
         </p:sp>
@@ -6702,8 +7207,8 @@
         </p:nvSpPr>
         <p:spPr>
           <a:xfrm>
-            <a:off x="1187450" y="441960"/>
-            <a:ext cx="4064000" cy="368300"/>
+            <a:off x="600075" y="51136"/>
+            <a:ext cx="4064000" cy="707886"/>
           </a:xfrm>
           <a:prstGeom prst="rect">
             <a:avLst/>
@@ -6716,119 +7221,22 @@
           </a:bodyPr>
           <a:lstStyle/>
           <a:p>
-            <a:endParaRPr lang="zh-CN" altLang="en-US"/>
+            <a:r>
+              <a:rPr lang="zh-CN" altLang="en-US" sz="4000" dirty="0"/>
+              <a:t>结果</a:t>
+            </a:r>
           </a:p>
         </p:txBody>
       </p:sp>
       <p:pic>
         <p:nvPicPr>
-          <p:cNvPr id="3" name="图片 2"/>
-          <p:cNvPicPr>
-            <a:picLocks noChangeAspect="1"/>
-          </p:cNvPicPr>
-          <p:nvPr/>
-        </p:nvPicPr>
-        <p:blipFill>
-          <a:blip r:embed="rId3"/>
-          <a:stretch>
-            <a:fillRect/>
-          </a:stretch>
-        </p:blipFill>
-        <p:spPr>
-          <a:xfrm>
-            <a:off x="4467860" y="3436620"/>
-            <a:ext cx="3255645" cy="1530350"/>
-          </a:xfrm>
-          <a:prstGeom prst="rect">
-            <a:avLst/>
-          </a:prstGeom>
-        </p:spPr>
-      </p:pic>
-      <p:pic>
-        <p:nvPicPr>
-          <p:cNvPr id="4" name="图片 3"/>
-          <p:cNvPicPr>
-            <a:picLocks noChangeAspect="1"/>
-          </p:cNvPicPr>
-          <p:nvPr/>
-        </p:nvPicPr>
-        <p:blipFill>
-          <a:blip r:embed="rId4"/>
-          <a:stretch>
-            <a:fillRect/>
-          </a:stretch>
-        </p:blipFill>
-        <p:spPr>
-          <a:xfrm>
-            <a:off x="860425" y="1155700"/>
-            <a:ext cx="4787265" cy="368300"/>
-          </a:xfrm>
-          <a:prstGeom prst="rect">
-            <a:avLst/>
-          </a:prstGeom>
-        </p:spPr>
-      </p:pic>
-      <p:sp>
-        <p:nvSpPr>
-          <p:cNvPr id="5" name="文本框 4"/>
-          <p:cNvSpPr txBox="1"/>
-          <p:nvPr/>
-        </p:nvSpPr>
-        <p:spPr>
-          <a:xfrm>
-            <a:off x="860425" y="1524000"/>
-            <a:ext cx="4959985" cy="1198880"/>
-          </a:xfrm>
-          <a:prstGeom prst="rect">
-            <a:avLst/>
-          </a:prstGeom>
-          <a:noFill/>
-        </p:spPr>
-        <p:txBody>
-          <a:bodyPr wrap="square" rtlCol="0">
-            <a:spAutoFit/>
-          </a:bodyPr>
-          <a:p>
-            <a:r>
-              <a:rPr lang="en-US" altLang="zh-CN"/>
-              <a:t>pcl_loss</a:t>
-            </a:r>
-            <a:r>
-              <a:rPr lang="zh-CN" altLang="en-US"/>
-              <a:t>的三个输入分别</a:t>
-            </a:r>
-            <a:r>
-              <a:rPr lang="zh-CN" altLang="en-US"/>
-              <a:t>是</a:t>
-            </a:r>
-            <a:endParaRPr lang="zh-CN" altLang="en-US"/>
-          </a:p>
-          <a:p>
-            <a:r>
-              <a:rPr lang="en-US" altLang="zh-CN"/>
-              <a:t>feature</a:t>
-            </a:r>
-            <a:endParaRPr lang="en-US" altLang="zh-CN"/>
-          </a:p>
-          <a:p>
-            <a:r>
-              <a:rPr lang="en-US" altLang="zh-CN"/>
-              <a:t>label</a:t>
-            </a:r>
-            <a:endParaRPr lang="en-US" altLang="zh-CN"/>
-          </a:p>
-          <a:p>
-            <a:r>
-              <a:rPr lang="en-US" altLang="zh-CN"/>
-              <a:t>proxy</a:t>
-            </a:r>
-            <a:endParaRPr lang="en-US" altLang="zh-CN"/>
-          </a:p>
-        </p:txBody>
-      </p:sp>
-      <p:pic>
-        <p:nvPicPr>
-          <p:cNvPr id="6" name="图片 5"/>
+          <p:cNvPr id="9" name="图片 8">
+            <a:extLst>
+              <a:ext uri="{FF2B5EF4-FFF2-40B4-BE49-F238E27FC236}">
+                <a16:creationId xmlns:a16="http://schemas.microsoft.com/office/drawing/2014/main" id="{2875FF62-75BA-9D0F-C74E-7242A6C3B95B}"/>
+              </a:ext>
+            </a:extLst>
+          </p:cNvPr>
           <p:cNvPicPr>
             <a:picLocks noChangeAspect="1"/>
           </p:cNvPicPr>
@@ -6842,48 +7250,50 @@
         </p:blipFill>
         <p:spPr>
           <a:xfrm>
-            <a:off x="767080" y="3482340"/>
-            <a:ext cx="3162300" cy="1038225"/>
+            <a:off x="600075" y="872505"/>
+            <a:ext cx="5238750" cy="5953125"/>
           </a:xfrm>
           <a:prstGeom prst="rect">
             <a:avLst/>
           </a:prstGeom>
         </p:spPr>
       </p:pic>
-      <p:sp>
-        <p:nvSpPr>
-          <p:cNvPr id="9" name="文本框 8"/>
-          <p:cNvSpPr txBox="1"/>
+      <p:pic>
+        <p:nvPicPr>
+          <p:cNvPr id="13" name="图片 12">
+            <a:extLst>
+              <a:ext uri="{FF2B5EF4-FFF2-40B4-BE49-F238E27FC236}">
+                <a16:creationId xmlns:a16="http://schemas.microsoft.com/office/drawing/2014/main" id="{DE2FD99A-6B44-ED51-03B5-4501075399D4}"/>
+              </a:ext>
+            </a:extLst>
+          </p:cNvPr>
+          <p:cNvPicPr>
+            <a:picLocks noChangeAspect="1"/>
+          </p:cNvPicPr>
           <p:nvPr/>
-        </p:nvSpPr>
-        <p:spPr>
-          <a:xfrm>
-            <a:off x="767080" y="3114040"/>
-            <a:ext cx="1202690" cy="368300"/>
+        </p:nvPicPr>
+        <p:blipFill>
+          <a:blip r:embed="rId6"/>
+          <a:stretch>
+            <a:fillRect/>
+          </a:stretch>
+        </p:blipFill>
+        <p:spPr>
+          <a:xfrm>
+            <a:off x="6210300" y="1030700"/>
+            <a:ext cx="5381625" cy="5295900"/>
           </a:xfrm>
           <a:prstGeom prst="rect">
             <a:avLst/>
           </a:prstGeom>
-          <a:noFill/>
-        </p:spPr>
-        <p:txBody>
-          <a:bodyPr wrap="none" rtlCol="0">
-            <a:spAutoFit/>
-          </a:bodyPr>
-          <a:p>
-            <a:r>
-              <a:rPr lang="en-US" altLang="zh-CN"/>
-              <a:t>rep</a:t>
-            </a:r>
-            <a:r>
-              <a:rPr lang="zh-CN" altLang="en-US"/>
-              <a:t>来源：</a:t>
-            </a:r>
-            <a:endParaRPr lang="zh-CN" altLang="en-US"/>
-          </a:p>
-        </p:txBody>
-      </p:sp>
+        </p:spPr>
+      </p:pic>
     </p:spTree>
+    <p:extLst>
+      <p:ext uri="{BB962C8B-B14F-4D97-AF65-F5344CB8AC3E}">
+        <p14:creationId xmlns:p14="http://schemas.microsoft.com/office/powerpoint/2010/main" val="2487015405"/>
+      </p:ext>
+    </p:extLst>
   </p:cSld>
   <p:clrMapOvr>
     <a:masterClrMapping/>
@@ -6966,7 +7376,7 @@
             <p:nvPr/>
           </p:nvPicPr>
           <p:blipFill>
-            <a:blip r:embed="rId1" cstate="print">
+            <a:blip r:embed="rId3" cstate="print">
               <a:extLst>
                 <a:ext uri="{28A0092B-C50C-407E-A947-70E740481C1C}">
                   <a14:useLocalDpi xmlns:a14="http://schemas.microsoft.com/office/drawing/2010/main" val="0"/>
@@ -6997,7 +7407,7 @@
             <p:nvPr/>
           </p:nvPicPr>
           <p:blipFill>
-            <a:blip r:embed="rId2" cstate="print">
+            <a:blip r:embed="rId4" cstate="print">
               <a:extLst>
                 <a:ext uri="{28A0092B-C50C-407E-A947-70E740481C1C}">
                   <a14:useLocalDpi xmlns:a14="http://schemas.microsoft.com/office/drawing/2010/main" val="0"/>
@@ -7073,20 +7483,6 @@
                 </a:rPr>
                 <a:t>BEIJING UNIVERSITY OF TECHNOLOGY</a:t>
               </a:r>
-              <a:endParaRPr kumimoji="0" lang="en-US" altLang="zh-CN" sz="800" b="1" i="0" u="none" strike="noStrike" kern="1200" cap="none" spc="0" normalizeH="0" baseline="0" noProof="0" dirty="0">
-                <a:ln>
-                  <a:noFill/>
-                </a:ln>
-                <a:solidFill>
-                  <a:srgbClr val="024282"/>
-                </a:solidFill>
-                <a:effectLst/>
-                <a:uLnTx/>
-                <a:uFillTx/>
-                <a:latin typeface="Calibri" panose="020F0502020204030204"/>
-                <a:ea typeface="宋体" pitchFamily="2" charset="-122"/>
-                <a:cs typeface="+mn-cs"/>
-              </a:endParaRPr>
             </a:p>
           </p:txBody>
         </p:sp>
@@ -7117,94 +7513,15 @@
           </a:p>
         </p:txBody>
       </p:sp>
-      <p:sp>
-        <p:nvSpPr>
-          <p:cNvPr id="3" name="文本框 2"/>
-          <p:cNvSpPr txBox="1"/>
-          <p:nvPr/>
-        </p:nvSpPr>
-        <p:spPr>
-          <a:xfrm>
-            <a:off x="1249045" y="1309370"/>
-            <a:ext cx="1685290" cy="368300"/>
-          </a:xfrm>
-          <a:prstGeom prst="rect">
-            <a:avLst/>
-          </a:prstGeom>
-          <a:noFill/>
-        </p:spPr>
-        <p:txBody>
-          <a:bodyPr wrap="none" rtlCol="0">
-            <a:spAutoFit/>
-          </a:bodyPr>
-          <a:p>
-            <a:r>
-              <a:rPr lang="en-US" altLang="zh-CN"/>
-              <a:t>Proxy</a:t>
-            </a:r>
-            <a:r>
-              <a:rPr lang="zh-CN" altLang="en-US"/>
-              <a:t>的</a:t>
-            </a:r>
-            <a:r>
-              <a:rPr lang="zh-CN" altLang="en-US"/>
-              <a:t>生成：</a:t>
-            </a:r>
-            <a:endParaRPr lang="zh-CN" altLang="en-US"/>
-          </a:p>
-        </p:txBody>
-      </p:sp>
       <p:pic>
         <p:nvPicPr>
-          <p:cNvPr id="4" name="图片 3"/>
-          <p:cNvPicPr>
-            <a:picLocks noChangeAspect="1"/>
-          </p:cNvPicPr>
-          <p:nvPr/>
-        </p:nvPicPr>
-        <p:blipFill>
-          <a:blip r:embed="rId3"/>
-          <a:stretch>
-            <a:fillRect/>
-          </a:stretch>
-        </p:blipFill>
-        <p:spPr>
-          <a:xfrm>
-            <a:off x="1187450" y="1931670"/>
-            <a:ext cx="6551930" cy="425450"/>
-          </a:xfrm>
-          <a:prstGeom prst="rect">
-            <a:avLst/>
-          </a:prstGeom>
-        </p:spPr>
-      </p:pic>
-      <p:pic>
-        <p:nvPicPr>
-          <p:cNvPr id="5" name="图片 4"/>
-          <p:cNvPicPr>
-            <a:picLocks noChangeAspect="1"/>
-          </p:cNvPicPr>
-          <p:nvPr/>
-        </p:nvPicPr>
-        <p:blipFill>
-          <a:blip r:embed="rId4"/>
-          <a:stretch>
-            <a:fillRect/>
-          </a:stretch>
-        </p:blipFill>
-        <p:spPr>
-          <a:xfrm>
-            <a:off x="1249045" y="2727960"/>
-            <a:ext cx="10050780" cy="728345"/>
-          </a:xfrm>
-          <a:prstGeom prst="rect">
-            <a:avLst/>
-          </a:prstGeom>
-        </p:spPr>
-      </p:pic>
-      <p:pic>
-        <p:nvPicPr>
-          <p:cNvPr id="6" name="图片 5"/>
+          <p:cNvPr id="4" name="图片 3">
+            <a:extLst>
+              <a:ext uri="{FF2B5EF4-FFF2-40B4-BE49-F238E27FC236}">
+                <a16:creationId xmlns:a16="http://schemas.microsoft.com/office/drawing/2014/main" id="{A99488D1-84D0-7837-F2CD-F27989AAC5C5}"/>
+              </a:ext>
+            </a:extLst>
+          </p:cNvPr>
           <p:cNvPicPr>
             <a:picLocks noChangeAspect="1"/>
           </p:cNvPicPr>
@@ -7218,8 +7535,8 @@
         </p:blipFill>
         <p:spPr>
           <a:xfrm>
-            <a:off x="1249045" y="3716020"/>
-            <a:ext cx="5307330" cy="1314450"/>
+            <a:off x="367840" y="1058620"/>
+            <a:ext cx="5619750" cy="4010025"/>
           </a:xfrm>
           <a:prstGeom prst="rect">
             <a:avLst/>
@@ -7228,7 +7545,13 @@
       </p:pic>
       <p:pic>
         <p:nvPicPr>
-          <p:cNvPr id="8" name="图片 7"/>
+          <p:cNvPr id="6" name="图片 5">
+            <a:extLst>
+              <a:ext uri="{FF2B5EF4-FFF2-40B4-BE49-F238E27FC236}">
+                <a16:creationId xmlns:a16="http://schemas.microsoft.com/office/drawing/2014/main" id="{ADC39D0C-550D-9D1B-7CC9-4529960295A4}"/>
+              </a:ext>
+            </a:extLst>
+          </p:cNvPr>
           <p:cNvPicPr>
             <a:picLocks noChangeAspect="1"/>
           </p:cNvPicPr>
@@ -7242,72 +7565,20 @@
         </p:blipFill>
         <p:spPr>
           <a:xfrm>
-            <a:off x="1187450" y="5918835"/>
-            <a:ext cx="5514975" cy="367665"/>
+            <a:off x="6014400" y="956618"/>
+            <a:ext cx="5876925" cy="5095875"/>
           </a:xfrm>
           <a:prstGeom prst="rect">
             <a:avLst/>
           </a:prstGeom>
         </p:spPr>
       </p:pic>
-      <p:sp>
-        <p:nvSpPr>
-          <p:cNvPr id="9" name="文本框 8"/>
-          <p:cNvSpPr txBox="1"/>
-          <p:nvPr/>
-        </p:nvSpPr>
-        <p:spPr>
-          <a:xfrm>
-            <a:off x="1187450" y="5437505"/>
-            <a:ext cx="7771765" cy="368300"/>
-          </a:xfrm>
-          <a:prstGeom prst="rect">
-            <a:avLst/>
-          </a:prstGeom>
-          <a:noFill/>
-        </p:spPr>
-        <p:txBody>
-          <a:bodyPr wrap="none" rtlCol="0">
-            <a:spAutoFit/>
-          </a:bodyPr>
-          <a:p>
-            <a:r>
-              <a:rPr lang="zh-CN" altLang="en-US"/>
-              <a:t>此时</a:t>
-            </a:r>
-            <a:r>
-              <a:rPr lang="en-US" altLang="zh-CN"/>
-              <a:t>fc_proj</a:t>
-            </a:r>
-            <a:r>
-              <a:rPr lang="zh-CN" altLang="en-US"/>
-              <a:t>的尺寸为</a:t>
-            </a:r>
-            <a:r>
-              <a:rPr lang="en-US" altLang="zh-CN"/>
-              <a:t>num_classes*feature_size</a:t>
-            </a:r>
-            <a:r>
-              <a:rPr lang="zh-CN" altLang="en-US"/>
-              <a:t>，直接送入</a:t>
-            </a:r>
-            <a:r>
-              <a:rPr lang="en-US" altLang="zh-CN"/>
-              <a:t>pcl_loss</a:t>
-            </a:r>
-            <a:r>
-              <a:rPr lang="zh-CN" altLang="en-US"/>
-              <a:t>进行</a:t>
-            </a:r>
-            <a:r>
-              <a:rPr lang="zh-CN" altLang="en-US"/>
-              <a:t>计算</a:t>
-            </a:r>
-            <a:endParaRPr lang="zh-CN" altLang="en-US"/>
-          </a:p>
-        </p:txBody>
-      </p:sp>
     </p:spTree>
+    <p:extLst>
+      <p:ext uri="{BB962C8B-B14F-4D97-AF65-F5344CB8AC3E}">
+        <p14:creationId xmlns:p14="http://schemas.microsoft.com/office/powerpoint/2010/main" val="2469637344"/>
+      </p:ext>
+    </p:extLst>
   </p:cSld>
   <p:clrMapOvr>
     <a:masterClrMapping/>
@@ -7390,7 +7661,7 @@
             <p:nvPr/>
           </p:nvPicPr>
           <p:blipFill>
-            <a:blip r:embed="rId1" cstate="print">
+            <a:blip r:embed="rId3" cstate="print">
               <a:extLst>
                 <a:ext uri="{28A0092B-C50C-407E-A947-70E740481C1C}">
                   <a14:useLocalDpi xmlns:a14="http://schemas.microsoft.com/office/drawing/2010/main" val="0"/>
@@ -7421,7 +7692,7 @@
             <p:nvPr/>
           </p:nvPicPr>
           <p:blipFill>
-            <a:blip r:embed="rId2" cstate="print">
+            <a:blip r:embed="rId4" cstate="print">
               <a:extLst>
                 <a:ext uri="{28A0092B-C50C-407E-A947-70E740481C1C}">
                   <a14:useLocalDpi xmlns:a14="http://schemas.microsoft.com/office/drawing/2010/main" val="0"/>
@@ -7497,20 +7768,6 @@
                 </a:rPr>
                 <a:t>BEIJING UNIVERSITY OF TECHNOLOGY</a:t>
               </a:r>
-              <a:endParaRPr kumimoji="0" lang="en-US" altLang="zh-CN" sz="800" b="1" i="0" u="none" strike="noStrike" kern="1200" cap="none" spc="0" normalizeH="0" baseline="0" noProof="0" dirty="0">
-                <a:ln>
-                  <a:noFill/>
-                </a:ln>
-                <a:solidFill>
-                  <a:srgbClr val="024282"/>
-                </a:solidFill>
-                <a:effectLst/>
-                <a:uLnTx/>
-                <a:uFillTx/>
-                <a:latin typeface="Calibri" panose="020F0502020204030204"/>
-                <a:ea typeface="宋体" pitchFamily="2" charset="-122"/>
-                <a:cs typeface="+mn-cs"/>
-              </a:endParaRPr>
             </a:p>
           </p:txBody>
         </p:sp>
@@ -7542,6 +7799,11 @@
         </p:txBody>
       </p:sp>
     </p:spTree>
+    <p:extLst>
+      <p:ext uri="{BB962C8B-B14F-4D97-AF65-F5344CB8AC3E}">
+        <p14:creationId xmlns:p14="http://schemas.microsoft.com/office/powerpoint/2010/main" val="2554608731"/>
+      </p:ext>
+    </p:extLst>
   </p:cSld>
   <p:clrMapOvr>
     <a:masterClrMapping/>
@@ -7549,7 +7811,7 @@
 </p:sld>
 </file>
 
-<file path=ppt/slides/slide19.xml><?xml version="1.0" encoding="utf-8"?>
+<file path=ppt/slides/slide2.xml><?xml version="1.0" encoding="utf-8"?>
 <p:sld xmlns:a="http://schemas.openxmlformats.org/drawingml/2006/main" xmlns:r="http://schemas.openxmlformats.org/officeDocument/2006/relationships" xmlns:p="http://schemas.openxmlformats.org/presentationml/2006/main">
   <p:cSld>
     <p:spTree>
@@ -7624,7 +7886,7 @@
             <p:nvPr/>
           </p:nvPicPr>
           <p:blipFill>
-            <a:blip r:embed="rId1" cstate="print">
+            <a:blip r:embed="rId3" cstate="print">
               <a:extLst>
                 <a:ext uri="{28A0092B-C50C-407E-A947-70E740481C1C}">
                   <a14:useLocalDpi xmlns:a14="http://schemas.microsoft.com/office/drawing/2010/main" val="0"/>
@@ -7655,7 +7917,7 @@
             <p:nvPr/>
           </p:nvPicPr>
           <p:blipFill>
-            <a:blip r:embed="rId2" cstate="print">
+            <a:blip r:embed="rId4" cstate="print">
               <a:extLst>
                 <a:ext uri="{28A0092B-C50C-407E-A947-70E740481C1C}">
                   <a14:useLocalDpi xmlns:a14="http://schemas.microsoft.com/office/drawing/2010/main" val="0"/>
@@ -7731,20 +7993,6 @@
                 </a:rPr>
                 <a:t>BEIJING UNIVERSITY OF TECHNOLOGY</a:t>
               </a:r>
-              <a:endParaRPr kumimoji="0" lang="en-US" altLang="zh-CN" sz="800" b="1" i="0" u="none" strike="noStrike" kern="1200" cap="none" spc="0" normalizeH="0" baseline="0" noProof="0" dirty="0">
-                <a:ln>
-                  <a:noFill/>
-                </a:ln>
-                <a:solidFill>
-                  <a:srgbClr val="024282"/>
-                </a:solidFill>
-                <a:effectLst/>
-                <a:uLnTx/>
-                <a:uFillTx/>
-                <a:latin typeface="Calibri" panose="020F0502020204030204"/>
-                <a:ea typeface="宋体" pitchFamily="2" charset="-122"/>
-                <a:cs typeface="+mn-cs"/>
-              </a:endParaRPr>
             </a:p>
           </p:txBody>
         </p:sp>
@@ -7772,6 +8020,175 @@
           <a:lstStyle/>
           <a:p>
             <a:endParaRPr lang="zh-CN" altLang="en-US"/>
+          </a:p>
+        </p:txBody>
+      </p:sp>
+      <p:sp>
+        <p:nvSpPr>
+          <p:cNvPr id="4" name="文本框 3">
+            <a:extLst>
+              <a:ext uri="{FF2B5EF4-FFF2-40B4-BE49-F238E27FC236}">
+                <a16:creationId xmlns:a16="http://schemas.microsoft.com/office/drawing/2014/main" id="{EA59649E-EE3D-8B4D-5574-2F69C24D9BD6}"/>
+              </a:ext>
+            </a:extLst>
+          </p:cNvPr>
+          <p:cNvSpPr txBox="1"/>
+          <p:nvPr/>
+        </p:nvSpPr>
+        <p:spPr>
+          <a:xfrm>
+            <a:off x="760888" y="1100983"/>
+            <a:ext cx="10328408" cy="5194179"/>
+          </a:xfrm>
+          <a:prstGeom prst="rect">
+            <a:avLst/>
+          </a:prstGeom>
+          <a:noFill/>
+        </p:spPr>
+        <p:txBody>
+          <a:bodyPr wrap="square">
+            <a:spAutoFit/>
+          </a:bodyPr>
+          <a:lstStyle/>
+          <a:p>
+            <a:pPr marL="457200" indent="-457200">
+              <a:lnSpc>
+                <a:spcPct val="150000"/>
+              </a:lnSpc>
+              <a:buFont typeface="Arial" panose="020B0604020202020204" pitchFamily="34" charset="0"/>
+              <a:buChar char="•"/>
+            </a:pPr>
+            <a:r>
+              <a:rPr lang="zh-CN" altLang="en-US" sz="2800" b="0" i="0" dirty="0">
+                <a:solidFill>
+                  <a:srgbClr val="000000"/>
+                </a:solidFill>
+                <a:effectLst/>
+                <a:latin typeface="微软雅黑" panose="020B0503020204020204" pitchFamily="34" charset="-122"/>
+                <a:ea typeface="微软雅黑" panose="020B0503020204020204" pitchFamily="34" charset="-122"/>
+              </a:rPr>
+              <a:t>域泛化是指从不同的源域中训练一个模型，该模型可以直接泛化到</a:t>
+            </a:r>
+            <a:r>
+              <a:rPr lang="zh-CN" altLang="en-US" sz="2800" dirty="0">
+                <a:solidFill>
+                  <a:srgbClr val="000000"/>
+                </a:solidFill>
+                <a:latin typeface="微软雅黑" panose="020B0503020204020204" pitchFamily="34" charset="-122"/>
+                <a:ea typeface="微软雅黑" panose="020B0503020204020204" pitchFamily="34" charset="-122"/>
+              </a:rPr>
+              <a:t>模型未见</a:t>
+            </a:r>
+            <a:r>
+              <a:rPr lang="zh-CN" altLang="en-US" sz="2800" b="0" i="0" dirty="0">
+                <a:solidFill>
+                  <a:srgbClr val="000000"/>
+                </a:solidFill>
+                <a:effectLst/>
+                <a:latin typeface="微软雅黑" panose="020B0503020204020204" pitchFamily="34" charset="-122"/>
+                <a:ea typeface="微软雅黑" panose="020B0503020204020204" pitchFamily="34" charset="-122"/>
+              </a:rPr>
+              <a:t>的目标域。</a:t>
+            </a:r>
+            <a:endParaRPr lang="en-US" altLang="zh-CN" sz="2800" b="0" i="0" dirty="0">
+              <a:solidFill>
+                <a:srgbClr val="000000"/>
+              </a:solidFill>
+              <a:effectLst/>
+              <a:latin typeface="微软雅黑" panose="020B0503020204020204" pitchFamily="34" charset="-122"/>
+              <a:ea typeface="微软雅黑" panose="020B0503020204020204" pitchFamily="34" charset="-122"/>
+            </a:endParaRPr>
+          </a:p>
+          <a:p>
+            <a:pPr marL="457200" indent="-457200">
+              <a:lnSpc>
+                <a:spcPct val="150000"/>
+              </a:lnSpc>
+              <a:buFont typeface="Arial" panose="020B0604020202020204" pitchFamily="34" charset="0"/>
+              <a:buChar char="•"/>
+            </a:pPr>
+            <a:r>
+              <a:rPr lang="zh-CN" altLang="en-US" sz="2800" b="0" i="0" dirty="0">
+                <a:solidFill>
+                  <a:srgbClr val="000000"/>
+                </a:solidFill>
+                <a:effectLst/>
+                <a:latin typeface="微软雅黑" panose="020B0503020204020204" pitchFamily="34" charset="-122"/>
+                <a:ea typeface="微软雅黑" panose="020B0503020204020204" pitchFamily="34" charset="-122"/>
+              </a:rPr>
+              <a:t>在本文中，</a:t>
+            </a:r>
+            <a:r>
+              <a:rPr lang="zh-CN" altLang="en-US" sz="2800" dirty="0">
+                <a:solidFill>
+                  <a:srgbClr val="000000"/>
+                </a:solidFill>
+                <a:latin typeface="微软雅黑" panose="020B0503020204020204" pitchFamily="34" charset="-122"/>
+                <a:ea typeface="微软雅黑" panose="020B0503020204020204" pitchFamily="34" charset="-122"/>
+              </a:rPr>
+              <a:t>作者</a:t>
+            </a:r>
+            <a:r>
+              <a:rPr lang="zh-CN" altLang="en-US" sz="2800" b="0" i="0" dirty="0">
+                <a:solidFill>
+                  <a:srgbClr val="000000"/>
+                </a:solidFill>
+                <a:effectLst/>
+                <a:latin typeface="微软雅黑" panose="020B0503020204020204" pitchFamily="34" charset="-122"/>
+                <a:ea typeface="微软雅黑" panose="020B0503020204020204" pitchFamily="34" charset="-122"/>
+              </a:rPr>
+              <a:t>发现直接应用基于对比的方法在域泛化中</a:t>
+            </a:r>
+            <a:r>
+              <a:rPr lang="zh-CN" altLang="en-US" sz="2800" dirty="0">
+                <a:solidFill>
+                  <a:srgbClr val="000000"/>
+                </a:solidFill>
+                <a:latin typeface="微软雅黑" panose="020B0503020204020204" pitchFamily="34" charset="-122"/>
+                <a:ea typeface="微软雅黑" panose="020B0503020204020204" pitchFamily="34" charset="-122"/>
+              </a:rPr>
+              <a:t>效果不佳</a:t>
+            </a:r>
+            <a:r>
+              <a:rPr lang="zh-CN" altLang="en-US" sz="2800" b="0" i="0" dirty="0">
+                <a:solidFill>
+                  <a:srgbClr val="000000"/>
+                </a:solidFill>
+                <a:effectLst/>
+                <a:latin typeface="微软雅黑" panose="020B0503020204020204" pitchFamily="34" charset="-122"/>
+                <a:ea typeface="微软雅黑" panose="020B0503020204020204" pitchFamily="34" charset="-122"/>
+              </a:rPr>
+              <a:t>。作者认为，由于不同域之间存在显著的分布差距，执着于对齐正样本对往往会阻碍模型的泛化。</a:t>
+            </a:r>
+            <a:endParaRPr lang="en-US" altLang="zh-CN" sz="2800" b="0" i="0" dirty="0">
+              <a:solidFill>
+                <a:srgbClr val="000000"/>
+              </a:solidFill>
+              <a:effectLst/>
+              <a:latin typeface="微软雅黑" panose="020B0503020204020204" pitchFamily="34" charset="-122"/>
+              <a:ea typeface="微软雅黑" panose="020B0503020204020204" pitchFamily="34" charset="-122"/>
+            </a:endParaRPr>
+          </a:p>
+          <a:p>
+            <a:pPr marL="457200" indent="-457200">
+              <a:lnSpc>
+                <a:spcPct val="150000"/>
+              </a:lnSpc>
+              <a:buFont typeface="Arial" panose="020B0604020202020204" pitchFamily="34" charset="0"/>
+              <a:buChar char="•"/>
+            </a:pPr>
+            <a:r>
+              <a:rPr lang="zh-CN" altLang="en-US" sz="2800" b="0" i="0" dirty="0">
+                <a:solidFill>
+                  <a:srgbClr val="000000"/>
+                </a:solidFill>
+                <a:effectLst/>
+                <a:latin typeface="微软雅黑" panose="020B0503020204020204" pitchFamily="34" charset="-122"/>
+                <a:ea typeface="微软雅黑" panose="020B0503020204020204" pitchFamily="34" charset="-122"/>
+              </a:rPr>
+              <a:t>为了解决这个问题，提出了一种新的基于代理的对比学习方法，该方法将原始的样本对样本关系替换为代理对样本关系，显著缓解了正对齐问题。</a:t>
+            </a:r>
+            <a:endParaRPr lang="zh-CN" altLang="en-US" sz="2800" dirty="0"/>
           </a:p>
         </p:txBody>
       </p:sp>
@@ -7783,7 +8200,7 @@
 </p:sld>
 </file>
 
-<file path=ppt/slides/slide2.xml><?xml version="1.0" encoding="utf-8"?>
+<file path=ppt/slides/slide3.xml><?xml version="1.0" encoding="utf-8"?>
 <p:sld xmlns:a="http://schemas.openxmlformats.org/drawingml/2006/main" xmlns:r="http://schemas.openxmlformats.org/officeDocument/2006/relationships" xmlns:p="http://schemas.openxmlformats.org/presentationml/2006/main">
   <p:cSld>
     <p:spTree>
@@ -7858,7 +8275,7 @@
             <p:nvPr/>
           </p:nvPicPr>
           <p:blipFill>
-            <a:blip r:embed="rId1" cstate="print">
+            <a:blip r:embed="rId3" cstate="print">
               <a:extLst>
                 <a:ext uri="{28A0092B-C50C-407E-A947-70E740481C1C}">
                   <a14:useLocalDpi xmlns:a14="http://schemas.microsoft.com/office/drawing/2010/main" val="0"/>
@@ -7889,7 +8306,7 @@
             <p:nvPr/>
           </p:nvPicPr>
           <p:blipFill>
-            <a:blip r:embed="rId2" cstate="print">
+            <a:blip r:embed="rId4" cstate="print">
               <a:extLst>
                 <a:ext uri="{28A0092B-C50C-407E-A947-70E740481C1C}">
                   <a14:useLocalDpi xmlns:a14="http://schemas.microsoft.com/office/drawing/2010/main" val="0"/>
@@ -7965,20 +8382,6 @@
                 </a:rPr>
                 <a:t>BEIJING UNIVERSITY OF TECHNOLOGY</a:t>
               </a:r>
-              <a:endParaRPr kumimoji="0" lang="en-US" altLang="zh-CN" sz="800" b="1" i="0" u="none" strike="noStrike" kern="1200" cap="none" spc="0" normalizeH="0" baseline="0" noProof="0" dirty="0">
-                <a:ln>
-                  <a:noFill/>
-                </a:ln>
-                <a:solidFill>
-                  <a:srgbClr val="024282"/>
-                </a:solidFill>
-                <a:effectLst/>
-                <a:uLnTx/>
-                <a:uFillTx/>
-                <a:latin typeface="Calibri" panose="020F0502020204030204"/>
-                <a:ea typeface="宋体" pitchFamily="2" charset="-122"/>
-                <a:cs typeface="+mn-cs"/>
-              </a:endParaRPr>
             </a:p>
           </p:txBody>
         </p:sp>
@@ -8011,14 +8414,14 @@
       </p:sp>
       <p:sp>
         <p:nvSpPr>
-          <p:cNvPr id="3" name="文本框 2"/>
+          <p:cNvPr id="6" name="文本框 5"/>
           <p:cNvSpPr txBox="1"/>
           <p:nvPr/>
         </p:nvSpPr>
         <p:spPr>
           <a:xfrm>
-            <a:off x="367665" y="163195"/>
-            <a:ext cx="1989455" cy="583565"/>
+            <a:off x="1043940" y="1058545"/>
+            <a:ext cx="6433820" cy="645160"/>
           </a:xfrm>
           <a:prstGeom prst="rect">
             <a:avLst/>
@@ -8026,54 +8429,15 @@
           <a:noFill/>
         </p:spPr>
         <p:txBody>
-          <a:bodyPr wrap="none" rtlCol="0">
-            <a:spAutoFit/>
-          </a:bodyPr>
-          <a:p>
-            <a:r>
-              <a:rPr lang="en-US" altLang="zh-CN" sz="3200">
-                <a:latin typeface="Times New Roman Regular" panose="02020603050405020304" charset="0"/>
-                <a:cs typeface="Times New Roman Regular" panose="02020603050405020304" charset="0"/>
-              </a:rPr>
-              <a:t>Motivation</a:t>
-            </a:r>
-            <a:endParaRPr lang="en-US" altLang="zh-CN" sz="3200">
-              <a:latin typeface="Times New Roman Regular" panose="02020603050405020304" charset="0"/>
-              <a:cs typeface="Times New Roman Regular" panose="02020603050405020304" charset="0"/>
-            </a:endParaRPr>
-          </a:p>
-        </p:txBody>
-      </p:sp>
-      <p:sp>
-        <p:nvSpPr>
-          <p:cNvPr id="6" name="文本框 5"/>
-          <p:cNvSpPr txBox="1"/>
-          <p:nvPr/>
-        </p:nvSpPr>
-        <p:spPr>
-          <a:xfrm>
-            <a:off x="1043940" y="1058545"/>
-            <a:ext cx="6433820" cy="645160"/>
-          </a:xfrm>
-          <a:prstGeom prst="rect">
-            <a:avLst/>
-          </a:prstGeom>
-          <a:noFill/>
-        </p:spPr>
-        <p:txBody>
           <a:bodyPr wrap="square" rtlCol="0" anchor="t">
             <a:spAutoFit/>
           </a:bodyPr>
-          <a:p>
-            <a:r>
-              <a:rPr lang="zh-CN" altLang="en-US"/>
-              <a:t>传统的基于对比的损失利用样本到样本的关系来优化模型，其中来自同类不同域的样本可以被视为正</a:t>
-            </a:r>
-            <a:r>
-              <a:rPr lang="zh-CN" altLang="en-US"/>
-              <a:t>样本对。</a:t>
-            </a:r>
-            <a:endParaRPr lang="zh-CN" altLang="en-US"/>
+          <a:lstStyle/>
+          <a:p>
+            <a:r>
+              <a:rPr lang="zh-CN" altLang="en-US" dirty="0"/>
+              <a:t>传统的基于对比的损失利用样本对间的关系来优化模型，其中来自同类不同域的样本可以被视为正样本对。</a:t>
+            </a:r>
           </a:p>
         </p:txBody>
       </p:sp>
@@ -8086,15 +8450,45 @@
           <p:nvPr/>
         </p:nvPicPr>
         <p:blipFill>
-          <a:blip r:embed="rId3"/>
+          <a:blip r:embed="rId5"/>
           <a:stretch>
             <a:fillRect/>
           </a:stretch>
         </p:blipFill>
         <p:spPr>
           <a:xfrm>
-            <a:off x="1739900" y="2792730"/>
+            <a:off x="1362392" y="2392680"/>
             <a:ext cx="2959100" cy="3213100"/>
+          </a:xfrm>
+          <a:prstGeom prst="rect">
+            <a:avLst/>
+          </a:prstGeom>
+        </p:spPr>
+      </p:pic>
+      <p:pic>
+        <p:nvPicPr>
+          <p:cNvPr id="5" name="图片 4">
+            <a:extLst>
+              <a:ext uri="{FF2B5EF4-FFF2-40B4-BE49-F238E27FC236}">
+                <a16:creationId xmlns:a16="http://schemas.microsoft.com/office/drawing/2014/main" id="{AC99976A-5D88-95BF-E233-286FCEAF9031}"/>
+              </a:ext>
+            </a:extLst>
+          </p:cNvPr>
+          <p:cNvPicPr>
+            <a:picLocks noChangeAspect="1"/>
+          </p:cNvPicPr>
+          <p:nvPr/>
+        </p:nvPicPr>
+        <p:blipFill>
+          <a:blip r:embed="rId6"/>
+          <a:stretch>
+            <a:fillRect/>
+          </a:stretch>
+        </p:blipFill>
+        <p:spPr>
+          <a:xfrm>
+            <a:off x="7477760" y="2255519"/>
+            <a:ext cx="3111986" cy="3213097"/>
           </a:xfrm>
           <a:prstGeom prst="rect">
             <a:avLst/>
@@ -8109,7 +8503,7 @@
 </p:sld>
 </file>
 
-<file path=ppt/slides/slide20.xml><?xml version="1.0" encoding="utf-8"?>
+<file path=ppt/slides/slide4.xml><?xml version="1.0" encoding="utf-8"?>
 <p:sld xmlns:a="http://schemas.openxmlformats.org/drawingml/2006/main" xmlns:r="http://schemas.openxmlformats.org/officeDocument/2006/relationships" xmlns:p="http://schemas.openxmlformats.org/presentationml/2006/main">
   <p:cSld>
     <p:spTree>
@@ -8184,7 +8578,7 @@
             <p:nvPr/>
           </p:nvPicPr>
           <p:blipFill>
-            <a:blip r:embed="rId1" cstate="print">
+            <a:blip r:embed="rId3" cstate="print">
               <a:extLst>
                 <a:ext uri="{28A0092B-C50C-407E-A947-70E740481C1C}">
                   <a14:useLocalDpi xmlns:a14="http://schemas.microsoft.com/office/drawing/2010/main" val="0"/>
@@ -8215,7 +8609,7 @@
             <p:nvPr/>
           </p:nvPicPr>
           <p:blipFill>
-            <a:blip r:embed="rId2" cstate="print">
+            <a:blip r:embed="rId4" cstate="print">
               <a:extLst>
                 <a:ext uri="{28A0092B-C50C-407E-A947-70E740481C1C}">
                   <a14:useLocalDpi xmlns:a14="http://schemas.microsoft.com/office/drawing/2010/main" val="0"/>
@@ -8291,20 +8685,6 @@
                 </a:rPr>
                 <a:t>BEIJING UNIVERSITY OF TECHNOLOGY</a:t>
               </a:r>
-              <a:endParaRPr kumimoji="0" lang="en-US" altLang="zh-CN" sz="800" b="1" i="0" u="none" strike="noStrike" kern="1200" cap="none" spc="0" normalizeH="0" baseline="0" noProof="0" dirty="0">
-                <a:ln>
-                  <a:noFill/>
-                </a:ln>
-                <a:solidFill>
-                  <a:srgbClr val="024282"/>
-                </a:solidFill>
-                <a:effectLst/>
-                <a:uLnTx/>
-                <a:uFillTx/>
-                <a:latin typeface="Calibri" panose="020F0502020204030204"/>
-                <a:ea typeface="宋体" pitchFamily="2" charset="-122"/>
-                <a:cs typeface="+mn-cs"/>
-              </a:endParaRPr>
             </a:p>
           </p:txBody>
         </p:sp>
@@ -8344,45 +8724,65 @@
           <p:nvPr/>
         </p:nvPicPr>
         <p:blipFill>
-          <a:blip r:embed="rId3"/>
+          <a:blip r:embed="rId5"/>
           <a:stretch>
             <a:fillRect/>
           </a:stretch>
         </p:blipFill>
         <p:spPr>
           <a:xfrm>
-            <a:off x="287020" y="1619250"/>
-            <a:ext cx="4104005" cy="1443355"/>
+            <a:off x="770890" y="2946400"/>
+            <a:ext cx="6606540" cy="3326765"/>
           </a:xfrm>
           <a:prstGeom prst="rect">
             <a:avLst/>
           </a:prstGeom>
         </p:spPr>
       </p:pic>
-      <p:pic>
-        <p:nvPicPr>
-          <p:cNvPr id="4" name="图片 3"/>
-          <p:cNvPicPr>
-            <a:picLocks noChangeAspect="1"/>
-          </p:cNvPicPr>
+      <p:sp>
+        <p:nvSpPr>
+          <p:cNvPr id="4" name="文本框 3"/>
+          <p:cNvSpPr txBox="1"/>
           <p:nvPr/>
-        </p:nvPicPr>
-        <p:blipFill>
-          <a:blip r:embed="rId4"/>
-          <a:stretch>
-            <a:fillRect/>
-          </a:stretch>
-        </p:blipFill>
-        <p:spPr>
-          <a:xfrm>
-            <a:off x="4744085" y="1207770"/>
-            <a:ext cx="7112635" cy="5354955"/>
+        </p:nvSpPr>
+        <p:spPr>
+          <a:xfrm>
+            <a:off x="1187450" y="894715"/>
+            <a:ext cx="9084945" cy="923330"/>
           </a:xfrm>
           <a:prstGeom prst="rect">
             <a:avLst/>
           </a:prstGeom>
-        </p:spPr>
-      </p:pic>
+          <a:noFill/>
+        </p:spPr>
+        <p:txBody>
+          <a:bodyPr wrap="square" rtlCol="0" anchor="t">
+            <a:spAutoFit/>
+          </a:bodyPr>
+          <a:lstStyle/>
+          <a:p>
+            <a:r>
+              <a:rPr lang="zh-CN" altLang="en-US" dirty="0"/>
+              <a:t>我们试图从基于代理的方法来解决这个问题。代理可以被视为子数据集的代表，理想情况下对噪声样本或异常值更具鲁棒性。一种常见的基于代理的方法是</a:t>
+            </a:r>
+          </a:p>
+          <a:p>
+            <a:r>
+              <a:rPr lang="en-US" altLang="zh-CN" dirty="0" err="1"/>
+              <a:t>softmax</a:t>
+            </a:r>
+            <a:r>
+              <a:rPr lang="en-US" altLang="zh-CN" dirty="0"/>
+              <a:t> CE loss</a:t>
+            </a:r>
+            <a:r>
+              <a:rPr lang="zh-CN" altLang="en-US" dirty="0"/>
+              <a:t>，其中代理用于代表类别。</a:t>
+            </a:r>
+            <a:endParaRPr lang="en-US" altLang="zh-CN" dirty="0"/>
+          </a:p>
+        </p:txBody>
+      </p:sp>
     </p:spTree>
   </p:cSld>
   <p:clrMapOvr>
@@ -8391,7 +8791,7 @@
 </p:sld>
 </file>
 
-<file path=ppt/slides/slide21.xml><?xml version="1.0" encoding="utf-8"?>
+<file path=ppt/slides/slide5.xml><?xml version="1.0" encoding="utf-8"?>
 <p:sld xmlns:a="http://schemas.openxmlformats.org/drawingml/2006/main" xmlns:r="http://schemas.openxmlformats.org/officeDocument/2006/relationships" xmlns:p="http://schemas.openxmlformats.org/presentationml/2006/main">
   <p:cSld>
     <p:spTree>
@@ -8466,7 +8866,7 @@
             <p:nvPr/>
           </p:nvPicPr>
           <p:blipFill>
-            <a:blip r:embed="rId1" cstate="print">
+            <a:blip r:embed="rId3" cstate="print">
               <a:extLst>
                 <a:ext uri="{28A0092B-C50C-407E-A947-70E740481C1C}">
                   <a14:useLocalDpi xmlns:a14="http://schemas.microsoft.com/office/drawing/2010/main" val="0"/>
@@ -8497,7 +8897,7 @@
             <p:nvPr/>
           </p:nvPicPr>
           <p:blipFill>
-            <a:blip r:embed="rId2" cstate="print">
+            <a:blip r:embed="rId4" cstate="print">
               <a:extLst>
                 <a:ext uri="{28A0092B-C50C-407E-A947-70E740481C1C}">
                   <a14:useLocalDpi xmlns:a14="http://schemas.microsoft.com/office/drawing/2010/main" val="0"/>
@@ -8573,20 +8973,6 @@
                 </a:rPr>
                 <a:t>BEIJING UNIVERSITY OF TECHNOLOGY</a:t>
               </a:r>
-              <a:endParaRPr kumimoji="0" lang="en-US" altLang="zh-CN" sz="800" b="1" i="0" u="none" strike="noStrike" kern="1200" cap="none" spc="0" normalizeH="0" baseline="0" noProof="0" dirty="0">
-                <a:ln>
-                  <a:noFill/>
-                </a:ln>
-                <a:solidFill>
-                  <a:srgbClr val="024282"/>
-                </a:solidFill>
-                <a:effectLst/>
-                <a:uLnTx/>
-                <a:uFillTx/>
-                <a:latin typeface="Calibri" panose="020F0502020204030204"/>
-                <a:ea typeface="宋体" pitchFamily="2" charset="-122"/>
-                <a:cs typeface="+mn-cs"/>
-              </a:endParaRPr>
             </a:p>
           </p:txBody>
         </p:sp>
@@ -8619,89 +9005,52 @@
       </p:sp>
       <p:pic>
         <p:nvPicPr>
-          <p:cNvPr id="4" name="图片 3"/>
+          <p:cNvPr id="3" name="图片 2"/>
           <p:cNvPicPr>
             <a:picLocks noChangeAspect="1"/>
           </p:cNvPicPr>
           <p:nvPr/>
         </p:nvPicPr>
         <p:blipFill>
-          <a:blip r:embed="rId3"/>
+          <a:blip r:embed="rId5"/>
           <a:stretch>
             <a:fillRect/>
           </a:stretch>
         </p:blipFill>
         <p:spPr>
           <a:xfrm>
-            <a:off x="711200" y="1402715"/>
-            <a:ext cx="9519285" cy="714375"/>
+            <a:off x="627380" y="1058545"/>
+            <a:ext cx="5892800" cy="3670300"/>
           </a:xfrm>
           <a:prstGeom prst="rect">
             <a:avLst/>
           </a:prstGeom>
         </p:spPr>
       </p:pic>
-      <p:sp>
-        <p:nvSpPr>
-          <p:cNvPr id="6" name="文本框 5"/>
-          <p:cNvSpPr txBox="1"/>
-          <p:nvPr/>
-        </p:nvSpPr>
-        <p:spPr>
-          <a:xfrm>
-            <a:off x="997585" y="2292985"/>
-            <a:ext cx="1926590" cy="922020"/>
-          </a:xfrm>
-          <a:prstGeom prst="rect">
-            <a:avLst/>
-          </a:prstGeom>
-          <a:noFill/>
-        </p:spPr>
-        <p:txBody>
-          <a:bodyPr wrap="none" rtlCol="0">
-            <a:spAutoFit/>
-          </a:bodyPr>
-          <a:p>
-            <a:r>
-              <a:rPr lang="en-US" altLang="zh-CN"/>
-              <a:t>feature:  256*128</a:t>
-            </a:r>
-            <a:endParaRPr lang="en-US" altLang="zh-CN"/>
-          </a:p>
-          <a:p>
-            <a:r>
-              <a:rPr lang="en-US" altLang="zh-CN"/>
-              <a:t>proxy:    10*128</a:t>
-            </a:r>
-            <a:endParaRPr lang="en-US" altLang="zh-CN"/>
-          </a:p>
-          <a:p>
-            <a:r>
-              <a:rPr lang="en-US" altLang="zh-CN"/>
-              <a:t>pred:      256*10</a:t>
-            </a:r>
-            <a:endParaRPr lang="en-US" altLang="zh-CN"/>
-          </a:p>
-        </p:txBody>
-      </p:sp>
       <p:pic>
         <p:nvPicPr>
-          <p:cNvPr id="8" name="图片 7"/>
+          <p:cNvPr id="6" name="图片 5">
+            <a:extLst>
+              <a:ext uri="{FF2B5EF4-FFF2-40B4-BE49-F238E27FC236}">
+                <a16:creationId xmlns:a16="http://schemas.microsoft.com/office/drawing/2014/main" id="{CBA952F9-D76F-D6DE-8188-B1D7E2EDD6DC}"/>
+              </a:ext>
+            </a:extLst>
+          </p:cNvPr>
           <p:cNvPicPr>
             <a:picLocks noChangeAspect="1"/>
           </p:cNvPicPr>
           <p:nvPr/>
         </p:nvPicPr>
         <p:blipFill>
-          <a:blip r:embed="rId4"/>
+          <a:blip r:embed="rId6"/>
           <a:stretch>
             <a:fillRect/>
           </a:stretch>
         </p:blipFill>
         <p:spPr>
           <a:xfrm>
-            <a:off x="711200" y="3286760"/>
-            <a:ext cx="10527665" cy="1268730"/>
+            <a:off x="886777" y="5068570"/>
+            <a:ext cx="3057525" cy="628650"/>
           </a:xfrm>
           <a:prstGeom prst="rect">
             <a:avLst/>
@@ -8716,7 +9065,7 @@
 </p:sld>
 </file>
 
-<file path=ppt/slides/slide22.xml><?xml version="1.0" encoding="utf-8"?>
+<file path=ppt/slides/slide6.xml><?xml version="1.0" encoding="utf-8"?>
 <p:sld xmlns:a="http://schemas.openxmlformats.org/drawingml/2006/main" xmlns:r="http://schemas.openxmlformats.org/officeDocument/2006/relationships" xmlns:p="http://schemas.openxmlformats.org/presentationml/2006/main">
   <p:cSld>
     <p:spTree>
@@ -8791,7 +9140,7 @@
             <p:nvPr/>
           </p:nvPicPr>
           <p:blipFill>
-            <a:blip r:embed="rId1" cstate="print">
+            <a:blip r:embed="rId3" cstate="print">
               <a:extLst>
                 <a:ext uri="{28A0092B-C50C-407E-A947-70E740481C1C}">
                   <a14:useLocalDpi xmlns:a14="http://schemas.microsoft.com/office/drawing/2010/main" val="0"/>
@@ -8822,7 +9171,7 @@
             <p:nvPr/>
           </p:nvPicPr>
           <p:blipFill>
-            <a:blip r:embed="rId2" cstate="print">
+            <a:blip r:embed="rId4" cstate="print">
               <a:extLst>
                 <a:ext uri="{28A0092B-C50C-407E-A947-70E740481C1C}">
                   <a14:useLocalDpi xmlns:a14="http://schemas.microsoft.com/office/drawing/2010/main" val="0"/>
@@ -8898,20 +9247,6 @@
                 </a:rPr>
                 <a:t>BEIJING UNIVERSITY OF TECHNOLOGY</a:t>
               </a:r>
-              <a:endParaRPr kumimoji="0" lang="en-US" altLang="zh-CN" sz="800" b="1" i="0" u="none" strike="noStrike" kern="1200" cap="none" spc="0" normalizeH="0" baseline="0" noProof="0" dirty="0">
-                <a:ln>
-                  <a:noFill/>
-                </a:ln>
-                <a:solidFill>
-                  <a:srgbClr val="024282"/>
-                </a:solidFill>
-                <a:effectLst/>
-                <a:uLnTx/>
-                <a:uFillTx/>
-                <a:latin typeface="Calibri" panose="020F0502020204030204"/>
-                <a:ea typeface="宋体" pitchFamily="2" charset="-122"/>
-                <a:cs typeface="+mn-cs"/>
-              </a:endParaRPr>
             </a:p>
           </p:txBody>
         </p:sp>
@@ -8944,14 +9279,14 @@
       </p:sp>
       <p:sp>
         <p:nvSpPr>
-          <p:cNvPr id="5" name="文本框 4"/>
+          <p:cNvPr id="3" name="文本框 2"/>
           <p:cNvSpPr txBox="1"/>
           <p:nvPr/>
         </p:nvSpPr>
         <p:spPr>
           <a:xfrm>
-            <a:off x="798195" y="2500630"/>
-            <a:ext cx="7569200" cy="3415030"/>
+            <a:off x="565150" y="1058545"/>
+            <a:ext cx="1880235" cy="645160"/>
           </a:xfrm>
           <a:prstGeom prst="rect">
             <a:avLst/>
@@ -8962,164 +9297,202 @@
           <a:bodyPr wrap="none" rtlCol="0">
             <a:spAutoFit/>
           </a:bodyPr>
-          <a:p>
-            <a:pPr algn="l">
-              <a:lnSpc>
-                <a:spcPct val="150000"/>
-              </a:lnSpc>
-            </a:pPr>
+          <a:lstStyle/>
+          <a:p>
             <a:r>
               <a:rPr lang="en-US" altLang="zh-CN"/>
-              <a:t>feature: N*128</a:t>
-            </a:r>
-            <a:r>
-              <a:rPr lang="zh-CN" altLang="en-US"/>
-              <a:t>的</a:t>
-            </a:r>
-            <a:r>
-              <a:rPr lang="en-US" altLang="zh-CN"/>
-              <a:t>feature</a:t>
-            </a:r>
-            <a:r>
-              <a:rPr lang="zh-CN" altLang="en-US"/>
-              <a:t>与自身转置矩阵相乘，得到</a:t>
-            </a:r>
-            <a:r>
-              <a:rPr lang="en-US" altLang="zh-CN"/>
-              <a:t>N*N</a:t>
-            </a:r>
-            <a:r>
-              <a:rPr lang="zh-CN" altLang="en-US"/>
-              <a:t>的</a:t>
-            </a:r>
-            <a:r>
-              <a:rPr lang="zh-CN" altLang="en-US"/>
-              <a:t>自相似性</a:t>
-            </a:r>
-            <a:r>
-              <a:rPr lang="zh-CN" altLang="en-US"/>
-              <a:t>矩阵，</a:t>
-            </a:r>
-            <a:endParaRPr lang="zh-CN" altLang="en-US"/>
-          </a:p>
-          <a:p>
-            <a:pPr algn="l">
-              <a:lnSpc>
-                <a:spcPct val="150000"/>
-              </a:lnSpc>
-            </a:pPr>
-            <a:r>
-              <a:rPr lang="zh-CN" altLang="en-US"/>
-              <a:t>其中 (i, j) 位置的元素表示第 i 个样本与第 j 个样本的相似性。</a:t>
-            </a:r>
-            <a:endParaRPr lang="zh-CN" altLang="en-US"/>
-          </a:p>
-          <a:p>
-            <a:pPr algn="l">
-              <a:lnSpc>
-                <a:spcPct val="150000"/>
-              </a:lnSpc>
-            </a:pPr>
-            <a:endParaRPr lang="zh-CN" altLang="en-US"/>
-          </a:p>
-          <a:p>
-            <a:pPr algn="l">
-              <a:lnSpc>
-                <a:spcPct val="150000"/>
-              </a:lnSpc>
-            </a:pPr>
-            <a:r>
-              <a:rPr lang="en-US" altLang="zh-CN"/>
-              <a:t>label_matrix: label_matrix 是一个 (N, N) 的布尔类型矩阵，</a:t>
-            </a:r>
-            <a:endParaRPr lang="en-US" altLang="zh-CN"/>
-          </a:p>
-          <a:p>
-            <a:pPr algn="l">
-              <a:lnSpc>
-                <a:spcPct val="150000"/>
-              </a:lnSpc>
-            </a:pPr>
-            <a:r>
-              <a:rPr lang="en-US" altLang="zh-CN"/>
-              <a:t>用于表示目标张量中不同位置的元素是否相等,</a:t>
-            </a:r>
-            <a:endParaRPr lang="en-US" altLang="zh-CN"/>
-          </a:p>
-          <a:p>
-            <a:pPr algn="l">
-              <a:lnSpc>
-                <a:spcPct val="150000"/>
-              </a:lnSpc>
-            </a:pPr>
-            <a:r>
-              <a:rPr lang="en-US" altLang="zh-CN"/>
-              <a:t>其中 label_matrix[i, j] 表示目标张量中第 i 个元素与第 j 个元素是否相等。</a:t>
-            </a:r>
-            <a:endParaRPr lang="en-US" altLang="zh-CN"/>
-          </a:p>
-          <a:p>
-            <a:pPr algn="l">
-              <a:lnSpc>
-                <a:spcPct val="150000"/>
-              </a:lnSpc>
-            </a:pPr>
-            <a:endParaRPr lang="en-US" altLang="zh-CN"/>
-          </a:p>
-          <a:p>
-            <a:pPr algn="l">
-              <a:lnSpc>
-                <a:spcPct val="150000"/>
-              </a:lnSpc>
-            </a:pPr>
-            <a:r>
-              <a:rPr lang="en-US" altLang="zh-CN"/>
-              <a:t>index_matrix: </a:t>
-            </a:r>
-            <a:r>
-              <a:rPr lang="zh-CN" altLang="en-US"/>
-              <a:t>形状为</a:t>
-            </a:r>
-            <a:r>
-              <a:rPr lang="en-US" altLang="zh-CN"/>
-              <a:t>N*N</a:t>
-            </a:r>
-            <a:r>
-              <a:rPr lang="zh-CN" altLang="en-US"/>
-              <a:t>，对角线为</a:t>
-            </a:r>
-            <a:r>
-              <a:rPr lang="en-US" altLang="zh-CN"/>
-              <a:t>1</a:t>
-            </a:r>
+              <a:t>Softmax CE loss</a:t>
+            </a:r>
+          </a:p>
+          <a:p>
             <a:endParaRPr lang="en-US" altLang="zh-CN"/>
           </a:p>
         </p:txBody>
       </p:sp>
       <p:pic>
         <p:nvPicPr>
-          <p:cNvPr id="6" name="图片 5"/>
+          <p:cNvPr id="4" name="图片 3"/>
           <p:cNvPicPr>
             <a:picLocks noChangeAspect="1"/>
           </p:cNvPicPr>
           <p:nvPr/>
         </p:nvPicPr>
         <p:blipFill>
-          <a:blip r:embed="rId3"/>
+          <a:blip r:embed="rId5"/>
           <a:stretch>
             <a:fillRect/>
           </a:stretch>
         </p:blipFill>
         <p:spPr>
           <a:xfrm>
-            <a:off x="798195" y="894715"/>
-            <a:ext cx="9044940" cy="1332865"/>
+            <a:off x="367665" y="1951990"/>
+            <a:ext cx="5422900" cy="1104900"/>
           </a:xfrm>
           <a:prstGeom prst="rect">
             <a:avLst/>
           </a:prstGeom>
         </p:spPr>
       </p:pic>
+      <mc:AlternateContent xmlns:mc="http://schemas.openxmlformats.org/markup-compatibility/2006" xmlns:a14="http://schemas.microsoft.com/office/drawing/2010/main">
+        <mc:Choice Requires="a14">
+          <p:sp>
+            <p:nvSpPr>
+              <p:cNvPr id="5" name="文本框 4"/>
+              <p:cNvSpPr txBox="1"/>
+              <p:nvPr/>
+            </p:nvSpPr>
+            <p:spPr>
+              <a:xfrm>
+                <a:off x="636207" y="3057144"/>
+                <a:ext cx="5716905" cy="368935"/>
+              </a:xfrm>
+              <a:prstGeom prst="rect">
+                <a:avLst/>
+              </a:prstGeom>
+              <a:noFill/>
+            </p:spPr>
+            <p:txBody>
+              <a:bodyPr wrap="none" rtlCol="0" anchor="t">
+                <a:spAutoFit/>
+              </a:bodyPr>
+              <a:lstStyle/>
+              <a:p>
+                <a:pPr algn="l"/>
+                <a14:m>
+                  <m:oMath xmlns:m="http://schemas.openxmlformats.org/officeDocument/2006/math">
+                    <m:sSub>
+                      <m:sSubPr>
+                        <m:ctrlPr>
+                          <a:rPr lang="en-US" altLang="zh-CN" i="1">
+                            <a:latin typeface="Cambria Math" panose="02040503050406030204" pitchFamily="18" charset="0"/>
+                            <a:cs typeface="DejaVu Math TeX Gyre" panose="02000503000000000000" charset="0"/>
+                          </a:rPr>
+                        </m:ctrlPr>
+                      </m:sSubPr>
+                      <m:e>
+                        <m:r>
+                          <a:rPr lang="en-US" altLang="zh-CN" i="1">
+                            <a:latin typeface="Cambria Math" panose="02040503050406030204" pitchFamily="18" charset="0"/>
+                            <a:cs typeface="DejaVu Math TeX Gyre" panose="02000503000000000000" charset="0"/>
+                          </a:rPr>
+                          <m:t>𝑤</m:t>
+                        </m:r>
+                      </m:e>
+                      <m:sub>
+                        <m:r>
+                          <a:rPr lang="en-US" altLang="zh-CN" i="1">
+                            <a:latin typeface="Cambria Math" panose="02040503050406030204" pitchFamily="18" charset="0"/>
+                            <a:cs typeface="DejaVu Math TeX Gyre" panose="02000503000000000000" charset="0"/>
+                          </a:rPr>
+                          <m:t>𝑐</m:t>
+                        </m:r>
+                      </m:sub>
+                    </m:sSub>
+                  </m:oMath>
+                </a14:m>
+                <a:r>
+                  <a:rPr lang="zh-CN" altLang="en-US" i="1">
+                    <a:latin typeface="DejaVu Math TeX Gyre" panose="02000503000000000000" charset="0"/>
+                    <a:cs typeface="DejaVu Math TeX Gyre" panose="02000503000000000000" charset="0"/>
+                  </a:rPr>
+                  <a:t>是目标类别的代理，</a:t>
+                </a:r>
+                <a:r>
+                  <a:rPr lang="en-US" altLang="zh-CN" i="1">
+                    <a:latin typeface="DejaVu Math TeX Gyre" panose="02000503000000000000" charset="0"/>
+                    <a:cs typeface="DejaVu Math TeX Gyre" panose="02000503000000000000" charset="0"/>
+                  </a:rPr>
+                  <a:t>z</a:t>
+                </a:r>
+                <a:r>
+                  <a:rPr lang="zh-CN" altLang="en-US" i="1">
+                    <a:latin typeface="DejaVu Math TeX Gyre" panose="02000503000000000000" charset="0"/>
+                    <a:cs typeface="DejaVu Math TeX Gyre" panose="02000503000000000000" charset="0"/>
+                  </a:rPr>
+                  <a:t>是由特征提取器</a:t>
+                </a:r>
+                <a14:m>
+                  <m:oMath xmlns:m="http://schemas.openxmlformats.org/officeDocument/2006/math">
+                    <m:sSub>
+                      <m:sSubPr>
+                        <m:ctrlPr>
+                          <a:rPr lang="en-US" altLang="zh-CN" i="1">
+                            <a:latin typeface="Cambria Math" panose="02040503050406030204" pitchFamily="18" charset="0"/>
+                            <a:cs typeface="DejaVu Math TeX Gyre" panose="02000503000000000000" charset="0"/>
+                          </a:rPr>
+                        </m:ctrlPr>
+                      </m:sSubPr>
+                      <m:e>
+                        <m:r>
+                          <a:rPr lang="en-US" altLang="zh-CN" i="1">
+                            <a:latin typeface="Cambria Math" panose="02040503050406030204" pitchFamily="18" charset="0"/>
+                            <a:cs typeface="DejaVu Math TeX Gyre" panose="02000503000000000000" charset="0"/>
+                          </a:rPr>
+                          <m:t>𝐹</m:t>
+                        </m:r>
+                      </m:e>
+                      <m:sub>
+                        <m:r>
+                          <a:rPr lang="en-US" altLang="zh-CN" i="1">
+                            <a:latin typeface="Cambria Math" panose="02040503050406030204" pitchFamily="18" charset="0"/>
+                            <a:cs typeface="DejaVu Math TeX Gyre" panose="02000503000000000000" charset="0"/>
+                          </a:rPr>
+                          <m:t>𝜃</m:t>
+                        </m:r>
+                      </m:sub>
+                    </m:sSub>
+                  </m:oMath>
+                </a14:m>
+                <a:r>
+                  <a:rPr lang="zh-CN" altLang="en-US" i="1">
+                    <a:latin typeface="DejaVu Math TeX Gyre" panose="02000503000000000000" charset="0"/>
+                    <a:cs typeface="DejaVu Math TeX Gyre" panose="02000503000000000000" charset="0"/>
+                  </a:rPr>
+                  <a:t>生成的特征</a:t>
+                </a:r>
+              </a:p>
+            </p:txBody>
+          </p:sp>
+        </mc:Choice>
+        <mc:Fallback xmlns="">
+          <p:sp>
+            <p:nvSpPr>
+              <p:cNvPr id="5" name="文本框 4"/>
+              <p:cNvSpPr txBox="1">
+                <a:spLocks noRot="1" noChangeAspect="1" noMove="1" noResize="1" noEditPoints="1" noAdjustHandles="1" noChangeArrowheads="1" noChangeShapeType="1" noTextEdit="1"/>
+              </p:cNvSpPr>
+              <p:nvPr/>
+            </p:nvSpPr>
+            <p:spPr>
+              <a:xfrm>
+                <a:off x="636207" y="3057144"/>
+                <a:ext cx="5716905" cy="368935"/>
+              </a:xfrm>
+              <a:prstGeom prst="rect">
+                <a:avLst/>
+              </a:prstGeom>
+              <a:blipFill rotWithShape="1">
+                <a:blip r:embed="rId6"/>
+                <a:stretch>
+                  <a:fillRect l="-10" t="-69" r="10" b="69"/>
+                </a:stretch>
+              </a:blipFill>
+            </p:spPr>
+            <p:txBody>
+              <a:bodyPr/>
+              <a:lstStyle/>
+              <a:p>
+                <a:r>
+                  <a:rPr lang="zh-CN" altLang="en-US">
+                    <a:noFill/>
+                  </a:rPr>
+                  <a:t> </a:t>
+                </a:r>
+              </a:p>
+            </p:txBody>
+          </p:sp>
+        </mc:Fallback>
+      </mc:AlternateContent>
     </p:spTree>
   </p:cSld>
   <p:clrMapOvr>
@@ -9128,7 +9501,7 @@
 </p:sld>
 </file>
 
-<file path=ppt/slides/slide23.xml><?xml version="1.0" encoding="utf-8"?>
+<file path=ppt/slides/slide7.xml><?xml version="1.0" encoding="utf-8"?>
 <p:sld xmlns:a="http://schemas.openxmlformats.org/drawingml/2006/main" xmlns:r="http://schemas.openxmlformats.org/officeDocument/2006/relationships" xmlns:p="http://schemas.openxmlformats.org/presentationml/2006/main">
   <p:cSld>
     <p:spTree>
@@ -9203,7 +9576,7 @@
             <p:nvPr/>
           </p:nvPicPr>
           <p:blipFill>
-            <a:blip r:embed="rId1" cstate="print">
+            <a:blip r:embed="rId3" cstate="print">
               <a:extLst>
                 <a:ext uri="{28A0092B-C50C-407E-A947-70E740481C1C}">
                   <a14:useLocalDpi xmlns:a14="http://schemas.microsoft.com/office/drawing/2010/main" val="0"/>
@@ -9234,7 +9607,7 @@
             <p:nvPr/>
           </p:nvPicPr>
           <p:blipFill>
-            <a:blip r:embed="rId2" cstate="print">
+            <a:blip r:embed="rId4" cstate="print">
               <a:extLst>
                 <a:ext uri="{28A0092B-C50C-407E-A947-70E740481C1C}">
                   <a14:useLocalDpi xmlns:a14="http://schemas.microsoft.com/office/drawing/2010/main" val="0"/>
@@ -9310,20 +9683,6 @@
                 </a:rPr>
                 <a:t>BEIJING UNIVERSITY OF TECHNOLOGY</a:t>
               </a:r>
-              <a:endParaRPr kumimoji="0" lang="en-US" altLang="zh-CN" sz="800" b="1" i="0" u="none" strike="noStrike" kern="1200" cap="none" spc="0" normalizeH="0" baseline="0" noProof="0" dirty="0">
-                <a:ln>
-                  <a:noFill/>
-                </a:ln>
-                <a:solidFill>
-                  <a:srgbClr val="024282"/>
-                </a:solidFill>
-                <a:effectLst/>
-                <a:uLnTx/>
-                <a:uFillTx/>
-                <a:latin typeface="Calibri" panose="020F0502020204030204"/>
-                <a:ea typeface="宋体" pitchFamily="2" charset="-122"/>
-                <a:cs typeface="+mn-cs"/>
-              </a:endParaRPr>
             </a:p>
           </p:txBody>
         </p:sp>
@@ -9356,170 +9715,64 @@
       </p:sp>
       <p:pic>
         <p:nvPicPr>
-          <p:cNvPr id="3" name="图片 2"/>
+          <p:cNvPr id="4" name="图片 3">
+            <a:extLst>
+              <a:ext uri="{FF2B5EF4-FFF2-40B4-BE49-F238E27FC236}">
+                <a16:creationId xmlns:a16="http://schemas.microsoft.com/office/drawing/2014/main" id="{CBE32EA3-2242-5242-D48D-07033DD69C37}"/>
+              </a:ext>
+            </a:extLst>
+          </p:cNvPr>
           <p:cNvPicPr>
             <a:picLocks noChangeAspect="1"/>
           </p:cNvPicPr>
           <p:nvPr/>
         </p:nvPicPr>
         <p:blipFill>
-          <a:blip r:embed="rId3"/>
+          <a:blip r:embed="rId5"/>
           <a:stretch>
             <a:fillRect/>
           </a:stretch>
         </p:blipFill>
         <p:spPr>
           <a:xfrm>
-            <a:off x="436880" y="1058545"/>
-            <a:ext cx="8449310" cy="951865"/>
+            <a:off x="652462" y="3063191"/>
+            <a:ext cx="4486275" cy="1590675"/>
           </a:xfrm>
           <a:prstGeom prst="rect">
             <a:avLst/>
           </a:prstGeom>
         </p:spPr>
       </p:pic>
-      <p:sp>
-        <p:nvSpPr>
-          <p:cNvPr id="4" name="文本框 3"/>
-          <p:cNvSpPr txBox="1"/>
-          <p:nvPr/>
-        </p:nvSpPr>
-        <p:spPr>
-          <a:xfrm>
-            <a:off x="671195" y="2010410"/>
-            <a:ext cx="6753860" cy="368300"/>
-          </a:xfrm>
-          <a:prstGeom prst="rect">
-            <a:avLst/>
-          </a:prstGeom>
-          <a:noFill/>
-        </p:spPr>
-        <p:txBody>
-          <a:bodyPr wrap="none" rtlCol="0">
-            <a:spAutoFit/>
-          </a:bodyPr>
-          <a:p>
-            <a:r>
-              <a:rPr lang="zh-CN" altLang="en-US"/>
-              <a:t>用自相似矩阵</a:t>
-            </a:r>
-            <a:r>
-              <a:rPr lang="en-US" altLang="zh-CN"/>
-              <a:t>feature</a:t>
-            </a:r>
-            <a:r>
-              <a:rPr lang="zh-CN" altLang="en-US"/>
-              <a:t>点乘负样本对矩阵，并对</a:t>
-            </a:r>
-            <a:r>
-              <a:rPr lang="en-US" altLang="zh-CN"/>
-              <a:t>&lt;1e-6</a:t>
-            </a:r>
-            <a:r>
-              <a:rPr lang="zh-CN" altLang="en-US"/>
-              <a:t>的值取</a:t>
-            </a:r>
-            <a:r>
-              <a:rPr lang="zh-CN" altLang="en-US"/>
-              <a:t>负无穷</a:t>
-            </a:r>
-            <a:endParaRPr lang="zh-CN" altLang="en-US"/>
-          </a:p>
-        </p:txBody>
-      </p:sp>
       <p:pic>
         <p:nvPicPr>
-          <p:cNvPr id="5" name="图片 4"/>
+          <p:cNvPr id="6" name="图片 5">
+            <a:extLst>
+              <a:ext uri="{FF2B5EF4-FFF2-40B4-BE49-F238E27FC236}">
+                <a16:creationId xmlns:a16="http://schemas.microsoft.com/office/drawing/2014/main" id="{D549092F-4F7B-F709-7ACF-B4786019866A}"/>
+              </a:ext>
+            </a:extLst>
+          </p:cNvPr>
           <p:cNvPicPr>
             <a:picLocks noChangeAspect="1"/>
           </p:cNvPicPr>
           <p:nvPr/>
         </p:nvPicPr>
         <p:blipFill>
-          <a:blip r:embed="rId4"/>
+          <a:blip r:embed="rId6"/>
           <a:stretch>
             <a:fillRect/>
           </a:stretch>
         </p:blipFill>
         <p:spPr>
           <a:xfrm>
-            <a:off x="671195" y="2733040"/>
-            <a:ext cx="7036435" cy="962660"/>
+            <a:off x="809625" y="1177389"/>
+            <a:ext cx="3943350" cy="771525"/>
           </a:xfrm>
           <a:prstGeom prst="rect">
             <a:avLst/>
           </a:prstGeom>
         </p:spPr>
       </p:pic>
-      <p:sp>
-        <p:nvSpPr>
-          <p:cNvPr id="6" name="文本框 5"/>
-          <p:cNvSpPr txBox="1"/>
-          <p:nvPr/>
-        </p:nvSpPr>
-        <p:spPr>
-          <a:xfrm>
-            <a:off x="537845" y="3983355"/>
-            <a:ext cx="8998585" cy="368300"/>
-          </a:xfrm>
-          <a:prstGeom prst="rect">
-            <a:avLst/>
-          </a:prstGeom>
-          <a:noFill/>
-        </p:spPr>
-        <p:txBody>
-          <a:bodyPr wrap="none" rtlCol="0">
-            <a:spAutoFit/>
-          </a:bodyPr>
-          <a:p>
-            <a:r>
-              <a:rPr lang="zh-CN" altLang="en-US"/>
-              <a:t>将</a:t>
-            </a:r>
-            <a:r>
-              <a:rPr lang="en-US" altLang="zh-CN"/>
-              <a:t>pred cat</a:t>
-            </a:r>
-            <a:r>
-              <a:rPr lang="zh-CN" altLang="en-US"/>
-              <a:t>到</a:t>
-            </a:r>
-            <a:r>
-              <a:rPr lang="en-US" altLang="zh-CN"/>
-              <a:t>feature</a:t>
-            </a:r>
-            <a:r>
-              <a:rPr lang="zh-CN" altLang="en-US"/>
-              <a:t>矩阵的第一列，乘上</a:t>
-            </a:r>
-            <a:r>
-              <a:rPr lang="en-US" altLang="zh-CN"/>
-              <a:t>scale factor</a:t>
-            </a:r>
-            <a:r>
-              <a:rPr lang="zh-CN" altLang="en-US"/>
-              <a:t>后经过</a:t>
-            </a:r>
-            <a:r>
-              <a:rPr lang="en-US" altLang="zh-CN"/>
-              <a:t>log_softmax</a:t>
-            </a:r>
-            <a:r>
-              <a:rPr lang="zh-CN" altLang="en-US"/>
-              <a:t>，最后算</a:t>
-            </a:r>
-            <a:r>
-              <a:rPr lang="en-US" altLang="zh-CN"/>
-              <a:t>nll </a:t>
-            </a:r>
-            <a:r>
-              <a:rPr lang="en-US" altLang="zh-CN"/>
-              <a:t>loss</a:t>
-            </a:r>
-            <a:endParaRPr lang="en-US" altLang="zh-CN"/>
-          </a:p>
-        </p:txBody>
-      </p:sp>
     </p:spTree>
   </p:cSld>
   <p:clrMapOvr>
@@ -9528,7 +9781,7 @@
 </p:sld>
 </file>
 
-<file path=ppt/slides/slide24.xml><?xml version="1.0" encoding="utf-8"?>
+<file path=ppt/slides/slide8.xml><?xml version="1.0" encoding="utf-8"?>
 <p:sld xmlns:a="http://schemas.openxmlformats.org/drawingml/2006/main" xmlns:r="http://schemas.openxmlformats.org/officeDocument/2006/relationships" xmlns:p="http://schemas.openxmlformats.org/presentationml/2006/main">
   <p:cSld>
     <p:spTree>
@@ -9603,7 +9856,7 @@
             <p:nvPr/>
           </p:nvPicPr>
           <p:blipFill>
-            <a:blip r:embed="rId1" cstate="print">
+            <a:blip r:embed="rId3" cstate="print">
               <a:extLst>
                 <a:ext uri="{28A0092B-C50C-407E-A947-70E740481C1C}">
                   <a14:useLocalDpi xmlns:a14="http://schemas.microsoft.com/office/drawing/2010/main" val="0"/>
@@ -9634,7 +9887,7 @@
             <p:nvPr/>
           </p:nvPicPr>
           <p:blipFill>
-            <a:blip r:embed="rId2" cstate="print">
+            <a:blip r:embed="rId4" cstate="print">
               <a:extLst>
                 <a:ext uri="{28A0092B-C50C-407E-A947-70E740481C1C}">
                   <a14:useLocalDpi xmlns:a14="http://schemas.microsoft.com/office/drawing/2010/main" val="0"/>
@@ -9710,20 +9963,6 @@
                 </a:rPr>
                 <a:t>BEIJING UNIVERSITY OF TECHNOLOGY</a:t>
               </a:r>
-              <a:endParaRPr kumimoji="0" lang="en-US" altLang="zh-CN" sz="800" b="1" i="0" u="none" strike="noStrike" kern="1200" cap="none" spc="0" normalizeH="0" baseline="0" noProof="0" dirty="0">
-                <a:ln>
-                  <a:noFill/>
-                </a:ln>
-                <a:solidFill>
-                  <a:srgbClr val="024282"/>
-                </a:solidFill>
-                <a:effectLst/>
-                <a:uLnTx/>
-                <a:uFillTx/>
-                <a:latin typeface="Calibri" panose="020F0502020204030204"/>
-                <a:ea typeface="宋体" pitchFamily="2" charset="-122"/>
-                <a:cs typeface="+mn-cs"/>
-              </a:endParaRPr>
             </a:p>
           </p:txBody>
         </p:sp>
@@ -9751,6 +9990,60 @@
           <a:lstStyle/>
           <a:p>
             <a:endParaRPr lang="zh-CN" altLang="en-US"/>
+          </a:p>
+        </p:txBody>
+      </p:sp>
+      <p:pic>
+        <p:nvPicPr>
+          <p:cNvPr id="4" name="图片 3"/>
+          <p:cNvPicPr>
+            <a:picLocks noChangeAspect="1"/>
+          </p:cNvPicPr>
+          <p:nvPr/>
+        </p:nvPicPr>
+        <p:blipFill>
+          <a:blip r:embed="rId5"/>
+          <a:stretch>
+            <a:fillRect/>
+          </a:stretch>
+        </p:blipFill>
+        <p:spPr>
+          <a:xfrm>
+            <a:off x="781050" y="1999615"/>
+            <a:ext cx="5549900" cy="1041400"/>
+          </a:xfrm>
+          <a:prstGeom prst="rect">
+            <a:avLst/>
+          </a:prstGeom>
+        </p:spPr>
+      </p:pic>
+      <p:sp>
+        <p:nvSpPr>
+          <p:cNvPr id="5" name="文本框 4"/>
+          <p:cNvSpPr txBox="1"/>
+          <p:nvPr/>
+        </p:nvSpPr>
+        <p:spPr>
+          <a:xfrm>
+            <a:off x="565150" y="1058545"/>
+            <a:ext cx="2564765" cy="368300"/>
+          </a:xfrm>
+          <a:prstGeom prst="rect">
+            <a:avLst/>
+          </a:prstGeom>
+          <a:noFill/>
+        </p:spPr>
+        <p:txBody>
+          <a:bodyPr wrap="none" rtlCol="0">
+            <a:spAutoFit/>
+          </a:bodyPr>
+          <a:lstStyle/>
+          <a:p>
+            <a:pPr algn="l"/>
+            <a:r>
+              <a:rPr lang="en-US" altLang="zh-CN"/>
+              <a:t> contrastive-based loss</a:t>
+            </a:r>
           </a:p>
         </p:txBody>
       </p:sp>
@@ -9762,7 +10055,7 @@
 </p:sld>
 </file>
 
-<file path=ppt/slides/slide25.xml><?xml version="1.0" encoding="utf-8"?>
+<file path=ppt/slides/slide9.xml><?xml version="1.0" encoding="utf-8"?>
 <p:sld xmlns:a="http://schemas.openxmlformats.org/drawingml/2006/main" xmlns:r="http://schemas.openxmlformats.org/officeDocument/2006/relationships" xmlns:p="http://schemas.openxmlformats.org/presentationml/2006/main">
   <p:cSld>
     <p:spTree>
@@ -9837,7 +10130,7 @@
             <p:nvPr/>
           </p:nvPicPr>
           <p:blipFill>
-            <a:blip r:embed="rId1" cstate="print">
+            <a:blip r:embed="rId3" cstate="print">
               <a:extLst>
                 <a:ext uri="{28A0092B-C50C-407E-A947-70E740481C1C}">
                   <a14:useLocalDpi xmlns:a14="http://schemas.microsoft.com/office/drawing/2010/main" val="0"/>
@@ -9868,7 +10161,7 @@
             <p:nvPr/>
           </p:nvPicPr>
           <p:blipFill>
-            <a:blip r:embed="rId2" cstate="print">
+            <a:blip r:embed="rId4" cstate="print">
               <a:extLst>
                 <a:ext uri="{28A0092B-C50C-407E-A947-70E740481C1C}">
                   <a14:useLocalDpi xmlns:a14="http://schemas.microsoft.com/office/drawing/2010/main" val="0"/>
@@ -9944,488 +10237,6 @@
                 </a:rPr>
                 <a:t>BEIJING UNIVERSITY OF TECHNOLOGY</a:t>
               </a:r>
-              <a:endParaRPr kumimoji="0" lang="en-US" altLang="zh-CN" sz="800" b="1" i="0" u="none" strike="noStrike" kern="1200" cap="none" spc="0" normalizeH="0" baseline="0" noProof="0" dirty="0">
-                <a:ln>
-                  <a:noFill/>
-                </a:ln>
-                <a:solidFill>
-                  <a:srgbClr val="024282"/>
-                </a:solidFill>
-                <a:effectLst/>
-                <a:uLnTx/>
-                <a:uFillTx/>
-                <a:latin typeface="Calibri" panose="020F0502020204030204"/>
-                <a:ea typeface="宋体" pitchFamily="2" charset="-122"/>
-                <a:cs typeface="+mn-cs"/>
-              </a:endParaRPr>
-            </a:p>
-          </p:txBody>
-        </p:sp>
-      </p:grpSp>
-      <p:sp>
-        <p:nvSpPr>
-          <p:cNvPr id="2" name="文本框 1"/>
-          <p:cNvSpPr txBox="1"/>
-          <p:nvPr/>
-        </p:nvSpPr>
-        <p:spPr>
-          <a:xfrm>
-            <a:off x="1187450" y="441960"/>
-            <a:ext cx="4064000" cy="368300"/>
-          </a:xfrm>
-          <a:prstGeom prst="rect">
-            <a:avLst/>
-          </a:prstGeom>
-          <a:noFill/>
-        </p:spPr>
-        <p:txBody>
-          <a:bodyPr wrap="square" rtlCol="0">
-            <a:spAutoFit/>
-          </a:bodyPr>
-          <a:lstStyle/>
-          <a:p>
-            <a:endParaRPr lang="zh-CN" altLang="en-US"/>
-          </a:p>
-        </p:txBody>
-      </p:sp>
-    </p:spTree>
-  </p:cSld>
-  <p:clrMapOvr>
-    <a:masterClrMapping/>
-  </p:clrMapOvr>
-</p:sld>
-</file>
-
-<file path=ppt/slides/slide26.xml><?xml version="1.0" encoding="utf-8"?>
-<p:sld xmlns:a="http://schemas.openxmlformats.org/drawingml/2006/main" xmlns:r="http://schemas.openxmlformats.org/officeDocument/2006/relationships" xmlns:p="http://schemas.openxmlformats.org/presentationml/2006/main">
-  <p:cSld>
-    <p:spTree>
-      <p:nvGrpSpPr>
-        <p:cNvPr id="1" name=""/>
-        <p:cNvGrpSpPr/>
-        <p:nvPr/>
-      </p:nvGrpSpPr>
-      <p:grpSpPr>
-        <a:xfrm>
-          <a:off x="0" y="0"/>
-          <a:ext cx="0" cy="0"/>
-          <a:chOff x="0" y="0"/>
-          <a:chExt cx="0" cy="0"/>
-        </a:xfrm>
-      </p:grpSpPr>
-      <p:cxnSp>
-        <p:nvCxnSpPr>
-          <p:cNvPr id="7" name="直接连接符 6"/>
-          <p:cNvCxnSpPr/>
-          <p:nvPr/>
-        </p:nvCxnSpPr>
-        <p:spPr>
-          <a:xfrm>
-            <a:off x="367840" y="809674"/>
-            <a:ext cx="11488800" cy="0"/>
-          </a:xfrm>
-          <a:prstGeom prst="line">
-            <a:avLst/>
-          </a:prstGeom>
-          <a:ln w="9525">
-            <a:solidFill>
-              <a:srgbClr val="024282"/>
-            </a:solidFill>
-          </a:ln>
-        </p:spPr>
-        <p:style>
-          <a:lnRef idx="1">
-            <a:schemeClr val="accent1"/>
-          </a:lnRef>
-          <a:fillRef idx="0">
-            <a:schemeClr val="accent1"/>
-          </a:fillRef>
-          <a:effectRef idx="0">
-            <a:schemeClr val="accent1"/>
-          </a:effectRef>
-          <a:fontRef idx="minor">
-            <a:schemeClr val="tx1"/>
-          </a:fontRef>
-        </p:style>
-      </p:cxnSp>
-      <p:grpSp>
-        <p:nvGrpSpPr>
-          <p:cNvPr id="43" name="组合 42"/>
-          <p:cNvGrpSpPr/>
-          <p:nvPr/>
-        </p:nvGrpSpPr>
-        <p:grpSpPr>
-          <a:xfrm>
-            <a:off x="9456920" y="74604"/>
-            <a:ext cx="2489626" cy="672240"/>
-            <a:chOff x="4638341" y="609261"/>
-            <a:chExt cx="5755951" cy="1554197"/>
-          </a:xfrm>
-        </p:grpSpPr>
-        <p:pic>
-          <p:nvPicPr>
-            <p:cNvPr id="45" name="图片 44"/>
-            <p:cNvPicPr>
-              <a:picLocks noChangeAspect="1"/>
-            </p:cNvPicPr>
-            <p:nvPr/>
-          </p:nvPicPr>
-          <p:blipFill>
-            <a:blip r:embed="rId1" cstate="print">
-              <a:extLst>
-                <a:ext uri="{28A0092B-C50C-407E-A947-70E740481C1C}">
-                  <a14:useLocalDpi xmlns:a14="http://schemas.microsoft.com/office/drawing/2010/main" val="0"/>
-                </a:ext>
-              </a:extLst>
-            </a:blip>
-            <a:srcRect/>
-            <a:stretch>
-              <a:fillRect/>
-            </a:stretch>
-          </p:blipFill>
-          <p:spPr>
-            <a:xfrm>
-              <a:off x="4638341" y="609261"/>
-              <a:ext cx="1502034" cy="1502030"/>
-            </a:xfrm>
-            <a:prstGeom prst="rect">
-              <a:avLst/>
-            </a:prstGeom>
-          </p:spPr>
-        </p:pic>
-        <p:pic>
-          <p:nvPicPr>
-            <p:cNvPr id="46" name="图片 45"/>
-            <p:cNvPicPr>
-              <a:picLocks noChangeAspect="1"/>
-            </p:cNvPicPr>
-            <p:nvPr/>
-          </p:nvPicPr>
-          <p:blipFill>
-            <a:blip r:embed="rId2" cstate="print">
-              <a:extLst>
-                <a:ext uri="{28A0092B-C50C-407E-A947-70E740481C1C}">
-                  <a14:useLocalDpi xmlns:a14="http://schemas.microsoft.com/office/drawing/2010/main" val="0"/>
-                </a:ext>
-              </a:extLst>
-            </a:blip>
-            <a:srcRect/>
-            <a:stretch>
-              <a:fillRect/>
-            </a:stretch>
-          </p:blipFill>
-          <p:spPr>
-            <a:xfrm>
-              <a:off x="6206343" y="750075"/>
-              <a:ext cx="4060280" cy="983091"/>
-            </a:xfrm>
-            <a:prstGeom prst="rect">
-              <a:avLst/>
-            </a:prstGeom>
-          </p:spPr>
-        </p:pic>
-        <p:sp>
-          <p:nvSpPr>
-            <p:cNvPr id="47" name="矩形 46"/>
-            <p:cNvSpPr/>
-            <p:nvPr/>
-          </p:nvSpPr>
-          <p:spPr>
-            <a:xfrm>
-              <a:off x="6206343" y="1665358"/>
-              <a:ext cx="4187949" cy="498100"/>
-            </a:xfrm>
-            <a:prstGeom prst="rect">
-              <a:avLst/>
-            </a:prstGeom>
-          </p:spPr>
-          <p:txBody>
-            <a:bodyPr wrap="square">
-              <a:spAutoFit/>
-            </a:bodyPr>
-            <a:lstStyle/>
-            <a:p>
-              <a:pPr marL="0" marR="0" lvl="0" indent="0" algn="dist" defTabSz="914400" rtl="0" eaLnBrk="1" fontAlgn="auto" latinLnBrk="0" hangingPunct="1">
-                <a:lnSpc>
-                  <a:spcPct val="100000"/>
-                </a:lnSpc>
-                <a:spcBef>
-                  <a:spcPts val="0"/>
-                </a:spcBef>
-                <a:spcAft>
-                  <a:spcPts val="0"/>
-                </a:spcAft>
-                <a:buClrTx/>
-                <a:buSzTx/>
-                <a:buFontTx/>
-                <a:buNone/>
-                <a:defRPr/>
-              </a:pPr>
-              <a:r>
-                <a:rPr kumimoji="0" lang="en-US" altLang="zh-CN" sz="800" b="1" i="0" u="none" strike="noStrike" kern="1200" cap="none" spc="0" normalizeH="0" baseline="0" noProof="0" dirty="0">
-                  <a:ln>
-                    <a:noFill/>
-                  </a:ln>
-                  <a:solidFill>
-                    <a:srgbClr val="024282"/>
-                  </a:solidFill>
-                  <a:effectLst/>
-                  <a:uLnTx/>
-                  <a:uFillTx/>
-                  <a:latin typeface="Calibri" panose="020F0502020204030204"/>
-                  <a:ea typeface="宋体" pitchFamily="2" charset="-122"/>
-                  <a:cs typeface="+mn-cs"/>
-                </a:rPr>
-                <a:t>BEIJING UNIVERSITY OF TECHNOLOGY</a:t>
-              </a:r>
-              <a:endParaRPr kumimoji="0" lang="en-US" altLang="zh-CN" sz="800" b="1" i="0" u="none" strike="noStrike" kern="1200" cap="none" spc="0" normalizeH="0" baseline="0" noProof="0" dirty="0">
-                <a:ln>
-                  <a:noFill/>
-                </a:ln>
-                <a:solidFill>
-                  <a:srgbClr val="024282"/>
-                </a:solidFill>
-                <a:effectLst/>
-                <a:uLnTx/>
-                <a:uFillTx/>
-                <a:latin typeface="Calibri" panose="020F0502020204030204"/>
-                <a:ea typeface="宋体" pitchFamily="2" charset="-122"/>
-                <a:cs typeface="+mn-cs"/>
-              </a:endParaRPr>
-            </a:p>
-          </p:txBody>
-        </p:sp>
-      </p:grpSp>
-      <p:sp>
-        <p:nvSpPr>
-          <p:cNvPr id="2" name="文本框 1"/>
-          <p:cNvSpPr txBox="1"/>
-          <p:nvPr/>
-        </p:nvSpPr>
-        <p:spPr>
-          <a:xfrm>
-            <a:off x="1187450" y="441960"/>
-            <a:ext cx="4064000" cy="368300"/>
-          </a:xfrm>
-          <a:prstGeom prst="rect">
-            <a:avLst/>
-          </a:prstGeom>
-          <a:noFill/>
-        </p:spPr>
-        <p:txBody>
-          <a:bodyPr wrap="square" rtlCol="0">
-            <a:spAutoFit/>
-          </a:bodyPr>
-          <a:lstStyle/>
-          <a:p>
-            <a:endParaRPr lang="zh-CN" altLang="en-US"/>
-          </a:p>
-        </p:txBody>
-      </p:sp>
-    </p:spTree>
-  </p:cSld>
-  <p:clrMapOvr>
-    <a:masterClrMapping/>
-  </p:clrMapOvr>
-</p:sld>
-</file>
-
-<file path=ppt/slides/slide3.xml><?xml version="1.0" encoding="utf-8"?>
-<p:sld xmlns:a="http://schemas.openxmlformats.org/drawingml/2006/main" xmlns:r="http://schemas.openxmlformats.org/officeDocument/2006/relationships" xmlns:p="http://schemas.openxmlformats.org/presentationml/2006/main">
-  <p:cSld>
-    <p:spTree>
-      <p:nvGrpSpPr>
-        <p:cNvPr id="1" name=""/>
-        <p:cNvGrpSpPr/>
-        <p:nvPr/>
-      </p:nvGrpSpPr>
-      <p:grpSpPr>
-        <a:xfrm>
-          <a:off x="0" y="0"/>
-          <a:ext cx="0" cy="0"/>
-          <a:chOff x="0" y="0"/>
-          <a:chExt cx="0" cy="0"/>
-        </a:xfrm>
-      </p:grpSpPr>
-      <p:cxnSp>
-        <p:nvCxnSpPr>
-          <p:cNvPr id="7" name="直接连接符 6"/>
-          <p:cNvCxnSpPr/>
-          <p:nvPr/>
-        </p:nvCxnSpPr>
-        <p:spPr>
-          <a:xfrm>
-            <a:off x="367840" y="809674"/>
-            <a:ext cx="11488800" cy="0"/>
-          </a:xfrm>
-          <a:prstGeom prst="line">
-            <a:avLst/>
-          </a:prstGeom>
-          <a:ln w="9525">
-            <a:solidFill>
-              <a:srgbClr val="024282"/>
-            </a:solidFill>
-          </a:ln>
-        </p:spPr>
-        <p:style>
-          <a:lnRef idx="1">
-            <a:schemeClr val="accent1"/>
-          </a:lnRef>
-          <a:fillRef idx="0">
-            <a:schemeClr val="accent1"/>
-          </a:fillRef>
-          <a:effectRef idx="0">
-            <a:schemeClr val="accent1"/>
-          </a:effectRef>
-          <a:fontRef idx="minor">
-            <a:schemeClr val="tx1"/>
-          </a:fontRef>
-        </p:style>
-      </p:cxnSp>
-      <p:grpSp>
-        <p:nvGrpSpPr>
-          <p:cNvPr id="43" name="组合 42"/>
-          <p:cNvGrpSpPr/>
-          <p:nvPr/>
-        </p:nvGrpSpPr>
-        <p:grpSpPr>
-          <a:xfrm>
-            <a:off x="9456920" y="74604"/>
-            <a:ext cx="2489626" cy="672240"/>
-            <a:chOff x="4638341" y="609261"/>
-            <a:chExt cx="5755951" cy="1554197"/>
-          </a:xfrm>
-        </p:grpSpPr>
-        <p:pic>
-          <p:nvPicPr>
-            <p:cNvPr id="45" name="图片 44"/>
-            <p:cNvPicPr>
-              <a:picLocks noChangeAspect="1"/>
-            </p:cNvPicPr>
-            <p:nvPr/>
-          </p:nvPicPr>
-          <p:blipFill>
-            <a:blip r:embed="rId1" cstate="print">
-              <a:extLst>
-                <a:ext uri="{28A0092B-C50C-407E-A947-70E740481C1C}">
-                  <a14:useLocalDpi xmlns:a14="http://schemas.microsoft.com/office/drawing/2010/main" val="0"/>
-                </a:ext>
-              </a:extLst>
-            </a:blip>
-            <a:srcRect/>
-            <a:stretch>
-              <a:fillRect/>
-            </a:stretch>
-          </p:blipFill>
-          <p:spPr>
-            <a:xfrm>
-              <a:off x="4638341" y="609261"/>
-              <a:ext cx="1502034" cy="1502030"/>
-            </a:xfrm>
-            <a:prstGeom prst="rect">
-              <a:avLst/>
-            </a:prstGeom>
-          </p:spPr>
-        </p:pic>
-        <p:pic>
-          <p:nvPicPr>
-            <p:cNvPr id="46" name="图片 45"/>
-            <p:cNvPicPr>
-              <a:picLocks noChangeAspect="1"/>
-            </p:cNvPicPr>
-            <p:nvPr/>
-          </p:nvPicPr>
-          <p:blipFill>
-            <a:blip r:embed="rId2" cstate="print">
-              <a:extLst>
-                <a:ext uri="{28A0092B-C50C-407E-A947-70E740481C1C}">
-                  <a14:useLocalDpi xmlns:a14="http://schemas.microsoft.com/office/drawing/2010/main" val="0"/>
-                </a:ext>
-              </a:extLst>
-            </a:blip>
-            <a:srcRect/>
-            <a:stretch>
-              <a:fillRect/>
-            </a:stretch>
-          </p:blipFill>
-          <p:spPr>
-            <a:xfrm>
-              <a:off x="6206343" y="750075"/>
-              <a:ext cx="4060280" cy="983091"/>
-            </a:xfrm>
-            <a:prstGeom prst="rect">
-              <a:avLst/>
-            </a:prstGeom>
-          </p:spPr>
-        </p:pic>
-        <p:sp>
-          <p:nvSpPr>
-            <p:cNvPr id="47" name="矩形 46"/>
-            <p:cNvSpPr/>
-            <p:nvPr/>
-          </p:nvSpPr>
-          <p:spPr>
-            <a:xfrm>
-              <a:off x="6206343" y="1665358"/>
-              <a:ext cx="4187949" cy="498100"/>
-            </a:xfrm>
-            <a:prstGeom prst="rect">
-              <a:avLst/>
-            </a:prstGeom>
-          </p:spPr>
-          <p:txBody>
-            <a:bodyPr wrap="square">
-              <a:spAutoFit/>
-            </a:bodyPr>
-            <a:lstStyle/>
-            <a:p>
-              <a:pPr marL="0" marR="0" lvl="0" indent="0" algn="dist" defTabSz="914400" rtl="0" eaLnBrk="1" fontAlgn="auto" latinLnBrk="0" hangingPunct="1">
-                <a:lnSpc>
-                  <a:spcPct val="100000"/>
-                </a:lnSpc>
-                <a:spcBef>
-                  <a:spcPts val="0"/>
-                </a:spcBef>
-                <a:spcAft>
-                  <a:spcPts val="0"/>
-                </a:spcAft>
-                <a:buClrTx/>
-                <a:buSzTx/>
-                <a:buFontTx/>
-                <a:buNone/>
-                <a:defRPr/>
-              </a:pPr>
-              <a:r>
-                <a:rPr kumimoji="0" lang="en-US" altLang="zh-CN" sz="800" b="1" i="0" u="none" strike="noStrike" kern="1200" cap="none" spc="0" normalizeH="0" baseline="0" noProof="0" dirty="0">
-                  <a:ln>
-                    <a:noFill/>
-                  </a:ln>
-                  <a:solidFill>
-                    <a:srgbClr val="024282"/>
-                  </a:solidFill>
-                  <a:effectLst/>
-                  <a:uLnTx/>
-                  <a:uFillTx/>
-                  <a:latin typeface="Calibri" panose="020F0502020204030204"/>
-                  <a:ea typeface="宋体" pitchFamily="2" charset="-122"/>
-                  <a:cs typeface="+mn-cs"/>
-                </a:rPr>
-                <a:t>BEIJING UNIVERSITY OF TECHNOLOGY</a:t>
-              </a:r>
-              <a:endParaRPr kumimoji="0" lang="en-US" altLang="zh-CN" sz="800" b="1" i="0" u="none" strike="noStrike" kern="1200" cap="none" spc="0" normalizeH="0" baseline="0" noProof="0" dirty="0">
-                <a:ln>
-                  <a:noFill/>
-                </a:ln>
-                <a:solidFill>
-                  <a:srgbClr val="024282"/>
-                </a:solidFill>
-                <a:effectLst/>
-                <a:uLnTx/>
-                <a:uFillTx/>
-                <a:latin typeface="Calibri" panose="020F0502020204030204"/>
-                <a:ea typeface="宋体" pitchFamily="2" charset="-122"/>
-                <a:cs typeface="+mn-cs"/>
-              </a:endParaRPr>
             </a:p>
           </p:txBody>
         </p:sp>
@@ -10465,15 +10276,15 @@
           <p:nvPr/>
         </p:nvPicPr>
         <p:blipFill>
-          <a:blip r:embed="rId3"/>
+          <a:blip r:embed="rId5"/>
           <a:stretch>
             <a:fillRect/>
           </a:stretch>
         </p:blipFill>
         <p:spPr>
           <a:xfrm>
-            <a:off x="759460" y="3323590"/>
-            <a:ext cx="6606540" cy="3326765"/>
+            <a:off x="523240" y="1851660"/>
+            <a:ext cx="7327900" cy="2603500"/>
           </a:xfrm>
           <a:prstGeom prst="rect">
             <a:avLst/>
@@ -10488,8 +10299,8 @@
         </p:nvSpPr>
         <p:spPr>
           <a:xfrm>
-            <a:off x="1187450" y="894715"/>
-            <a:ext cx="9084945" cy="1753235"/>
+            <a:off x="854075" y="1258570"/>
+            <a:ext cx="4306570" cy="368300"/>
           </a:xfrm>
           <a:prstGeom prst="rect">
             <a:avLst/>
@@ -10500,1056 +10311,7 @@
           <a:bodyPr wrap="square" rtlCol="0" anchor="t">
             <a:spAutoFit/>
           </a:bodyPr>
-          <a:p>
-            <a:r>
-              <a:rPr lang="zh-CN" altLang="en-US"/>
-              <a:t>我们试图从基于代理的方法来解决这个问题。代理可以被视为子数据集的代表，理想情况下对噪声样本或异常值更具鲁棒性。一种标准的基于代理的方法是</a:t>
-            </a:r>
-            <a:endParaRPr lang="zh-CN" altLang="en-US"/>
-          </a:p>
-          <a:p>
-            <a:r>
-              <a:rPr lang="en-US" altLang="zh-CN"/>
-              <a:t>softmax CE loss</a:t>
-            </a:r>
-            <a:r>
-              <a:rPr lang="zh-CN" altLang="en-US"/>
-              <a:t>，其中代理用于代表类别。基于对比的方法和基于代理的方法的主要区别在于关系构建。如</a:t>
-            </a:r>
-            <a:r>
-              <a:rPr lang="zh-CN" altLang="en-US"/>
-              <a:t>下图所示，基于对比的损失主要集中在探索丰富的样本间关系，而基于代理的损失使用代理来表示子训练集，实现了安全快速的收敛，但缺少了一些语义关系。</a:t>
-            </a:r>
-            <a:endParaRPr lang="zh-CN" altLang="en-US"/>
-          </a:p>
-        </p:txBody>
-      </p:sp>
-    </p:spTree>
-  </p:cSld>
-  <p:clrMapOvr>
-    <a:masterClrMapping/>
-  </p:clrMapOvr>
-</p:sld>
-</file>
-
-<file path=ppt/slides/slide4.xml><?xml version="1.0" encoding="utf-8"?>
-<p:sld xmlns:a="http://schemas.openxmlformats.org/drawingml/2006/main" xmlns:r="http://schemas.openxmlformats.org/officeDocument/2006/relationships" xmlns:p="http://schemas.openxmlformats.org/presentationml/2006/main">
-  <p:cSld>
-    <p:spTree>
-      <p:nvGrpSpPr>
-        <p:cNvPr id="1" name=""/>
-        <p:cNvGrpSpPr/>
-        <p:nvPr/>
-      </p:nvGrpSpPr>
-      <p:grpSpPr>
-        <a:xfrm>
-          <a:off x="0" y="0"/>
-          <a:ext cx="0" cy="0"/>
-          <a:chOff x="0" y="0"/>
-          <a:chExt cx="0" cy="0"/>
-        </a:xfrm>
-      </p:grpSpPr>
-      <p:cxnSp>
-        <p:nvCxnSpPr>
-          <p:cNvPr id="7" name="直接连接符 6"/>
-          <p:cNvCxnSpPr/>
-          <p:nvPr/>
-        </p:nvCxnSpPr>
-        <p:spPr>
-          <a:xfrm>
-            <a:off x="367840" y="809674"/>
-            <a:ext cx="11488800" cy="0"/>
-          </a:xfrm>
-          <a:prstGeom prst="line">
-            <a:avLst/>
-          </a:prstGeom>
-          <a:ln w="9525">
-            <a:solidFill>
-              <a:srgbClr val="024282"/>
-            </a:solidFill>
-          </a:ln>
-        </p:spPr>
-        <p:style>
-          <a:lnRef idx="1">
-            <a:schemeClr val="accent1"/>
-          </a:lnRef>
-          <a:fillRef idx="0">
-            <a:schemeClr val="accent1"/>
-          </a:fillRef>
-          <a:effectRef idx="0">
-            <a:schemeClr val="accent1"/>
-          </a:effectRef>
-          <a:fontRef idx="minor">
-            <a:schemeClr val="tx1"/>
-          </a:fontRef>
-        </p:style>
-      </p:cxnSp>
-      <p:grpSp>
-        <p:nvGrpSpPr>
-          <p:cNvPr id="43" name="组合 42"/>
-          <p:cNvGrpSpPr/>
-          <p:nvPr/>
-        </p:nvGrpSpPr>
-        <p:grpSpPr>
-          <a:xfrm>
-            <a:off x="9456920" y="74604"/>
-            <a:ext cx="2489626" cy="672240"/>
-            <a:chOff x="4638341" y="609261"/>
-            <a:chExt cx="5755951" cy="1554197"/>
-          </a:xfrm>
-        </p:grpSpPr>
-        <p:pic>
-          <p:nvPicPr>
-            <p:cNvPr id="45" name="图片 44"/>
-            <p:cNvPicPr>
-              <a:picLocks noChangeAspect="1"/>
-            </p:cNvPicPr>
-            <p:nvPr/>
-          </p:nvPicPr>
-          <p:blipFill>
-            <a:blip r:embed="rId1" cstate="print">
-              <a:extLst>
-                <a:ext uri="{28A0092B-C50C-407E-A947-70E740481C1C}">
-                  <a14:useLocalDpi xmlns:a14="http://schemas.microsoft.com/office/drawing/2010/main" val="0"/>
-                </a:ext>
-              </a:extLst>
-            </a:blip>
-            <a:srcRect/>
-            <a:stretch>
-              <a:fillRect/>
-            </a:stretch>
-          </p:blipFill>
-          <p:spPr>
-            <a:xfrm>
-              <a:off x="4638341" y="609261"/>
-              <a:ext cx="1502034" cy="1502030"/>
-            </a:xfrm>
-            <a:prstGeom prst="rect">
-              <a:avLst/>
-            </a:prstGeom>
-          </p:spPr>
-        </p:pic>
-        <p:pic>
-          <p:nvPicPr>
-            <p:cNvPr id="46" name="图片 45"/>
-            <p:cNvPicPr>
-              <a:picLocks noChangeAspect="1"/>
-            </p:cNvPicPr>
-            <p:nvPr/>
-          </p:nvPicPr>
-          <p:blipFill>
-            <a:blip r:embed="rId2" cstate="print">
-              <a:extLst>
-                <a:ext uri="{28A0092B-C50C-407E-A947-70E740481C1C}">
-                  <a14:useLocalDpi xmlns:a14="http://schemas.microsoft.com/office/drawing/2010/main" val="0"/>
-                </a:ext>
-              </a:extLst>
-            </a:blip>
-            <a:srcRect/>
-            <a:stretch>
-              <a:fillRect/>
-            </a:stretch>
-          </p:blipFill>
-          <p:spPr>
-            <a:xfrm>
-              <a:off x="6206343" y="750075"/>
-              <a:ext cx="4060280" cy="983091"/>
-            </a:xfrm>
-            <a:prstGeom prst="rect">
-              <a:avLst/>
-            </a:prstGeom>
-          </p:spPr>
-        </p:pic>
-        <p:sp>
-          <p:nvSpPr>
-            <p:cNvPr id="47" name="矩形 46"/>
-            <p:cNvSpPr/>
-            <p:nvPr/>
-          </p:nvSpPr>
-          <p:spPr>
-            <a:xfrm>
-              <a:off x="6206343" y="1665358"/>
-              <a:ext cx="4187949" cy="498100"/>
-            </a:xfrm>
-            <a:prstGeom prst="rect">
-              <a:avLst/>
-            </a:prstGeom>
-          </p:spPr>
-          <p:txBody>
-            <a:bodyPr wrap="square">
-              <a:spAutoFit/>
-            </a:bodyPr>
-            <a:lstStyle/>
-            <a:p>
-              <a:pPr marL="0" marR="0" lvl="0" indent="0" algn="dist" defTabSz="914400" rtl="0" eaLnBrk="1" fontAlgn="auto" latinLnBrk="0" hangingPunct="1">
-                <a:lnSpc>
-                  <a:spcPct val="100000"/>
-                </a:lnSpc>
-                <a:spcBef>
-                  <a:spcPts val="0"/>
-                </a:spcBef>
-                <a:spcAft>
-                  <a:spcPts val="0"/>
-                </a:spcAft>
-                <a:buClrTx/>
-                <a:buSzTx/>
-                <a:buFontTx/>
-                <a:buNone/>
-                <a:defRPr/>
-              </a:pPr>
-              <a:r>
-                <a:rPr kumimoji="0" lang="en-US" altLang="zh-CN" sz="800" b="1" i="0" u="none" strike="noStrike" kern="1200" cap="none" spc="0" normalizeH="0" baseline="0" noProof="0" dirty="0">
-                  <a:ln>
-                    <a:noFill/>
-                  </a:ln>
-                  <a:solidFill>
-                    <a:srgbClr val="024282"/>
-                  </a:solidFill>
-                  <a:effectLst/>
-                  <a:uLnTx/>
-                  <a:uFillTx/>
-                  <a:latin typeface="Calibri" panose="020F0502020204030204"/>
-                  <a:ea typeface="宋体" pitchFamily="2" charset="-122"/>
-                  <a:cs typeface="+mn-cs"/>
-                </a:rPr>
-                <a:t>BEIJING UNIVERSITY OF TECHNOLOGY</a:t>
-              </a:r>
-              <a:endParaRPr kumimoji="0" lang="en-US" altLang="zh-CN" sz="800" b="1" i="0" u="none" strike="noStrike" kern="1200" cap="none" spc="0" normalizeH="0" baseline="0" noProof="0" dirty="0">
-                <a:ln>
-                  <a:noFill/>
-                </a:ln>
-                <a:solidFill>
-                  <a:srgbClr val="024282"/>
-                </a:solidFill>
-                <a:effectLst/>
-                <a:uLnTx/>
-                <a:uFillTx/>
-                <a:latin typeface="Calibri" panose="020F0502020204030204"/>
-                <a:ea typeface="宋体" pitchFamily="2" charset="-122"/>
-                <a:cs typeface="+mn-cs"/>
-              </a:endParaRPr>
-            </a:p>
-          </p:txBody>
-        </p:sp>
-      </p:grpSp>
-      <p:sp>
-        <p:nvSpPr>
-          <p:cNvPr id="2" name="文本框 1"/>
-          <p:cNvSpPr txBox="1"/>
-          <p:nvPr/>
-        </p:nvSpPr>
-        <p:spPr>
-          <a:xfrm>
-            <a:off x="1187450" y="441960"/>
-            <a:ext cx="4064000" cy="368300"/>
-          </a:xfrm>
-          <a:prstGeom prst="rect">
-            <a:avLst/>
-          </a:prstGeom>
-          <a:noFill/>
-        </p:spPr>
-        <p:txBody>
-          <a:bodyPr wrap="square" rtlCol="0">
-            <a:spAutoFit/>
-          </a:bodyPr>
           <a:lstStyle/>
-          <a:p>
-            <a:endParaRPr lang="zh-CN" altLang="en-US"/>
-          </a:p>
-        </p:txBody>
-      </p:sp>
-      <p:sp>
-        <p:nvSpPr>
-          <p:cNvPr id="3" name="文本框 2"/>
-          <p:cNvSpPr txBox="1"/>
-          <p:nvPr/>
-        </p:nvSpPr>
-        <p:spPr>
-          <a:xfrm>
-            <a:off x="565150" y="1058545"/>
-            <a:ext cx="1880235" cy="645160"/>
-          </a:xfrm>
-          <a:prstGeom prst="rect">
-            <a:avLst/>
-          </a:prstGeom>
-          <a:noFill/>
-        </p:spPr>
-        <p:txBody>
-          <a:bodyPr wrap="none" rtlCol="0">
-            <a:spAutoFit/>
-          </a:bodyPr>
-          <a:p>
-            <a:r>
-              <a:rPr lang="en-US" altLang="zh-CN"/>
-              <a:t>Softmax CE loss</a:t>
-            </a:r>
-            <a:endParaRPr lang="en-US" altLang="zh-CN"/>
-          </a:p>
-          <a:p>
-            <a:endParaRPr lang="en-US" altLang="zh-CN"/>
-          </a:p>
-        </p:txBody>
-      </p:sp>
-      <p:pic>
-        <p:nvPicPr>
-          <p:cNvPr id="4" name="图片 3"/>
-          <p:cNvPicPr>
-            <a:picLocks noChangeAspect="1"/>
-          </p:cNvPicPr>
-          <p:nvPr/>
-        </p:nvPicPr>
-        <p:blipFill>
-          <a:blip r:embed="rId3"/>
-          <a:stretch>
-            <a:fillRect/>
-          </a:stretch>
-        </p:blipFill>
-        <p:spPr>
-          <a:xfrm>
-            <a:off x="367665" y="1951990"/>
-            <a:ext cx="5422900" cy="1104900"/>
-          </a:xfrm>
-          <a:prstGeom prst="rect">
-            <a:avLst/>
-          </a:prstGeom>
-        </p:spPr>
-      </p:pic>
-      <mc:AlternateContent xmlns:mc="http://schemas.openxmlformats.org/markup-compatibility/2006">
-        <mc:Choice xmlns:a14="http://schemas.microsoft.com/office/drawing/2010/main" Requires="a14">
-          <p:sp>
-            <p:nvSpPr>
-              <p:cNvPr id="5" name="文本框 4"/>
-              <p:cNvSpPr txBox="1"/>
-              <p:nvPr/>
-            </p:nvSpPr>
-            <p:spPr>
-              <a:xfrm>
-                <a:off x="636207" y="3057144"/>
-                <a:ext cx="5716905" cy="368935"/>
-              </a:xfrm>
-              <a:prstGeom prst="rect">
-                <a:avLst/>
-              </a:prstGeom>
-              <a:noFill/>
-            </p:spPr>
-            <p:txBody>
-              <a:bodyPr wrap="none" rtlCol="0" anchor="t">
-                <a:spAutoFit/>
-              </a:bodyPr>
-              <a:p>
-                <a:pPr algn="l"/>
-                <a14:m>
-                  <m:oMath xmlns:m="http://schemas.openxmlformats.org/officeDocument/2006/math">
-                    <m:sSub>
-                      <m:sSubPr>
-                        <m:ctrlPr>
-                          <a:rPr lang="en-US" altLang="zh-CN" i="1">
-                            <a:latin typeface="DejaVu Math TeX Gyre" panose="02000503000000000000" charset="0"/>
-                            <a:cs typeface="DejaVu Math TeX Gyre" panose="02000503000000000000" charset="0"/>
-                          </a:rPr>
-                        </m:ctrlPr>
-                      </m:sSubPr>
-                      <m:e>
-                        <m:r>
-                          <a:rPr lang="en-US" altLang="zh-CN" i="1">
-                            <a:latin typeface="DejaVu Math TeX Gyre" panose="02000503000000000000" charset="0"/>
-                            <a:cs typeface="DejaVu Math TeX Gyre" panose="02000503000000000000" charset="0"/>
-                          </a:rPr>
-                          <m:t>𝑤</m:t>
-                        </m:r>
-                      </m:e>
-                      <m:sub>
-                        <m:r>
-                          <a:rPr lang="en-US" altLang="zh-CN" i="1">
-                            <a:latin typeface="DejaVu Math TeX Gyre" panose="02000503000000000000" charset="0"/>
-                            <a:cs typeface="DejaVu Math TeX Gyre" panose="02000503000000000000" charset="0"/>
-                          </a:rPr>
-                          <m:t>𝑐</m:t>
-                        </m:r>
-                      </m:sub>
-                    </m:sSub>
-                  </m:oMath>
-                </a14:m>
-                <a:r>
-                  <a:rPr lang="zh-CN" altLang="en-US" i="1">
-                    <a:latin typeface="DejaVu Math TeX Gyre" panose="02000503000000000000" charset="0"/>
-                    <a:cs typeface="DejaVu Math TeX Gyre" panose="02000503000000000000" charset="0"/>
-                  </a:rPr>
-                  <a:t>是目标类别的代理，</a:t>
-                </a:r>
-                <a:r>
-                  <a:rPr lang="en-US" altLang="zh-CN" i="1">
-                    <a:latin typeface="DejaVu Math TeX Gyre" panose="02000503000000000000" charset="0"/>
-                    <a:cs typeface="DejaVu Math TeX Gyre" panose="02000503000000000000" charset="0"/>
-                  </a:rPr>
-                  <a:t>z</a:t>
-                </a:r>
-                <a:r>
-                  <a:rPr lang="zh-CN" altLang="en-US" i="1">
-                    <a:latin typeface="DejaVu Math TeX Gyre" panose="02000503000000000000" charset="0"/>
-                    <a:cs typeface="DejaVu Math TeX Gyre" panose="02000503000000000000" charset="0"/>
-                  </a:rPr>
-                  <a:t>是由特征提取器</a:t>
-                </a:r>
-                <a14:m>
-                  <m:oMath xmlns:m="http://schemas.openxmlformats.org/officeDocument/2006/math">
-                    <m:sSub>
-                      <m:sSubPr>
-                        <m:ctrlPr>
-                          <a:rPr lang="en-US" altLang="zh-CN" i="1">
-                            <a:latin typeface="DejaVu Math TeX Gyre" panose="02000503000000000000" charset="0"/>
-                            <a:cs typeface="DejaVu Math TeX Gyre" panose="02000503000000000000" charset="0"/>
-                          </a:rPr>
-                        </m:ctrlPr>
-                      </m:sSubPr>
-                      <m:e>
-                        <m:r>
-                          <a:rPr lang="en-US" altLang="zh-CN" i="1">
-                            <a:latin typeface="DejaVu Math TeX Gyre" panose="02000503000000000000" charset="0"/>
-                            <a:cs typeface="DejaVu Math TeX Gyre" panose="02000503000000000000" charset="0"/>
-                          </a:rPr>
-                          <m:t>F</m:t>
-                        </m:r>
-                      </m:e>
-                      <m:sub>
-                        <m:r>
-                          <a:rPr lang="en-US" altLang="zh-CN" i="1">
-                            <a:latin typeface="DejaVu Math TeX Gyre" panose="02000503000000000000" charset="0"/>
-                            <a:cs typeface="DejaVu Math TeX Gyre" panose="02000503000000000000" charset="0"/>
-                          </a:rPr>
-                          <m:t>𝜃</m:t>
-                        </m:r>
-                      </m:sub>
-                    </m:sSub>
-                  </m:oMath>
-                </a14:m>
-                <a:r>
-                  <a:rPr lang="zh-CN" altLang="en-US" i="1">
-                    <a:latin typeface="DejaVu Math TeX Gyre" panose="02000503000000000000" charset="0"/>
-                    <a:cs typeface="DejaVu Math TeX Gyre" panose="02000503000000000000" charset="0"/>
-                  </a:rPr>
-                  <a:t>生成的</a:t>
-                </a:r>
-                <a:r>
-                  <a:rPr lang="zh-CN" altLang="en-US" i="1">
-                    <a:latin typeface="DejaVu Math TeX Gyre" panose="02000503000000000000" charset="0"/>
-                    <a:cs typeface="DejaVu Math TeX Gyre" panose="02000503000000000000" charset="0"/>
-                  </a:rPr>
-                  <a:t>特征</a:t>
-                </a:r>
-                <a:endParaRPr lang="zh-CN" altLang="en-US" i="1">
-                  <a:latin typeface="DejaVu Math TeX Gyre" panose="02000503000000000000" charset="0"/>
-                  <a:cs typeface="DejaVu Math TeX Gyre" panose="02000503000000000000" charset="0"/>
-                </a:endParaRPr>
-              </a:p>
-            </p:txBody>
-          </p:sp>
-        </mc:Choice>
-        <mc:Fallback>
-          <p:sp>
-            <p:nvSpPr>
-              <p:cNvPr id="5" name="文本框 4"/>
-              <p:cNvSpPr txBox="1">
-                <a:spLocks noRot="1" noChangeAspect="1" noMove="1" noResize="1" noEditPoints="1" noAdjustHandles="1" noChangeArrowheads="1" noChangeShapeType="1" noTextEdit="1"/>
-              </p:cNvSpPr>
-              <p:nvPr/>
-            </p:nvSpPr>
-            <p:spPr>
-              <a:xfrm>
-                <a:off x="636207" y="3057144"/>
-                <a:ext cx="5716905" cy="368935"/>
-              </a:xfrm>
-              <a:prstGeom prst="rect">
-                <a:avLst/>
-              </a:prstGeom>
-              <a:blipFill rotWithShape="1">
-                <a:blip r:embed="rId4"/>
-                <a:stretch>
-                  <a:fillRect l="-10" t="-69" r="10" b="69"/>
-                </a:stretch>
-              </a:blipFill>
-            </p:spPr>
-            <p:txBody>
-              <a:bodyPr/>
-              <a:lstStyle/>
-              <a:p>
-                <a:r>
-                  <a:rPr lang="zh-CN" altLang="en-US">
-                    <a:noFill/>
-                  </a:rPr>
-                  <a:t> </a:t>
-                </a:r>
-              </a:p>
-            </p:txBody>
-          </p:sp>
-        </mc:Fallback>
-      </mc:AlternateContent>
-    </p:spTree>
-  </p:cSld>
-  <p:clrMapOvr>
-    <a:masterClrMapping/>
-  </p:clrMapOvr>
-</p:sld>
-</file>
-
-<file path=ppt/slides/slide5.xml><?xml version="1.0" encoding="utf-8"?>
-<p:sld xmlns:a="http://schemas.openxmlformats.org/drawingml/2006/main" xmlns:r="http://schemas.openxmlformats.org/officeDocument/2006/relationships" xmlns:p="http://schemas.openxmlformats.org/presentationml/2006/main">
-  <p:cSld>
-    <p:spTree>
-      <p:nvGrpSpPr>
-        <p:cNvPr id="1" name=""/>
-        <p:cNvGrpSpPr/>
-        <p:nvPr/>
-      </p:nvGrpSpPr>
-      <p:grpSpPr>
-        <a:xfrm>
-          <a:off x="0" y="0"/>
-          <a:ext cx="0" cy="0"/>
-          <a:chOff x="0" y="0"/>
-          <a:chExt cx="0" cy="0"/>
-        </a:xfrm>
-      </p:grpSpPr>
-      <p:cxnSp>
-        <p:nvCxnSpPr>
-          <p:cNvPr id="7" name="直接连接符 6"/>
-          <p:cNvCxnSpPr/>
-          <p:nvPr/>
-        </p:nvCxnSpPr>
-        <p:spPr>
-          <a:xfrm>
-            <a:off x="367840" y="809674"/>
-            <a:ext cx="11488800" cy="0"/>
-          </a:xfrm>
-          <a:prstGeom prst="line">
-            <a:avLst/>
-          </a:prstGeom>
-          <a:ln w="9525">
-            <a:solidFill>
-              <a:srgbClr val="024282"/>
-            </a:solidFill>
-          </a:ln>
-        </p:spPr>
-        <p:style>
-          <a:lnRef idx="1">
-            <a:schemeClr val="accent1"/>
-          </a:lnRef>
-          <a:fillRef idx="0">
-            <a:schemeClr val="accent1"/>
-          </a:fillRef>
-          <a:effectRef idx="0">
-            <a:schemeClr val="accent1"/>
-          </a:effectRef>
-          <a:fontRef idx="minor">
-            <a:schemeClr val="tx1"/>
-          </a:fontRef>
-        </p:style>
-      </p:cxnSp>
-      <p:grpSp>
-        <p:nvGrpSpPr>
-          <p:cNvPr id="43" name="组合 42"/>
-          <p:cNvGrpSpPr/>
-          <p:nvPr/>
-        </p:nvGrpSpPr>
-        <p:grpSpPr>
-          <a:xfrm>
-            <a:off x="9456920" y="74604"/>
-            <a:ext cx="2489626" cy="672240"/>
-            <a:chOff x="4638341" y="609261"/>
-            <a:chExt cx="5755951" cy="1554197"/>
-          </a:xfrm>
-        </p:grpSpPr>
-        <p:pic>
-          <p:nvPicPr>
-            <p:cNvPr id="45" name="图片 44"/>
-            <p:cNvPicPr>
-              <a:picLocks noChangeAspect="1"/>
-            </p:cNvPicPr>
-            <p:nvPr/>
-          </p:nvPicPr>
-          <p:blipFill>
-            <a:blip r:embed="rId1" cstate="print">
-              <a:extLst>
-                <a:ext uri="{28A0092B-C50C-407E-A947-70E740481C1C}">
-                  <a14:useLocalDpi xmlns:a14="http://schemas.microsoft.com/office/drawing/2010/main" val="0"/>
-                </a:ext>
-              </a:extLst>
-            </a:blip>
-            <a:srcRect/>
-            <a:stretch>
-              <a:fillRect/>
-            </a:stretch>
-          </p:blipFill>
-          <p:spPr>
-            <a:xfrm>
-              <a:off x="4638341" y="609261"/>
-              <a:ext cx="1502034" cy="1502030"/>
-            </a:xfrm>
-            <a:prstGeom prst="rect">
-              <a:avLst/>
-            </a:prstGeom>
-          </p:spPr>
-        </p:pic>
-        <p:pic>
-          <p:nvPicPr>
-            <p:cNvPr id="46" name="图片 45"/>
-            <p:cNvPicPr>
-              <a:picLocks noChangeAspect="1"/>
-            </p:cNvPicPr>
-            <p:nvPr/>
-          </p:nvPicPr>
-          <p:blipFill>
-            <a:blip r:embed="rId2" cstate="print">
-              <a:extLst>
-                <a:ext uri="{28A0092B-C50C-407E-A947-70E740481C1C}">
-                  <a14:useLocalDpi xmlns:a14="http://schemas.microsoft.com/office/drawing/2010/main" val="0"/>
-                </a:ext>
-              </a:extLst>
-            </a:blip>
-            <a:srcRect/>
-            <a:stretch>
-              <a:fillRect/>
-            </a:stretch>
-          </p:blipFill>
-          <p:spPr>
-            <a:xfrm>
-              <a:off x="6206343" y="750075"/>
-              <a:ext cx="4060280" cy="983091"/>
-            </a:xfrm>
-            <a:prstGeom prst="rect">
-              <a:avLst/>
-            </a:prstGeom>
-          </p:spPr>
-        </p:pic>
-        <p:sp>
-          <p:nvSpPr>
-            <p:cNvPr id="47" name="矩形 46"/>
-            <p:cNvSpPr/>
-            <p:nvPr/>
-          </p:nvSpPr>
-          <p:spPr>
-            <a:xfrm>
-              <a:off x="6206343" y="1665358"/>
-              <a:ext cx="4187949" cy="498100"/>
-            </a:xfrm>
-            <a:prstGeom prst="rect">
-              <a:avLst/>
-            </a:prstGeom>
-          </p:spPr>
-          <p:txBody>
-            <a:bodyPr wrap="square">
-              <a:spAutoFit/>
-            </a:bodyPr>
-            <a:lstStyle/>
-            <a:p>
-              <a:pPr marL="0" marR="0" lvl="0" indent="0" algn="dist" defTabSz="914400" rtl="0" eaLnBrk="1" fontAlgn="auto" latinLnBrk="0" hangingPunct="1">
-                <a:lnSpc>
-                  <a:spcPct val="100000"/>
-                </a:lnSpc>
-                <a:spcBef>
-                  <a:spcPts val="0"/>
-                </a:spcBef>
-                <a:spcAft>
-                  <a:spcPts val="0"/>
-                </a:spcAft>
-                <a:buClrTx/>
-                <a:buSzTx/>
-                <a:buFontTx/>
-                <a:buNone/>
-                <a:defRPr/>
-              </a:pPr>
-              <a:r>
-                <a:rPr kumimoji="0" lang="en-US" altLang="zh-CN" sz="800" b="1" i="0" u="none" strike="noStrike" kern="1200" cap="none" spc="0" normalizeH="0" baseline="0" noProof="0" dirty="0">
-                  <a:ln>
-                    <a:noFill/>
-                  </a:ln>
-                  <a:solidFill>
-                    <a:srgbClr val="024282"/>
-                  </a:solidFill>
-                  <a:effectLst/>
-                  <a:uLnTx/>
-                  <a:uFillTx/>
-                  <a:latin typeface="Calibri" panose="020F0502020204030204"/>
-                  <a:ea typeface="宋体" pitchFamily="2" charset="-122"/>
-                  <a:cs typeface="+mn-cs"/>
-                </a:rPr>
-                <a:t>BEIJING UNIVERSITY OF TECHNOLOGY</a:t>
-              </a:r>
-              <a:endParaRPr kumimoji="0" lang="en-US" altLang="zh-CN" sz="800" b="1" i="0" u="none" strike="noStrike" kern="1200" cap="none" spc="0" normalizeH="0" baseline="0" noProof="0" dirty="0">
-                <a:ln>
-                  <a:noFill/>
-                </a:ln>
-                <a:solidFill>
-                  <a:srgbClr val="024282"/>
-                </a:solidFill>
-                <a:effectLst/>
-                <a:uLnTx/>
-                <a:uFillTx/>
-                <a:latin typeface="Calibri" panose="020F0502020204030204"/>
-                <a:ea typeface="宋体" pitchFamily="2" charset="-122"/>
-                <a:cs typeface="+mn-cs"/>
-              </a:endParaRPr>
-            </a:p>
-          </p:txBody>
-        </p:sp>
-      </p:grpSp>
-      <p:sp>
-        <p:nvSpPr>
-          <p:cNvPr id="2" name="文本框 1"/>
-          <p:cNvSpPr txBox="1"/>
-          <p:nvPr/>
-        </p:nvSpPr>
-        <p:spPr>
-          <a:xfrm>
-            <a:off x="1187450" y="441960"/>
-            <a:ext cx="4064000" cy="368300"/>
-          </a:xfrm>
-          <a:prstGeom prst="rect">
-            <a:avLst/>
-          </a:prstGeom>
-          <a:noFill/>
-        </p:spPr>
-        <p:txBody>
-          <a:bodyPr wrap="square" rtlCol="0">
-            <a:spAutoFit/>
-          </a:bodyPr>
-          <a:lstStyle/>
-          <a:p>
-            <a:endParaRPr lang="zh-CN" altLang="en-US"/>
-          </a:p>
-        </p:txBody>
-      </p:sp>
-      <p:pic>
-        <p:nvPicPr>
-          <p:cNvPr id="4" name="图片 3"/>
-          <p:cNvPicPr>
-            <a:picLocks noChangeAspect="1"/>
-          </p:cNvPicPr>
-          <p:nvPr/>
-        </p:nvPicPr>
-        <p:blipFill>
-          <a:blip r:embed="rId3"/>
-          <a:stretch>
-            <a:fillRect/>
-          </a:stretch>
-        </p:blipFill>
-        <p:spPr>
-          <a:xfrm>
-            <a:off x="781050" y="1999615"/>
-            <a:ext cx="5549900" cy="1041400"/>
-          </a:xfrm>
-          <a:prstGeom prst="rect">
-            <a:avLst/>
-          </a:prstGeom>
-        </p:spPr>
-      </p:pic>
-      <p:sp>
-        <p:nvSpPr>
-          <p:cNvPr id="5" name="文本框 4"/>
-          <p:cNvSpPr txBox="1"/>
-          <p:nvPr/>
-        </p:nvSpPr>
-        <p:spPr>
-          <a:xfrm>
-            <a:off x="565150" y="1058545"/>
-            <a:ext cx="2564765" cy="368300"/>
-          </a:xfrm>
-          <a:prstGeom prst="rect">
-            <a:avLst/>
-          </a:prstGeom>
-          <a:noFill/>
-        </p:spPr>
-        <p:txBody>
-          <a:bodyPr wrap="none" rtlCol="0">
-            <a:spAutoFit/>
-          </a:bodyPr>
-          <a:p>
-            <a:pPr algn="l"/>
-            <a:r>
-              <a:rPr lang="en-US" altLang="zh-CN"/>
-              <a:t> contrastive-based loss</a:t>
-            </a:r>
-            <a:endParaRPr lang="en-US" altLang="zh-CN"/>
-          </a:p>
-        </p:txBody>
-      </p:sp>
-    </p:spTree>
-  </p:cSld>
-  <p:clrMapOvr>
-    <a:masterClrMapping/>
-  </p:clrMapOvr>
-</p:sld>
-</file>
-
-<file path=ppt/slides/slide6.xml><?xml version="1.0" encoding="utf-8"?>
-<p:sld xmlns:a="http://schemas.openxmlformats.org/drawingml/2006/main" xmlns:r="http://schemas.openxmlformats.org/officeDocument/2006/relationships" xmlns:p="http://schemas.openxmlformats.org/presentationml/2006/main">
-  <p:cSld>
-    <p:spTree>
-      <p:nvGrpSpPr>
-        <p:cNvPr id="1" name=""/>
-        <p:cNvGrpSpPr/>
-        <p:nvPr/>
-      </p:nvGrpSpPr>
-      <p:grpSpPr>
-        <a:xfrm>
-          <a:off x="0" y="0"/>
-          <a:ext cx="0" cy="0"/>
-          <a:chOff x="0" y="0"/>
-          <a:chExt cx="0" cy="0"/>
-        </a:xfrm>
-      </p:grpSpPr>
-      <p:cxnSp>
-        <p:nvCxnSpPr>
-          <p:cNvPr id="7" name="直接连接符 6"/>
-          <p:cNvCxnSpPr/>
-          <p:nvPr/>
-        </p:nvCxnSpPr>
-        <p:spPr>
-          <a:xfrm>
-            <a:off x="367840" y="809674"/>
-            <a:ext cx="11488800" cy="0"/>
-          </a:xfrm>
-          <a:prstGeom prst="line">
-            <a:avLst/>
-          </a:prstGeom>
-          <a:ln w="9525">
-            <a:solidFill>
-              <a:srgbClr val="024282"/>
-            </a:solidFill>
-          </a:ln>
-        </p:spPr>
-        <p:style>
-          <a:lnRef idx="1">
-            <a:schemeClr val="accent1"/>
-          </a:lnRef>
-          <a:fillRef idx="0">
-            <a:schemeClr val="accent1"/>
-          </a:fillRef>
-          <a:effectRef idx="0">
-            <a:schemeClr val="accent1"/>
-          </a:effectRef>
-          <a:fontRef idx="minor">
-            <a:schemeClr val="tx1"/>
-          </a:fontRef>
-        </p:style>
-      </p:cxnSp>
-      <p:grpSp>
-        <p:nvGrpSpPr>
-          <p:cNvPr id="43" name="组合 42"/>
-          <p:cNvGrpSpPr/>
-          <p:nvPr/>
-        </p:nvGrpSpPr>
-        <p:grpSpPr>
-          <a:xfrm>
-            <a:off x="9456920" y="74604"/>
-            <a:ext cx="2489626" cy="672240"/>
-            <a:chOff x="4638341" y="609261"/>
-            <a:chExt cx="5755951" cy="1554197"/>
-          </a:xfrm>
-        </p:grpSpPr>
-        <p:pic>
-          <p:nvPicPr>
-            <p:cNvPr id="45" name="图片 44"/>
-            <p:cNvPicPr>
-              <a:picLocks noChangeAspect="1"/>
-            </p:cNvPicPr>
-            <p:nvPr/>
-          </p:nvPicPr>
-          <p:blipFill>
-            <a:blip r:embed="rId1" cstate="print">
-              <a:extLst>
-                <a:ext uri="{28A0092B-C50C-407E-A947-70E740481C1C}">
-                  <a14:useLocalDpi xmlns:a14="http://schemas.microsoft.com/office/drawing/2010/main" val="0"/>
-                </a:ext>
-              </a:extLst>
-            </a:blip>
-            <a:srcRect/>
-            <a:stretch>
-              <a:fillRect/>
-            </a:stretch>
-          </p:blipFill>
-          <p:spPr>
-            <a:xfrm>
-              <a:off x="4638341" y="609261"/>
-              <a:ext cx="1502034" cy="1502030"/>
-            </a:xfrm>
-            <a:prstGeom prst="rect">
-              <a:avLst/>
-            </a:prstGeom>
-          </p:spPr>
-        </p:pic>
-        <p:pic>
-          <p:nvPicPr>
-            <p:cNvPr id="46" name="图片 45"/>
-            <p:cNvPicPr>
-              <a:picLocks noChangeAspect="1"/>
-            </p:cNvPicPr>
-            <p:nvPr/>
-          </p:nvPicPr>
-          <p:blipFill>
-            <a:blip r:embed="rId2" cstate="print">
-              <a:extLst>
-                <a:ext uri="{28A0092B-C50C-407E-A947-70E740481C1C}">
-                  <a14:useLocalDpi xmlns:a14="http://schemas.microsoft.com/office/drawing/2010/main" val="0"/>
-                </a:ext>
-              </a:extLst>
-            </a:blip>
-            <a:srcRect/>
-            <a:stretch>
-              <a:fillRect/>
-            </a:stretch>
-          </p:blipFill>
-          <p:spPr>
-            <a:xfrm>
-              <a:off x="6206343" y="750075"/>
-              <a:ext cx="4060280" cy="983091"/>
-            </a:xfrm>
-            <a:prstGeom prst="rect">
-              <a:avLst/>
-            </a:prstGeom>
-          </p:spPr>
-        </p:pic>
-        <p:sp>
-          <p:nvSpPr>
-            <p:cNvPr id="47" name="矩形 46"/>
-            <p:cNvSpPr/>
-            <p:nvPr/>
-          </p:nvSpPr>
-          <p:spPr>
-            <a:xfrm>
-              <a:off x="6206343" y="1665358"/>
-              <a:ext cx="4187949" cy="498100"/>
-            </a:xfrm>
-            <a:prstGeom prst="rect">
-              <a:avLst/>
-            </a:prstGeom>
-          </p:spPr>
-          <p:txBody>
-            <a:bodyPr wrap="square">
-              <a:spAutoFit/>
-            </a:bodyPr>
-            <a:lstStyle/>
-            <a:p>
-              <a:pPr marL="0" marR="0" lvl="0" indent="0" algn="dist" defTabSz="914400" rtl="0" eaLnBrk="1" fontAlgn="auto" latinLnBrk="0" hangingPunct="1">
-                <a:lnSpc>
-                  <a:spcPct val="100000"/>
-                </a:lnSpc>
-                <a:spcBef>
-                  <a:spcPts val="0"/>
-                </a:spcBef>
-                <a:spcAft>
-                  <a:spcPts val="0"/>
-                </a:spcAft>
-                <a:buClrTx/>
-                <a:buSzTx/>
-                <a:buFontTx/>
-                <a:buNone/>
-                <a:defRPr/>
-              </a:pPr>
-              <a:r>
-                <a:rPr kumimoji="0" lang="en-US" altLang="zh-CN" sz="800" b="1" i="0" u="none" strike="noStrike" kern="1200" cap="none" spc="0" normalizeH="0" baseline="0" noProof="0" dirty="0">
-                  <a:ln>
-                    <a:noFill/>
-                  </a:ln>
-                  <a:solidFill>
-                    <a:srgbClr val="024282"/>
-                  </a:solidFill>
-                  <a:effectLst/>
-                  <a:uLnTx/>
-                  <a:uFillTx/>
-                  <a:latin typeface="Calibri" panose="020F0502020204030204"/>
-                  <a:ea typeface="宋体" pitchFamily="2" charset="-122"/>
-                  <a:cs typeface="+mn-cs"/>
-                </a:rPr>
-                <a:t>BEIJING UNIVERSITY OF TECHNOLOGY</a:t>
-              </a:r>
-              <a:endParaRPr kumimoji="0" lang="en-US" altLang="zh-CN" sz="800" b="1" i="0" u="none" strike="noStrike" kern="1200" cap="none" spc="0" normalizeH="0" baseline="0" noProof="0" dirty="0">
-                <a:ln>
-                  <a:noFill/>
-                </a:ln>
-                <a:solidFill>
-                  <a:srgbClr val="024282"/>
-                </a:solidFill>
-                <a:effectLst/>
-                <a:uLnTx/>
-                <a:uFillTx/>
-                <a:latin typeface="Calibri" panose="020F0502020204030204"/>
-                <a:ea typeface="宋体" pitchFamily="2" charset="-122"/>
-                <a:cs typeface="+mn-cs"/>
-              </a:endParaRPr>
-            </a:p>
-          </p:txBody>
-        </p:sp>
-      </p:grpSp>
-      <p:sp>
-        <p:nvSpPr>
-          <p:cNvPr id="2" name="文本框 1"/>
-          <p:cNvSpPr txBox="1"/>
-          <p:nvPr/>
-        </p:nvSpPr>
-        <p:spPr>
-          <a:xfrm>
-            <a:off x="1187450" y="441960"/>
-            <a:ext cx="4064000" cy="368300"/>
-          </a:xfrm>
-          <a:prstGeom prst="rect">
-            <a:avLst/>
-          </a:prstGeom>
-          <a:noFill/>
-        </p:spPr>
-        <p:txBody>
-          <a:bodyPr wrap="square" rtlCol="0">
-            <a:spAutoFit/>
-          </a:bodyPr>
-          <a:lstStyle/>
-          <a:p>
-            <a:endParaRPr lang="zh-CN" altLang="en-US"/>
-          </a:p>
-        </p:txBody>
-      </p:sp>
-      <p:pic>
-        <p:nvPicPr>
-          <p:cNvPr id="3" name="图片 2"/>
-          <p:cNvPicPr>
-            <a:picLocks noChangeAspect="1"/>
-          </p:cNvPicPr>
-          <p:nvPr/>
-        </p:nvPicPr>
-        <p:blipFill>
-          <a:blip r:embed="rId3"/>
-          <a:stretch>
-            <a:fillRect/>
-          </a:stretch>
-        </p:blipFill>
-        <p:spPr>
-          <a:xfrm>
-            <a:off x="523240" y="1851660"/>
-            <a:ext cx="7327900" cy="2603500"/>
-          </a:xfrm>
-          <a:prstGeom prst="rect">
-            <a:avLst/>
-          </a:prstGeom>
-        </p:spPr>
-      </p:pic>
-      <p:sp>
-        <p:nvSpPr>
-          <p:cNvPr id="4" name="文本框 3"/>
-          <p:cNvSpPr txBox="1"/>
-          <p:nvPr/>
-        </p:nvSpPr>
-        <p:spPr>
-          <a:xfrm>
-            <a:off x="854075" y="1258570"/>
-            <a:ext cx="4306570" cy="368300"/>
-          </a:xfrm>
-          <a:prstGeom prst="rect">
-            <a:avLst/>
-          </a:prstGeom>
-          <a:noFill/>
-        </p:spPr>
-        <p:txBody>
-          <a:bodyPr wrap="square" rtlCol="0" anchor="t">
-            <a:spAutoFit/>
-          </a:bodyPr>
           <a:p>
             <a:r>
               <a:rPr lang="zh-CN" altLang="en-US"/>
@@ -11559,12 +10321,11 @@
               <a:rPr lang="en-US" altLang="zh-CN"/>
               <a:t>loss</a:t>
             </a:r>
-            <a:endParaRPr lang="en-US" altLang="zh-CN"/>
-          </a:p>
-        </p:txBody>
-      </p:sp>
-      <mc:AlternateContent xmlns:mc="http://schemas.openxmlformats.org/markup-compatibility/2006">
-        <mc:Choice xmlns:a14="http://schemas.microsoft.com/office/drawing/2010/main" Requires="a14">
+          </a:p>
+        </p:txBody>
+      </p:sp>
+      <mc:AlternateContent xmlns:mc="http://schemas.openxmlformats.org/markup-compatibility/2006" xmlns:a14="http://schemas.microsoft.com/office/drawing/2010/main">
+        <mc:Choice Requires="a14">
           <p:sp>
             <p:nvSpPr>
               <p:cNvPr id="5" name="文本框 4"/>
@@ -11585,6 +10346,7 @@
               <a:bodyPr wrap="square" rtlCol="0" anchor="t">
                 <a:spAutoFit/>
               </a:bodyPr>
+              <a:lstStyle/>
               <a:p>
                 <a14:m>
                   <m:oMath xmlns:m="http://schemas.openxmlformats.org/officeDocument/2006/math">
@@ -11593,7 +10355,7 @@
                         <m:sty m:val="p"/>
                       </m:rPr>
                       <a:rPr lang="en-US" altLang="zh-CN">
-                        <a:latin typeface="DejaVu Math TeX Gyre" panose="02000503000000000000" charset="0"/>
+                        <a:latin typeface="Cambria Math" panose="02040503050406030204" pitchFamily="18" charset="0"/>
                         <a:cs typeface="DejaVu Math TeX Gyre" panose="02000503000000000000" charset="0"/>
                       </a:rPr>
                       <m:t>N</m:t>
@@ -11619,19 +10381,8 @@
                     <a:latin typeface="DejaVu Math TeX Gyre" panose="02000503000000000000" charset="0"/>
                     <a:cs typeface="DejaVu Math TeX Gyre" panose="02000503000000000000" charset="0"/>
                   </a:rPr>
-                  <a:t>中样本</a:t>
+                  <a:t>中样本个数</a:t>
                 </a:r>
-                <a:r>
-                  <a:rPr lang="zh-CN" altLang="en-US">
-                    <a:latin typeface="DejaVu Math TeX Gyre" panose="02000503000000000000" charset="0"/>
-                    <a:cs typeface="DejaVu Math TeX Gyre" panose="02000503000000000000" charset="0"/>
-                  </a:rPr>
-                  <a:t>个数</a:t>
-                </a:r>
-                <a:endParaRPr lang="zh-CN" altLang="en-US">
-                  <a:latin typeface="DejaVu Math TeX Gyre" panose="02000503000000000000" charset="0"/>
-                  <a:cs typeface="DejaVu Math TeX Gyre" panose="02000503000000000000" charset="0"/>
-                </a:endParaRPr>
               </a:p>
               <a:p>
                 <a14:m>
@@ -11640,7 +10391,7 @@
                       <m:sSubPr>
                         <m:ctrlPr>
                           <a:rPr lang="en-US" altLang="zh-CN" i="1">
-                            <a:latin typeface="DejaVu Math TeX Gyre" panose="02000503000000000000" charset="0"/>
+                            <a:latin typeface="Cambria Math" panose="02040503050406030204" pitchFamily="18" charset="0"/>
                             <a:cs typeface="DejaVu Math TeX Gyre" panose="02000503000000000000" charset="0"/>
                           </a:rPr>
                         </m:ctrlPr>
@@ -11648,16 +10399,16 @@
                       <m:e>
                         <m:r>
                           <a:rPr lang="en-US" altLang="zh-CN" i="1">
-                            <a:latin typeface="DejaVu Math TeX Gyre" panose="02000503000000000000" charset="0"/>
+                            <a:latin typeface="Cambria Math" panose="02040503050406030204" pitchFamily="18" charset="0"/>
                             <a:cs typeface="DejaVu Math TeX Gyre" panose="02000503000000000000" charset="0"/>
                           </a:rPr>
-                          <m:t>w</m:t>
+                          <m:t>𝑤</m:t>
                         </m:r>
                       </m:e>
                       <m:sub>
                         <m:r>
                           <a:rPr lang="en-US" altLang="zh-CN" i="1">
-                            <a:latin typeface="DejaVu Math TeX Gyre" panose="02000503000000000000" charset="0"/>
+                            <a:latin typeface="Cambria Math" panose="02040503050406030204" pitchFamily="18" charset="0"/>
                             <a:cs typeface="DejaVu Math TeX Gyre" panose="02000503000000000000" charset="0"/>
                           </a:rPr>
                           <m:t>𝑐</m:t>
@@ -11679,7 +10430,7 @@
                       <m:sSubPr>
                         <m:ctrlPr>
                           <a:rPr lang="en-US" altLang="zh-CN" i="1">
-                            <a:latin typeface="DejaVu Math TeX Gyre" panose="02000503000000000000" charset="0"/>
+                            <a:latin typeface="Cambria Math" panose="02040503050406030204" pitchFamily="18" charset="0"/>
                             <a:cs typeface="DejaVu Math TeX Gyre" panose="02000503000000000000" charset="0"/>
                           </a:rPr>
                         </m:ctrlPr>
@@ -11687,7 +10438,7 @@
                       <m:e>
                         <m:r>
                           <a:rPr lang="en-US" altLang="zh-CN" i="1">
-                            <a:latin typeface="DejaVu Math TeX Gyre" panose="02000503000000000000" charset="0"/>
+                            <a:latin typeface="Cambria Math" panose="02040503050406030204" pitchFamily="18" charset="0"/>
                             <a:cs typeface="DejaVu Math TeX Gyre" panose="02000503000000000000" charset="0"/>
                           </a:rPr>
                           <m:t>𝑥</m:t>
@@ -11696,7 +10447,7 @@
                       <m:sub>
                         <m:r>
                           <a:rPr lang="en-US" altLang="zh-CN" i="1">
-                            <a:latin typeface="DejaVu Math TeX Gyre" panose="02000503000000000000" charset="0"/>
+                            <a:latin typeface="Cambria Math" panose="02040503050406030204" pitchFamily="18" charset="0"/>
                             <a:cs typeface="DejaVu Math TeX Gyre" panose="02000503000000000000" charset="0"/>
                           </a:rPr>
                           <m:t>𝑖</m:t>
@@ -11710,19 +10461,8 @@
                     <a:latin typeface="DejaVu Math TeX Gyre" panose="02000503000000000000" charset="0"/>
                     <a:cs typeface="DejaVu Math TeX Gyre" panose="02000503000000000000" charset="0"/>
                   </a:rPr>
-                  <a:t>对应类别的代理</a:t>
+                  <a:t>对应类别的代理权重</a:t>
                 </a:r>
-                <a:r>
-                  <a:rPr lang="zh-CN" altLang="en-US" i="1">
-                    <a:latin typeface="DejaVu Math TeX Gyre" panose="02000503000000000000" charset="0"/>
-                    <a:cs typeface="DejaVu Math TeX Gyre" panose="02000503000000000000" charset="0"/>
-                  </a:rPr>
-                  <a:t>权重</a:t>
-                </a:r>
-                <a:endParaRPr lang="zh-CN" altLang="en-US" i="1">
-                  <a:latin typeface="DejaVu Math TeX Gyre" panose="02000503000000000000" charset="0"/>
-                  <a:cs typeface="DejaVu Math TeX Gyre" panose="02000503000000000000" charset="0"/>
-                </a:endParaRPr>
               </a:p>
               <a:p>
                 <a:r>
@@ -11737,19 +10477,8 @@
                     <a:latin typeface="DejaVu Math TeX Gyre" panose="02000503000000000000" charset="0"/>
                     <a:cs typeface="DejaVu Math TeX Gyre" panose="02000503000000000000" charset="0"/>
                   </a:rPr>
-                  <a:t>是类别</a:t>
+                  <a:t>是类别数</a:t>
                 </a:r>
-                <a:r>
-                  <a:rPr lang="zh-CN" altLang="en-US" i="1">
-                    <a:latin typeface="DejaVu Math TeX Gyre" panose="02000503000000000000" charset="0"/>
-                    <a:cs typeface="DejaVu Math TeX Gyre" panose="02000503000000000000" charset="0"/>
-                  </a:rPr>
-                  <a:t>数</a:t>
-                </a:r>
-                <a:endParaRPr lang="zh-CN" altLang="en-US" i="1">
-                  <a:latin typeface="DejaVu Math TeX Gyre" panose="02000503000000000000" charset="0"/>
-                  <a:cs typeface="DejaVu Math TeX Gyre" panose="02000503000000000000" charset="0"/>
-                </a:endParaRPr>
               </a:p>
               <a:p>
                 <a:r>
@@ -11770,7 +10499,7 @@
                   <m:oMath xmlns:m="http://schemas.openxmlformats.org/officeDocument/2006/math">
                     <m:r>
                       <a:rPr lang="zh-CN" altLang="en-US" i="1">
-                        <a:latin typeface="DejaVu Math TeX Gyre" panose="02000503000000000000" charset="0"/>
+                        <a:latin typeface="Cambria Math" panose="02040503050406030204" pitchFamily="18" charset="0"/>
                         <a:cs typeface="DejaVu Math TeX Gyre" panose="02000503000000000000" charset="0"/>
                       </a:rPr>
                       <m:t>基于</m:t>
@@ -11779,7 +10508,7 @@
                       <m:sSubPr>
                         <m:ctrlPr>
                           <a:rPr lang="en-US" altLang="zh-CN" i="1">
-                            <a:latin typeface="DejaVu Math TeX Gyre" panose="02000503000000000000" charset="0"/>
+                            <a:latin typeface="Cambria Math" panose="02040503050406030204" pitchFamily="18" charset="0"/>
                             <a:cs typeface="DejaVu Math TeX Gyre" panose="02000503000000000000" charset="0"/>
                           </a:rPr>
                         </m:ctrlPr>
@@ -11787,7 +10516,7 @@
                       <m:e>
                         <m:r>
                           <a:rPr lang="en-US" altLang="zh-CN" i="1">
-                            <a:latin typeface="DejaVu Math TeX Gyre" panose="02000503000000000000" charset="0"/>
+                            <a:latin typeface="Cambria Math" panose="02040503050406030204" pitchFamily="18" charset="0"/>
                             <a:cs typeface="DejaVu Math TeX Gyre" panose="02000503000000000000" charset="0"/>
                           </a:rPr>
                           <m:t>𝑥</m:t>
@@ -11796,7 +10525,7 @@
                       <m:sub>
                         <m:r>
                           <a:rPr lang="en-US" altLang="zh-CN" i="1">
-                            <a:latin typeface="DejaVu Math TeX Gyre" panose="02000503000000000000" charset="0"/>
+                            <a:latin typeface="Cambria Math" panose="02040503050406030204" pitchFamily="18" charset="0"/>
                             <a:cs typeface="DejaVu Math TeX Gyre" panose="02000503000000000000" charset="0"/>
                           </a:rPr>
                           <m:t>𝑖</m:t>
@@ -11810,24 +10539,13 @@
                     <a:latin typeface="DejaVu Math TeX Gyre" panose="02000503000000000000" charset="0"/>
                     <a:cs typeface="DejaVu Math TeX Gyre" panose="02000503000000000000" charset="0"/>
                   </a:rPr>
-                  <a:t>的负样本对</a:t>
+                  <a:t>的负样本对个数</a:t>
                 </a:r>
-                <a:r>
-                  <a:rPr lang="zh-CN" altLang="en-US" i="1">
-                    <a:latin typeface="DejaVu Math TeX Gyre" panose="02000503000000000000" charset="0"/>
-                    <a:cs typeface="DejaVu Math TeX Gyre" panose="02000503000000000000" charset="0"/>
-                  </a:rPr>
-                  <a:t>个数</a:t>
-                </a:r>
-                <a:endParaRPr lang="zh-CN" altLang="en-US" i="1">
-                  <a:latin typeface="DejaVu Math TeX Gyre" panose="02000503000000000000" charset="0"/>
-                  <a:cs typeface="DejaVu Math TeX Gyre" panose="02000503000000000000" charset="0"/>
-                </a:endParaRPr>
               </a:p>
             </p:txBody>
           </p:sp>
         </mc:Choice>
-        <mc:Fallback>
+        <mc:Fallback xmlns="">
           <p:sp>
             <p:nvSpPr>
               <p:cNvPr id="5" name="文本框 4"/>
@@ -11845,7 +10563,7 @@
                 <a:avLst/>
               </a:prstGeom>
               <a:blipFill rotWithShape="1">
-                <a:blip r:embed="rId4"/>
+                <a:blip r:embed="rId6"/>
                 <a:stretch>
                   <a:fillRect/>
                 </a:stretch>
@@ -11866,708 +10584,6 @@
           </p:sp>
         </mc:Fallback>
       </mc:AlternateContent>
-    </p:spTree>
-  </p:cSld>
-  <p:clrMapOvr>
-    <a:masterClrMapping/>
-  </p:clrMapOvr>
-</p:sld>
-</file>
-
-<file path=ppt/slides/slide7.xml><?xml version="1.0" encoding="utf-8"?>
-<p:sld xmlns:a="http://schemas.openxmlformats.org/drawingml/2006/main" xmlns:r="http://schemas.openxmlformats.org/officeDocument/2006/relationships" xmlns:p="http://schemas.openxmlformats.org/presentationml/2006/main">
-  <p:cSld>
-    <p:spTree>
-      <p:nvGrpSpPr>
-        <p:cNvPr id="1" name=""/>
-        <p:cNvGrpSpPr/>
-        <p:nvPr/>
-      </p:nvGrpSpPr>
-      <p:grpSpPr>
-        <a:xfrm>
-          <a:off x="0" y="0"/>
-          <a:ext cx="0" cy="0"/>
-          <a:chOff x="0" y="0"/>
-          <a:chExt cx="0" cy="0"/>
-        </a:xfrm>
-      </p:grpSpPr>
-      <p:cxnSp>
-        <p:nvCxnSpPr>
-          <p:cNvPr id="7" name="直接连接符 6"/>
-          <p:cNvCxnSpPr/>
-          <p:nvPr/>
-        </p:nvCxnSpPr>
-        <p:spPr>
-          <a:xfrm>
-            <a:off x="367840" y="809674"/>
-            <a:ext cx="11488800" cy="0"/>
-          </a:xfrm>
-          <a:prstGeom prst="line">
-            <a:avLst/>
-          </a:prstGeom>
-          <a:ln w="9525">
-            <a:solidFill>
-              <a:srgbClr val="024282"/>
-            </a:solidFill>
-          </a:ln>
-        </p:spPr>
-        <p:style>
-          <a:lnRef idx="1">
-            <a:schemeClr val="accent1"/>
-          </a:lnRef>
-          <a:fillRef idx="0">
-            <a:schemeClr val="accent1"/>
-          </a:fillRef>
-          <a:effectRef idx="0">
-            <a:schemeClr val="accent1"/>
-          </a:effectRef>
-          <a:fontRef idx="minor">
-            <a:schemeClr val="tx1"/>
-          </a:fontRef>
-        </p:style>
-      </p:cxnSp>
-      <p:grpSp>
-        <p:nvGrpSpPr>
-          <p:cNvPr id="43" name="组合 42"/>
-          <p:cNvGrpSpPr/>
-          <p:nvPr/>
-        </p:nvGrpSpPr>
-        <p:grpSpPr>
-          <a:xfrm>
-            <a:off x="9456920" y="74604"/>
-            <a:ext cx="2489626" cy="672240"/>
-            <a:chOff x="4638341" y="609261"/>
-            <a:chExt cx="5755951" cy="1554197"/>
-          </a:xfrm>
-        </p:grpSpPr>
-        <p:pic>
-          <p:nvPicPr>
-            <p:cNvPr id="45" name="图片 44"/>
-            <p:cNvPicPr>
-              <a:picLocks noChangeAspect="1"/>
-            </p:cNvPicPr>
-            <p:nvPr/>
-          </p:nvPicPr>
-          <p:blipFill>
-            <a:blip r:embed="rId1" cstate="print">
-              <a:extLst>
-                <a:ext uri="{28A0092B-C50C-407E-A947-70E740481C1C}">
-                  <a14:useLocalDpi xmlns:a14="http://schemas.microsoft.com/office/drawing/2010/main" val="0"/>
-                </a:ext>
-              </a:extLst>
-            </a:blip>
-            <a:srcRect/>
-            <a:stretch>
-              <a:fillRect/>
-            </a:stretch>
-          </p:blipFill>
-          <p:spPr>
-            <a:xfrm>
-              <a:off x="4638341" y="609261"/>
-              <a:ext cx="1502034" cy="1502030"/>
-            </a:xfrm>
-            <a:prstGeom prst="rect">
-              <a:avLst/>
-            </a:prstGeom>
-          </p:spPr>
-        </p:pic>
-        <p:pic>
-          <p:nvPicPr>
-            <p:cNvPr id="46" name="图片 45"/>
-            <p:cNvPicPr>
-              <a:picLocks noChangeAspect="1"/>
-            </p:cNvPicPr>
-            <p:nvPr/>
-          </p:nvPicPr>
-          <p:blipFill>
-            <a:blip r:embed="rId2" cstate="print">
-              <a:extLst>
-                <a:ext uri="{28A0092B-C50C-407E-A947-70E740481C1C}">
-                  <a14:useLocalDpi xmlns:a14="http://schemas.microsoft.com/office/drawing/2010/main" val="0"/>
-                </a:ext>
-              </a:extLst>
-            </a:blip>
-            <a:srcRect/>
-            <a:stretch>
-              <a:fillRect/>
-            </a:stretch>
-          </p:blipFill>
-          <p:spPr>
-            <a:xfrm>
-              <a:off x="6206343" y="750075"/>
-              <a:ext cx="4060280" cy="983091"/>
-            </a:xfrm>
-            <a:prstGeom prst="rect">
-              <a:avLst/>
-            </a:prstGeom>
-          </p:spPr>
-        </p:pic>
-        <p:sp>
-          <p:nvSpPr>
-            <p:cNvPr id="47" name="矩形 46"/>
-            <p:cNvSpPr/>
-            <p:nvPr/>
-          </p:nvSpPr>
-          <p:spPr>
-            <a:xfrm>
-              <a:off x="6206343" y="1665358"/>
-              <a:ext cx="4187949" cy="498100"/>
-            </a:xfrm>
-            <a:prstGeom prst="rect">
-              <a:avLst/>
-            </a:prstGeom>
-          </p:spPr>
-          <p:txBody>
-            <a:bodyPr wrap="square">
-              <a:spAutoFit/>
-            </a:bodyPr>
-            <a:lstStyle/>
-            <a:p>
-              <a:pPr marL="0" marR="0" lvl="0" indent="0" algn="dist" defTabSz="914400" rtl="0" eaLnBrk="1" fontAlgn="auto" latinLnBrk="0" hangingPunct="1">
-                <a:lnSpc>
-                  <a:spcPct val="100000"/>
-                </a:lnSpc>
-                <a:spcBef>
-                  <a:spcPts val="0"/>
-                </a:spcBef>
-                <a:spcAft>
-                  <a:spcPts val="0"/>
-                </a:spcAft>
-                <a:buClrTx/>
-                <a:buSzTx/>
-                <a:buFontTx/>
-                <a:buNone/>
-                <a:defRPr/>
-              </a:pPr>
-              <a:r>
-                <a:rPr kumimoji="0" lang="en-US" altLang="zh-CN" sz="800" b="1" i="0" u="none" strike="noStrike" kern="1200" cap="none" spc="0" normalizeH="0" baseline="0" noProof="0" dirty="0">
-                  <a:ln>
-                    <a:noFill/>
-                  </a:ln>
-                  <a:solidFill>
-                    <a:srgbClr val="024282"/>
-                  </a:solidFill>
-                  <a:effectLst/>
-                  <a:uLnTx/>
-                  <a:uFillTx/>
-                  <a:latin typeface="Calibri" panose="020F0502020204030204"/>
-                  <a:ea typeface="宋体" pitchFamily="2" charset="-122"/>
-                  <a:cs typeface="+mn-cs"/>
-                </a:rPr>
-                <a:t>BEIJING UNIVERSITY OF TECHNOLOGY</a:t>
-              </a:r>
-              <a:endParaRPr kumimoji="0" lang="en-US" altLang="zh-CN" sz="800" b="1" i="0" u="none" strike="noStrike" kern="1200" cap="none" spc="0" normalizeH="0" baseline="0" noProof="0" dirty="0">
-                <a:ln>
-                  <a:noFill/>
-                </a:ln>
-                <a:solidFill>
-                  <a:srgbClr val="024282"/>
-                </a:solidFill>
-                <a:effectLst/>
-                <a:uLnTx/>
-                <a:uFillTx/>
-                <a:latin typeface="Calibri" panose="020F0502020204030204"/>
-                <a:ea typeface="宋体" pitchFamily="2" charset="-122"/>
-                <a:cs typeface="+mn-cs"/>
-              </a:endParaRPr>
-            </a:p>
-          </p:txBody>
-        </p:sp>
-      </p:grpSp>
-      <p:sp>
-        <p:nvSpPr>
-          <p:cNvPr id="2" name="文本框 1"/>
-          <p:cNvSpPr txBox="1"/>
-          <p:nvPr/>
-        </p:nvSpPr>
-        <p:spPr>
-          <a:xfrm>
-            <a:off x="1187450" y="441960"/>
-            <a:ext cx="4064000" cy="368300"/>
-          </a:xfrm>
-          <a:prstGeom prst="rect">
-            <a:avLst/>
-          </a:prstGeom>
-          <a:noFill/>
-        </p:spPr>
-        <p:txBody>
-          <a:bodyPr wrap="square" rtlCol="0">
-            <a:spAutoFit/>
-          </a:bodyPr>
-          <a:lstStyle/>
-          <a:p>
-            <a:endParaRPr lang="zh-CN" altLang="en-US"/>
-          </a:p>
-        </p:txBody>
-      </p:sp>
-    </p:spTree>
-  </p:cSld>
-  <p:clrMapOvr>
-    <a:masterClrMapping/>
-  </p:clrMapOvr>
-</p:sld>
-</file>
-
-<file path=ppt/slides/slide8.xml><?xml version="1.0" encoding="utf-8"?>
-<p:sld xmlns:a="http://schemas.openxmlformats.org/drawingml/2006/main" xmlns:r="http://schemas.openxmlformats.org/officeDocument/2006/relationships" xmlns:p="http://schemas.openxmlformats.org/presentationml/2006/main">
-  <p:cSld>
-    <p:spTree>
-      <p:nvGrpSpPr>
-        <p:cNvPr id="1" name=""/>
-        <p:cNvGrpSpPr/>
-        <p:nvPr/>
-      </p:nvGrpSpPr>
-      <p:grpSpPr>
-        <a:xfrm>
-          <a:off x="0" y="0"/>
-          <a:ext cx="0" cy="0"/>
-          <a:chOff x="0" y="0"/>
-          <a:chExt cx="0" cy="0"/>
-        </a:xfrm>
-      </p:grpSpPr>
-      <p:cxnSp>
-        <p:nvCxnSpPr>
-          <p:cNvPr id="7" name="直接连接符 6"/>
-          <p:cNvCxnSpPr/>
-          <p:nvPr/>
-        </p:nvCxnSpPr>
-        <p:spPr>
-          <a:xfrm>
-            <a:off x="367840" y="809674"/>
-            <a:ext cx="11488800" cy="0"/>
-          </a:xfrm>
-          <a:prstGeom prst="line">
-            <a:avLst/>
-          </a:prstGeom>
-          <a:ln w="9525">
-            <a:solidFill>
-              <a:srgbClr val="024282"/>
-            </a:solidFill>
-          </a:ln>
-        </p:spPr>
-        <p:style>
-          <a:lnRef idx="1">
-            <a:schemeClr val="accent1"/>
-          </a:lnRef>
-          <a:fillRef idx="0">
-            <a:schemeClr val="accent1"/>
-          </a:fillRef>
-          <a:effectRef idx="0">
-            <a:schemeClr val="accent1"/>
-          </a:effectRef>
-          <a:fontRef idx="minor">
-            <a:schemeClr val="tx1"/>
-          </a:fontRef>
-        </p:style>
-      </p:cxnSp>
-      <p:grpSp>
-        <p:nvGrpSpPr>
-          <p:cNvPr id="43" name="组合 42"/>
-          <p:cNvGrpSpPr/>
-          <p:nvPr/>
-        </p:nvGrpSpPr>
-        <p:grpSpPr>
-          <a:xfrm>
-            <a:off x="9456920" y="74604"/>
-            <a:ext cx="2489626" cy="672240"/>
-            <a:chOff x="4638341" y="609261"/>
-            <a:chExt cx="5755951" cy="1554197"/>
-          </a:xfrm>
-        </p:grpSpPr>
-        <p:pic>
-          <p:nvPicPr>
-            <p:cNvPr id="45" name="图片 44"/>
-            <p:cNvPicPr>
-              <a:picLocks noChangeAspect="1"/>
-            </p:cNvPicPr>
-            <p:nvPr/>
-          </p:nvPicPr>
-          <p:blipFill>
-            <a:blip r:embed="rId1" cstate="print">
-              <a:extLst>
-                <a:ext uri="{28A0092B-C50C-407E-A947-70E740481C1C}">
-                  <a14:useLocalDpi xmlns:a14="http://schemas.microsoft.com/office/drawing/2010/main" val="0"/>
-                </a:ext>
-              </a:extLst>
-            </a:blip>
-            <a:srcRect/>
-            <a:stretch>
-              <a:fillRect/>
-            </a:stretch>
-          </p:blipFill>
-          <p:spPr>
-            <a:xfrm>
-              <a:off x="4638341" y="609261"/>
-              <a:ext cx="1502034" cy="1502030"/>
-            </a:xfrm>
-            <a:prstGeom prst="rect">
-              <a:avLst/>
-            </a:prstGeom>
-          </p:spPr>
-        </p:pic>
-        <p:pic>
-          <p:nvPicPr>
-            <p:cNvPr id="46" name="图片 45"/>
-            <p:cNvPicPr>
-              <a:picLocks noChangeAspect="1"/>
-            </p:cNvPicPr>
-            <p:nvPr/>
-          </p:nvPicPr>
-          <p:blipFill>
-            <a:blip r:embed="rId2" cstate="print">
-              <a:extLst>
-                <a:ext uri="{28A0092B-C50C-407E-A947-70E740481C1C}">
-                  <a14:useLocalDpi xmlns:a14="http://schemas.microsoft.com/office/drawing/2010/main" val="0"/>
-                </a:ext>
-              </a:extLst>
-            </a:blip>
-            <a:srcRect/>
-            <a:stretch>
-              <a:fillRect/>
-            </a:stretch>
-          </p:blipFill>
-          <p:spPr>
-            <a:xfrm>
-              <a:off x="6206343" y="750075"/>
-              <a:ext cx="4060280" cy="983091"/>
-            </a:xfrm>
-            <a:prstGeom prst="rect">
-              <a:avLst/>
-            </a:prstGeom>
-          </p:spPr>
-        </p:pic>
-        <p:sp>
-          <p:nvSpPr>
-            <p:cNvPr id="47" name="矩形 46"/>
-            <p:cNvSpPr/>
-            <p:nvPr/>
-          </p:nvSpPr>
-          <p:spPr>
-            <a:xfrm>
-              <a:off x="6206343" y="1665358"/>
-              <a:ext cx="4187949" cy="498100"/>
-            </a:xfrm>
-            <a:prstGeom prst="rect">
-              <a:avLst/>
-            </a:prstGeom>
-          </p:spPr>
-          <p:txBody>
-            <a:bodyPr wrap="square">
-              <a:spAutoFit/>
-            </a:bodyPr>
-            <a:lstStyle/>
-            <a:p>
-              <a:pPr marL="0" marR="0" lvl="0" indent="0" algn="dist" defTabSz="914400" rtl="0" eaLnBrk="1" fontAlgn="auto" latinLnBrk="0" hangingPunct="1">
-                <a:lnSpc>
-                  <a:spcPct val="100000"/>
-                </a:lnSpc>
-                <a:spcBef>
-                  <a:spcPts val="0"/>
-                </a:spcBef>
-                <a:spcAft>
-                  <a:spcPts val="0"/>
-                </a:spcAft>
-                <a:buClrTx/>
-                <a:buSzTx/>
-                <a:buFontTx/>
-                <a:buNone/>
-                <a:defRPr/>
-              </a:pPr>
-              <a:r>
-                <a:rPr kumimoji="0" lang="en-US" altLang="zh-CN" sz="800" b="1" i="0" u="none" strike="noStrike" kern="1200" cap="none" spc="0" normalizeH="0" baseline="0" noProof="0" dirty="0">
-                  <a:ln>
-                    <a:noFill/>
-                  </a:ln>
-                  <a:solidFill>
-                    <a:srgbClr val="024282"/>
-                  </a:solidFill>
-                  <a:effectLst/>
-                  <a:uLnTx/>
-                  <a:uFillTx/>
-                  <a:latin typeface="Calibri" panose="020F0502020204030204"/>
-                  <a:ea typeface="宋体" pitchFamily="2" charset="-122"/>
-                  <a:cs typeface="+mn-cs"/>
-                </a:rPr>
-                <a:t>BEIJING UNIVERSITY OF TECHNOLOGY</a:t>
-              </a:r>
-              <a:endParaRPr kumimoji="0" lang="en-US" altLang="zh-CN" sz="800" b="1" i="0" u="none" strike="noStrike" kern="1200" cap="none" spc="0" normalizeH="0" baseline="0" noProof="0" dirty="0">
-                <a:ln>
-                  <a:noFill/>
-                </a:ln>
-                <a:solidFill>
-                  <a:srgbClr val="024282"/>
-                </a:solidFill>
-                <a:effectLst/>
-                <a:uLnTx/>
-                <a:uFillTx/>
-                <a:latin typeface="Calibri" panose="020F0502020204030204"/>
-                <a:ea typeface="宋体" pitchFamily="2" charset="-122"/>
-                <a:cs typeface="+mn-cs"/>
-              </a:endParaRPr>
-            </a:p>
-          </p:txBody>
-        </p:sp>
-      </p:grpSp>
-      <p:sp>
-        <p:nvSpPr>
-          <p:cNvPr id="2" name="文本框 1"/>
-          <p:cNvSpPr txBox="1"/>
-          <p:nvPr/>
-        </p:nvSpPr>
-        <p:spPr>
-          <a:xfrm>
-            <a:off x="1187450" y="441960"/>
-            <a:ext cx="4064000" cy="368300"/>
-          </a:xfrm>
-          <a:prstGeom prst="rect">
-            <a:avLst/>
-          </a:prstGeom>
-          <a:noFill/>
-        </p:spPr>
-        <p:txBody>
-          <a:bodyPr wrap="square" rtlCol="0">
-            <a:spAutoFit/>
-          </a:bodyPr>
-          <a:lstStyle/>
-          <a:p>
-            <a:endParaRPr lang="zh-CN" altLang="en-US"/>
-          </a:p>
-        </p:txBody>
-      </p:sp>
-    </p:spTree>
-  </p:cSld>
-  <p:clrMapOvr>
-    <a:masterClrMapping/>
-  </p:clrMapOvr>
-</p:sld>
-</file>
-
-<file path=ppt/slides/slide9.xml><?xml version="1.0" encoding="utf-8"?>
-<p:sld xmlns:a="http://schemas.openxmlformats.org/drawingml/2006/main" xmlns:r="http://schemas.openxmlformats.org/officeDocument/2006/relationships" xmlns:p="http://schemas.openxmlformats.org/presentationml/2006/main">
-  <p:cSld>
-    <p:spTree>
-      <p:nvGrpSpPr>
-        <p:cNvPr id="1" name=""/>
-        <p:cNvGrpSpPr/>
-        <p:nvPr/>
-      </p:nvGrpSpPr>
-      <p:grpSpPr>
-        <a:xfrm>
-          <a:off x="0" y="0"/>
-          <a:ext cx="0" cy="0"/>
-          <a:chOff x="0" y="0"/>
-          <a:chExt cx="0" cy="0"/>
-        </a:xfrm>
-      </p:grpSpPr>
-      <p:cxnSp>
-        <p:nvCxnSpPr>
-          <p:cNvPr id="7" name="直接连接符 6"/>
-          <p:cNvCxnSpPr/>
-          <p:nvPr/>
-        </p:nvCxnSpPr>
-        <p:spPr>
-          <a:xfrm>
-            <a:off x="367840" y="809674"/>
-            <a:ext cx="11488800" cy="0"/>
-          </a:xfrm>
-          <a:prstGeom prst="line">
-            <a:avLst/>
-          </a:prstGeom>
-          <a:ln w="9525">
-            <a:solidFill>
-              <a:srgbClr val="024282"/>
-            </a:solidFill>
-          </a:ln>
-        </p:spPr>
-        <p:style>
-          <a:lnRef idx="1">
-            <a:schemeClr val="accent1"/>
-          </a:lnRef>
-          <a:fillRef idx="0">
-            <a:schemeClr val="accent1"/>
-          </a:fillRef>
-          <a:effectRef idx="0">
-            <a:schemeClr val="accent1"/>
-          </a:effectRef>
-          <a:fontRef idx="minor">
-            <a:schemeClr val="tx1"/>
-          </a:fontRef>
-        </p:style>
-      </p:cxnSp>
-      <p:grpSp>
-        <p:nvGrpSpPr>
-          <p:cNvPr id="43" name="组合 42"/>
-          <p:cNvGrpSpPr/>
-          <p:nvPr/>
-        </p:nvGrpSpPr>
-        <p:grpSpPr>
-          <a:xfrm>
-            <a:off x="9456920" y="74604"/>
-            <a:ext cx="2489626" cy="672240"/>
-            <a:chOff x="4638341" y="609261"/>
-            <a:chExt cx="5755951" cy="1554197"/>
-          </a:xfrm>
-        </p:grpSpPr>
-        <p:pic>
-          <p:nvPicPr>
-            <p:cNvPr id="45" name="图片 44"/>
-            <p:cNvPicPr>
-              <a:picLocks noChangeAspect="1"/>
-            </p:cNvPicPr>
-            <p:nvPr/>
-          </p:nvPicPr>
-          <p:blipFill>
-            <a:blip r:embed="rId1" cstate="print">
-              <a:extLst>
-                <a:ext uri="{28A0092B-C50C-407E-A947-70E740481C1C}">
-                  <a14:useLocalDpi xmlns:a14="http://schemas.microsoft.com/office/drawing/2010/main" val="0"/>
-                </a:ext>
-              </a:extLst>
-            </a:blip>
-            <a:srcRect/>
-            <a:stretch>
-              <a:fillRect/>
-            </a:stretch>
-          </p:blipFill>
-          <p:spPr>
-            <a:xfrm>
-              <a:off x="4638341" y="609261"/>
-              <a:ext cx="1502034" cy="1502030"/>
-            </a:xfrm>
-            <a:prstGeom prst="rect">
-              <a:avLst/>
-            </a:prstGeom>
-          </p:spPr>
-        </p:pic>
-        <p:pic>
-          <p:nvPicPr>
-            <p:cNvPr id="46" name="图片 45"/>
-            <p:cNvPicPr>
-              <a:picLocks noChangeAspect="1"/>
-            </p:cNvPicPr>
-            <p:nvPr/>
-          </p:nvPicPr>
-          <p:blipFill>
-            <a:blip r:embed="rId2" cstate="print">
-              <a:extLst>
-                <a:ext uri="{28A0092B-C50C-407E-A947-70E740481C1C}">
-                  <a14:useLocalDpi xmlns:a14="http://schemas.microsoft.com/office/drawing/2010/main" val="0"/>
-                </a:ext>
-              </a:extLst>
-            </a:blip>
-            <a:srcRect/>
-            <a:stretch>
-              <a:fillRect/>
-            </a:stretch>
-          </p:blipFill>
-          <p:spPr>
-            <a:xfrm>
-              <a:off x="6206343" y="750075"/>
-              <a:ext cx="4060280" cy="983091"/>
-            </a:xfrm>
-            <a:prstGeom prst="rect">
-              <a:avLst/>
-            </a:prstGeom>
-          </p:spPr>
-        </p:pic>
-        <p:sp>
-          <p:nvSpPr>
-            <p:cNvPr id="47" name="矩形 46"/>
-            <p:cNvSpPr/>
-            <p:nvPr/>
-          </p:nvSpPr>
-          <p:spPr>
-            <a:xfrm>
-              <a:off x="6206343" y="1665358"/>
-              <a:ext cx="4187949" cy="498100"/>
-            </a:xfrm>
-            <a:prstGeom prst="rect">
-              <a:avLst/>
-            </a:prstGeom>
-          </p:spPr>
-          <p:txBody>
-            <a:bodyPr wrap="square">
-              <a:spAutoFit/>
-            </a:bodyPr>
-            <a:lstStyle/>
-            <a:p>
-              <a:pPr marL="0" marR="0" lvl="0" indent="0" algn="dist" defTabSz="914400" rtl="0" eaLnBrk="1" fontAlgn="auto" latinLnBrk="0" hangingPunct="1">
-                <a:lnSpc>
-                  <a:spcPct val="100000"/>
-                </a:lnSpc>
-                <a:spcBef>
-                  <a:spcPts val="0"/>
-                </a:spcBef>
-                <a:spcAft>
-                  <a:spcPts val="0"/>
-                </a:spcAft>
-                <a:buClrTx/>
-                <a:buSzTx/>
-                <a:buFontTx/>
-                <a:buNone/>
-                <a:defRPr/>
-              </a:pPr>
-              <a:r>
-                <a:rPr kumimoji="0" lang="en-US" altLang="zh-CN" sz="800" b="1" i="0" u="none" strike="noStrike" kern="1200" cap="none" spc="0" normalizeH="0" baseline="0" noProof="0" dirty="0">
-                  <a:ln>
-                    <a:noFill/>
-                  </a:ln>
-                  <a:solidFill>
-                    <a:srgbClr val="024282"/>
-                  </a:solidFill>
-                  <a:effectLst/>
-                  <a:uLnTx/>
-                  <a:uFillTx/>
-                  <a:latin typeface="Calibri" panose="020F0502020204030204"/>
-                  <a:ea typeface="宋体" pitchFamily="2" charset="-122"/>
-                  <a:cs typeface="+mn-cs"/>
-                </a:rPr>
-                <a:t>BEIJING UNIVERSITY OF TECHNOLOGY</a:t>
-              </a:r>
-              <a:endParaRPr kumimoji="0" lang="en-US" altLang="zh-CN" sz="800" b="1" i="0" u="none" strike="noStrike" kern="1200" cap="none" spc="0" normalizeH="0" baseline="0" noProof="0" dirty="0">
-                <a:ln>
-                  <a:noFill/>
-                </a:ln>
-                <a:solidFill>
-                  <a:srgbClr val="024282"/>
-                </a:solidFill>
-                <a:effectLst/>
-                <a:uLnTx/>
-                <a:uFillTx/>
-                <a:latin typeface="Calibri" panose="020F0502020204030204"/>
-                <a:ea typeface="宋体" pitchFamily="2" charset="-122"/>
-                <a:cs typeface="+mn-cs"/>
-              </a:endParaRPr>
-            </a:p>
-          </p:txBody>
-        </p:sp>
-      </p:grpSp>
-      <p:sp>
-        <p:nvSpPr>
-          <p:cNvPr id="2" name="文本框 1"/>
-          <p:cNvSpPr txBox="1"/>
-          <p:nvPr/>
-        </p:nvSpPr>
-        <p:spPr>
-          <a:xfrm>
-            <a:off x="1187450" y="441960"/>
-            <a:ext cx="4064000" cy="368300"/>
-          </a:xfrm>
-          <a:prstGeom prst="rect">
-            <a:avLst/>
-          </a:prstGeom>
-          <a:noFill/>
-        </p:spPr>
-        <p:txBody>
-          <a:bodyPr wrap="square" rtlCol="0">
-            <a:spAutoFit/>
-          </a:bodyPr>
-          <a:lstStyle/>
-          <a:p>
-            <a:endParaRPr lang="zh-CN" altLang="en-US"/>
-          </a:p>
-        </p:txBody>
-      </p:sp>
     </p:spTree>
   </p:cSld>
   <p:clrMapOvr>
@@ -12827,6 +10843,8 @@
       </a:bgFillStyleLst>
     </a:fmtScheme>
   </a:themeElements>
+  <a:objectDefaults/>
+  <a:extraClrSchemeLst/>
   <a:extLst>
     <a:ext uri="{05A4C25C-085E-4340-85A3-A5531E510DB2}">
       <thm15:themeFamily xmlns:thm15="http://schemas.microsoft.com/office/thememl/2012/main" name="Office Theme" id="{62F939B6-93AF-4DB8-9C6B-D6C7DFDC589F}" vid="{4A3C46E8-61CC-4603-A589-7422A47A8E4A}"/>
@@ -13086,6 +11104,8 @@
       </a:bgFillStyleLst>
     </a:fmtScheme>
   </a:themeElements>
+  <a:objectDefaults/>
+  <a:extraClrSchemeLst/>
   <a:extLst>
     <a:ext uri="{05A4C25C-085E-4340-85A3-A5531E510DB2}">
       <thm15:themeFamily xmlns:thm15="http://schemas.microsoft.com/office/thememl/2012/main" name="Office Theme" id="{62F939B6-93AF-4DB8-9C6B-D6C7DFDC589F}" vid="{4A3C46E8-61CC-4603-A589-7422A47A8E4A}"/>
@@ -13345,6 +11365,8 @@
       </a:bgFillStyleLst>
     </a:fmtScheme>
   </a:themeElements>
+  <a:objectDefaults/>
+  <a:extraClrSchemeLst/>
   <a:extLst>
     <a:ext uri="{05A4C25C-085E-4340-85A3-A5531E510DB2}">
       <thm15:themeFamily xmlns:thm15="http://schemas.microsoft.com/office/thememl/2012/main" name="Office Theme" id="{62F939B6-93AF-4DB8-9C6B-D6C7DFDC589F}" vid="{4A3C46E8-61CC-4603-A589-7422A47A8E4A}"/>

--- a/2023_12_08_论文讲解_张一鸣.pptx
+++ b/2023_12_08_论文讲解_张一鸣.pptx
@@ -5,33 +5,33 @@
     <p:sldMasterId id="2147483648" r:id="rId1"/>
   </p:sldMasterIdLst>
   <p:notesMasterIdLst>
-    <p:notesMasterId r:id="rId20"/>
+    <p:notesMasterId r:id="rId4"/>
   </p:notesMasterIdLst>
   <p:handoutMasterIdLst>
-    <p:handoutMasterId r:id="rId21"/>
+    <p:handoutMasterId r:id="rId22"/>
   </p:handoutMasterIdLst>
   <p:sldIdLst>
-    <p:sldId id="257" r:id="rId2"/>
-    <p:sldId id="275" r:id="rId3"/>
-    <p:sldId id="258" r:id="rId4"/>
-    <p:sldId id="260" r:id="rId5"/>
-    <p:sldId id="283" r:id="rId6"/>
-    <p:sldId id="261" r:id="rId7"/>
-    <p:sldId id="274" r:id="rId8"/>
-    <p:sldId id="269" r:id="rId9"/>
-    <p:sldId id="270" r:id="rId10"/>
-    <p:sldId id="271" r:id="rId11"/>
-    <p:sldId id="272" r:id="rId12"/>
-    <p:sldId id="262" r:id="rId13"/>
-    <p:sldId id="263" r:id="rId14"/>
-    <p:sldId id="264" r:id="rId15"/>
-    <p:sldId id="265" r:id="rId16"/>
-    <p:sldId id="284" r:id="rId17"/>
-    <p:sldId id="285" r:id="rId18"/>
-    <p:sldId id="286" r:id="rId19"/>
+    <p:sldId id="257" r:id="rId3"/>
+    <p:sldId id="275" r:id="rId5"/>
+    <p:sldId id="258" r:id="rId6"/>
+    <p:sldId id="260" r:id="rId7"/>
+    <p:sldId id="283" r:id="rId8"/>
+    <p:sldId id="261" r:id="rId9"/>
+    <p:sldId id="274" r:id="rId10"/>
+    <p:sldId id="269" r:id="rId11"/>
+    <p:sldId id="270" r:id="rId12"/>
+    <p:sldId id="271" r:id="rId13"/>
+    <p:sldId id="272" r:id="rId14"/>
+    <p:sldId id="262" r:id="rId15"/>
+    <p:sldId id="263" r:id="rId16"/>
+    <p:sldId id="264" r:id="rId17"/>
+    <p:sldId id="265" r:id="rId18"/>
+    <p:sldId id="284" r:id="rId19"/>
+    <p:sldId id="285" r:id="rId20"/>
+    <p:sldId id="286" r:id="rId21"/>
   </p:sldIdLst>
   <p:sldSz cx="12192000" cy="6858000"/>
-  <p:notesSz cx="7104063" cy="10234613"/>
+  <p:notesSz cx="7103745" cy="10234295"/>
   <p:defaultTextStyle>
     <a:defPPr>
       <a:defRPr lang="zh-CN"/>
@@ -127,22 +127,6 @@
       </a:defRPr>
     </a:lvl9pPr>
   </p:defaultTextStyle>
-  <p:extLst>
-    <p:ext uri="{EFAFB233-063F-42B5-8137-9DF3F51BA10A}">
-      <p15:sldGuideLst xmlns:p15="http://schemas.microsoft.com/office/powerpoint/2012/main">
-        <p15:guide id="1" orient="horz" pos="2160">
-          <p15:clr>
-            <a:srgbClr val="A4A3A4"/>
-          </p15:clr>
-        </p15:guide>
-        <p15:guide id="2" pos="3850">
-          <p15:clr>
-            <a:srgbClr val="A4A3A4"/>
-          </p15:clr>
-        </p15:guide>
-      </p15:sldGuideLst>
-    </p:ext>
-  </p:extLst>
 </p:presentation>
 </file>
 
@@ -228,7 +212,6 @@
           <a:p>
             <a:fld id="{0F9B84EA-7D68-4D60-9CB1-D50884785D1C}" type="datetimeFigureOut">
               <a:rPr lang="zh-CN" altLang="en-US" smtClean="0"/>
-              <a:t>2023/12/6</a:t>
             </a:fld>
             <a:endParaRPr lang="zh-CN" altLang="en-US"/>
           </a:p>
@@ -294,18 +277,12 @@
           <a:p>
             <a:fld id="{8D4E0FC9-F1F8-4FAE-9988-3BA365CFD46F}" type="slidenum">
               <a:rPr lang="zh-CN" altLang="en-US" smtClean="0"/>
-              <a:t>‹#›</a:t>
             </a:fld>
             <a:endParaRPr lang="zh-CN" altLang="en-US"/>
           </a:p>
         </p:txBody>
       </p:sp>
     </p:spTree>
-    <p:extLst>
-      <p:ext uri="{BB962C8B-B14F-4D97-AF65-F5344CB8AC3E}">
-        <p14:creationId xmlns:p14="http://schemas.microsoft.com/office/powerpoint/2010/main" val="1"/>
-      </p:ext>
-    </p:extLst>
   </p:cSld>
   <p:clrMap bg1="lt1" tx1="dk1" bg2="lt2" tx2="dk2" accent1="accent1" accent2="accent2" accent3="accent3" accent4="accent4" accent5="accent5" accent6="accent6" hlink="hlink" folHlink="folHlink"/>
 </p:handoutMaster>
@@ -393,7 +370,6 @@
           <a:p>
             <a:fld id="{D6C8D182-E4C8-4120-9249-FC9774456FFA}" type="datetimeFigureOut">
               <a:rPr lang="zh-CN" altLang="en-US" smtClean="0"/>
-              <a:t>2023/12/6</a:t>
             </a:fld>
             <a:endParaRPr lang="zh-CN" altLang="en-US"/>
           </a:p>
@@ -460,6 +436,7 @@
               <a:rPr lang="zh-CN" altLang="en-US"/>
               <a:t>编辑母版文本样式</a:t>
             </a:r>
+            <a:endParaRPr lang="zh-CN" altLang="en-US"/>
           </a:p>
           <a:p>
             <a:pPr lvl="1"/>
@@ -467,6 +444,7 @@
               <a:rPr lang="zh-CN" altLang="en-US"/>
               <a:t>第二级</a:t>
             </a:r>
+            <a:endParaRPr lang="zh-CN" altLang="en-US"/>
           </a:p>
           <a:p>
             <a:pPr lvl="2"/>
@@ -474,6 +452,7 @@
               <a:rPr lang="zh-CN" altLang="en-US"/>
               <a:t>第三级</a:t>
             </a:r>
+            <a:endParaRPr lang="zh-CN" altLang="en-US"/>
           </a:p>
           <a:p>
             <a:pPr lvl="3"/>
@@ -481,6 +460,7 @@
               <a:rPr lang="zh-CN" altLang="en-US"/>
               <a:t>第四级</a:t>
             </a:r>
+            <a:endParaRPr lang="zh-CN" altLang="en-US"/>
           </a:p>
           <a:p>
             <a:pPr lvl="4"/>
@@ -488,6 +468,7 @@
               <a:rPr lang="zh-CN" altLang="en-US"/>
               <a:t>第五级</a:t>
             </a:r>
+            <a:endParaRPr lang="zh-CN" altLang="en-US"/>
           </a:p>
         </p:txBody>
       </p:sp>
@@ -551,7 +532,6 @@
           <a:p>
             <a:fld id="{85D0DACE-38E0-42D2-9336-2B707D34BC6D}" type="slidenum">
               <a:rPr lang="zh-CN" altLang="en-US" smtClean="0"/>
-              <a:t>‹#›</a:t>
             </a:fld>
             <a:endParaRPr lang="zh-CN" altLang="en-US"/>
           </a:p>
@@ -1096,11 +1076,6 @@
         </p:txBody>
       </p:sp>
     </p:spTree>
-    <p:extLst>
-      <p:ext uri="{BB962C8B-B14F-4D97-AF65-F5344CB8AC3E}">
-        <p14:creationId xmlns:p14="http://schemas.microsoft.com/office/powerpoint/2010/main" val="3828503326"/>
-      </p:ext>
-    </p:extLst>
   </p:cSld>
   <p:clrMapOvr>
     <a:masterClrMapping/>
@@ -1157,11 +1132,6 @@
         </p:txBody>
       </p:sp>
     </p:spTree>
-    <p:extLst>
-      <p:ext uri="{BB962C8B-B14F-4D97-AF65-F5344CB8AC3E}">
-        <p14:creationId xmlns:p14="http://schemas.microsoft.com/office/powerpoint/2010/main" val="550220704"/>
-      </p:ext>
-    </p:extLst>
   </p:cSld>
   <p:clrMapOvr>
     <a:masterClrMapping/>
@@ -1218,11 +1188,6 @@
         </p:txBody>
       </p:sp>
     </p:spTree>
-    <p:extLst>
-      <p:ext uri="{BB962C8B-B14F-4D97-AF65-F5344CB8AC3E}">
-        <p14:creationId xmlns:p14="http://schemas.microsoft.com/office/powerpoint/2010/main" val="1811474059"/>
-      </p:ext>
-    </p:extLst>
   </p:cSld>
   <p:clrMapOvr>
     <a:masterClrMapping/>
@@ -1283,7 +1248,39 @@
                 <a:latin typeface="微软雅黑" panose="020B0503020204020204" pitchFamily="34" charset="-122"/>
                 <a:ea typeface="微软雅黑" panose="020B0503020204020204" pitchFamily="34" charset="-122"/>
               </a:rPr>
-              <a:t>对比学习是一种简单有效的解决方法，通过利用来自不同域的样本对之间丰富的语义关系来学习域不变表征。常见的思路是将来自不同区域的阳性样本对拉得更近，同时将其他阴性样本对推得更远。</a:t>
+              <a:t>对比学习是一种简单有效的解决方法，通过利用来自不同域的样本对之间丰富的语义关系来学习域不变表征。</a:t>
+            </a:r>
+            <a:endParaRPr lang="zh-CN" altLang="en-US" sz="1200" b="0" i="0" dirty="0">
+              <a:solidFill>
+                <a:srgbClr val="000000"/>
+              </a:solidFill>
+              <a:effectLst/>
+              <a:latin typeface="微软雅黑" panose="020B0503020204020204" pitchFamily="34" charset="-122"/>
+              <a:ea typeface="微软雅黑" panose="020B0503020204020204" pitchFamily="34" charset="-122"/>
+            </a:endParaRPr>
+          </a:p>
+          <a:p>
+            <a:r>
+              <a:rPr lang="zh-CN" altLang="en-US" sz="1200" b="0" i="0" dirty="0">
+                <a:solidFill>
+                  <a:srgbClr val="000000"/>
+                </a:solidFill>
+                <a:effectLst/>
+                <a:latin typeface="微软雅黑" panose="020B0503020204020204" pitchFamily="34" charset="-122"/>
+                <a:ea typeface="微软雅黑" panose="020B0503020204020204" pitchFamily="34" charset="-122"/>
+              </a:rPr>
+              <a:t>常见的思路是将来自不同域的正样本对拉近，同时将</a:t>
+            </a:r>
+            <a:r>
+              <a:rPr lang="zh-CN" altLang="en-US" sz="1200" b="0" i="0" dirty="0">
+                <a:solidFill>
+                  <a:srgbClr val="000000"/>
+                </a:solidFill>
+                <a:effectLst/>
+                <a:latin typeface="微软雅黑" panose="020B0503020204020204" pitchFamily="34" charset="-122"/>
+                <a:ea typeface="微软雅黑" panose="020B0503020204020204" pitchFamily="34" charset="-122"/>
+              </a:rPr>
+              <a:t>负样本对推远。</a:t>
             </a:r>
             <a:endParaRPr lang="zh-CN" altLang="en-US" dirty="0"/>
           </a:p>
@@ -1423,6 +1420,7 @@
               <a:rPr lang="zh-CN" altLang="en-US" dirty="0"/>
               <a:t>基于对比的方法和基于代理的方法的主要区别在于关系构建。如下图所示，基于对比的损失主要集中在探索丰富的样本间关系，而基于代理的损失使用代理来表示子训练集，实现了快速的收敛，但缺少了一些语义关系。</a:t>
             </a:r>
+            <a:endParaRPr lang="zh-CN" altLang="en-US" dirty="0"/>
           </a:p>
         </p:txBody>
       </p:sp>
@@ -1491,6 +1489,7 @@
               <a:rPr lang="zh-CN" altLang="en-US" dirty="0"/>
               <a:t>的原因：</a:t>
             </a:r>
+            <a:endParaRPr lang="zh-CN" altLang="en-US" dirty="0"/>
           </a:p>
           <a:p>
             <a:pPr algn="l"/>
@@ -1498,6 +1497,7 @@
               <a:rPr lang="zh-CN" altLang="en-US" dirty="0"/>
               <a:t>由于基于代理的方法比较容易收敛，因此得分函数的输出往往是稀疏矩阵，导致代理与样本嵌入难以学习到更多的语义特征。投影头可以将代理和样本嵌入映射到另一个空间。然后应用更不容易收敛的基于代理的对比损失，代理权重和样本嵌入都可以通过反向传播来学习更有价值的特征</a:t>
             </a:r>
+            <a:endParaRPr lang="zh-CN" altLang="en-US" dirty="0"/>
           </a:p>
           <a:p>
             <a:endParaRPr lang="zh-CN" altLang="en-US" dirty="0"/>
@@ -1628,6 +1628,7 @@
               <a:rPr lang="zh-CN" altLang="en-US" dirty="0"/>
               <a:t>来自不同域的同一类</a:t>
             </a:r>
+            <a:endParaRPr lang="zh-CN" altLang="en-US" dirty="0"/>
           </a:p>
         </p:txBody>
       </p:sp>
@@ -1687,6 +1688,7 @@
               <a:rPr lang="zh-CN" altLang="en-US"/>
               <a:t>在这里为了简化问题，作者在这里不考虑多正样本对的情况</a:t>
             </a:r>
+            <a:endParaRPr lang="zh-CN" altLang="en-US"/>
           </a:p>
         </p:txBody>
       </p:sp>
@@ -1824,6 +1826,7 @@
               <a:rPr lang="zh-CN" altLang="en-US" dirty="0"/>
               <a:t>单击此处添加标题</a:t>
             </a:r>
+            <a:endParaRPr lang="zh-CN" altLang="en-US" dirty="0"/>
           </a:p>
         </p:txBody>
       </p:sp>
@@ -1844,7 +1847,6 @@
           <a:p>
             <a:fld id="{760FBDFE-C587-4B4C-A407-44438C67B59E}" type="datetimeFigureOut">
               <a:rPr lang="zh-CN" altLang="en-US" smtClean="0"/>
-              <a:t>2023/12/6</a:t>
             </a:fld>
             <a:endParaRPr lang="zh-CN" altLang="en-US"/>
           </a:p>
@@ -1886,7 +1888,6 @@
           <a:p>
             <a:fld id="{49AE70B2-8BF9-45C0-BB95-33D1B9D3A854}" type="slidenum">
               <a:rPr lang="zh-CN" altLang="en-US" smtClean="0"/>
-              <a:t>‹#›</a:t>
             </a:fld>
             <a:endParaRPr lang="zh-CN" altLang="en-US"/>
           </a:p>
@@ -1965,6 +1966,7 @@
               <a:rPr lang="zh-CN" altLang="en-US" dirty="0"/>
               <a:t>单击此处添加副标题</a:t>
             </a:r>
+            <a:endParaRPr lang="zh-CN" altLang="en-US" dirty="0"/>
           </a:p>
         </p:txBody>
       </p:sp>
@@ -2010,7 +2012,6 @@
           <a:p>
             <a:fld id="{760FBDFE-C587-4B4C-A407-44438C67B59E}" type="datetimeFigureOut">
               <a:rPr lang="zh-CN" altLang="en-US" smtClean="0"/>
-              <a:t>2023/12/6</a:t>
             </a:fld>
             <a:endParaRPr lang="zh-CN" altLang="en-US"/>
           </a:p>
@@ -2052,7 +2053,6 @@
           <a:p>
             <a:fld id="{49AE70B2-8BF9-45C0-BB95-33D1B9D3A854}" type="slidenum">
               <a:rPr lang="zh-CN" altLang="en-US" smtClean="0"/>
-              <a:t>‹#›</a:t>
             </a:fld>
             <a:endParaRPr lang="zh-CN" altLang="en-US"/>
           </a:p>
@@ -2083,6 +2083,7 @@
               <a:rPr lang="zh-CN" altLang="en-US" dirty="0"/>
               <a:t>单击此处编辑母版文本样式</a:t>
             </a:r>
+            <a:endParaRPr lang="zh-CN" altLang="en-US" dirty="0"/>
           </a:p>
           <a:p>
             <a:pPr lvl="1"/>
@@ -2090,6 +2091,7 @@
               <a:rPr lang="zh-CN" altLang="en-US" dirty="0"/>
               <a:t>第二级</a:t>
             </a:r>
+            <a:endParaRPr lang="zh-CN" altLang="en-US" dirty="0"/>
           </a:p>
           <a:p>
             <a:pPr lvl="2"/>
@@ -2097,6 +2099,7 @@
               <a:rPr lang="zh-CN" altLang="en-US" dirty="0"/>
               <a:t>第三级</a:t>
             </a:r>
+            <a:endParaRPr lang="zh-CN" altLang="en-US" dirty="0"/>
           </a:p>
           <a:p>
             <a:pPr lvl="3"/>
@@ -2104,6 +2107,7 @@
               <a:rPr lang="zh-CN" altLang="en-US" dirty="0"/>
               <a:t>第四级</a:t>
             </a:r>
+            <a:endParaRPr lang="zh-CN" altLang="en-US" dirty="0"/>
           </a:p>
           <a:p>
             <a:pPr lvl="4"/>
@@ -2111,6 +2115,7 @@
               <a:rPr lang="zh-CN" altLang="en-US" dirty="0"/>
               <a:t>第五级</a:t>
             </a:r>
+            <a:endParaRPr lang="zh-CN" altLang="en-US" dirty="0"/>
           </a:p>
         </p:txBody>
       </p:sp>
@@ -2171,6 +2176,7 @@
               <a:rPr lang="zh-CN" altLang="en-US" dirty="0"/>
               <a:t>单击此处编辑母版标题样式</a:t>
             </a:r>
+            <a:endParaRPr lang="zh-CN" altLang="en-US" dirty="0"/>
           </a:p>
         </p:txBody>
       </p:sp>
@@ -2252,6 +2258,7 @@
               <a:rPr lang="zh-CN" altLang="en-US" dirty="0"/>
               <a:t>单击此处编辑母版文本样式</a:t>
             </a:r>
+            <a:endParaRPr lang="zh-CN" altLang="en-US" dirty="0"/>
           </a:p>
           <a:p>
             <a:pPr lvl="1"/>
@@ -2259,6 +2266,7 @@
               <a:rPr lang="zh-CN" altLang="en-US" dirty="0"/>
               <a:t>第二级</a:t>
             </a:r>
+            <a:endParaRPr lang="zh-CN" altLang="en-US" dirty="0"/>
           </a:p>
           <a:p>
             <a:pPr lvl="2"/>
@@ -2266,6 +2274,7 @@
               <a:rPr lang="zh-CN" altLang="en-US" dirty="0"/>
               <a:t>第三级</a:t>
             </a:r>
+            <a:endParaRPr lang="zh-CN" altLang="en-US" dirty="0"/>
           </a:p>
           <a:p>
             <a:pPr lvl="3"/>
@@ -2273,6 +2282,7 @@
               <a:rPr lang="zh-CN" altLang="en-US" dirty="0"/>
               <a:t>第四级</a:t>
             </a:r>
+            <a:endParaRPr lang="zh-CN" altLang="en-US" dirty="0"/>
           </a:p>
           <a:p>
             <a:pPr lvl="4"/>
@@ -2280,6 +2290,7 @@
               <a:rPr lang="zh-CN" altLang="en-US" dirty="0"/>
               <a:t>第五级</a:t>
             </a:r>
+            <a:endParaRPr lang="zh-CN" altLang="en-US" dirty="0"/>
           </a:p>
         </p:txBody>
       </p:sp>
@@ -2300,7 +2311,6 @@
           <a:p>
             <a:fld id="{760FBDFE-C587-4B4C-A407-44438C67B59E}" type="datetimeFigureOut">
               <a:rPr lang="zh-CN" altLang="en-US" smtClean="0"/>
-              <a:t>2023/12/6</a:t>
             </a:fld>
             <a:endParaRPr lang="zh-CN" altLang="en-US"/>
           </a:p>
@@ -2342,7 +2352,6 @@
           <a:p>
             <a:fld id="{49AE70B2-8BF9-45C0-BB95-33D1B9D3A854}" type="slidenum">
               <a:rPr lang="zh-CN" altLang="en-US" smtClean="0"/>
-              <a:t>‹#›</a:t>
             </a:fld>
             <a:endParaRPr lang="zh-CN" altLang="en-US"/>
           </a:p>
@@ -2405,6 +2414,7 @@
               <a:rPr lang="zh-CN" altLang="en-US" dirty="0"/>
               <a:t>单击此处编辑母版标题样式</a:t>
             </a:r>
+            <a:endParaRPr lang="zh-CN" altLang="en-US" dirty="0"/>
           </a:p>
         </p:txBody>
       </p:sp>
@@ -2527,6 +2537,7 @@
               <a:rPr lang="zh-CN" altLang="en-US" dirty="0"/>
               <a:t>单击此处编辑母版文本样式</a:t>
             </a:r>
+            <a:endParaRPr lang="zh-CN" altLang="en-US" dirty="0"/>
           </a:p>
         </p:txBody>
       </p:sp>
@@ -2547,7 +2558,6 @@
           <a:p>
             <a:fld id="{760FBDFE-C587-4B4C-A407-44438C67B59E}" type="datetimeFigureOut">
               <a:rPr lang="zh-CN" altLang="en-US" smtClean="0"/>
-              <a:t>2023/12/6</a:t>
             </a:fld>
             <a:endParaRPr lang="zh-CN" altLang="en-US"/>
           </a:p>
@@ -2589,7 +2599,6 @@
           <a:p>
             <a:fld id="{49AE70B2-8BF9-45C0-BB95-33D1B9D3A854}" type="slidenum">
               <a:rPr lang="zh-CN" altLang="en-US" smtClean="0"/>
-              <a:t>‹#›</a:t>
             </a:fld>
             <a:endParaRPr lang="zh-CN" altLang="en-US"/>
           </a:p>
@@ -2658,6 +2667,7 @@
               <a:rPr lang="zh-CN" altLang="en-US" dirty="0"/>
               <a:t>单击此处编辑母版标题样式</a:t>
             </a:r>
+            <a:endParaRPr lang="zh-CN" altLang="en-US" dirty="0"/>
           </a:p>
         </p:txBody>
       </p:sp>
@@ -2754,6 +2764,7 @@
               <a:rPr lang="zh-CN" altLang="en-US" dirty="0"/>
               <a:t>单击此处编辑母版文本样式</a:t>
             </a:r>
+            <a:endParaRPr lang="zh-CN" altLang="en-US" dirty="0"/>
           </a:p>
           <a:p>
             <a:pPr lvl="1"/>
@@ -2761,6 +2772,7 @@
               <a:rPr lang="zh-CN" altLang="en-US" dirty="0"/>
               <a:t>第二级</a:t>
             </a:r>
+            <a:endParaRPr lang="zh-CN" altLang="en-US" dirty="0"/>
           </a:p>
           <a:p>
             <a:pPr lvl="2"/>
@@ -2768,6 +2780,7 @@
               <a:rPr lang="zh-CN" altLang="en-US" dirty="0"/>
               <a:t>第三级</a:t>
             </a:r>
+            <a:endParaRPr lang="zh-CN" altLang="en-US" dirty="0"/>
           </a:p>
           <a:p>
             <a:pPr lvl="3"/>
@@ -2775,6 +2788,7 @@
               <a:rPr lang="zh-CN" altLang="en-US" dirty="0"/>
               <a:t>第四级</a:t>
             </a:r>
+            <a:endParaRPr lang="zh-CN" altLang="en-US" dirty="0"/>
           </a:p>
           <a:p>
             <a:pPr lvl="4"/>
@@ -2782,6 +2796,7 @@
               <a:rPr lang="zh-CN" altLang="en-US" dirty="0"/>
               <a:t>第五级</a:t>
             </a:r>
+            <a:endParaRPr lang="zh-CN" altLang="en-US" dirty="0"/>
           </a:p>
         </p:txBody>
       </p:sp>
@@ -2878,6 +2893,7 @@
               <a:rPr lang="zh-CN" altLang="en-US" dirty="0"/>
               <a:t>单击此处编辑母版文本样式</a:t>
             </a:r>
+            <a:endParaRPr lang="zh-CN" altLang="en-US" dirty="0"/>
           </a:p>
           <a:p>
             <a:pPr lvl="1"/>
@@ -2885,6 +2901,7 @@
               <a:rPr lang="zh-CN" altLang="en-US" dirty="0"/>
               <a:t>第二级</a:t>
             </a:r>
+            <a:endParaRPr lang="zh-CN" altLang="en-US" dirty="0"/>
           </a:p>
           <a:p>
             <a:pPr lvl="2"/>
@@ -2892,6 +2909,7 @@
               <a:rPr lang="zh-CN" altLang="en-US" dirty="0"/>
               <a:t>第三级</a:t>
             </a:r>
+            <a:endParaRPr lang="zh-CN" altLang="en-US" dirty="0"/>
           </a:p>
           <a:p>
             <a:pPr lvl="3"/>
@@ -2899,6 +2917,7 @@
               <a:rPr lang="zh-CN" altLang="en-US" dirty="0"/>
               <a:t>第四级</a:t>
             </a:r>
+            <a:endParaRPr lang="zh-CN" altLang="en-US" dirty="0"/>
           </a:p>
           <a:p>
             <a:pPr lvl="4"/>
@@ -2906,6 +2925,7 @@
               <a:rPr lang="zh-CN" altLang="en-US" dirty="0"/>
               <a:t>第五级</a:t>
             </a:r>
+            <a:endParaRPr lang="zh-CN" altLang="en-US" dirty="0"/>
           </a:p>
         </p:txBody>
       </p:sp>
@@ -2926,7 +2946,6 @@
           <a:p>
             <a:fld id="{760FBDFE-C587-4B4C-A407-44438C67B59E}" type="datetimeFigureOut">
               <a:rPr lang="zh-CN" altLang="en-US" smtClean="0"/>
-              <a:t>2023/12/6</a:t>
             </a:fld>
             <a:endParaRPr lang="zh-CN" altLang="en-US"/>
           </a:p>
@@ -2968,7 +2987,6 @@
           <a:p>
             <a:fld id="{49AE70B2-8BF9-45C0-BB95-33D1B9D3A854}" type="slidenum">
               <a:rPr lang="zh-CN" altLang="en-US" smtClean="0"/>
-              <a:t>‹#›</a:t>
             </a:fld>
             <a:endParaRPr lang="zh-CN" altLang="en-US"/>
           </a:p>
@@ -3023,6 +3041,7 @@
               <a:rPr lang="zh-CN" altLang="en-US" dirty="0"/>
               <a:t>单击此处编辑母版标题样式</a:t>
             </a:r>
+            <a:endParaRPr lang="zh-CN" altLang="en-US" dirty="0"/>
           </a:p>
         </p:txBody>
       </p:sp>
@@ -3090,6 +3109,7 @@
               <a:rPr lang="zh-CN" altLang="en-US" dirty="0"/>
               <a:t>单击此处编辑母版文本样式</a:t>
             </a:r>
+            <a:endParaRPr lang="zh-CN" altLang="en-US" dirty="0"/>
           </a:p>
         </p:txBody>
       </p:sp>
@@ -3118,6 +3138,7 @@
               <a:rPr lang="zh-CN" altLang="en-US" dirty="0"/>
               <a:t>单击此处编辑母版文本样式</a:t>
             </a:r>
+            <a:endParaRPr lang="zh-CN" altLang="en-US" dirty="0"/>
           </a:p>
           <a:p>
             <a:pPr lvl="1"/>
@@ -3125,6 +3146,7 @@
               <a:rPr lang="zh-CN" altLang="en-US" dirty="0"/>
               <a:t>第二级</a:t>
             </a:r>
+            <a:endParaRPr lang="zh-CN" altLang="en-US" dirty="0"/>
           </a:p>
           <a:p>
             <a:pPr lvl="2"/>
@@ -3132,6 +3154,7 @@
               <a:rPr lang="zh-CN" altLang="en-US" dirty="0"/>
               <a:t>第三级</a:t>
             </a:r>
+            <a:endParaRPr lang="zh-CN" altLang="en-US" dirty="0"/>
           </a:p>
           <a:p>
             <a:pPr lvl="3"/>
@@ -3139,6 +3162,7 @@
               <a:rPr lang="zh-CN" altLang="en-US" dirty="0"/>
               <a:t>第四级</a:t>
             </a:r>
+            <a:endParaRPr lang="zh-CN" altLang="en-US" dirty="0"/>
           </a:p>
           <a:p>
             <a:pPr lvl="4"/>
@@ -3146,6 +3170,7 @@
               <a:rPr lang="zh-CN" altLang="en-US" dirty="0"/>
               <a:t>第五级</a:t>
             </a:r>
+            <a:endParaRPr lang="zh-CN" altLang="en-US" dirty="0"/>
           </a:p>
         </p:txBody>
       </p:sp>
@@ -3213,6 +3238,7 @@
               <a:rPr lang="zh-CN" altLang="en-US" dirty="0"/>
               <a:t>单击此处编辑母版文本样式</a:t>
             </a:r>
+            <a:endParaRPr lang="zh-CN" altLang="en-US" dirty="0"/>
           </a:p>
         </p:txBody>
       </p:sp>
@@ -3241,6 +3267,7 @@
               <a:rPr lang="zh-CN" altLang="en-US" dirty="0"/>
               <a:t>单击此处编辑母版文本样式</a:t>
             </a:r>
+            <a:endParaRPr lang="zh-CN" altLang="en-US" dirty="0"/>
           </a:p>
           <a:p>
             <a:pPr lvl="1"/>
@@ -3248,6 +3275,7 @@
               <a:rPr lang="zh-CN" altLang="en-US" dirty="0"/>
               <a:t>第二级</a:t>
             </a:r>
+            <a:endParaRPr lang="zh-CN" altLang="en-US" dirty="0"/>
           </a:p>
           <a:p>
             <a:pPr lvl="2"/>
@@ -3255,6 +3283,7 @@
               <a:rPr lang="zh-CN" altLang="en-US" dirty="0"/>
               <a:t>第三级</a:t>
             </a:r>
+            <a:endParaRPr lang="zh-CN" altLang="en-US" dirty="0"/>
           </a:p>
           <a:p>
             <a:pPr lvl="3"/>
@@ -3262,6 +3291,7 @@
               <a:rPr lang="zh-CN" altLang="en-US" dirty="0"/>
               <a:t>第四级</a:t>
             </a:r>
+            <a:endParaRPr lang="zh-CN" altLang="en-US" dirty="0"/>
           </a:p>
           <a:p>
             <a:pPr lvl="4"/>
@@ -3269,6 +3299,7 @@
               <a:rPr lang="zh-CN" altLang="en-US" dirty="0"/>
               <a:t>第五级</a:t>
             </a:r>
+            <a:endParaRPr lang="zh-CN" altLang="en-US" dirty="0"/>
           </a:p>
         </p:txBody>
       </p:sp>
@@ -3289,7 +3320,6 @@
           <a:p>
             <a:fld id="{760FBDFE-C587-4B4C-A407-44438C67B59E}" type="datetimeFigureOut">
               <a:rPr lang="zh-CN" altLang="en-US" smtClean="0"/>
-              <a:t>2023/12/6</a:t>
             </a:fld>
             <a:endParaRPr lang="zh-CN" altLang="en-US"/>
           </a:p>
@@ -3331,7 +3361,6 @@
           <a:p>
             <a:fld id="{49AE70B2-8BF9-45C0-BB95-33D1B9D3A854}" type="slidenum">
               <a:rPr lang="zh-CN" altLang="en-US" smtClean="0"/>
-              <a:t>‹#›</a:t>
             </a:fld>
             <a:endParaRPr lang="zh-CN" altLang="en-US"/>
           </a:p>
@@ -3394,6 +3423,7 @@
               <a:rPr lang="zh-CN" altLang="en-US" dirty="0"/>
               <a:t>单击此处编辑母版标题样式</a:t>
             </a:r>
+            <a:endParaRPr lang="zh-CN" altLang="en-US" dirty="0"/>
           </a:p>
         </p:txBody>
       </p:sp>
@@ -3414,7 +3444,6 @@
           <a:p>
             <a:fld id="{760FBDFE-C587-4B4C-A407-44438C67B59E}" type="datetimeFigureOut">
               <a:rPr lang="zh-CN" altLang="en-US" smtClean="0"/>
-              <a:t>2023/12/6</a:t>
             </a:fld>
             <a:endParaRPr lang="zh-CN" altLang="en-US"/>
           </a:p>
@@ -3456,7 +3485,6 @@
           <a:p>
             <a:fld id="{49AE70B2-8BF9-45C0-BB95-33D1B9D3A854}" type="slidenum">
               <a:rPr lang="zh-CN" altLang="en-US" smtClean="0"/>
-              <a:t>‹#›</a:t>
             </a:fld>
             <a:endParaRPr lang="zh-CN" altLang="en-US"/>
           </a:p>
@@ -3504,7 +3532,6 @@
           <a:p>
             <a:fld id="{760FBDFE-C587-4B4C-A407-44438C67B59E}" type="datetimeFigureOut">
               <a:rPr lang="zh-CN" altLang="en-US" smtClean="0"/>
-              <a:t>2023/12/6</a:t>
             </a:fld>
             <a:endParaRPr lang="zh-CN" altLang="en-US"/>
           </a:p>
@@ -3546,7 +3573,6 @@
           <a:p>
             <a:fld id="{49AE70B2-8BF9-45C0-BB95-33D1B9D3A854}" type="slidenum">
               <a:rPr lang="zh-CN" altLang="en-US" smtClean="0"/>
-              <a:t>‹#›</a:t>
             </a:fld>
             <a:endParaRPr lang="zh-CN" altLang="en-US"/>
           </a:p>
@@ -3609,6 +3635,7 @@
               <a:rPr lang="zh-CN" altLang="en-US" dirty="0"/>
               <a:t>单击此处编辑标题</a:t>
             </a:r>
+            <a:endParaRPr lang="zh-CN" altLang="en-US" dirty="0"/>
           </a:p>
         </p:txBody>
       </p:sp>
@@ -3740,6 +3767,7 @@
               <a:rPr lang="zh-CN" altLang="en-US" dirty="0"/>
               <a:t>单击此处编辑母版文本样式</a:t>
             </a:r>
+            <a:endParaRPr lang="zh-CN" altLang="en-US" dirty="0"/>
           </a:p>
         </p:txBody>
       </p:sp>
@@ -3760,7 +3788,6 @@
           <a:p>
             <a:fld id="{9EFD9D74-47D9-4702-A33C-335B63B48DBF}" type="datetimeFigureOut">
               <a:rPr lang="zh-CN" altLang="en-US" smtClean="0"/>
-              <a:t>2023/12/6</a:t>
             </a:fld>
             <a:endParaRPr lang="zh-CN" altLang="en-US" dirty="0"/>
           </a:p>
@@ -3802,7 +3829,6 @@
           <a:p>
             <a:fld id="{FABC47A4-756D-490B-A52F-7D9E2C9FC05F}" type="slidenum">
               <a:rPr lang="zh-CN" altLang="en-US" smtClean="0"/>
-              <a:t>‹#›</a:t>
             </a:fld>
             <a:endParaRPr lang="zh-CN" altLang="en-US"/>
           </a:p>
@@ -3863,6 +3889,7 @@
               <a:rPr lang="zh-CN" altLang="en-US" dirty="0"/>
               <a:t>单击此处编辑母版标题样式</a:t>
             </a:r>
+            <a:endParaRPr lang="zh-CN" altLang="en-US" dirty="0"/>
           </a:p>
         </p:txBody>
       </p:sp>
@@ -3891,6 +3918,7 @@
               <a:rPr lang="zh-CN" altLang="en-US" dirty="0"/>
               <a:t>单击此处编辑母版文本样式</a:t>
             </a:r>
+            <a:endParaRPr lang="zh-CN" altLang="en-US" dirty="0"/>
           </a:p>
           <a:p>
             <a:pPr lvl="1"/>
@@ -3898,6 +3926,7 @@
               <a:rPr lang="zh-CN" altLang="en-US" dirty="0"/>
               <a:t>第二级</a:t>
             </a:r>
+            <a:endParaRPr lang="zh-CN" altLang="en-US" dirty="0"/>
           </a:p>
           <a:p>
             <a:pPr lvl="2"/>
@@ -3905,6 +3934,7 @@
               <a:rPr lang="zh-CN" altLang="en-US" dirty="0"/>
               <a:t>第三级</a:t>
             </a:r>
+            <a:endParaRPr lang="zh-CN" altLang="en-US" dirty="0"/>
           </a:p>
           <a:p>
             <a:pPr lvl="3"/>
@@ -3912,6 +3942,7 @@
               <a:rPr lang="zh-CN" altLang="en-US" dirty="0"/>
               <a:t>第四级</a:t>
             </a:r>
+            <a:endParaRPr lang="zh-CN" altLang="en-US" dirty="0"/>
           </a:p>
           <a:p>
             <a:pPr lvl="4"/>
@@ -3919,6 +3950,7 @@
               <a:rPr lang="zh-CN" altLang="en-US" dirty="0"/>
               <a:t>第五级</a:t>
             </a:r>
+            <a:endParaRPr lang="zh-CN" altLang="en-US" dirty="0"/>
           </a:p>
         </p:txBody>
       </p:sp>
@@ -3939,7 +3971,6 @@
           <a:p>
             <a:fld id="{760FBDFE-C587-4B4C-A407-44438C67B59E}" type="datetimeFigureOut">
               <a:rPr lang="zh-CN" altLang="en-US" smtClean="0"/>
-              <a:t>2023/12/6</a:t>
             </a:fld>
             <a:endParaRPr lang="zh-CN" altLang="en-US"/>
           </a:p>
@@ -3981,7 +4012,6 @@
           <a:p>
             <a:fld id="{49AE70B2-8BF9-45C0-BB95-33D1B9D3A854}" type="slidenum">
               <a:rPr lang="zh-CN" altLang="en-US" smtClean="0"/>
-              <a:t>‹#›</a:t>
             </a:fld>
             <a:endParaRPr lang="zh-CN" altLang="en-US"/>
           </a:p>
@@ -4001,7 +4031,7 @@
     <p:bg>
       <p:bgPr>
         <a:blipFill rotWithShape="1">
-          <a:blip r:embed="rId12"/>
+          <a:blip r:embed="rId11"/>
           <a:stretch>
             <a:fillRect/>
           </a:stretch>
@@ -4052,6 +4082,7 @@
               <a:rPr lang="zh-CN" altLang="en-US" dirty="0"/>
               <a:t>单击此处编辑母版标题样式</a:t>
             </a:r>
+            <a:endParaRPr lang="zh-CN" altLang="en-US" dirty="0"/>
           </a:p>
         </p:txBody>
       </p:sp>
@@ -4085,6 +4116,7 @@
               <a:rPr lang="zh-CN" altLang="en-US" dirty="0"/>
               <a:t>单击此处编辑母版文本样式</a:t>
             </a:r>
+            <a:endParaRPr lang="zh-CN" altLang="en-US" dirty="0"/>
           </a:p>
           <a:p>
             <a:pPr lvl="1"/>
@@ -4092,6 +4124,7 @@
               <a:rPr lang="zh-CN" altLang="en-US" dirty="0"/>
               <a:t>第二级</a:t>
             </a:r>
+            <a:endParaRPr lang="zh-CN" altLang="en-US" dirty="0"/>
           </a:p>
           <a:p>
             <a:pPr lvl="2"/>
@@ -4099,6 +4132,7 @@
               <a:rPr lang="zh-CN" altLang="en-US" dirty="0"/>
               <a:t>第三级</a:t>
             </a:r>
+            <a:endParaRPr lang="zh-CN" altLang="en-US" dirty="0"/>
           </a:p>
           <a:p>
             <a:pPr lvl="3"/>
@@ -4106,6 +4140,7 @@
               <a:rPr lang="zh-CN" altLang="en-US" dirty="0"/>
               <a:t>第四级</a:t>
             </a:r>
+            <a:endParaRPr lang="zh-CN" altLang="en-US" dirty="0"/>
           </a:p>
           <a:p>
             <a:pPr lvl="4"/>
@@ -4113,6 +4148,7 @@
               <a:rPr lang="zh-CN" altLang="en-US" dirty="0"/>
               <a:t>第五级</a:t>
             </a:r>
+            <a:endParaRPr lang="zh-CN" altLang="en-US" dirty="0"/>
           </a:p>
         </p:txBody>
       </p:sp>
@@ -4153,7 +4189,6 @@
           <a:p>
             <a:fld id="{760FBDFE-C587-4B4C-A407-44438C67B59E}" type="datetimeFigureOut">
               <a:rPr lang="zh-CN" altLang="en-US" smtClean="0"/>
-              <a:t>2023/12/6</a:t>
             </a:fld>
             <a:endParaRPr lang="zh-CN" altLang="en-US" dirty="0"/>
           </a:p>
@@ -4235,7 +4270,6 @@
           <a:p>
             <a:fld id="{49AE70B2-8BF9-45C0-BB95-33D1B9D3A854}" type="slidenum">
               <a:rPr lang="zh-CN" altLang="en-US" smtClean="0"/>
-              <a:t>‹#›</a:t>
             </a:fld>
             <a:endParaRPr lang="zh-CN" altLang="en-US"/>
           </a:p>
@@ -4632,7 +4666,7 @@
             <p:nvPr/>
           </p:nvPicPr>
           <p:blipFill>
-            <a:blip r:embed="rId3" cstate="print">
+            <a:blip r:embed="rId1" cstate="print">
               <a:extLst>
                 <a:ext uri="{28A0092B-C50C-407E-A947-70E740481C1C}">
                   <a14:useLocalDpi xmlns:a14="http://schemas.microsoft.com/office/drawing/2010/main" val="0"/>
@@ -4663,7 +4697,7 @@
             <p:nvPr/>
           </p:nvPicPr>
           <p:blipFill>
-            <a:blip r:embed="rId4" cstate="print">
+            <a:blip r:embed="rId2" cstate="print">
               <a:extLst>
                 <a:ext uri="{28A0092B-C50C-407E-A947-70E740481C1C}">
                   <a14:useLocalDpi xmlns:a14="http://schemas.microsoft.com/office/drawing/2010/main" val="0"/>
@@ -4739,6 +4773,20 @@
                 </a:rPr>
                 <a:t>BEIJING UNIVERSITY OF TECHNOLOGY</a:t>
               </a:r>
+              <a:endParaRPr kumimoji="0" lang="en-US" altLang="zh-CN" sz="800" b="1" i="0" u="none" strike="noStrike" kern="1200" cap="none" spc="0" normalizeH="0" baseline="0" noProof="0" dirty="0">
+                <a:ln>
+                  <a:noFill/>
+                </a:ln>
+                <a:solidFill>
+                  <a:srgbClr val="024282"/>
+                </a:solidFill>
+                <a:effectLst/>
+                <a:uLnTx/>
+                <a:uFillTx/>
+                <a:latin typeface="Calibri" panose="020F0502020204030204"/>
+                <a:ea typeface="宋体" pitchFamily="2" charset="-122"/>
+                <a:cs typeface="+mn-cs"/>
+              </a:endParaRPr>
             </a:p>
           </p:txBody>
         </p:sp>
@@ -4798,6 +4846,10 @@
               </a:rPr>
               <a:t>PCL: Proxy-based Contrastive Learning for Domain Generalization</a:t>
             </a:r>
+            <a:endParaRPr lang="zh-CN" altLang="en-US" sz="3600">
+              <a:latin typeface="Times New Roman Regular" panose="02020603050405020304" charset="0"/>
+              <a:cs typeface="Times New Roman Regular" panose="02020603050405020304" charset="0"/>
+            </a:endParaRPr>
           </a:p>
         </p:txBody>
       </p:sp>
@@ -4848,6 +4900,7 @@
               <a:rPr lang="zh-CN" altLang="en-US"/>
               <a:t>日</a:t>
             </a:r>
+            <a:endParaRPr lang="zh-CN" altLang="en-US"/>
           </a:p>
           <a:p>
             <a:pPr algn="ctr"/>
@@ -4855,6 +4908,7 @@
               <a:rPr lang="zh-CN" altLang="en-US"/>
               <a:t>张一鸣</a:t>
             </a:r>
+            <a:endParaRPr lang="zh-CN" altLang="en-US"/>
           </a:p>
         </p:txBody>
       </p:sp>
@@ -4884,6 +4938,7 @@
               <a:rPr lang="zh-CN" altLang="en-US" sz="1600"/>
               <a:t>X. Yao et al., "PCL: Proxy-based Contrastive Learning for Domain Generalization," 2022 IEEE/CVF Conference on Computer Vision and Pattern Recognition (CVPR), New Orleans, LA, USA, 2022, pp. 7087-7097, doi: 10.1109/CVPR52688.2022.00696.</a:t>
             </a:r>
+            <a:endParaRPr lang="zh-CN" altLang="en-US" sz="1600"/>
           </a:p>
         </p:txBody>
       </p:sp>
@@ -4970,7 +5025,7 @@
             <p:nvPr/>
           </p:nvPicPr>
           <p:blipFill>
-            <a:blip r:embed="rId3" cstate="print">
+            <a:blip r:embed="rId1" cstate="print">
               <a:extLst>
                 <a:ext uri="{28A0092B-C50C-407E-A947-70E740481C1C}">
                   <a14:useLocalDpi xmlns:a14="http://schemas.microsoft.com/office/drawing/2010/main" val="0"/>
@@ -5001,7 +5056,7 @@
             <p:nvPr/>
           </p:nvPicPr>
           <p:blipFill>
-            <a:blip r:embed="rId4" cstate="print">
+            <a:blip r:embed="rId2" cstate="print">
               <a:extLst>
                 <a:ext uri="{28A0092B-C50C-407E-A947-70E740481C1C}">
                   <a14:useLocalDpi xmlns:a14="http://schemas.microsoft.com/office/drawing/2010/main" val="0"/>
@@ -5077,6 +5132,20 @@
                 </a:rPr>
                 <a:t>BEIJING UNIVERSITY OF TECHNOLOGY</a:t>
               </a:r>
+              <a:endParaRPr kumimoji="0" lang="en-US" altLang="zh-CN" sz="800" b="1" i="0" u="none" strike="noStrike" kern="1200" cap="none" spc="0" normalizeH="0" baseline="0" noProof="0" dirty="0">
+                <a:ln>
+                  <a:noFill/>
+                </a:ln>
+                <a:solidFill>
+                  <a:srgbClr val="024282"/>
+                </a:solidFill>
+                <a:effectLst/>
+                <a:uLnTx/>
+                <a:uFillTx/>
+                <a:latin typeface="Calibri" panose="020F0502020204030204"/>
+                <a:ea typeface="宋体" pitchFamily="2" charset="-122"/>
+                <a:cs typeface="+mn-cs"/>
+              </a:endParaRPr>
             </a:p>
           </p:txBody>
         </p:sp>
@@ -5116,7 +5185,7 @@
           <p:nvPr/>
         </p:nvPicPr>
         <p:blipFill>
-          <a:blip r:embed="rId5"/>
+          <a:blip r:embed="rId3"/>
           <a:stretch>
             <a:fillRect/>
           </a:stretch>
@@ -5140,7 +5209,7 @@
           <p:nvPr/>
         </p:nvPicPr>
         <p:blipFill>
-          <a:blip r:embed="rId6"/>
+          <a:blip r:embed="rId4"/>
           <a:stretch>
             <a:fillRect/>
           </a:stretch>
@@ -5185,24 +5254,28 @@
               <a:rPr lang="zh-CN" altLang="en-US"/>
               <a:t>的三个输入分别是</a:t>
             </a:r>
+            <a:endParaRPr lang="zh-CN" altLang="en-US"/>
           </a:p>
           <a:p>
             <a:r>
               <a:rPr lang="en-US" altLang="zh-CN"/>
               <a:t>feature</a:t>
             </a:r>
+            <a:endParaRPr lang="en-US" altLang="zh-CN"/>
           </a:p>
           <a:p>
             <a:r>
               <a:rPr lang="en-US" altLang="zh-CN"/>
               <a:t>label</a:t>
             </a:r>
+            <a:endParaRPr lang="en-US" altLang="zh-CN"/>
           </a:p>
           <a:p>
             <a:r>
               <a:rPr lang="en-US" altLang="zh-CN"/>
               <a:t>proxy</a:t>
             </a:r>
+            <a:endParaRPr lang="en-US" altLang="zh-CN"/>
           </a:p>
         </p:txBody>
       </p:sp>
@@ -5215,7 +5288,7 @@
           <p:nvPr/>
         </p:nvPicPr>
         <p:blipFill>
-          <a:blip r:embed="rId7"/>
+          <a:blip r:embed="rId5"/>
           <a:stretch>
             <a:fillRect/>
           </a:stretch>
@@ -5260,6 +5333,7 @@
               <a:rPr lang="zh-CN" altLang="en-US"/>
               <a:t>来源：</a:t>
             </a:r>
+            <a:endParaRPr lang="zh-CN" altLang="en-US"/>
           </a:p>
         </p:txBody>
       </p:sp>
@@ -5346,7 +5420,7 @@
             <p:nvPr/>
           </p:nvPicPr>
           <p:blipFill>
-            <a:blip r:embed="rId3" cstate="print">
+            <a:blip r:embed="rId1" cstate="print">
               <a:extLst>
                 <a:ext uri="{28A0092B-C50C-407E-A947-70E740481C1C}">
                   <a14:useLocalDpi xmlns:a14="http://schemas.microsoft.com/office/drawing/2010/main" val="0"/>
@@ -5377,7 +5451,7 @@
             <p:nvPr/>
           </p:nvPicPr>
           <p:blipFill>
-            <a:blip r:embed="rId4" cstate="print">
+            <a:blip r:embed="rId2" cstate="print">
               <a:extLst>
                 <a:ext uri="{28A0092B-C50C-407E-A947-70E740481C1C}">
                   <a14:useLocalDpi xmlns:a14="http://schemas.microsoft.com/office/drawing/2010/main" val="0"/>
@@ -5453,6 +5527,20 @@
                 </a:rPr>
                 <a:t>BEIJING UNIVERSITY OF TECHNOLOGY</a:t>
               </a:r>
+              <a:endParaRPr kumimoji="0" lang="en-US" altLang="zh-CN" sz="800" b="1" i="0" u="none" strike="noStrike" kern="1200" cap="none" spc="0" normalizeH="0" baseline="0" noProof="0" dirty="0">
+                <a:ln>
+                  <a:noFill/>
+                </a:ln>
+                <a:solidFill>
+                  <a:srgbClr val="024282"/>
+                </a:solidFill>
+                <a:effectLst/>
+                <a:uLnTx/>
+                <a:uFillTx/>
+                <a:latin typeface="Calibri" panose="020F0502020204030204"/>
+                <a:ea typeface="宋体" pitchFamily="2" charset="-122"/>
+                <a:cs typeface="+mn-cs"/>
+              </a:endParaRPr>
             </a:p>
           </p:txBody>
         </p:sp>
@@ -5513,6 +5601,7 @@
               <a:rPr lang="zh-CN" altLang="en-US"/>
               <a:t>的生成：</a:t>
             </a:r>
+            <a:endParaRPr lang="zh-CN" altLang="en-US"/>
           </a:p>
         </p:txBody>
       </p:sp>
@@ -5525,7 +5614,7 @@
           <p:nvPr/>
         </p:nvPicPr>
         <p:blipFill>
-          <a:blip r:embed="rId5"/>
+          <a:blip r:embed="rId3"/>
           <a:stretch>
             <a:fillRect/>
           </a:stretch>
@@ -5549,7 +5638,7 @@
           <p:nvPr/>
         </p:nvPicPr>
         <p:blipFill>
-          <a:blip r:embed="rId6"/>
+          <a:blip r:embed="rId4"/>
           <a:stretch>
             <a:fillRect/>
           </a:stretch>
@@ -5573,7 +5662,7 @@
           <p:nvPr/>
         </p:nvPicPr>
         <p:blipFill>
-          <a:blip r:embed="rId7"/>
+          <a:blip r:embed="rId5"/>
           <a:stretch>
             <a:fillRect/>
           </a:stretch>
@@ -5597,7 +5686,7 @@
           <p:nvPr/>
         </p:nvPicPr>
         <p:blipFill>
-          <a:blip r:embed="rId8"/>
+          <a:blip r:embed="rId6"/>
           <a:stretch>
             <a:fillRect/>
           </a:stretch>
@@ -5662,6 +5751,7 @@
               <a:rPr lang="zh-CN" altLang="en-US"/>
               <a:t>进行计算</a:t>
             </a:r>
+            <a:endParaRPr lang="zh-CN" altLang="en-US"/>
           </a:p>
         </p:txBody>
       </p:sp>
@@ -5748,7 +5838,7 @@
             <p:nvPr/>
           </p:nvPicPr>
           <p:blipFill>
-            <a:blip r:embed="rId3" cstate="print">
+            <a:blip r:embed="rId1" cstate="print">
               <a:extLst>
                 <a:ext uri="{28A0092B-C50C-407E-A947-70E740481C1C}">
                   <a14:useLocalDpi xmlns:a14="http://schemas.microsoft.com/office/drawing/2010/main" val="0"/>
@@ -5779,7 +5869,7 @@
             <p:nvPr/>
           </p:nvPicPr>
           <p:blipFill>
-            <a:blip r:embed="rId4" cstate="print">
+            <a:blip r:embed="rId2" cstate="print">
               <a:extLst>
                 <a:ext uri="{28A0092B-C50C-407E-A947-70E740481C1C}">
                   <a14:useLocalDpi xmlns:a14="http://schemas.microsoft.com/office/drawing/2010/main" val="0"/>
@@ -5855,6 +5945,20 @@
                 </a:rPr>
                 <a:t>BEIJING UNIVERSITY OF TECHNOLOGY</a:t>
               </a:r>
+              <a:endParaRPr kumimoji="0" lang="en-US" altLang="zh-CN" sz="800" b="1" i="0" u="none" strike="noStrike" kern="1200" cap="none" spc="0" normalizeH="0" baseline="0" noProof="0" dirty="0">
+                <a:ln>
+                  <a:noFill/>
+                </a:ln>
+                <a:solidFill>
+                  <a:srgbClr val="024282"/>
+                </a:solidFill>
+                <a:effectLst/>
+                <a:uLnTx/>
+                <a:uFillTx/>
+                <a:latin typeface="Calibri" panose="020F0502020204030204"/>
+                <a:ea typeface="宋体" pitchFamily="2" charset="-122"/>
+                <a:cs typeface="+mn-cs"/>
+              </a:endParaRPr>
             </a:p>
           </p:txBody>
         </p:sp>
@@ -5894,7 +5998,7 @@
           <p:nvPr/>
         </p:nvPicPr>
         <p:blipFill>
-          <a:blip r:embed="rId5"/>
+          <a:blip r:embed="rId3"/>
           <a:stretch>
             <a:fillRect/>
           </a:stretch>
@@ -5918,7 +6022,7 @@
           <p:nvPr/>
         </p:nvPicPr>
         <p:blipFill>
-          <a:blip r:embed="rId6"/>
+          <a:blip r:embed="rId4"/>
           <a:stretch>
             <a:fillRect/>
           </a:stretch>
@@ -6016,7 +6120,7 @@
             <p:nvPr/>
           </p:nvPicPr>
           <p:blipFill>
-            <a:blip r:embed="rId3" cstate="print">
+            <a:blip r:embed="rId1" cstate="print">
               <a:extLst>
                 <a:ext uri="{28A0092B-C50C-407E-A947-70E740481C1C}">
                   <a14:useLocalDpi xmlns:a14="http://schemas.microsoft.com/office/drawing/2010/main" val="0"/>
@@ -6047,7 +6151,7 @@
             <p:nvPr/>
           </p:nvPicPr>
           <p:blipFill>
-            <a:blip r:embed="rId4" cstate="print">
+            <a:blip r:embed="rId2" cstate="print">
               <a:extLst>
                 <a:ext uri="{28A0092B-C50C-407E-A947-70E740481C1C}">
                   <a14:useLocalDpi xmlns:a14="http://schemas.microsoft.com/office/drawing/2010/main" val="0"/>
@@ -6123,6 +6227,20 @@
                 </a:rPr>
                 <a:t>BEIJING UNIVERSITY OF TECHNOLOGY</a:t>
               </a:r>
+              <a:endParaRPr kumimoji="0" lang="en-US" altLang="zh-CN" sz="800" b="1" i="0" u="none" strike="noStrike" kern="1200" cap="none" spc="0" normalizeH="0" baseline="0" noProof="0" dirty="0">
+                <a:ln>
+                  <a:noFill/>
+                </a:ln>
+                <a:solidFill>
+                  <a:srgbClr val="024282"/>
+                </a:solidFill>
+                <a:effectLst/>
+                <a:uLnTx/>
+                <a:uFillTx/>
+                <a:latin typeface="Calibri" panose="020F0502020204030204"/>
+                <a:ea typeface="宋体" pitchFamily="2" charset="-122"/>
+                <a:cs typeface="+mn-cs"/>
+              </a:endParaRPr>
             </a:p>
           </p:txBody>
         </p:sp>
@@ -6162,7 +6280,7 @@
           <p:nvPr/>
         </p:nvPicPr>
         <p:blipFill>
-          <a:blip r:embed="rId5"/>
+          <a:blip r:embed="rId3"/>
           <a:stretch>
             <a:fillRect/>
           </a:stretch>
@@ -6203,18 +6321,21 @@
               <a:rPr lang="en-US" altLang="zh-CN"/>
               <a:t>feature:  256*128</a:t>
             </a:r>
+            <a:endParaRPr lang="en-US" altLang="zh-CN"/>
           </a:p>
           <a:p>
             <a:r>
               <a:rPr lang="en-US" altLang="zh-CN"/>
               <a:t>proxy:    10*128</a:t>
             </a:r>
+            <a:endParaRPr lang="en-US" altLang="zh-CN"/>
           </a:p>
           <a:p>
             <a:r>
               <a:rPr lang="en-US" altLang="zh-CN"/>
               <a:t>pred:      256*10</a:t>
             </a:r>
+            <a:endParaRPr lang="en-US" altLang="zh-CN"/>
           </a:p>
         </p:txBody>
       </p:sp>
@@ -6227,7 +6348,7 @@
           <p:nvPr/>
         </p:nvPicPr>
         <p:blipFill>
-          <a:blip r:embed="rId6"/>
+          <a:blip r:embed="rId4"/>
           <a:stretch>
             <a:fillRect/>
           </a:stretch>
@@ -6325,7 +6446,7 @@
             <p:nvPr/>
           </p:nvPicPr>
           <p:blipFill>
-            <a:blip r:embed="rId3" cstate="print">
+            <a:blip r:embed="rId1" cstate="print">
               <a:extLst>
                 <a:ext uri="{28A0092B-C50C-407E-A947-70E740481C1C}">
                   <a14:useLocalDpi xmlns:a14="http://schemas.microsoft.com/office/drawing/2010/main" val="0"/>
@@ -6356,7 +6477,7 @@
             <p:nvPr/>
           </p:nvPicPr>
           <p:blipFill>
-            <a:blip r:embed="rId4" cstate="print">
+            <a:blip r:embed="rId2" cstate="print">
               <a:extLst>
                 <a:ext uri="{28A0092B-C50C-407E-A947-70E740481C1C}">
                   <a14:useLocalDpi xmlns:a14="http://schemas.microsoft.com/office/drawing/2010/main" val="0"/>
@@ -6432,6 +6553,20 @@
                 </a:rPr>
                 <a:t>BEIJING UNIVERSITY OF TECHNOLOGY</a:t>
               </a:r>
+              <a:endParaRPr kumimoji="0" lang="en-US" altLang="zh-CN" sz="800" b="1" i="0" u="none" strike="noStrike" kern="1200" cap="none" spc="0" normalizeH="0" baseline="0" noProof="0" dirty="0">
+                <a:ln>
+                  <a:noFill/>
+                </a:ln>
+                <a:solidFill>
+                  <a:srgbClr val="024282"/>
+                </a:solidFill>
+                <a:effectLst/>
+                <a:uLnTx/>
+                <a:uFillTx/>
+                <a:latin typeface="Calibri" panose="020F0502020204030204"/>
+                <a:ea typeface="宋体" pitchFamily="2" charset="-122"/>
+                <a:cs typeface="+mn-cs"/>
+              </a:endParaRPr>
             </a:p>
           </p:txBody>
         </p:sp>
@@ -6513,6 +6648,7 @@
               <a:rPr lang="zh-CN" altLang="en-US"/>
               <a:t>的自相似性矩阵，</a:t>
             </a:r>
+            <a:endParaRPr lang="zh-CN" altLang="en-US"/>
           </a:p>
           <a:p>
             <a:pPr algn="l">
@@ -6524,6 +6660,7 @@
               <a:rPr lang="zh-CN" altLang="en-US"/>
               <a:t>其中 (i, j) 位置的元素表示第 i 个样本与第 j 个样本的相似性。</a:t>
             </a:r>
+            <a:endParaRPr lang="zh-CN" altLang="en-US"/>
           </a:p>
           <a:p>
             <a:pPr algn="l">
@@ -6543,6 +6680,7 @@
               <a:rPr lang="en-US" altLang="zh-CN"/>
               <a:t>label_matrix: label_matrix 是一个 (N, N) 的布尔类型矩阵，</a:t>
             </a:r>
+            <a:endParaRPr lang="en-US" altLang="zh-CN"/>
           </a:p>
           <a:p>
             <a:pPr algn="l">
@@ -6554,6 +6692,7 @@
               <a:rPr lang="en-US" altLang="zh-CN"/>
               <a:t>用于表示目标张量中不同位置的元素是否相等,</a:t>
             </a:r>
+            <a:endParaRPr lang="en-US" altLang="zh-CN"/>
           </a:p>
           <a:p>
             <a:pPr algn="l">
@@ -6565,6 +6704,7 @@
               <a:rPr lang="en-US" altLang="zh-CN"/>
               <a:t>其中 label_matrix[i, j] 表示目标张量中第 i 个元素与第 j 个元素是否相等。</a:t>
             </a:r>
+            <a:endParaRPr lang="en-US" altLang="zh-CN"/>
           </a:p>
           <a:p>
             <a:pPr algn="l">
@@ -6600,6 +6740,7 @@
               <a:rPr lang="en-US" altLang="zh-CN"/>
               <a:t>1</a:t>
             </a:r>
+            <a:endParaRPr lang="en-US" altLang="zh-CN"/>
           </a:p>
         </p:txBody>
       </p:sp>
@@ -6612,7 +6753,7 @@
           <p:nvPr/>
         </p:nvPicPr>
         <p:blipFill>
-          <a:blip r:embed="rId5"/>
+          <a:blip r:embed="rId3"/>
           <a:stretch>
             <a:fillRect/>
           </a:stretch>
@@ -6710,7 +6851,7 @@
             <p:nvPr/>
           </p:nvPicPr>
           <p:blipFill>
-            <a:blip r:embed="rId3" cstate="print">
+            <a:blip r:embed="rId1" cstate="print">
               <a:extLst>
                 <a:ext uri="{28A0092B-C50C-407E-A947-70E740481C1C}">
                   <a14:useLocalDpi xmlns:a14="http://schemas.microsoft.com/office/drawing/2010/main" val="0"/>
@@ -6741,7 +6882,7 @@
             <p:nvPr/>
           </p:nvPicPr>
           <p:blipFill>
-            <a:blip r:embed="rId4" cstate="print">
+            <a:blip r:embed="rId2" cstate="print">
               <a:extLst>
                 <a:ext uri="{28A0092B-C50C-407E-A947-70E740481C1C}">
                   <a14:useLocalDpi xmlns:a14="http://schemas.microsoft.com/office/drawing/2010/main" val="0"/>
@@ -6817,6 +6958,20 @@
                 </a:rPr>
                 <a:t>BEIJING UNIVERSITY OF TECHNOLOGY</a:t>
               </a:r>
+              <a:endParaRPr kumimoji="0" lang="en-US" altLang="zh-CN" sz="800" b="1" i="0" u="none" strike="noStrike" kern="1200" cap="none" spc="0" normalizeH="0" baseline="0" noProof="0" dirty="0">
+                <a:ln>
+                  <a:noFill/>
+                </a:ln>
+                <a:solidFill>
+                  <a:srgbClr val="024282"/>
+                </a:solidFill>
+                <a:effectLst/>
+                <a:uLnTx/>
+                <a:uFillTx/>
+                <a:latin typeface="Calibri" panose="020F0502020204030204"/>
+                <a:ea typeface="宋体" pitchFamily="2" charset="-122"/>
+                <a:cs typeface="+mn-cs"/>
+              </a:endParaRPr>
             </a:p>
           </p:txBody>
         </p:sp>
@@ -6856,7 +7011,7 @@
           <p:nvPr/>
         </p:nvPicPr>
         <p:blipFill>
-          <a:blip r:embed="rId5"/>
+          <a:blip r:embed="rId3"/>
           <a:stretch>
             <a:fillRect/>
           </a:stretch>
@@ -6913,6 +7068,7 @@
               <a:rPr lang="zh-CN" altLang="en-US"/>
               <a:t>的值取负无穷</a:t>
             </a:r>
+            <a:endParaRPr lang="zh-CN" altLang="en-US"/>
           </a:p>
         </p:txBody>
       </p:sp>
@@ -6925,7 +7081,7 @@
           <p:nvPr/>
         </p:nvPicPr>
         <p:blipFill>
-          <a:blip r:embed="rId6"/>
+          <a:blip r:embed="rId4"/>
           <a:stretch>
             <a:fillRect/>
           </a:stretch>
@@ -7002,6 +7158,7 @@
               <a:rPr lang="en-US" altLang="zh-CN"/>
               <a:t>nll loss</a:t>
             </a:r>
+            <a:endParaRPr lang="en-US" altLang="zh-CN"/>
           </a:p>
         </p:txBody>
       </p:sp>
@@ -7088,7 +7245,7 @@
             <p:nvPr/>
           </p:nvPicPr>
           <p:blipFill>
-            <a:blip r:embed="rId3" cstate="print">
+            <a:blip r:embed="rId1" cstate="print">
               <a:extLst>
                 <a:ext uri="{28A0092B-C50C-407E-A947-70E740481C1C}">
                   <a14:useLocalDpi xmlns:a14="http://schemas.microsoft.com/office/drawing/2010/main" val="0"/>
@@ -7119,7 +7276,7 @@
             <p:nvPr/>
           </p:nvPicPr>
           <p:blipFill>
-            <a:blip r:embed="rId4" cstate="print">
+            <a:blip r:embed="rId2" cstate="print">
               <a:extLst>
                 <a:ext uri="{28A0092B-C50C-407E-A947-70E740481C1C}">
                   <a14:useLocalDpi xmlns:a14="http://schemas.microsoft.com/office/drawing/2010/main" val="0"/>
@@ -7195,6 +7352,20 @@
                 </a:rPr>
                 <a:t>BEIJING UNIVERSITY OF TECHNOLOGY</a:t>
               </a:r>
+              <a:endParaRPr kumimoji="0" lang="en-US" altLang="zh-CN" sz="800" b="1" i="0" u="none" strike="noStrike" kern="1200" cap="none" spc="0" normalizeH="0" baseline="0" noProof="0" dirty="0">
+                <a:ln>
+                  <a:noFill/>
+                </a:ln>
+                <a:solidFill>
+                  <a:srgbClr val="024282"/>
+                </a:solidFill>
+                <a:effectLst/>
+                <a:uLnTx/>
+                <a:uFillTx/>
+                <a:latin typeface="Calibri" panose="020F0502020204030204"/>
+                <a:ea typeface="宋体" pitchFamily="2" charset="-122"/>
+                <a:cs typeface="+mn-cs"/>
+              </a:endParaRPr>
             </a:p>
           </p:txBody>
         </p:sp>
@@ -7225,25 +7396,20 @@
               <a:rPr lang="zh-CN" altLang="en-US" sz="4000" dirty="0"/>
               <a:t>结果</a:t>
             </a:r>
+            <a:endParaRPr lang="zh-CN" altLang="en-US" sz="4000" dirty="0"/>
           </a:p>
         </p:txBody>
       </p:sp>
       <p:pic>
         <p:nvPicPr>
-          <p:cNvPr id="9" name="图片 8">
-            <a:extLst>
-              <a:ext uri="{FF2B5EF4-FFF2-40B4-BE49-F238E27FC236}">
-                <a16:creationId xmlns:a16="http://schemas.microsoft.com/office/drawing/2014/main" id="{2875FF62-75BA-9D0F-C74E-7242A6C3B95B}"/>
-              </a:ext>
-            </a:extLst>
-          </p:cNvPr>
+          <p:cNvPr id="9" name="图片 8"/>
           <p:cNvPicPr>
             <a:picLocks noChangeAspect="1"/>
           </p:cNvPicPr>
           <p:nvPr/>
         </p:nvPicPr>
         <p:blipFill>
-          <a:blip r:embed="rId5"/>
+          <a:blip r:embed="rId3"/>
           <a:stretch>
             <a:fillRect/>
           </a:stretch>
@@ -7260,20 +7426,14 @@
       </p:pic>
       <p:pic>
         <p:nvPicPr>
-          <p:cNvPr id="13" name="图片 12">
-            <a:extLst>
-              <a:ext uri="{FF2B5EF4-FFF2-40B4-BE49-F238E27FC236}">
-                <a16:creationId xmlns:a16="http://schemas.microsoft.com/office/drawing/2014/main" id="{DE2FD99A-6B44-ED51-03B5-4501075399D4}"/>
-              </a:ext>
-            </a:extLst>
-          </p:cNvPr>
+          <p:cNvPr id="13" name="图片 12"/>
           <p:cNvPicPr>
             <a:picLocks noChangeAspect="1"/>
           </p:cNvPicPr>
           <p:nvPr/>
         </p:nvPicPr>
         <p:blipFill>
-          <a:blip r:embed="rId6"/>
+          <a:blip r:embed="rId4"/>
           <a:stretch>
             <a:fillRect/>
           </a:stretch>
@@ -7289,11 +7449,6 @@
         </p:spPr>
       </p:pic>
     </p:spTree>
-    <p:extLst>
-      <p:ext uri="{BB962C8B-B14F-4D97-AF65-F5344CB8AC3E}">
-        <p14:creationId xmlns:p14="http://schemas.microsoft.com/office/powerpoint/2010/main" val="2487015405"/>
-      </p:ext>
-    </p:extLst>
   </p:cSld>
   <p:clrMapOvr>
     <a:masterClrMapping/>
@@ -7376,7 +7531,7 @@
             <p:nvPr/>
           </p:nvPicPr>
           <p:blipFill>
-            <a:blip r:embed="rId3" cstate="print">
+            <a:blip r:embed="rId1" cstate="print">
               <a:extLst>
                 <a:ext uri="{28A0092B-C50C-407E-A947-70E740481C1C}">
                   <a14:useLocalDpi xmlns:a14="http://schemas.microsoft.com/office/drawing/2010/main" val="0"/>
@@ -7407,7 +7562,7 @@
             <p:nvPr/>
           </p:nvPicPr>
           <p:blipFill>
-            <a:blip r:embed="rId4" cstate="print">
+            <a:blip r:embed="rId2" cstate="print">
               <a:extLst>
                 <a:ext uri="{28A0092B-C50C-407E-A947-70E740481C1C}">
                   <a14:useLocalDpi xmlns:a14="http://schemas.microsoft.com/office/drawing/2010/main" val="0"/>
@@ -7483,6 +7638,20 @@
                 </a:rPr>
                 <a:t>BEIJING UNIVERSITY OF TECHNOLOGY</a:t>
               </a:r>
+              <a:endParaRPr kumimoji="0" lang="en-US" altLang="zh-CN" sz="800" b="1" i="0" u="none" strike="noStrike" kern="1200" cap="none" spc="0" normalizeH="0" baseline="0" noProof="0" dirty="0">
+                <a:ln>
+                  <a:noFill/>
+                </a:ln>
+                <a:solidFill>
+                  <a:srgbClr val="024282"/>
+                </a:solidFill>
+                <a:effectLst/>
+                <a:uLnTx/>
+                <a:uFillTx/>
+                <a:latin typeface="Calibri" panose="020F0502020204030204"/>
+                <a:ea typeface="宋体" pitchFamily="2" charset="-122"/>
+                <a:cs typeface="+mn-cs"/>
+              </a:endParaRPr>
             </a:p>
           </p:txBody>
         </p:sp>
@@ -7515,20 +7684,14 @@
       </p:sp>
       <p:pic>
         <p:nvPicPr>
-          <p:cNvPr id="4" name="图片 3">
-            <a:extLst>
-              <a:ext uri="{FF2B5EF4-FFF2-40B4-BE49-F238E27FC236}">
-                <a16:creationId xmlns:a16="http://schemas.microsoft.com/office/drawing/2014/main" id="{A99488D1-84D0-7837-F2CD-F27989AAC5C5}"/>
-              </a:ext>
-            </a:extLst>
-          </p:cNvPr>
+          <p:cNvPr id="4" name="图片 3"/>
           <p:cNvPicPr>
             <a:picLocks noChangeAspect="1"/>
           </p:cNvPicPr>
           <p:nvPr/>
         </p:nvPicPr>
         <p:blipFill>
-          <a:blip r:embed="rId5"/>
+          <a:blip r:embed="rId3"/>
           <a:stretch>
             <a:fillRect/>
           </a:stretch>
@@ -7545,20 +7708,14 @@
       </p:pic>
       <p:pic>
         <p:nvPicPr>
-          <p:cNvPr id="6" name="图片 5">
-            <a:extLst>
-              <a:ext uri="{FF2B5EF4-FFF2-40B4-BE49-F238E27FC236}">
-                <a16:creationId xmlns:a16="http://schemas.microsoft.com/office/drawing/2014/main" id="{ADC39D0C-550D-9D1B-7CC9-4529960295A4}"/>
-              </a:ext>
-            </a:extLst>
-          </p:cNvPr>
+          <p:cNvPr id="6" name="图片 5"/>
           <p:cNvPicPr>
             <a:picLocks noChangeAspect="1"/>
           </p:cNvPicPr>
           <p:nvPr/>
         </p:nvPicPr>
         <p:blipFill>
-          <a:blip r:embed="rId6"/>
+          <a:blip r:embed="rId4"/>
           <a:stretch>
             <a:fillRect/>
           </a:stretch>
@@ -7574,11 +7731,6 @@
         </p:spPr>
       </p:pic>
     </p:spTree>
-    <p:extLst>
-      <p:ext uri="{BB962C8B-B14F-4D97-AF65-F5344CB8AC3E}">
-        <p14:creationId xmlns:p14="http://schemas.microsoft.com/office/powerpoint/2010/main" val="2469637344"/>
-      </p:ext>
-    </p:extLst>
   </p:cSld>
   <p:clrMapOvr>
     <a:masterClrMapping/>
@@ -7661,7 +7813,7 @@
             <p:nvPr/>
           </p:nvPicPr>
           <p:blipFill>
-            <a:blip r:embed="rId3" cstate="print">
+            <a:blip r:embed="rId1" cstate="print">
               <a:extLst>
                 <a:ext uri="{28A0092B-C50C-407E-A947-70E740481C1C}">
                   <a14:useLocalDpi xmlns:a14="http://schemas.microsoft.com/office/drawing/2010/main" val="0"/>
@@ -7692,7 +7844,7 @@
             <p:nvPr/>
           </p:nvPicPr>
           <p:blipFill>
-            <a:blip r:embed="rId4" cstate="print">
+            <a:blip r:embed="rId2" cstate="print">
               <a:extLst>
                 <a:ext uri="{28A0092B-C50C-407E-A947-70E740481C1C}">
                   <a14:useLocalDpi xmlns:a14="http://schemas.microsoft.com/office/drawing/2010/main" val="0"/>
@@ -7768,6 +7920,20 @@
                 </a:rPr>
                 <a:t>BEIJING UNIVERSITY OF TECHNOLOGY</a:t>
               </a:r>
+              <a:endParaRPr kumimoji="0" lang="en-US" altLang="zh-CN" sz="800" b="1" i="0" u="none" strike="noStrike" kern="1200" cap="none" spc="0" normalizeH="0" baseline="0" noProof="0" dirty="0">
+                <a:ln>
+                  <a:noFill/>
+                </a:ln>
+                <a:solidFill>
+                  <a:srgbClr val="024282"/>
+                </a:solidFill>
+                <a:effectLst/>
+                <a:uLnTx/>
+                <a:uFillTx/>
+                <a:latin typeface="Calibri" panose="020F0502020204030204"/>
+                <a:ea typeface="宋体" pitchFamily="2" charset="-122"/>
+                <a:cs typeface="+mn-cs"/>
+              </a:endParaRPr>
             </a:p>
           </p:txBody>
         </p:sp>
@@ -7799,11 +7965,6 @@
         </p:txBody>
       </p:sp>
     </p:spTree>
-    <p:extLst>
-      <p:ext uri="{BB962C8B-B14F-4D97-AF65-F5344CB8AC3E}">
-        <p14:creationId xmlns:p14="http://schemas.microsoft.com/office/powerpoint/2010/main" val="2554608731"/>
-      </p:ext>
-    </p:extLst>
   </p:cSld>
   <p:clrMapOvr>
     <a:masterClrMapping/>
@@ -7886,7 +8047,7 @@
             <p:nvPr/>
           </p:nvPicPr>
           <p:blipFill>
-            <a:blip r:embed="rId3" cstate="print">
+            <a:blip r:embed="rId1" cstate="print">
               <a:extLst>
                 <a:ext uri="{28A0092B-C50C-407E-A947-70E740481C1C}">
                   <a14:useLocalDpi xmlns:a14="http://schemas.microsoft.com/office/drawing/2010/main" val="0"/>
@@ -7917,7 +8078,7 @@
             <p:nvPr/>
           </p:nvPicPr>
           <p:blipFill>
-            <a:blip r:embed="rId4" cstate="print">
+            <a:blip r:embed="rId2" cstate="print">
               <a:extLst>
                 <a:ext uri="{28A0092B-C50C-407E-A947-70E740481C1C}">
                   <a14:useLocalDpi xmlns:a14="http://schemas.microsoft.com/office/drawing/2010/main" val="0"/>
@@ -7993,6 +8154,20 @@
                 </a:rPr>
                 <a:t>BEIJING UNIVERSITY OF TECHNOLOGY</a:t>
               </a:r>
+              <a:endParaRPr kumimoji="0" lang="en-US" altLang="zh-CN" sz="800" b="1" i="0" u="none" strike="noStrike" kern="1200" cap="none" spc="0" normalizeH="0" baseline="0" noProof="0" dirty="0">
+                <a:ln>
+                  <a:noFill/>
+                </a:ln>
+                <a:solidFill>
+                  <a:srgbClr val="024282"/>
+                </a:solidFill>
+                <a:effectLst/>
+                <a:uLnTx/>
+                <a:uFillTx/>
+                <a:latin typeface="Calibri" panose="020F0502020204030204"/>
+                <a:ea typeface="宋体" pitchFamily="2" charset="-122"/>
+                <a:cs typeface="+mn-cs"/>
+              </a:endParaRPr>
             </a:p>
           </p:txBody>
         </p:sp>
@@ -8025,13 +8200,7 @@
       </p:sp>
       <p:sp>
         <p:nvSpPr>
-          <p:cNvPr id="4" name="文本框 3">
-            <a:extLst>
-              <a:ext uri="{FF2B5EF4-FFF2-40B4-BE49-F238E27FC236}">
-                <a16:creationId xmlns:a16="http://schemas.microsoft.com/office/drawing/2014/main" id="{EA59649E-EE3D-8B4D-5574-2F69C24D9BD6}"/>
-              </a:ext>
-            </a:extLst>
-          </p:cNvPr>
+          <p:cNvPr id="4" name="文本框 3"/>
           <p:cNvSpPr txBox="1"/>
           <p:nvPr/>
         </p:nvSpPr>
@@ -8275,7 +8444,7 @@
             <p:nvPr/>
           </p:nvPicPr>
           <p:blipFill>
-            <a:blip r:embed="rId3" cstate="print">
+            <a:blip r:embed="rId1" cstate="print">
               <a:extLst>
                 <a:ext uri="{28A0092B-C50C-407E-A947-70E740481C1C}">
                   <a14:useLocalDpi xmlns:a14="http://schemas.microsoft.com/office/drawing/2010/main" val="0"/>
@@ -8306,7 +8475,7 @@
             <p:nvPr/>
           </p:nvPicPr>
           <p:blipFill>
-            <a:blip r:embed="rId4" cstate="print">
+            <a:blip r:embed="rId2" cstate="print">
               <a:extLst>
                 <a:ext uri="{28A0092B-C50C-407E-A947-70E740481C1C}">
                   <a14:useLocalDpi xmlns:a14="http://schemas.microsoft.com/office/drawing/2010/main" val="0"/>
@@ -8382,6 +8551,20 @@
                 </a:rPr>
                 <a:t>BEIJING UNIVERSITY OF TECHNOLOGY</a:t>
               </a:r>
+              <a:endParaRPr kumimoji="0" lang="en-US" altLang="zh-CN" sz="800" b="1" i="0" u="none" strike="noStrike" kern="1200" cap="none" spc="0" normalizeH="0" baseline="0" noProof="0" dirty="0">
+                <a:ln>
+                  <a:noFill/>
+                </a:ln>
+                <a:solidFill>
+                  <a:srgbClr val="024282"/>
+                </a:solidFill>
+                <a:effectLst/>
+                <a:uLnTx/>
+                <a:uFillTx/>
+                <a:latin typeface="Calibri" panose="020F0502020204030204"/>
+                <a:ea typeface="宋体" pitchFamily="2" charset="-122"/>
+                <a:cs typeface="+mn-cs"/>
+              </a:endParaRPr>
             </a:p>
           </p:txBody>
         </p:sp>
@@ -8438,6 +8621,7 @@
               <a:rPr lang="zh-CN" altLang="en-US" dirty="0"/>
               <a:t>传统的基于对比的损失利用样本对间的关系来优化模型，其中来自同类不同域的样本可以被视为正样本对。</a:t>
             </a:r>
+            <a:endParaRPr lang="zh-CN" altLang="en-US" dirty="0"/>
           </a:p>
         </p:txBody>
       </p:sp>
@@ -8450,7 +8634,7 @@
           <p:nvPr/>
         </p:nvPicPr>
         <p:blipFill>
-          <a:blip r:embed="rId5"/>
+          <a:blip r:embed="rId3"/>
           <a:stretch>
             <a:fillRect/>
           </a:stretch>
@@ -8467,20 +8651,14 @@
       </p:pic>
       <p:pic>
         <p:nvPicPr>
-          <p:cNvPr id="5" name="图片 4">
-            <a:extLst>
-              <a:ext uri="{FF2B5EF4-FFF2-40B4-BE49-F238E27FC236}">
-                <a16:creationId xmlns:a16="http://schemas.microsoft.com/office/drawing/2014/main" id="{AC99976A-5D88-95BF-E233-286FCEAF9031}"/>
-              </a:ext>
-            </a:extLst>
-          </p:cNvPr>
+          <p:cNvPr id="5" name="图片 4"/>
           <p:cNvPicPr>
             <a:picLocks noChangeAspect="1"/>
           </p:cNvPicPr>
           <p:nvPr/>
         </p:nvPicPr>
         <p:blipFill>
-          <a:blip r:embed="rId6"/>
+          <a:blip r:embed="rId4"/>
           <a:stretch>
             <a:fillRect/>
           </a:stretch>
@@ -8578,7 +8756,7 @@
             <p:nvPr/>
           </p:nvPicPr>
           <p:blipFill>
-            <a:blip r:embed="rId3" cstate="print">
+            <a:blip r:embed="rId1" cstate="print">
               <a:extLst>
                 <a:ext uri="{28A0092B-C50C-407E-A947-70E740481C1C}">
                   <a14:useLocalDpi xmlns:a14="http://schemas.microsoft.com/office/drawing/2010/main" val="0"/>
@@ -8609,7 +8787,7 @@
             <p:nvPr/>
           </p:nvPicPr>
           <p:blipFill>
-            <a:blip r:embed="rId4" cstate="print">
+            <a:blip r:embed="rId2" cstate="print">
               <a:extLst>
                 <a:ext uri="{28A0092B-C50C-407E-A947-70E740481C1C}">
                   <a14:useLocalDpi xmlns:a14="http://schemas.microsoft.com/office/drawing/2010/main" val="0"/>
@@ -8685,6 +8863,20 @@
                 </a:rPr>
                 <a:t>BEIJING UNIVERSITY OF TECHNOLOGY</a:t>
               </a:r>
+              <a:endParaRPr kumimoji="0" lang="en-US" altLang="zh-CN" sz="800" b="1" i="0" u="none" strike="noStrike" kern="1200" cap="none" spc="0" normalizeH="0" baseline="0" noProof="0" dirty="0">
+                <a:ln>
+                  <a:noFill/>
+                </a:ln>
+                <a:solidFill>
+                  <a:srgbClr val="024282"/>
+                </a:solidFill>
+                <a:effectLst/>
+                <a:uLnTx/>
+                <a:uFillTx/>
+                <a:latin typeface="Calibri" panose="020F0502020204030204"/>
+                <a:ea typeface="宋体" pitchFamily="2" charset="-122"/>
+                <a:cs typeface="+mn-cs"/>
+              </a:endParaRPr>
             </a:p>
           </p:txBody>
         </p:sp>
@@ -8724,14 +8916,14 @@
           <p:nvPr/>
         </p:nvPicPr>
         <p:blipFill>
-          <a:blip r:embed="rId5"/>
+          <a:blip r:embed="rId3"/>
           <a:stretch>
             <a:fillRect/>
           </a:stretch>
         </p:blipFill>
         <p:spPr>
           <a:xfrm>
-            <a:off x="770890" y="2946400"/>
+            <a:off x="901700" y="2150745"/>
             <a:ext cx="6606540" cy="3326765"/>
           </a:xfrm>
           <a:prstGeom prst="rect">
@@ -8748,7 +8940,7 @@
         <p:spPr>
           <a:xfrm>
             <a:off x="1187450" y="894715"/>
-            <a:ext cx="9084945" cy="923330"/>
+            <a:ext cx="9084945" cy="922020"/>
           </a:xfrm>
           <a:prstGeom prst="rect">
             <a:avLst/>
@@ -8763,10 +8955,26 @@
           <a:p>
             <a:r>
               <a:rPr lang="zh-CN" altLang="en-US" dirty="0"/>
-              <a:t>我们试图从基于代理的方法来解决这个问题。代理可以被视为子数据集的代表，理想情况下对噪声样本或异常值更具鲁棒性。一种常见的基于代理的方法是</a:t>
-            </a:r>
-          </a:p>
-          <a:p>
+              <a:t>为了解决对比学习带来的正对齐问题，作者</a:t>
+            </a:r>
+            <a:r>
+              <a:rPr lang="zh-CN" altLang="en-US" dirty="0"/>
+              <a:t>提出从基于代理的方法来解决这个问题。</a:t>
+            </a:r>
+            <a:endParaRPr lang="zh-CN" altLang="en-US" dirty="0"/>
+          </a:p>
+          <a:p>
+            <a:r>
+              <a:rPr lang="zh-CN" altLang="en-US" dirty="0"/>
+              <a:t>代理可以被视为子数据集的代表，理想情况下对噪声样本或异常值更具鲁棒性。</a:t>
+            </a:r>
+            <a:endParaRPr lang="zh-CN" altLang="en-US" dirty="0"/>
+          </a:p>
+          <a:p>
+            <a:r>
+              <a:rPr lang="zh-CN" altLang="en-US" dirty="0"/>
+              <a:t>一种常见的基于代理的方法是</a:t>
+            </a:r>
             <a:r>
               <a:rPr lang="en-US" altLang="zh-CN" dirty="0" err="1"/>
               <a:t>softmax</a:t>
@@ -8866,7 +9074,7 @@
             <p:nvPr/>
           </p:nvPicPr>
           <p:blipFill>
-            <a:blip r:embed="rId3" cstate="print">
+            <a:blip r:embed="rId1" cstate="print">
               <a:extLst>
                 <a:ext uri="{28A0092B-C50C-407E-A947-70E740481C1C}">
                   <a14:useLocalDpi xmlns:a14="http://schemas.microsoft.com/office/drawing/2010/main" val="0"/>
@@ -8897,7 +9105,7 @@
             <p:nvPr/>
           </p:nvPicPr>
           <p:blipFill>
-            <a:blip r:embed="rId4" cstate="print">
+            <a:blip r:embed="rId2" cstate="print">
               <a:extLst>
                 <a:ext uri="{28A0092B-C50C-407E-A947-70E740481C1C}">
                   <a14:useLocalDpi xmlns:a14="http://schemas.microsoft.com/office/drawing/2010/main" val="0"/>
@@ -8973,6 +9181,20 @@
                 </a:rPr>
                 <a:t>BEIJING UNIVERSITY OF TECHNOLOGY</a:t>
               </a:r>
+              <a:endParaRPr kumimoji="0" lang="en-US" altLang="zh-CN" sz="800" b="1" i="0" u="none" strike="noStrike" kern="1200" cap="none" spc="0" normalizeH="0" baseline="0" noProof="0" dirty="0">
+                <a:ln>
+                  <a:noFill/>
+                </a:ln>
+                <a:solidFill>
+                  <a:srgbClr val="024282"/>
+                </a:solidFill>
+                <a:effectLst/>
+                <a:uLnTx/>
+                <a:uFillTx/>
+                <a:latin typeface="Calibri" panose="020F0502020204030204"/>
+                <a:ea typeface="宋体" pitchFamily="2" charset="-122"/>
+                <a:cs typeface="+mn-cs"/>
+              </a:endParaRPr>
             </a:p>
           </p:txBody>
         </p:sp>
@@ -9012,7 +9234,7 @@
           <p:nvPr/>
         </p:nvPicPr>
         <p:blipFill>
-          <a:blip r:embed="rId5"/>
+          <a:blip r:embed="rId3"/>
           <a:stretch>
             <a:fillRect/>
           </a:stretch>
@@ -9029,20 +9251,14 @@
       </p:pic>
       <p:pic>
         <p:nvPicPr>
-          <p:cNvPr id="6" name="图片 5">
-            <a:extLst>
-              <a:ext uri="{FF2B5EF4-FFF2-40B4-BE49-F238E27FC236}">
-                <a16:creationId xmlns:a16="http://schemas.microsoft.com/office/drawing/2014/main" id="{CBA952F9-D76F-D6DE-8188-B1D7E2EDD6DC}"/>
-              </a:ext>
-            </a:extLst>
-          </p:cNvPr>
+          <p:cNvPr id="6" name="图片 5"/>
           <p:cNvPicPr>
             <a:picLocks noChangeAspect="1"/>
           </p:cNvPicPr>
           <p:nvPr/>
         </p:nvPicPr>
         <p:blipFill>
-          <a:blip r:embed="rId6"/>
+          <a:blip r:embed="rId4"/>
           <a:stretch>
             <a:fillRect/>
           </a:stretch>
@@ -9140,7 +9356,7 @@
             <p:nvPr/>
           </p:nvPicPr>
           <p:blipFill>
-            <a:blip r:embed="rId3" cstate="print">
+            <a:blip r:embed="rId1" cstate="print">
               <a:extLst>
                 <a:ext uri="{28A0092B-C50C-407E-A947-70E740481C1C}">
                   <a14:useLocalDpi xmlns:a14="http://schemas.microsoft.com/office/drawing/2010/main" val="0"/>
@@ -9171,7 +9387,7 @@
             <p:nvPr/>
           </p:nvPicPr>
           <p:blipFill>
-            <a:blip r:embed="rId4" cstate="print">
+            <a:blip r:embed="rId2" cstate="print">
               <a:extLst>
                 <a:ext uri="{28A0092B-C50C-407E-A947-70E740481C1C}">
                   <a14:useLocalDpi xmlns:a14="http://schemas.microsoft.com/office/drawing/2010/main" val="0"/>
@@ -9247,6 +9463,20 @@
                 </a:rPr>
                 <a:t>BEIJING UNIVERSITY OF TECHNOLOGY</a:t>
               </a:r>
+              <a:endParaRPr kumimoji="0" lang="en-US" altLang="zh-CN" sz="800" b="1" i="0" u="none" strike="noStrike" kern="1200" cap="none" spc="0" normalizeH="0" baseline="0" noProof="0" dirty="0">
+                <a:ln>
+                  <a:noFill/>
+                </a:ln>
+                <a:solidFill>
+                  <a:srgbClr val="024282"/>
+                </a:solidFill>
+                <a:effectLst/>
+                <a:uLnTx/>
+                <a:uFillTx/>
+                <a:latin typeface="Calibri" panose="020F0502020204030204"/>
+                <a:ea typeface="宋体" pitchFamily="2" charset="-122"/>
+                <a:cs typeface="+mn-cs"/>
+              </a:endParaRPr>
             </a:p>
           </p:txBody>
         </p:sp>
@@ -9303,6 +9533,7 @@
               <a:rPr lang="en-US" altLang="zh-CN"/>
               <a:t>Softmax CE loss</a:t>
             </a:r>
+            <a:endParaRPr lang="en-US" altLang="zh-CN"/>
           </a:p>
           <a:p>
             <a:endParaRPr lang="en-US" altLang="zh-CN"/>
@@ -9318,7 +9549,7 @@
           <p:nvPr/>
         </p:nvPicPr>
         <p:blipFill>
-          <a:blip r:embed="rId5"/>
+          <a:blip r:embed="rId3"/>
           <a:stretch>
             <a:fillRect/>
           </a:stretch>
@@ -9333,8 +9564,8 @@
           </a:prstGeom>
         </p:spPr>
       </p:pic>
-      <mc:AlternateContent xmlns:mc="http://schemas.openxmlformats.org/markup-compatibility/2006" xmlns:a14="http://schemas.microsoft.com/office/drawing/2010/main">
-        <mc:Choice Requires="a14">
+      <mc:AlternateContent xmlns:mc="http://schemas.openxmlformats.org/markup-compatibility/2006">
+        <mc:Choice xmlns:a14="http://schemas.microsoft.com/office/drawing/2010/main" Requires="a14">
           <p:sp>
             <p:nvSpPr>
               <p:cNvPr id="5" name="文本框 4"/>
@@ -9450,11 +9681,15 @@
                   </a:rPr>
                   <a:t>生成的特征</a:t>
                 </a:r>
+                <a:endParaRPr lang="zh-CN" altLang="en-US" i="1">
+                  <a:latin typeface="DejaVu Math TeX Gyre" panose="02000503000000000000" charset="0"/>
+                  <a:cs typeface="DejaVu Math TeX Gyre" panose="02000503000000000000" charset="0"/>
+                </a:endParaRPr>
               </a:p>
             </p:txBody>
           </p:sp>
         </mc:Choice>
-        <mc:Fallback xmlns="">
+        <mc:Fallback>
           <p:sp>
             <p:nvSpPr>
               <p:cNvPr id="5" name="文本框 4"/>
@@ -9472,7 +9707,7 @@
                 <a:avLst/>
               </a:prstGeom>
               <a:blipFill rotWithShape="1">
-                <a:blip r:embed="rId6"/>
+                <a:blip r:embed="rId4"/>
                 <a:stretch>
                   <a:fillRect l="-10" t="-69" r="10" b="69"/>
                 </a:stretch>
@@ -9576,7 +9811,7 @@
             <p:nvPr/>
           </p:nvPicPr>
           <p:blipFill>
-            <a:blip r:embed="rId3" cstate="print">
+            <a:blip r:embed="rId1" cstate="print">
               <a:extLst>
                 <a:ext uri="{28A0092B-C50C-407E-A947-70E740481C1C}">
                   <a14:useLocalDpi xmlns:a14="http://schemas.microsoft.com/office/drawing/2010/main" val="0"/>
@@ -9607,7 +9842,7 @@
             <p:nvPr/>
           </p:nvPicPr>
           <p:blipFill>
-            <a:blip r:embed="rId4" cstate="print">
+            <a:blip r:embed="rId2" cstate="print">
               <a:extLst>
                 <a:ext uri="{28A0092B-C50C-407E-A947-70E740481C1C}">
                   <a14:useLocalDpi xmlns:a14="http://schemas.microsoft.com/office/drawing/2010/main" val="0"/>
@@ -9683,6 +9918,20 @@
                 </a:rPr>
                 <a:t>BEIJING UNIVERSITY OF TECHNOLOGY</a:t>
               </a:r>
+              <a:endParaRPr kumimoji="0" lang="en-US" altLang="zh-CN" sz="800" b="1" i="0" u="none" strike="noStrike" kern="1200" cap="none" spc="0" normalizeH="0" baseline="0" noProof="0" dirty="0">
+                <a:ln>
+                  <a:noFill/>
+                </a:ln>
+                <a:solidFill>
+                  <a:srgbClr val="024282"/>
+                </a:solidFill>
+                <a:effectLst/>
+                <a:uLnTx/>
+                <a:uFillTx/>
+                <a:latin typeface="Calibri" panose="020F0502020204030204"/>
+                <a:ea typeface="宋体" pitchFamily="2" charset="-122"/>
+                <a:cs typeface="+mn-cs"/>
+              </a:endParaRPr>
             </a:p>
           </p:txBody>
         </p:sp>
@@ -9715,20 +9964,14 @@
       </p:sp>
       <p:pic>
         <p:nvPicPr>
-          <p:cNvPr id="4" name="图片 3">
-            <a:extLst>
-              <a:ext uri="{FF2B5EF4-FFF2-40B4-BE49-F238E27FC236}">
-                <a16:creationId xmlns:a16="http://schemas.microsoft.com/office/drawing/2014/main" id="{CBE32EA3-2242-5242-D48D-07033DD69C37}"/>
-              </a:ext>
-            </a:extLst>
-          </p:cNvPr>
+          <p:cNvPr id="4" name="图片 3"/>
           <p:cNvPicPr>
             <a:picLocks noChangeAspect="1"/>
           </p:cNvPicPr>
           <p:nvPr/>
         </p:nvPicPr>
         <p:blipFill>
-          <a:blip r:embed="rId5"/>
+          <a:blip r:embed="rId3"/>
           <a:stretch>
             <a:fillRect/>
           </a:stretch>
@@ -9745,20 +9988,14 @@
       </p:pic>
       <p:pic>
         <p:nvPicPr>
-          <p:cNvPr id="6" name="图片 5">
-            <a:extLst>
-              <a:ext uri="{FF2B5EF4-FFF2-40B4-BE49-F238E27FC236}">
-                <a16:creationId xmlns:a16="http://schemas.microsoft.com/office/drawing/2014/main" id="{D549092F-4F7B-F709-7ACF-B4786019866A}"/>
-              </a:ext>
-            </a:extLst>
-          </p:cNvPr>
+          <p:cNvPr id="6" name="图片 5"/>
           <p:cNvPicPr>
             <a:picLocks noChangeAspect="1"/>
           </p:cNvPicPr>
           <p:nvPr/>
         </p:nvPicPr>
         <p:blipFill>
-          <a:blip r:embed="rId6"/>
+          <a:blip r:embed="rId4"/>
           <a:stretch>
             <a:fillRect/>
           </a:stretch>
@@ -9856,7 +10093,7 @@
             <p:nvPr/>
           </p:nvPicPr>
           <p:blipFill>
-            <a:blip r:embed="rId3" cstate="print">
+            <a:blip r:embed="rId1" cstate="print">
               <a:extLst>
                 <a:ext uri="{28A0092B-C50C-407E-A947-70E740481C1C}">
                   <a14:useLocalDpi xmlns:a14="http://schemas.microsoft.com/office/drawing/2010/main" val="0"/>
@@ -9887,7 +10124,7 @@
             <p:nvPr/>
           </p:nvPicPr>
           <p:blipFill>
-            <a:blip r:embed="rId4" cstate="print">
+            <a:blip r:embed="rId2" cstate="print">
               <a:extLst>
                 <a:ext uri="{28A0092B-C50C-407E-A947-70E740481C1C}">
                   <a14:useLocalDpi xmlns:a14="http://schemas.microsoft.com/office/drawing/2010/main" val="0"/>
@@ -9963,6 +10200,20 @@
                 </a:rPr>
                 <a:t>BEIJING UNIVERSITY OF TECHNOLOGY</a:t>
               </a:r>
+              <a:endParaRPr kumimoji="0" lang="en-US" altLang="zh-CN" sz="800" b="1" i="0" u="none" strike="noStrike" kern="1200" cap="none" spc="0" normalizeH="0" baseline="0" noProof="0" dirty="0">
+                <a:ln>
+                  <a:noFill/>
+                </a:ln>
+                <a:solidFill>
+                  <a:srgbClr val="024282"/>
+                </a:solidFill>
+                <a:effectLst/>
+                <a:uLnTx/>
+                <a:uFillTx/>
+                <a:latin typeface="Calibri" panose="020F0502020204030204"/>
+                <a:ea typeface="宋体" pitchFamily="2" charset="-122"/>
+                <a:cs typeface="+mn-cs"/>
+              </a:endParaRPr>
             </a:p>
           </p:txBody>
         </p:sp>
@@ -10002,7 +10253,7 @@
           <p:nvPr/>
         </p:nvPicPr>
         <p:blipFill>
-          <a:blip r:embed="rId5"/>
+          <a:blip r:embed="rId3"/>
           <a:stretch>
             <a:fillRect/>
           </a:stretch>
@@ -10044,6 +10295,7 @@
               <a:rPr lang="en-US" altLang="zh-CN"/>
               <a:t> contrastive-based loss</a:t>
             </a:r>
+            <a:endParaRPr lang="en-US" altLang="zh-CN"/>
           </a:p>
         </p:txBody>
       </p:sp>
@@ -10130,7 +10382,7 @@
             <p:nvPr/>
           </p:nvPicPr>
           <p:blipFill>
-            <a:blip r:embed="rId3" cstate="print">
+            <a:blip r:embed="rId1" cstate="print">
               <a:extLst>
                 <a:ext uri="{28A0092B-C50C-407E-A947-70E740481C1C}">
                   <a14:useLocalDpi xmlns:a14="http://schemas.microsoft.com/office/drawing/2010/main" val="0"/>
@@ -10161,7 +10413,7 @@
             <p:nvPr/>
           </p:nvPicPr>
           <p:blipFill>
-            <a:blip r:embed="rId4" cstate="print">
+            <a:blip r:embed="rId2" cstate="print">
               <a:extLst>
                 <a:ext uri="{28A0092B-C50C-407E-A947-70E740481C1C}">
                   <a14:useLocalDpi xmlns:a14="http://schemas.microsoft.com/office/drawing/2010/main" val="0"/>
@@ -10237,6 +10489,20 @@
                 </a:rPr>
                 <a:t>BEIJING UNIVERSITY OF TECHNOLOGY</a:t>
               </a:r>
+              <a:endParaRPr kumimoji="0" lang="en-US" altLang="zh-CN" sz="800" b="1" i="0" u="none" strike="noStrike" kern="1200" cap="none" spc="0" normalizeH="0" baseline="0" noProof="0" dirty="0">
+                <a:ln>
+                  <a:noFill/>
+                </a:ln>
+                <a:solidFill>
+                  <a:srgbClr val="024282"/>
+                </a:solidFill>
+                <a:effectLst/>
+                <a:uLnTx/>
+                <a:uFillTx/>
+                <a:latin typeface="Calibri" panose="020F0502020204030204"/>
+                <a:ea typeface="宋体" pitchFamily="2" charset="-122"/>
+                <a:cs typeface="+mn-cs"/>
+              </a:endParaRPr>
             </a:p>
           </p:txBody>
         </p:sp>
@@ -10276,7 +10542,7 @@
           <p:nvPr/>
         </p:nvPicPr>
         <p:blipFill>
-          <a:blip r:embed="rId5"/>
+          <a:blip r:embed="rId3"/>
           <a:stretch>
             <a:fillRect/>
           </a:stretch>
@@ -10321,11 +10587,12 @@
               <a:rPr lang="en-US" altLang="zh-CN"/>
               <a:t>loss</a:t>
             </a:r>
-          </a:p>
-        </p:txBody>
-      </p:sp>
-      <mc:AlternateContent xmlns:mc="http://schemas.openxmlformats.org/markup-compatibility/2006" xmlns:a14="http://schemas.microsoft.com/office/drawing/2010/main">
-        <mc:Choice Requires="a14">
+            <a:endParaRPr lang="en-US" altLang="zh-CN"/>
+          </a:p>
+        </p:txBody>
+      </p:sp>
+      <mc:AlternateContent xmlns:mc="http://schemas.openxmlformats.org/markup-compatibility/2006">
+        <mc:Choice xmlns:a14="http://schemas.microsoft.com/office/drawing/2010/main" Requires="a14">
           <p:sp>
             <p:nvSpPr>
               <p:cNvPr id="5" name="文本框 4"/>
@@ -10383,6 +10650,10 @@
                   </a:rPr>
                   <a:t>中样本个数</a:t>
                 </a:r>
+                <a:endParaRPr lang="zh-CN" altLang="en-US">
+                  <a:latin typeface="DejaVu Math TeX Gyre" panose="02000503000000000000" charset="0"/>
+                  <a:cs typeface="DejaVu Math TeX Gyre" panose="02000503000000000000" charset="0"/>
+                </a:endParaRPr>
               </a:p>
               <a:p>
                 <a14:m>
@@ -10463,6 +10734,10 @@
                   </a:rPr>
                   <a:t>对应类别的代理权重</a:t>
                 </a:r>
+                <a:endParaRPr lang="zh-CN" altLang="en-US" i="1">
+                  <a:latin typeface="DejaVu Math TeX Gyre" panose="02000503000000000000" charset="0"/>
+                  <a:cs typeface="DejaVu Math TeX Gyre" panose="02000503000000000000" charset="0"/>
+                </a:endParaRPr>
               </a:p>
               <a:p>
                 <a:r>
@@ -10479,6 +10754,10 @@
                   </a:rPr>
                   <a:t>是类别数</a:t>
                 </a:r>
+                <a:endParaRPr lang="zh-CN" altLang="en-US" i="1">
+                  <a:latin typeface="DejaVu Math TeX Gyre" panose="02000503000000000000" charset="0"/>
+                  <a:cs typeface="DejaVu Math TeX Gyre" panose="02000503000000000000" charset="0"/>
+                </a:endParaRPr>
               </a:p>
               <a:p>
                 <a:r>
@@ -10541,11 +10820,15 @@
                   </a:rPr>
                   <a:t>的负样本对个数</a:t>
                 </a:r>
+                <a:endParaRPr lang="zh-CN" altLang="en-US" i="1">
+                  <a:latin typeface="DejaVu Math TeX Gyre" panose="02000503000000000000" charset="0"/>
+                  <a:cs typeface="DejaVu Math TeX Gyre" panose="02000503000000000000" charset="0"/>
+                </a:endParaRPr>
               </a:p>
             </p:txBody>
           </p:sp>
         </mc:Choice>
-        <mc:Fallback xmlns="">
+        <mc:Fallback>
           <p:sp>
             <p:nvSpPr>
               <p:cNvPr id="5" name="文本框 4"/>
@@ -10563,9 +10846,9 @@
                 <a:avLst/>
               </a:prstGeom>
               <a:blipFill rotWithShape="1">
-                <a:blip r:embed="rId6"/>
+                <a:blip r:embed="rId4"/>
                 <a:stretch>
-                  <a:fillRect/>
+                  <a:fillRect b="-3045"/>
                 </a:stretch>
               </a:blipFill>
             </p:spPr>
@@ -10843,8 +11126,6 @@
       </a:bgFillStyleLst>
     </a:fmtScheme>
   </a:themeElements>
-  <a:objectDefaults/>
-  <a:extraClrSchemeLst/>
   <a:extLst>
     <a:ext uri="{05A4C25C-085E-4340-85A3-A5531E510DB2}">
       <thm15:themeFamily xmlns:thm15="http://schemas.microsoft.com/office/thememl/2012/main" name="Office Theme" id="{62F939B6-93AF-4DB8-9C6B-D6C7DFDC589F}" vid="{4A3C46E8-61CC-4603-A589-7422A47A8E4A}"/>
@@ -11104,8 +11385,6 @@
       </a:bgFillStyleLst>
     </a:fmtScheme>
   </a:themeElements>
-  <a:objectDefaults/>
-  <a:extraClrSchemeLst/>
   <a:extLst>
     <a:ext uri="{05A4C25C-085E-4340-85A3-A5531E510DB2}">
       <thm15:themeFamily xmlns:thm15="http://schemas.microsoft.com/office/thememl/2012/main" name="Office Theme" id="{62F939B6-93AF-4DB8-9C6B-D6C7DFDC589F}" vid="{4A3C46E8-61CC-4603-A589-7422A47A8E4A}"/>
@@ -11365,8 +11644,6 @@
       </a:bgFillStyleLst>
     </a:fmtScheme>
   </a:themeElements>
-  <a:objectDefaults/>
-  <a:extraClrSchemeLst/>
   <a:extLst>
     <a:ext uri="{05A4C25C-085E-4340-85A3-A5531E510DB2}">
       <thm15:themeFamily xmlns:thm15="http://schemas.microsoft.com/office/thememl/2012/main" name="Office Theme" id="{62F939B6-93AF-4DB8-9C6B-D6C7DFDC589F}" vid="{4A3C46E8-61CC-4603-A589-7422A47A8E4A}"/>
